--- a/Estructuras de Datos II.pptx
+++ b/Estructuras de Datos II.pptx
@@ -5,7 +5,7 @@
     <p:sldMasterId id="2147483672" r:id="rId1"/>
   </p:sldMasterIdLst>
   <p:notesMasterIdLst>
-    <p:notesMasterId r:id="rId21"/>
+    <p:notesMasterId r:id="rId23"/>
   </p:notesMasterIdLst>
   <p:sldIdLst>
     <p:sldId id="256" r:id="rId2"/>
@@ -27,6 +27,8 @@
     <p:sldId id="275" r:id="rId18"/>
     <p:sldId id="276" r:id="rId19"/>
     <p:sldId id="277" r:id="rId20"/>
+    <p:sldId id="279" r:id="rId21"/>
+    <p:sldId id="280" r:id="rId22"/>
   </p:sldIdLst>
   <p:sldSz cx="7772400" cy="10058400"/>
   <p:notesSz cx="6858000" cy="9144000"/>
@@ -5036,6 +5038,90 @@
 </p:notes>
 </file>
 
+<file path=ppt/notesSlides/notesSlide6.xml><?xml version="1.0" encoding="utf-8"?>
+<p:notes xmlns:a="http://schemas.openxmlformats.org/drawingml/2006/main" xmlns:r="http://schemas.openxmlformats.org/officeDocument/2006/relationships" xmlns:p="http://schemas.openxmlformats.org/presentationml/2006/main">
+  <p:cSld>
+    <p:spTree>
+      <p:nvGrpSpPr>
+        <p:cNvPr id="1" name=""/>
+        <p:cNvGrpSpPr/>
+        <p:nvPr/>
+      </p:nvGrpSpPr>
+      <p:grpSpPr>
+        <a:xfrm>
+          <a:off x="0" y="0"/>
+          <a:ext cx="0" cy="0"/>
+          <a:chOff x="0" y="0"/>
+          <a:chExt cx="0" cy="0"/>
+        </a:xfrm>
+      </p:grpSpPr>
+      <p:sp>
+        <p:nvSpPr>
+          <p:cNvPr id="2" name="Marcador de imagen de diapositiva 1"/>
+          <p:cNvSpPr>
+            <a:spLocks noGrp="1" noRot="1" noChangeAspect="1"/>
+          </p:cNvSpPr>
+          <p:nvPr>
+            <p:ph type="sldImg"/>
+          </p:nvPr>
+        </p:nvSpPr>
+        <p:spPr/>
+      </p:sp>
+      <p:sp>
+        <p:nvSpPr>
+          <p:cNvPr id="3" name="Marcador de notas 2"/>
+          <p:cNvSpPr>
+            <a:spLocks noGrp="1"/>
+          </p:cNvSpPr>
+          <p:nvPr>
+            <p:ph type="body" idx="1"/>
+          </p:nvPr>
+        </p:nvSpPr>
+        <p:spPr/>
+        <p:txBody>
+          <a:bodyPr/>
+          <a:lstStyle/>
+          <a:p>
+            <a:endParaRPr lang="es-MX" dirty="0"/>
+          </a:p>
+        </p:txBody>
+      </p:sp>
+      <p:sp>
+        <p:nvSpPr>
+          <p:cNvPr id="4" name="Marcador de número de diapositiva 3"/>
+          <p:cNvSpPr>
+            <a:spLocks noGrp="1"/>
+          </p:cNvSpPr>
+          <p:nvPr>
+            <p:ph type="sldNum" sz="quarter" idx="5"/>
+          </p:nvPr>
+        </p:nvSpPr>
+        <p:spPr/>
+        <p:txBody>
+          <a:bodyPr/>
+          <a:lstStyle/>
+          <a:p>
+            <a:fld id="{92D4CDAA-1BCD-48C4-A3A1-7E4327409D28}" type="slidenum">
+              <a:rPr lang="es-MX" smtClean="0"/>
+              <a:t>20</a:t>
+            </a:fld>
+            <a:endParaRPr lang="es-MX"/>
+          </a:p>
+        </p:txBody>
+      </p:sp>
+    </p:spTree>
+    <p:extLst>
+      <p:ext uri="{BB962C8B-B14F-4D97-AF65-F5344CB8AC3E}">
+        <p14:creationId xmlns:p14="http://schemas.microsoft.com/office/powerpoint/2010/main" val="1742693300"/>
+      </p:ext>
+    </p:extLst>
+  </p:cSld>
+  <p:clrMapOvr>
+    <a:masterClrMapping/>
+  </p:clrMapOvr>
+</p:notes>
+</file>
+
 <file path=ppt/slideLayouts/slideLayout1.xml><?xml version="1.0" encoding="utf-8"?>
 <p:sldLayout xmlns:a="http://schemas.openxmlformats.org/drawingml/2006/main" xmlns:r="http://schemas.openxmlformats.org/officeDocument/2006/relationships" xmlns:p="http://schemas.openxmlformats.org/presentationml/2006/main" type="title" preserve="1">
   <p:cSld name="Diapositiva de título">
@@ -15444,7 +15530,7 @@
         </p:nvSpPr>
         <p:spPr>
           <a:xfrm>
-            <a:off x="209006" y="1326560"/>
+            <a:off x="209006" y="1357040"/>
             <a:ext cx="417800" cy="314492"/>
           </a:xfrm>
           <a:prstGeom prst="roundRect">
@@ -15503,7 +15589,7 @@
         </p:nvSpPr>
         <p:spPr>
           <a:xfrm>
-            <a:off x="744794" y="1326560"/>
+            <a:off x="744794" y="1357040"/>
             <a:ext cx="6818599" cy="314492"/>
           </a:xfrm>
           <a:prstGeom prst="roundRect">
@@ -29379,6 +29465,6427 @@
 </p:sld>
 </file>
 
+<file path=ppt/slides/slide20.xml><?xml version="1.0" encoding="utf-8"?>
+<p:sld xmlns:a="http://schemas.openxmlformats.org/drawingml/2006/main" xmlns:r="http://schemas.openxmlformats.org/officeDocument/2006/relationships" xmlns:p="http://schemas.openxmlformats.org/presentationml/2006/main">
+  <p:cSld>
+    <p:spTree>
+      <p:nvGrpSpPr>
+        <p:cNvPr id="1" name=""/>
+        <p:cNvGrpSpPr/>
+        <p:nvPr/>
+      </p:nvGrpSpPr>
+      <p:grpSpPr>
+        <a:xfrm>
+          <a:off x="0" y="0"/>
+          <a:ext cx="0" cy="0"/>
+          <a:chOff x="0" y="0"/>
+          <a:chExt cx="0" cy="0"/>
+        </a:xfrm>
+      </p:grpSpPr>
+      <p:sp>
+        <p:nvSpPr>
+          <p:cNvPr id="8" name="Rectángulo 7">
+            <a:extLst>
+              <a:ext uri="{FF2B5EF4-FFF2-40B4-BE49-F238E27FC236}">
+                <a16:creationId xmlns:a16="http://schemas.microsoft.com/office/drawing/2014/main" id="{D2F5F6FC-565C-5B61-67A5-16B63E8E1DDB}"/>
+              </a:ext>
+            </a:extLst>
+          </p:cNvPr>
+          <p:cNvSpPr/>
+          <p:nvPr/>
+        </p:nvSpPr>
+        <p:spPr>
+          <a:xfrm>
+            <a:off x="6795247" y="9627318"/>
+            <a:ext cx="977153" cy="217714"/>
+          </a:xfrm>
+          <a:prstGeom prst="rect">
+            <a:avLst/>
+          </a:prstGeom>
+          <a:solidFill>
+            <a:srgbClr val="5C6BC0"/>
+          </a:solidFill>
+          <a:ln>
+            <a:noFill/>
+          </a:ln>
+        </p:spPr>
+        <p:style>
+          <a:lnRef idx="2">
+            <a:schemeClr val="accent1">
+              <a:shade val="50000"/>
+            </a:schemeClr>
+          </a:lnRef>
+          <a:fillRef idx="1">
+            <a:schemeClr val="accent1"/>
+          </a:fillRef>
+          <a:effectRef idx="0">
+            <a:schemeClr val="accent1"/>
+          </a:effectRef>
+          <a:fontRef idx="minor">
+            <a:schemeClr val="lt1"/>
+          </a:fontRef>
+        </p:style>
+        <p:txBody>
+          <a:bodyPr rtlCol="0" anchor="ctr"/>
+          <a:lstStyle/>
+          <a:p>
+            <a:pPr algn="ctr"/>
+            <a:endParaRPr lang="es-MX"/>
+          </a:p>
+        </p:txBody>
+      </p:sp>
+      <p:sp>
+        <p:nvSpPr>
+          <p:cNvPr id="9" name="Rectángulo: esquinas redondeadas 8">
+            <a:extLst>
+              <a:ext uri="{FF2B5EF4-FFF2-40B4-BE49-F238E27FC236}">
+                <a16:creationId xmlns:a16="http://schemas.microsoft.com/office/drawing/2014/main" id="{A806BC2E-603F-567C-A5A1-1B7905F24F2D}"/>
+              </a:ext>
+            </a:extLst>
+          </p:cNvPr>
+          <p:cNvSpPr/>
+          <p:nvPr/>
+        </p:nvSpPr>
+        <p:spPr>
+          <a:xfrm>
+            <a:off x="6944659" y="9529987"/>
+            <a:ext cx="541989" cy="412376"/>
+          </a:xfrm>
+          <a:prstGeom prst="roundRect">
+            <a:avLst/>
+          </a:prstGeom>
+          <a:solidFill>
+            <a:srgbClr val="A7AFDD"/>
+          </a:solidFill>
+          <a:ln>
+            <a:noFill/>
+          </a:ln>
+        </p:spPr>
+        <p:style>
+          <a:lnRef idx="2">
+            <a:schemeClr val="accent1">
+              <a:shade val="50000"/>
+            </a:schemeClr>
+          </a:lnRef>
+          <a:fillRef idx="1">
+            <a:schemeClr val="accent1"/>
+          </a:fillRef>
+          <a:effectRef idx="0">
+            <a:schemeClr val="accent1"/>
+          </a:effectRef>
+          <a:fontRef idx="minor">
+            <a:schemeClr val="lt1"/>
+          </a:fontRef>
+        </p:style>
+        <p:txBody>
+          <a:bodyPr rtlCol="0" anchor="ctr"/>
+          <a:lstStyle/>
+          <a:p>
+            <a:pPr algn="ctr"/>
+            <a:r>
+              <a:rPr lang="es-MX" sz="2200" b="1" dirty="0">
+                <a:latin typeface="Times New Roman" panose="02020603050405020304" pitchFamily="18" charset="0"/>
+                <a:cs typeface="Times New Roman" panose="02020603050405020304" pitchFamily="18" charset="0"/>
+              </a:rPr>
+              <a:t>21</a:t>
+            </a:r>
+          </a:p>
+        </p:txBody>
+      </p:sp>
+      <p:sp>
+        <p:nvSpPr>
+          <p:cNvPr id="10" name="Rectángulo 9">
+            <a:extLst>
+              <a:ext uri="{FF2B5EF4-FFF2-40B4-BE49-F238E27FC236}">
+                <a16:creationId xmlns:a16="http://schemas.microsoft.com/office/drawing/2014/main" id="{E574BF0B-54DC-6C75-7D92-3C0E0492AA68}"/>
+              </a:ext>
+            </a:extLst>
+          </p:cNvPr>
+          <p:cNvSpPr/>
+          <p:nvPr/>
+        </p:nvSpPr>
+        <p:spPr>
+          <a:xfrm>
+            <a:off x="0" y="9627316"/>
+            <a:ext cx="6008914" cy="217714"/>
+          </a:xfrm>
+          <a:prstGeom prst="rect">
+            <a:avLst/>
+          </a:prstGeom>
+          <a:gradFill flip="none" rotWithShape="1">
+            <a:gsLst>
+              <a:gs pos="44000">
+                <a:srgbClr val="5C6BC0"/>
+              </a:gs>
+              <a:gs pos="100000">
+                <a:schemeClr val="accent1">
+                  <a:lumMod val="30000"/>
+                  <a:lumOff val="70000"/>
+                </a:schemeClr>
+              </a:gs>
+            </a:gsLst>
+            <a:lin ang="0" scaled="1"/>
+            <a:tileRect/>
+          </a:gradFill>
+          <a:ln>
+            <a:noFill/>
+          </a:ln>
+        </p:spPr>
+        <p:style>
+          <a:lnRef idx="2">
+            <a:schemeClr val="accent1">
+              <a:shade val="50000"/>
+            </a:schemeClr>
+          </a:lnRef>
+          <a:fillRef idx="1">
+            <a:schemeClr val="accent1"/>
+          </a:fillRef>
+          <a:effectRef idx="0">
+            <a:schemeClr val="accent1"/>
+          </a:effectRef>
+          <a:fontRef idx="minor">
+            <a:schemeClr val="lt1"/>
+          </a:fontRef>
+        </p:style>
+        <p:txBody>
+          <a:bodyPr rtlCol="0" anchor="ctr"/>
+          <a:lstStyle/>
+          <a:p>
+            <a:r>
+              <a:rPr lang="es-MX" sz="1200" dirty="0">
+                <a:latin typeface="Times New Roman" panose="02020603050405020304" pitchFamily="18" charset="0"/>
+                <a:cs typeface="Times New Roman" panose="02020603050405020304" pitchFamily="18" charset="0"/>
+              </a:rPr>
+              <a:t>	Árboles binarios</a:t>
+            </a:r>
+          </a:p>
+        </p:txBody>
+      </p:sp>
+      <p:sp>
+        <p:nvSpPr>
+          <p:cNvPr id="3" name="CuadroTexto 2">
+            <a:extLst>
+              <a:ext uri="{FF2B5EF4-FFF2-40B4-BE49-F238E27FC236}">
+                <a16:creationId xmlns:a16="http://schemas.microsoft.com/office/drawing/2014/main" id="{7D063891-144E-1959-2257-C14C152491D9}"/>
+              </a:ext>
+            </a:extLst>
+          </p:cNvPr>
+          <p:cNvSpPr txBox="1"/>
+          <p:nvPr/>
+        </p:nvSpPr>
+        <p:spPr>
+          <a:xfrm>
+            <a:off x="121253" y="469796"/>
+            <a:ext cx="6184419" cy="384721"/>
+          </a:xfrm>
+          <a:prstGeom prst="rect">
+            <a:avLst/>
+          </a:prstGeom>
+          <a:noFill/>
+        </p:spPr>
+        <p:txBody>
+          <a:bodyPr wrap="square" rtlCol="0">
+            <a:spAutoFit/>
+          </a:bodyPr>
+          <a:lstStyle/>
+          <a:p>
+            <a:r>
+              <a:rPr lang="es-MX" sz="1900" b="1" dirty="0">
+                <a:latin typeface="Times New Roman" panose="02020603050405020304" pitchFamily="18" charset="0"/>
+                <a:cs typeface="Times New Roman" panose="02020603050405020304" pitchFamily="18" charset="0"/>
+              </a:rPr>
+              <a:t>ÁRBOLES BINARIOS</a:t>
+            </a:r>
+          </a:p>
+        </p:txBody>
+      </p:sp>
+      <p:grpSp>
+        <p:nvGrpSpPr>
+          <p:cNvPr id="13" name="Grupo 12">
+            <a:extLst>
+              <a:ext uri="{FF2B5EF4-FFF2-40B4-BE49-F238E27FC236}">
+                <a16:creationId xmlns:a16="http://schemas.microsoft.com/office/drawing/2014/main" id="{1481219D-E4C6-4269-D34C-C91114DAE475}"/>
+              </a:ext>
+            </a:extLst>
+          </p:cNvPr>
+          <p:cNvGrpSpPr/>
+          <p:nvPr/>
+        </p:nvGrpSpPr>
+        <p:grpSpPr>
+          <a:xfrm>
+            <a:off x="209007" y="930923"/>
+            <a:ext cx="6008913" cy="196836"/>
+            <a:chOff x="374469" y="870866"/>
+            <a:chExt cx="5529942" cy="195935"/>
+          </a:xfrm>
+        </p:grpSpPr>
+        <p:cxnSp>
+          <p:nvCxnSpPr>
+            <p:cNvPr id="15" name="Conector recto 14">
+              <a:extLst>
+                <a:ext uri="{FF2B5EF4-FFF2-40B4-BE49-F238E27FC236}">
+                  <a16:creationId xmlns:a16="http://schemas.microsoft.com/office/drawing/2014/main" id="{D18B2FA1-5188-74FA-E33C-5EEE98ADF5D7}"/>
+                </a:ext>
+              </a:extLst>
+            </p:cNvPr>
+            <p:cNvCxnSpPr/>
+            <p:nvPr/>
+          </p:nvCxnSpPr>
+          <p:spPr>
+            <a:xfrm>
+              <a:off x="374469" y="870866"/>
+              <a:ext cx="5529942" cy="0"/>
+            </a:xfrm>
+            <a:prstGeom prst="line">
+              <a:avLst/>
+            </a:prstGeom>
+            <a:ln w="57150">
+              <a:solidFill>
+                <a:srgbClr val="5C6BC0"/>
+              </a:solidFill>
+            </a:ln>
+          </p:spPr>
+          <p:style>
+            <a:lnRef idx="1">
+              <a:schemeClr val="accent1"/>
+            </a:lnRef>
+            <a:fillRef idx="0">
+              <a:schemeClr val="accent1"/>
+            </a:fillRef>
+            <a:effectRef idx="0">
+              <a:schemeClr val="accent1"/>
+            </a:effectRef>
+            <a:fontRef idx="minor">
+              <a:schemeClr val="tx1"/>
+            </a:fontRef>
+          </p:style>
+        </p:cxnSp>
+        <p:cxnSp>
+          <p:nvCxnSpPr>
+            <p:cNvPr id="30" name="Conector recto 29">
+              <a:extLst>
+                <a:ext uri="{FF2B5EF4-FFF2-40B4-BE49-F238E27FC236}">
+                  <a16:creationId xmlns:a16="http://schemas.microsoft.com/office/drawing/2014/main" id="{6B35AA3B-72B2-B95B-DF53-2D49D76CD043}"/>
+                </a:ext>
+              </a:extLst>
+            </p:cNvPr>
+            <p:cNvCxnSpPr/>
+            <p:nvPr/>
+          </p:nvCxnSpPr>
+          <p:spPr>
+            <a:xfrm>
+              <a:off x="374469" y="971011"/>
+              <a:ext cx="5529942" cy="0"/>
+            </a:xfrm>
+            <a:prstGeom prst="line">
+              <a:avLst/>
+            </a:prstGeom>
+            <a:ln w="57150">
+              <a:solidFill>
+                <a:srgbClr val="8691D0"/>
+              </a:solidFill>
+            </a:ln>
+          </p:spPr>
+          <p:style>
+            <a:lnRef idx="1">
+              <a:schemeClr val="accent1"/>
+            </a:lnRef>
+            <a:fillRef idx="0">
+              <a:schemeClr val="accent1"/>
+            </a:fillRef>
+            <a:effectRef idx="0">
+              <a:schemeClr val="accent1"/>
+            </a:effectRef>
+            <a:fontRef idx="minor">
+              <a:schemeClr val="tx1"/>
+            </a:fontRef>
+          </p:style>
+        </p:cxnSp>
+        <p:cxnSp>
+          <p:nvCxnSpPr>
+            <p:cNvPr id="33" name="Conector recto 32">
+              <a:extLst>
+                <a:ext uri="{FF2B5EF4-FFF2-40B4-BE49-F238E27FC236}">
+                  <a16:creationId xmlns:a16="http://schemas.microsoft.com/office/drawing/2014/main" id="{52D2F1F2-E894-911B-96BA-620D3C4F52C5}"/>
+                </a:ext>
+              </a:extLst>
+            </p:cNvPr>
+            <p:cNvCxnSpPr/>
+            <p:nvPr/>
+          </p:nvCxnSpPr>
+          <p:spPr>
+            <a:xfrm>
+              <a:off x="374469" y="1066801"/>
+              <a:ext cx="5529942" cy="0"/>
+            </a:xfrm>
+            <a:prstGeom prst="line">
+              <a:avLst/>
+            </a:prstGeom>
+            <a:ln w="57150">
+              <a:solidFill>
+                <a:srgbClr val="A7AFDD"/>
+              </a:solidFill>
+            </a:ln>
+          </p:spPr>
+          <p:style>
+            <a:lnRef idx="1">
+              <a:schemeClr val="accent1"/>
+            </a:lnRef>
+            <a:fillRef idx="0">
+              <a:schemeClr val="accent1"/>
+            </a:fillRef>
+            <a:effectRef idx="0">
+              <a:schemeClr val="accent1"/>
+            </a:effectRef>
+            <a:fontRef idx="minor">
+              <a:schemeClr val="tx1"/>
+            </a:fontRef>
+          </p:style>
+        </p:cxnSp>
+      </p:grpSp>
+      <p:sp>
+        <p:nvSpPr>
+          <p:cNvPr id="34" name="Rectángulo: esquinas redondeadas 33">
+            <a:extLst>
+              <a:ext uri="{FF2B5EF4-FFF2-40B4-BE49-F238E27FC236}">
+                <a16:creationId xmlns:a16="http://schemas.microsoft.com/office/drawing/2014/main" id="{022FDD91-531E-97FC-63FE-71C8EEC4ABD1}"/>
+              </a:ext>
+            </a:extLst>
+          </p:cNvPr>
+          <p:cNvSpPr/>
+          <p:nvPr/>
+        </p:nvSpPr>
+        <p:spPr>
+          <a:xfrm>
+            <a:off x="6516189" y="293048"/>
+            <a:ext cx="856942" cy="995174"/>
+          </a:xfrm>
+          <a:prstGeom prst="roundRect">
+            <a:avLst/>
+          </a:prstGeom>
+        </p:spPr>
+        <p:style>
+          <a:lnRef idx="2">
+            <a:schemeClr val="accent1">
+              <a:shade val="50000"/>
+            </a:schemeClr>
+          </a:lnRef>
+          <a:fillRef idx="1">
+            <a:schemeClr val="accent1"/>
+          </a:fillRef>
+          <a:effectRef idx="0">
+            <a:schemeClr val="accent1"/>
+          </a:effectRef>
+          <a:fontRef idx="minor">
+            <a:schemeClr val="lt1"/>
+          </a:fontRef>
+        </p:style>
+        <p:txBody>
+          <a:bodyPr rtlCol="0" anchor="ctr"/>
+          <a:lstStyle/>
+          <a:p>
+            <a:pPr algn="ctr"/>
+            <a:r>
+              <a:rPr lang="es-MX" sz="5400" b="1" dirty="0">
+                <a:latin typeface="Times New Roman" panose="02020603050405020304" pitchFamily="18" charset="0"/>
+                <a:cs typeface="Times New Roman" panose="02020603050405020304" pitchFamily="18" charset="0"/>
+              </a:rPr>
+              <a:t>4</a:t>
+            </a:r>
+          </a:p>
+        </p:txBody>
+      </p:sp>
+      <p:grpSp>
+        <p:nvGrpSpPr>
+          <p:cNvPr id="131" name="Grupo 130">
+            <a:extLst>
+              <a:ext uri="{FF2B5EF4-FFF2-40B4-BE49-F238E27FC236}">
+                <a16:creationId xmlns:a16="http://schemas.microsoft.com/office/drawing/2014/main" id="{D0AEDC59-D816-F9AF-0C73-2596987DB20B}"/>
+              </a:ext>
+            </a:extLst>
+          </p:cNvPr>
+          <p:cNvGrpSpPr/>
+          <p:nvPr/>
+        </p:nvGrpSpPr>
+        <p:grpSpPr>
+          <a:xfrm>
+            <a:off x="209006" y="1787837"/>
+            <a:ext cx="2160000" cy="3042587"/>
+            <a:chOff x="188838" y="1391529"/>
+            <a:chExt cx="4755713" cy="3081409"/>
+          </a:xfrm>
+        </p:grpSpPr>
+        <p:sp>
+          <p:nvSpPr>
+            <p:cNvPr id="4" name="Elipse 3">
+              <a:extLst>
+                <a:ext uri="{FF2B5EF4-FFF2-40B4-BE49-F238E27FC236}">
+                  <a16:creationId xmlns:a16="http://schemas.microsoft.com/office/drawing/2014/main" id="{3E27B5E4-34E2-2D00-7DFE-9C15DFAAA471}"/>
+                </a:ext>
+              </a:extLst>
+            </p:cNvPr>
+            <p:cNvSpPr/>
+            <p:nvPr/>
+          </p:nvSpPr>
+          <p:spPr>
+            <a:xfrm>
+              <a:off x="2485728" y="1391529"/>
+              <a:ext cx="540000" cy="540000"/>
+            </a:xfrm>
+            <a:prstGeom prst="ellipse">
+              <a:avLst/>
+            </a:prstGeom>
+          </p:spPr>
+          <p:style>
+            <a:lnRef idx="2">
+              <a:schemeClr val="accent1">
+                <a:shade val="50000"/>
+              </a:schemeClr>
+            </a:lnRef>
+            <a:fillRef idx="1">
+              <a:schemeClr val="accent1"/>
+            </a:fillRef>
+            <a:effectRef idx="0">
+              <a:schemeClr val="accent1"/>
+            </a:effectRef>
+            <a:fontRef idx="minor">
+              <a:schemeClr val="lt1"/>
+            </a:fontRef>
+          </p:style>
+          <p:txBody>
+            <a:bodyPr rtlCol="0" anchor="ctr"/>
+            <a:lstStyle/>
+            <a:p>
+              <a:pPr algn="ctr"/>
+              <a:endParaRPr lang="es-MX"/>
+            </a:p>
+          </p:txBody>
+        </p:sp>
+        <p:grpSp>
+          <p:nvGrpSpPr>
+            <p:cNvPr id="62" name="Grupo 61">
+              <a:extLst>
+                <a:ext uri="{FF2B5EF4-FFF2-40B4-BE49-F238E27FC236}">
+                  <a16:creationId xmlns:a16="http://schemas.microsoft.com/office/drawing/2014/main" id="{CE120B09-7064-9E01-075B-C549B55D8DBD}"/>
+                </a:ext>
+              </a:extLst>
+            </p:cNvPr>
+            <p:cNvGrpSpPr/>
+            <p:nvPr/>
+          </p:nvGrpSpPr>
+          <p:grpSpPr>
+            <a:xfrm>
+              <a:off x="188838" y="2230377"/>
+              <a:ext cx="2292932" cy="2242561"/>
+              <a:chOff x="188838" y="2230377"/>
+              <a:chExt cx="2292932" cy="2242561"/>
+            </a:xfrm>
+          </p:grpSpPr>
+          <p:sp>
+            <p:nvSpPr>
+              <p:cNvPr id="5" name="Elipse 4">
+                <a:extLst>
+                  <a:ext uri="{FF2B5EF4-FFF2-40B4-BE49-F238E27FC236}">
+                    <a16:creationId xmlns:a16="http://schemas.microsoft.com/office/drawing/2014/main" id="{9571E0D5-D068-2885-A1E2-5672D7035DAF}"/>
+                  </a:ext>
+                </a:extLst>
+              </p:cNvPr>
+              <p:cNvSpPr/>
+              <p:nvPr/>
+            </p:nvSpPr>
+            <p:spPr>
+              <a:xfrm>
+                <a:off x="1065304" y="2230377"/>
+                <a:ext cx="540000" cy="540000"/>
+              </a:xfrm>
+              <a:prstGeom prst="ellipse">
+                <a:avLst/>
+              </a:prstGeom>
+            </p:spPr>
+            <p:style>
+              <a:lnRef idx="2">
+                <a:schemeClr val="accent1">
+                  <a:shade val="50000"/>
+                </a:schemeClr>
+              </a:lnRef>
+              <a:fillRef idx="1">
+                <a:schemeClr val="accent1"/>
+              </a:fillRef>
+              <a:effectRef idx="0">
+                <a:schemeClr val="accent1"/>
+              </a:effectRef>
+              <a:fontRef idx="minor">
+                <a:schemeClr val="lt1"/>
+              </a:fontRef>
+            </p:style>
+            <p:txBody>
+              <a:bodyPr rtlCol="0" anchor="ctr"/>
+              <a:lstStyle/>
+              <a:p>
+                <a:pPr algn="ctr"/>
+                <a:endParaRPr lang="es-MX"/>
+              </a:p>
+            </p:txBody>
+          </p:sp>
+          <p:grpSp>
+            <p:nvGrpSpPr>
+              <p:cNvPr id="43" name="Grupo 42">
+                <a:extLst>
+                  <a:ext uri="{FF2B5EF4-FFF2-40B4-BE49-F238E27FC236}">
+                    <a16:creationId xmlns:a16="http://schemas.microsoft.com/office/drawing/2014/main" id="{20A40729-A4F8-942D-2E62-FF7227B917E4}"/>
+                  </a:ext>
+                </a:extLst>
+              </p:cNvPr>
+              <p:cNvGrpSpPr/>
+              <p:nvPr/>
+            </p:nvGrpSpPr>
+            <p:grpSpPr>
+              <a:xfrm>
+                <a:off x="188838" y="3081657"/>
+                <a:ext cx="2292932" cy="540000"/>
+                <a:chOff x="188838" y="3104518"/>
+                <a:chExt cx="2292932" cy="540000"/>
+              </a:xfrm>
+            </p:grpSpPr>
+            <p:sp>
+              <p:nvSpPr>
+                <p:cNvPr id="7" name="Elipse 6">
+                  <a:extLst>
+                    <a:ext uri="{FF2B5EF4-FFF2-40B4-BE49-F238E27FC236}">
+                      <a16:creationId xmlns:a16="http://schemas.microsoft.com/office/drawing/2014/main" id="{8CD2BD2C-5F4C-D09E-ED81-65F64E95F27A}"/>
+                    </a:ext>
+                  </a:extLst>
+                </p:cNvPr>
+                <p:cNvSpPr/>
+                <p:nvPr/>
+              </p:nvSpPr>
+              <p:spPr>
+                <a:xfrm>
+                  <a:off x="188838" y="3104518"/>
+                  <a:ext cx="540000" cy="540000"/>
+                </a:xfrm>
+                <a:prstGeom prst="ellipse">
+                  <a:avLst/>
+                </a:prstGeom>
+              </p:spPr>
+              <p:style>
+                <a:lnRef idx="2">
+                  <a:schemeClr val="accent1">
+                    <a:shade val="50000"/>
+                  </a:schemeClr>
+                </a:lnRef>
+                <a:fillRef idx="1">
+                  <a:schemeClr val="accent1"/>
+                </a:fillRef>
+                <a:effectRef idx="0">
+                  <a:schemeClr val="accent1"/>
+                </a:effectRef>
+                <a:fontRef idx="minor">
+                  <a:schemeClr val="lt1"/>
+                </a:fontRef>
+              </p:style>
+              <p:txBody>
+                <a:bodyPr rtlCol="0" anchor="ctr"/>
+                <a:lstStyle/>
+                <a:p>
+                  <a:pPr algn="ctr"/>
+                  <a:endParaRPr lang="es-MX"/>
+                </a:p>
+              </p:txBody>
+            </p:sp>
+            <p:sp>
+              <p:nvSpPr>
+                <p:cNvPr id="11" name="Elipse 10">
+                  <a:extLst>
+                    <a:ext uri="{FF2B5EF4-FFF2-40B4-BE49-F238E27FC236}">
+                      <a16:creationId xmlns:a16="http://schemas.microsoft.com/office/drawing/2014/main" id="{498B3B58-7567-35C0-E2E9-BDD0F4D0478C}"/>
+                    </a:ext>
+                  </a:extLst>
+                </p:cNvPr>
+                <p:cNvSpPr/>
+                <p:nvPr/>
+              </p:nvSpPr>
+              <p:spPr>
+                <a:xfrm>
+                  <a:off x="1065304" y="3104518"/>
+                  <a:ext cx="540000" cy="540000"/>
+                </a:xfrm>
+                <a:prstGeom prst="ellipse">
+                  <a:avLst/>
+                </a:prstGeom>
+              </p:spPr>
+              <p:style>
+                <a:lnRef idx="2">
+                  <a:schemeClr val="accent1">
+                    <a:shade val="50000"/>
+                  </a:schemeClr>
+                </a:lnRef>
+                <a:fillRef idx="1">
+                  <a:schemeClr val="accent1"/>
+                </a:fillRef>
+                <a:effectRef idx="0">
+                  <a:schemeClr val="accent1"/>
+                </a:effectRef>
+                <a:fontRef idx="minor">
+                  <a:schemeClr val="lt1"/>
+                </a:fontRef>
+              </p:style>
+              <p:txBody>
+                <a:bodyPr rtlCol="0" anchor="ctr"/>
+                <a:lstStyle/>
+                <a:p>
+                  <a:pPr algn="ctr"/>
+                  <a:endParaRPr lang="es-MX"/>
+                </a:p>
+              </p:txBody>
+            </p:sp>
+            <p:sp>
+              <p:nvSpPr>
+                <p:cNvPr id="12" name="Elipse 11">
+                  <a:extLst>
+                    <a:ext uri="{FF2B5EF4-FFF2-40B4-BE49-F238E27FC236}">
+                      <a16:creationId xmlns:a16="http://schemas.microsoft.com/office/drawing/2014/main" id="{5C97FC63-EA70-238A-6381-85A010BB3831}"/>
+                    </a:ext>
+                  </a:extLst>
+                </p:cNvPr>
+                <p:cNvSpPr/>
+                <p:nvPr/>
+              </p:nvSpPr>
+              <p:spPr>
+                <a:xfrm>
+                  <a:off x="1941770" y="3104518"/>
+                  <a:ext cx="540000" cy="540000"/>
+                </a:xfrm>
+                <a:prstGeom prst="ellipse">
+                  <a:avLst/>
+                </a:prstGeom>
+              </p:spPr>
+              <p:style>
+                <a:lnRef idx="2">
+                  <a:schemeClr val="accent1">
+                    <a:shade val="50000"/>
+                  </a:schemeClr>
+                </a:lnRef>
+                <a:fillRef idx="1">
+                  <a:schemeClr val="accent1"/>
+                </a:fillRef>
+                <a:effectRef idx="0">
+                  <a:schemeClr val="accent1"/>
+                </a:effectRef>
+                <a:fontRef idx="minor">
+                  <a:schemeClr val="lt1"/>
+                </a:fontRef>
+              </p:style>
+              <p:txBody>
+                <a:bodyPr rtlCol="0" anchor="ctr"/>
+                <a:lstStyle/>
+                <a:p>
+                  <a:pPr algn="ctr"/>
+                  <a:endParaRPr lang="es-MX"/>
+                </a:p>
+              </p:txBody>
+            </p:sp>
+          </p:grpSp>
+          <p:grpSp>
+            <p:nvGrpSpPr>
+              <p:cNvPr id="61" name="Grupo 60">
+                <a:extLst>
+                  <a:ext uri="{FF2B5EF4-FFF2-40B4-BE49-F238E27FC236}">
+                    <a16:creationId xmlns:a16="http://schemas.microsoft.com/office/drawing/2014/main" id="{22601E6D-6541-5F3F-C86A-F41FCE3F05E6}"/>
+                  </a:ext>
+                </a:extLst>
+              </p:cNvPr>
+              <p:cNvGrpSpPr/>
+              <p:nvPr/>
+            </p:nvGrpSpPr>
+            <p:grpSpPr>
+              <a:xfrm>
+                <a:off x="530209" y="3932938"/>
+                <a:ext cx="1610191" cy="540000"/>
+                <a:chOff x="564889" y="3932938"/>
+                <a:chExt cx="1610191" cy="540000"/>
+              </a:xfrm>
+            </p:grpSpPr>
+            <p:sp>
+              <p:nvSpPr>
+                <p:cNvPr id="6" name="Elipse 5">
+                  <a:extLst>
+                    <a:ext uri="{FF2B5EF4-FFF2-40B4-BE49-F238E27FC236}">
+                      <a16:creationId xmlns:a16="http://schemas.microsoft.com/office/drawing/2014/main" id="{749163B2-7041-C8B4-21AB-DA0E5FCFE54C}"/>
+                    </a:ext>
+                  </a:extLst>
+                </p:cNvPr>
+                <p:cNvSpPr/>
+                <p:nvPr/>
+              </p:nvSpPr>
+              <p:spPr>
+                <a:xfrm>
+                  <a:off x="1635080" y="3932938"/>
+                  <a:ext cx="540000" cy="540000"/>
+                </a:xfrm>
+                <a:prstGeom prst="ellipse">
+                  <a:avLst/>
+                </a:prstGeom>
+              </p:spPr>
+              <p:style>
+                <a:lnRef idx="2">
+                  <a:schemeClr val="accent1">
+                    <a:shade val="50000"/>
+                  </a:schemeClr>
+                </a:lnRef>
+                <a:fillRef idx="1">
+                  <a:schemeClr val="accent1"/>
+                </a:fillRef>
+                <a:effectRef idx="0">
+                  <a:schemeClr val="accent1"/>
+                </a:effectRef>
+                <a:fontRef idx="minor">
+                  <a:schemeClr val="lt1"/>
+                </a:fontRef>
+              </p:style>
+              <p:txBody>
+                <a:bodyPr rtlCol="0" anchor="ctr"/>
+                <a:lstStyle/>
+                <a:p>
+                  <a:pPr algn="ctr"/>
+                  <a:endParaRPr lang="es-MX"/>
+                </a:p>
+              </p:txBody>
+            </p:sp>
+            <p:sp>
+              <p:nvSpPr>
+                <p:cNvPr id="40" name="Elipse 39">
+                  <a:extLst>
+                    <a:ext uri="{FF2B5EF4-FFF2-40B4-BE49-F238E27FC236}">
+                      <a16:creationId xmlns:a16="http://schemas.microsoft.com/office/drawing/2014/main" id="{D20C07A9-79A7-A9CB-8FAB-58567A2572FD}"/>
+                    </a:ext>
+                  </a:extLst>
+                </p:cNvPr>
+                <p:cNvSpPr/>
+                <p:nvPr/>
+              </p:nvSpPr>
+              <p:spPr>
+                <a:xfrm>
+                  <a:off x="564889" y="3932938"/>
+                  <a:ext cx="540000" cy="540000"/>
+                </a:xfrm>
+                <a:prstGeom prst="ellipse">
+                  <a:avLst/>
+                </a:prstGeom>
+              </p:spPr>
+              <p:style>
+                <a:lnRef idx="2">
+                  <a:schemeClr val="accent1">
+                    <a:shade val="50000"/>
+                  </a:schemeClr>
+                </a:lnRef>
+                <a:fillRef idx="1">
+                  <a:schemeClr val="accent1"/>
+                </a:fillRef>
+                <a:effectRef idx="0">
+                  <a:schemeClr val="accent1"/>
+                </a:effectRef>
+                <a:fontRef idx="minor">
+                  <a:schemeClr val="lt1"/>
+                </a:fontRef>
+              </p:style>
+              <p:txBody>
+                <a:bodyPr rtlCol="0" anchor="ctr"/>
+                <a:lstStyle/>
+                <a:p>
+                  <a:pPr algn="ctr"/>
+                  <a:endParaRPr lang="es-MX"/>
+                </a:p>
+              </p:txBody>
+            </p:sp>
+          </p:grpSp>
+        </p:grpSp>
+        <p:cxnSp>
+          <p:nvCxnSpPr>
+            <p:cNvPr id="66" name="Conector recto de flecha 65">
+              <a:extLst>
+                <a:ext uri="{FF2B5EF4-FFF2-40B4-BE49-F238E27FC236}">
+                  <a16:creationId xmlns:a16="http://schemas.microsoft.com/office/drawing/2014/main" id="{446C5320-A94F-9299-AE40-322A7513CE4C}"/>
+                </a:ext>
+              </a:extLst>
+            </p:cNvPr>
+            <p:cNvCxnSpPr>
+              <a:cxnSpLocks/>
+              <a:stCxn id="5" idx="3"/>
+              <a:endCxn id="7" idx="0"/>
+            </p:cNvCxnSpPr>
+            <p:nvPr/>
+          </p:nvCxnSpPr>
+          <p:spPr>
+            <a:xfrm flipH="1">
+              <a:off x="458838" y="2691296"/>
+              <a:ext cx="685547" cy="390361"/>
+            </a:xfrm>
+            <a:prstGeom prst="straightConnector1">
+              <a:avLst/>
+            </a:prstGeom>
+            <a:ln>
+              <a:tailEnd type="triangle"/>
+            </a:ln>
+          </p:spPr>
+          <p:style>
+            <a:lnRef idx="1">
+              <a:schemeClr val="accent1"/>
+            </a:lnRef>
+            <a:fillRef idx="0">
+              <a:schemeClr val="accent1"/>
+            </a:fillRef>
+            <a:effectRef idx="0">
+              <a:schemeClr val="accent1"/>
+            </a:effectRef>
+            <a:fontRef idx="minor">
+              <a:schemeClr val="tx1"/>
+            </a:fontRef>
+          </p:style>
+        </p:cxnSp>
+        <p:cxnSp>
+          <p:nvCxnSpPr>
+            <p:cNvPr id="86" name="Conector recto de flecha 85">
+              <a:extLst>
+                <a:ext uri="{FF2B5EF4-FFF2-40B4-BE49-F238E27FC236}">
+                  <a16:creationId xmlns:a16="http://schemas.microsoft.com/office/drawing/2014/main" id="{AB7D41BE-A9D1-D877-4374-4AEE4D7AAFE6}"/>
+                </a:ext>
+              </a:extLst>
+            </p:cNvPr>
+            <p:cNvCxnSpPr>
+              <a:stCxn id="5" idx="4"/>
+              <a:endCxn id="11" idx="0"/>
+            </p:cNvCxnSpPr>
+            <p:nvPr/>
+          </p:nvCxnSpPr>
+          <p:spPr>
+            <a:xfrm>
+              <a:off x="1335304" y="2770377"/>
+              <a:ext cx="0" cy="311280"/>
+            </a:xfrm>
+            <a:prstGeom prst="straightConnector1">
+              <a:avLst/>
+            </a:prstGeom>
+            <a:ln>
+              <a:tailEnd type="triangle"/>
+            </a:ln>
+          </p:spPr>
+          <p:style>
+            <a:lnRef idx="1">
+              <a:schemeClr val="accent1"/>
+            </a:lnRef>
+            <a:fillRef idx="0">
+              <a:schemeClr val="accent1"/>
+            </a:fillRef>
+            <a:effectRef idx="0">
+              <a:schemeClr val="accent1"/>
+            </a:effectRef>
+            <a:fontRef idx="minor">
+              <a:schemeClr val="tx1"/>
+            </a:fontRef>
+          </p:style>
+        </p:cxnSp>
+        <p:cxnSp>
+          <p:nvCxnSpPr>
+            <p:cNvPr id="88" name="Conector recto de flecha 87">
+              <a:extLst>
+                <a:ext uri="{FF2B5EF4-FFF2-40B4-BE49-F238E27FC236}">
+                  <a16:creationId xmlns:a16="http://schemas.microsoft.com/office/drawing/2014/main" id="{FFBA0FE8-4A35-4672-AC9B-D42672292156}"/>
+                </a:ext>
+              </a:extLst>
+            </p:cNvPr>
+            <p:cNvCxnSpPr>
+              <a:stCxn id="5" idx="5"/>
+              <a:endCxn id="12" idx="0"/>
+            </p:cNvCxnSpPr>
+            <p:nvPr/>
+          </p:nvCxnSpPr>
+          <p:spPr>
+            <a:xfrm>
+              <a:off x="1526223" y="2691296"/>
+              <a:ext cx="685547" cy="390361"/>
+            </a:xfrm>
+            <a:prstGeom prst="straightConnector1">
+              <a:avLst/>
+            </a:prstGeom>
+            <a:ln>
+              <a:tailEnd type="triangle"/>
+            </a:ln>
+          </p:spPr>
+          <p:style>
+            <a:lnRef idx="1">
+              <a:schemeClr val="accent1"/>
+            </a:lnRef>
+            <a:fillRef idx="0">
+              <a:schemeClr val="accent1"/>
+            </a:fillRef>
+            <a:effectRef idx="0">
+              <a:schemeClr val="accent1"/>
+            </a:effectRef>
+            <a:fontRef idx="minor">
+              <a:schemeClr val="tx1"/>
+            </a:fontRef>
+          </p:style>
+        </p:cxnSp>
+        <p:cxnSp>
+          <p:nvCxnSpPr>
+            <p:cNvPr id="91" name="Conector recto de flecha 90">
+              <a:extLst>
+                <a:ext uri="{FF2B5EF4-FFF2-40B4-BE49-F238E27FC236}">
+                  <a16:creationId xmlns:a16="http://schemas.microsoft.com/office/drawing/2014/main" id="{95676147-72AC-E163-8FA4-32E67278FD1B}"/>
+                </a:ext>
+              </a:extLst>
+            </p:cNvPr>
+            <p:cNvCxnSpPr>
+              <a:stCxn id="11" idx="3"/>
+              <a:endCxn id="40" idx="0"/>
+            </p:cNvCxnSpPr>
+            <p:nvPr/>
+          </p:nvCxnSpPr>
+          <p:spPr>
+            <a:xfrm flipH="1">
+              <a:off x="800209" y="3542576"/>
+              <a:ext cx="344176" cy="390362"/>
+            </a:xfrm>
+            <a:prstGeom prst="straightConnector1">
+              <a:avLst/>
+            </a:prstGeom>
+            <a:ln>
+              <a:tailEnd type="triangle"/>
+            </a:ln>
+          </p:spPr>
+          <p:style>
+            <a:lnRef idx="1">
+              <a:schemeClr val="accent1"/>
+            </a:lnRef>
+            <a:fillRef idx="0">
+              <a:schemeClr val="accent1"/>
+            </a:fillRef>
+            <a:effectRef idx="0">
+              <a:schemeClr val="accent1"/>
+            </a:effectRef>
+            <a:fontRef idx="minor">
+              <a:schemeClr val="tx1"/>
+            </a:fontRef>
+          </p:style>
+        </p:cxnSp>
+        <p:cxnSp>
+          <p:nvCxnSpPr>
+            <p:cNvPr id="100" name="Conector recto de flecha 99">
+              <a:extLst>
+                <a:ext uri="{FF2B5EF4-FFF2-40B4-BE49-F238E27FC236}">
+                  <a16:creationId xmlns:a16="http://schemas.microsoft.com/office/drawing/2014/main" id="{242A62C8-C7DB-4B90-1756-C403950A134A}"/>
+                </a:ext>
+              </a:extLst>
+            </p:cNvPr>
+            <p:cNvCxnSpPr>
+              <a:stCxn id="11" idx="5"/>
+              <a:endCxn id="6" idx="0"/>
+            </p:cNvCxnSpPr>
+            <p:nvPr/>
+          </p:nvCxnSpPr>
+          <p:spPr>
+            <a:xfrm>
+              <a:off x="1526223" y="3542576"/>
+              <a:ext cx="344177" cy="390362"/>
+            </a:xfrm>
+            <a:prstGeom prst="straightConnector1">
+              <a:avLst/>
+            </a:prstGeom>
+            <a:ln>
+              <a:tailEnd type="triangle"/>
+            </a:ln>
+          </p:spPr>
+          <p:style>
+            <a:lnRef idx="1">
+              <a:schemeClr val="accent1"/>
+            </a:lnRef>
+            <a:fillRef idx="0">
+              <a:schemeClr val="accent1"/>
+            </a:fillRef>
+            <a:effectRef idx="0">
+              <a:schemeClr val="accent1"/>
+            </a:effectRef>
+            <a:fontRef idx="minor">
+              <a:schemeClr val="tx1"/>
+            </a:fontRef>
+          </p:style>
+        </p:cxnSp>
+        <p:grpSp>
+          <p:nvGrpSpPr>
+            <p:cNvPr id="110" name="Grupo 109">
+              <a:extLst>
+                <a:ext uri="{FF2B5EF4-FFF2-40B4-BE49-F238E27FC236}">
+                  <a16:creationId xmlns:a16="http://schemas.microsoft.com/office/drawing/2014/main" id="{BDC6FBCB-772F-B937-A3AF-3A8852F5D5BB}"/>
+                </a:ext>
+              </a:extLst>
+            </p:cNvPr>
+            <p:cNvGrpSpPr/>
+            <p:nvPr/>
+          </p:nvGrpSpPr>
+          <p:grpSpPr>
+            <a:xfrm>
+              <a:off x="3029685" y="2231273"/>
+              <a:ext cx="1914866" cy="2239047"/>
+              <a:chOff x="3029685" y="2231273"/>
+              <a:chExt cx="1914866" cy="2239047"/>
+            </a:xfrm>
+          </p:grpSpPr>
+          <p:sp>
+            <p:nvSpPr>
+              <p:cNvPr id="101" name="Elipse 100">
+                <a:extLst>
+                  <a:ext uri="{FF2B5EF4-FFF2-40B4-BE49-F238E27FC236}">
+                    <a16:creationId xmlns:a16="http://schemas.microsoft.com/office/drawing/2014/main" id="{8049C56E-BBF9-A794-2D35-5097B896D603}"/>
+                  </a:ext>
+                </a:extLst>
+              </p:cNvPr>
+              <p:cNvSpPr/>
+              <p:nvPr/>
+            </p:nvSpPr>
+            <p:spPr>
+              <a:xfrm>
+                <a:off x="3717118" y="2231273"/>
+                <a:ext cx="540000" cy="540000"/>
+              </a:xfrm>
+              <a:prstGeom prst="ellipse">
+                <a:avLst/>
+              </a:prstGeom>
+            </p:spPr>
+            <p:style>
+              <a:lnRef idx="2">
+                <a:schemeClr val="accent1">
+                  <a:shade val="50000"/>
+                </a:schemeClr>
+              </a:lnRef>
+              <a:fillRef idx="1">
+                <a:schemeClr val="accent1"/>
+              </a:fillRef>
+              <a:effectRef idx="0">
+                <a:schemeClr val="accent1"/>
+              </a:effectRef>
+              <a:fontRef idx="minor">
+                <a:schemeClr val="lt1"/>
+              </a:fontRef>
+            </p:style>
+            <p:txBody>
+              <a:bodyPr rtlCol="0" anchor="ctr"/>
+              <a:lstStyle/>
+              <a:p>
+                <a:pPr algn="ctr"/>
+                <a:endParaRPr lang="es-MX"/>
+              </a:p>
+            </p:txBody>
+          </p:sp>
+          <p:sp>
+            <p:nvSpPr>
+              <p:cNvPr id="102" name="Elipse 101">
+                <a:extLst>
+                  <a:ext uri="{FF2B5EF4-FFF2-40B4-BE49-F238E27FC236}">
+                    <a16:creationId xmlns:a16="http://schemas.microsoft.com/office/drawing/2014/main" id="{62DF9845-500D-275A-AD41-4D77E282A20C}"/>
+                  </a:ext>
+                </a:extLst>
+              </p:cNvPr>
+              <p:cNvSpPr/>
+              <p:nvPr/>
+            </p:nvSpPr>
+            <p:spPr>
+              <a:xfrm>
+                <a:off x="4404551" y="3083842"/>
+                <a:ext cx="540000" cy="540000"/>
+              </a:xfrm>
+              <a:prstGeom prst="ellipse">
+                <a:avLst/>
+              </a:prstGeom>
+            </p:spPr>
+            <p:style>
+              <a:lnRef idx="2">
+                <a:schemeClr val="accent1">
+                  <a:shade val="50000"/>
+                </a:schemeClr>
+              </a:lnRef>
+              <a:fillRef idx="1">
+                <a:schemeClr val="accent1"/>
+              </a:fillRef>
+              <a:effectRef idx="0">
+                <a:schemeClr val="accent1"/>
+              </a:effectRef>
+              <a:fontRef idx="minor">
+                <a:schemeClr val="lt1"/>
+              </a:fontRef>
+            </p:style>
+            <p:txBody>
+              <a:bodyPr rtlCol="0" anchor="ctr"/>
+              <a:lstStyle/>
+              <a:p>
+                <a:pPr algn="ctr"/>
+                <a:endParaRPr lang="es-MX"/>
+              </a:p>
+            </p:txBody>
+          </p:sp>
+          <p:sp>
+            <p:nvSpPr>
+              <p:cNvPr id="108" name="Elipse 107">
+                <a:extLst>
+                  <a:ext uri="{FF2B5EF4-FFF2-40B4-BE49-F238E27FC236}">
+                    <a16:creationId xmlns:a16="http://schemas.microsoft.com/office/drawing/2014/main" id="{6E5803C2-1BA0-FD2F-5D27-4907984D28B3}"/>
+                  </a:ext>
+                </a:extLst>
+              </p:cNvPr>
+              <p:cNvSpPr/>
+              <p:nvPr/>
+            </p:nvSpPr>
+            <p:spPr>
+              <a:xfrm>
+                <a:off x="3029685" y="3083842"/>
+                <a:ext cx="540000" cy="540000"/>
+              </a:xfrm>
+              <a:prstGeom prst="ellipse">
+                <a:avLst/>
+              </a:prstGeom>
+            </p:spPr>
+            <p:style>
+              <a:lnRef idx="2">
+                <a:schemeClr val="accent1">
+                  <a:shade val="50000"/>
+                </a:schemeClr>
+              </a:lnRef>
+              <a:fillRef idx="1">
+                <a:schemeClr val="accent1"/>
+              </a:fillRef>
+              <a:effectRef idx="0">
+                <a:schemeClr val="accent1"/>
+              </a:effectRef>
+              <a:fontRef idx="minor">
+                <a:schemeClr val="lt1"/>
+              </a:fontRef>
+            </p:style>
+            <p:txBody>
+              <a:bodyPr rtlCol="0" anchor="ctr"/>
+              <a:lstStyle/>
+              <a:p>
+                <a:pPr algn="ctr"/>
+                <a:endParaRPr lang="es-MX"/>
+              </a:p>
+            </p:txBody>
+          </p:sp>
+          <p:sp>
+            <p:nvSpPr>
+              <p:cNvPr id="109" name="Elipse 108">
+                <a:extLst>
+                  <a:ext uri="{FF2B5EF4-FFF2-40B4-BE49-F238E27FC236}">
+                    <a16:creationId xmlns:a16="http://schemas.microsoft.com/office/drawing/2014/main" id="{17ED236F-D04C-CDFB-DC8F-A61FA1DC2AB8}"/>
+                  </a:ext>
+                </a:extLst>
+              </p:cNvPr>
+              <p:cNvSpPr/>
+              <p:nvPr/>
+            </p:nvSpPr>
+            <p:spPr>
+              <a:xfrm>
+                <a:off x="3029685" y="3930320"/>
+                <a:ext cx="540000" cy="540000"/>
+              </a:xfrm>
+              <a:prstGeom prst="ellipse">
+                <a:avLst/>
+              </a:prstGeom>
+            </p:spPr>
+            <p:style>
+              <a:lnRef idx="2">
+                <a:schemeClr val="accent1">
+                  <a:shade val="50000"/>
+                </a:schemeClr>
+              </a:lnRef>
+              <a:fillRef idx="1">
+                <a:schemeClr val="accent1"/>
+              </a:fillRef>
+              <a:effectRef idx="0">
+                <a:schemeClr val="accent1"/>
+              </a:effectRef>
+              <a:fontRef idx="minor">
+                <a:schemeClr val="lt1"/>
+              </a:fontRef>
+            </p:style>
+            <p:txBody>
+              <a:bodyPr rtlCol="0" anchor="ctr"/>
+              <a:lstStyle/>
+              <a:p>
+                <a:pPr algn="ctr"/>
+                <a:endParaRPr lang="es-MX"/>
+              </a:p>
+            </p:txBody>
+          </p:sp>
+        </p:grpSp>
+        <p:cxnSp>
+          <p:nvCxnSpPr>
+            <p:cNvPr id="113" name="Conector recto de flecha 112">
+              <a:extLst>
+                <a:ext uri="{FF2B5EF4-FFF2-40B4-BE49-F238E27FC236}">
+                  <a16:creationId xmlns:a16="http://schemas.microsoft.com/office/drawing/2014/main" id="{3764359D-04B4-933A-BD2A-D6D45772DE03}"/>
+                </a:ext>
+              </a:extLst>
+            </p:cNvPr>
+            <p:cNvCxnSpPr>
+              <a:stCxn id="108" idx="4"/>
+              <a:endCxn id="109" idx="0"/>
+            </p:cNvCxnSpPr>
+            <p:nvPr/>
+          </p:nvCxnSpPr>
+          <p:spPr>
+            <a:xfrm>
+              <a:off x="3299685" y="3623842"/>
+              <a:ext cx="0" cy="306478"/>
+            </a:xfrm>
+            <a:prstGeom prst="straightConnector1">
+              <a:avLst/>
+            </a:prstGeom>
+            <a:ln>
+              <a:tailEnd type="triangle"/>
+            </a:ln>
+          </p:spPr>
+          <p:style>
+            <a:lnRef idx="1">
+              <a:schemeClr val="accent1"/>
+            </a:lnRef>
+            <a:fillRef idx="0">
+              <a:schemeClr val="accent1"/>
+            </a:fillRef>
+            <a:effectRef idx="0">
+              <a:schemeClr val="accent1"/>
+            </a:effectRef>
+            <a:fontRef idx="minor">
+              <a:schemeClr val="tx1"/>
+            </a:fontRef>
+          </p:style>
+        </p:cxnSp>
+        <p:cxnSp>
+          <p:nvCxnSpPr>
+            <p:cNvPr id="120" name="Conector recto de flecha 119">
+              <a:extLst>
+                <a:ext uri="{FF2B5EF4-FFF2-40B4-BE49-F238E27FC236}">
+                  <a16:creationId xmlns:a16="http://schemas.microsoft.com/office/drawing/2014/main" id="{BF9CF05B-C587-1C61-75A5-0D3E947BF59A}"/>
+                </a:ext>
+              </a:extLst>
+            </p:cNvPr>
+            <p:cNvCxnSpPr>
+              <a:stCxn id="101" idx="3"/>
+              <a:endCxn id="108" idx="0"/>
+            </p:cNvCxnSpPr>
+            <p:nvPr/>
+          </p:nvCxnSpPr>
+          <p:spPr>
+            <a:xfrm flipH="1">
+              <a:off x="3299685" y="2692192"/>
+              <a:ext cx="496514" cy="391650"/>
+            </a:xfrm>
+            <a:prstGeom prst="straightConnector1">
+              <a:avLst/>
+            </a:prstGeom>
+            <a:ln>
+              <a:tailEnd type="triangle"/>
+            </a:ln>
+          </p:spPr>
+          <p:style>
+            <a:lnRef idx="1">
+              <a:schemeClr val="accent1"/>
+            </a:lnRef>
+            <a:fillRef idx="0">
+              <a:schemeClr val="accent1"/>
+            </a:fillRef>
+            <a:effectRef idx="0">
+              <a:schemeClr val="accent1"/>
+            </a:effectRef>
+            <a:fontRef idx="minor">
+              <a:schemeClr val="tx1"/>
+            </a:fontRef>
+          </p:style>
+        </p:cxnSp>
+        <p:cxnSp>
+          <p:nvCxnSpPr>
+            <p:cNvPr id="126" name="Conector recto de flecha 125">
+              <a:extLst>
+                <a:ext uri="{FF2B5EF4-FFF2-40B4-BE49-F238E27FC236}">
+                  <a16:creationId xmlns:a16="http://schemas.microsoft.com/office/drawing/2014/main" id="{983018DF-A94F-1D8F-FEC8-3A706B7B6642}"/>
+                </a:ext>
+              </a:extLst>
+            </p:cNvPr>
+            <p:cNvCxnSpPr>
+              <a:stCxn id="101" idx="5"/>
+              <a:endCxn id="102" idx="0"/>
+            </p:cNvCxnSpPr>
+            <p:nvPr/>
+          </p:nvCxnSpPr>
+          <p:spPr>
+            <a:xfrm>
+              <a:off x="4178037" y="2692192"/>
+              <a:ext cx="496514" cy="391650"/>
+            </a:xfrm>
+            <a:prstGeom prst="straightConnector1">
+              <a:avLst/>
+            </a:prstGeom>
+            <a:ln>
+              <a:tailEnd type="triangle"/>
+            </a:ln>
+          </p:spPr>
+          <p:style>
+            <a:lnRef idx="1">
+              <a:schemeClr val="accent1"/>
+            </a:lnRef>
+            <a:fillRef idx="0">
+              <a:schemeClr val="accent1"/>
+            </a:fillRef>
+            <a:effectRef idx="0">
+              <a:schemeClr val="accent1"/>
+            </a:effectRef>
+            <a:fontRef idx="minor">
+              <a:schemeClr val="tx1"/>
+            </a:fontRef>
+          </p:style>
+        </p:cxnSp>
+        <p:cxnSp>
+          <p:nvCxnSpPr>
+            <p:cNvPr id="128" name="Conector recto de flecha 127">
+              <a:extLst>
+                <a:ext uri="{FF2B5EF4-FFF2-40B4-BE49-F238E27FC236}">
+                  <a16:creationId xmlns:a16="http://schemas.microsoft.com/office/drawing/2014/main" id="{96AD7E1C-4FF3-B694-FA1E-CAEF93C9DD0D}"/>
+                </a:ext>
+              </a:extLst>
+            </p:cNvPr>
+            <p:cNvCxnSpPr>
+              <a:stCxn id="4" idx="3"/>
+              <a:endCxn id="5" idx="0"/>
+            </p:cNvCxnSpPr>
+            <p:nvPr/>
+          </p:nvCxnSpPr>
+          <p:spPr>
+            <a:xfrm flipH="1">
+              <a:off x="1335304" y="1852448"/>
+              <a:ext cx="1229505" cy="377929"/>
+            </a:xfrm>
+            <a:prstGeom prst="straightConnector1">
+              <a:avLst/>
+            </a:prstGeom>
+            <a:ln>
+              <a:tailEnd type="triangle"/>
+            </a:ln>
+          </p:spPr>
+          <p:style>
+            <a:lnRef idx="1">
+              <a:schemeClr val="accent1"/>
+            </a:lnRef>
+            <a:fillRef idx="0">
+              <a:schemeClr val="accent1"/>
+            </a:fillRef>
+            <a:effectRef idx="0">
+              <a:schemeClr val="accent1"/>
+            </a:effectRef>
+            <a:fontRef idx="minor">
+              <a:schemeClr val="tx1"/>
+            </a:fontRef>
+          </p:style>
+        </p:cxnSp>
+        <p:cxnSp>
+          <p:nvCxnSpPr>
+            <p:cNvPr id="130" name="Conector recto de flecha 129">
+              <a:extLst>
+                <a:ext uri="{FF2B5EF4-FFF2-40B4-BE49-F238E27FC236}">
+                  <a16:creationId xmlns:a16="http://schemas.microsoft.com/office/drawing/2014/main" id="{787F1A50-CBD3-A692-EDF7-0E80CB663166}"/>
+                </a:ext>
+              </a:extLst>
+            </p:cNvPr>
+            <p:cNvCxnSpPr>
+              <a:stCxn id="4" idx="5"/>
+              <a:endCxn id="101" idx="0"/>
+            </p:cNvCxnSpPr>
+            <p:nvPr/>
+          </p:nvCxnSpPr>
+          <p:spPr>
+            <a:xfrm>
+              <a:off x="2946647" y="1852448"/>
+              <a:ext cx="1040471" cy="378825"/>
+            </a:xfrm>
+            <a:prstGeom prst="straightConnector1">
+              <a:avLst/>
+            </a:prstGeom>
+            <a:ln>
+              <a:tailEnd type="triangle"/>
+            </a:ln>
+          </p:spPr>
+          <p:style>
+            <a:lnRef idx="1">
+              <a:schemeClr val="accent1"/>
+            </a:lnRef>
+            <a:fillRef idx="0">
+              <a:schemeClr val="accent1"/>
+            </a:fillRef>
+            <a:effectRef idx="0">
+              <a:schemeClr val="accent1"/>
+            </a:effectRef>
+            <a:fontRef idx="minor">
+              <a:schemeClr val="tx1"/>
+            </a:fontRef>
+          </p:style>
+        </p:cxnSp>
+      </p:grpSp>
+      <p:sp>
+        <p:nvSpPr>
+          <p:cNvPr id="132" name="CuadroTexto 131">
+            <a:extLst>
+              <a:ext uri="{FF2B5EF4-FFF2-40B4-BE49-F238E27FC236}">
+                <a16:creationId xmlns:a16="http://schemas.microsoft.com/office/drawing/2014/main" id="{B2617059-0E3F-3C1C-7F6F-AC4A87F94811}"/>
+              </a:ext>
+            </a:extLst>
+          </p:cNvPr>
+          <p:cNvSpPr txBox="1"/>
+          <p:nvPr/>
+        </p:nvSpPr>
+        <p:spPr>
+          <a:xfrm>
+            <a:off x="1534137" y="1809146"/>
+            <a:ext cx="548512" cy="338554"/>
+          </a:xfrm>
+          <a:prstGeom prst="rect">
+            <a:avLst/>
+          </a:prstGeom>
+          <a:noFill/>
+        </p:spPr>
+        <p:txBody>
+          <a:bodyPr wrap="square" rtlCol="0">
+            <a:spAutoFit/>
+          </a:bodyPr>
+          <a:lstStyle/>
+          <a:p>
+            <a:r>
+              <a:rPr lang="es-MX" sz="1600" dirty="0">
+                <a:latin typeface="Times New Roman" panose="02020603050405020304" pitchFamily="18" charset="0"/>
+                <a:cs typeface="Times New Roman" panose="02020603050405020304" pitchFamily="18" charset="0"/>
+              </a:rPr>
+              <a:t>raíz</a:t>
+            </a:r>
+          </a:p>
+        </p:txBody>
+      </p:sp>
+      <p:graphicFrame>
+        <p:nvGraphicFramePr>
+          <p:cNvPr id="133" name="Tabla 133">
+            <a:extLst>
+              <a:ext uri="{FF2B5EF4-FFF2-40B4-BE49-F238E27FC236}">
+                <a16:creationId xmlns:a16="http://schemas.microsoft.com/office/drawing/2014/main" id="{06813069-24EC-18BB-EC88-B33555706F9F}"/>
+              </a:ext>
+            </a:extLst>
+          </p:cNvPr>
+          <p:cNvGraphicFramePr>
+            <a:graphicFrameLocks noGrp="1"/>
+          </p:cNvGraphicFramePr>
+          <p:nvPr>
+            <p:extLst>
+              <p:ext uri="{D42A27DB-BD31-4B8C-83A1-F6EECF244321}">
+                <p14:modId xmlns:p14="http://schemas.microsoft.com/office/powerpoint/2010/main" val="3874602926"/>
+              </p:ext>
+            </p:extLst>
+          </p:nvPr>
+        </p:nvGraphicFramePr>
+        <p:xfrm>
+          <a:off x="2543373" y="1881330"/>
+          <a:ext cx="5056707" cy="2884932"/>
+        </p:xfrm>
+        <a:graphic>
+          <a:graphicData uri="http://schemas.openxmlformats.org/drawingml/2006/table">
+            <a:tbl>
+              <a:tblPr firstRow="1" bandRow="1">
+                <a:tableStyleId>{5C22544A-7EE6-4342-B048-85BDC9FD1C3A}</a:tableStyleId>
+              </a:tblPr>
+              <a:tblGrid>
+                <a:gridCol w="1127453">
+                  <a:extLst>
+                    <a:ext uri="{9D8B030D-6E8A-4147-A177-3AD203B41FA5}">
+                      <a16:colId xmlns:a16="http://schemas.microsoft.com/office/drawing/2014/main" val="971430931"/>
+                    </a:ext>
+                  </a:extLst>
+                </a:gridCol>
+                <a:gridCol w="3929254">
+                  <a:extLst>
+                    <a:ext uri="{9D8B030D-6E8A-4147-A177-3AD203B41FA5}">
+                      <a16:colId xmlns:a16="http://schemas.microsoft.com/office/drawing/2014/main" val="1328467904"/>
+                    </a:ext>
+                  </a:extLst>
+                </a:gridCol>
+              </a:tblGrid>
+              <a:tr h="0">
+                <a:tc gridSpan="2">
+                  <a:txBody>
+                    <a:bodyPr/>
+                    <a:lstStyle/>
+                    <a:p>
+                      <a:pPr algn="ctr"/>
+                      <a:r>
+                        <a:rPr lang="es-MX" dirty="0"/>
+                        <a:t>Terminología</a:t>
+                      </a:r>
+                    </a:p>
+                  </a:txBody>
+                  <a:tcPr/>
+                </a:tc>
+                <a:tc hMerge="1">
+                  <a:txBody>
+                    <a:bodyPr/>
+                    <a:lstStyle/>
+                    <a:p>
+                      <a:endParaRPr lang="es-MX" dirty="0"/>
+                    </a:p>
+                  </a:txBody>
+                  <a:tcPr/>
+                </a:tc>
+                <a:extLst>
+                  <a:ext uri="{0D108BD9-81ED-4DB2-BD59-A6C34878D82A}">
+                    <a16:rowId xmlns:a16="http://schemas.microsoft.com/office/drawing/2014/main" val="3897332831"/>
+                  </a:ext>
+                </a:extLst>
+              </a:tr>
+              <a:tr h="0">
+                <a:tc>
+                  <a:txBody>
+                    <a:bodyPr/>
+                    <a:lstStyle/>
+                    <a:p>
+                      <a:r>
+                        <a:rPr lang="es-MX" sz="1200" dirty="0">
+                          <a:latin typeface="Times New Roman" panose="02020603050405020304" pitchFamily="18" charset="0"/>
+                          <a:cs typeface="Times New Roman" panose="02020603050405020304" pitchFamily="18" charset="0"/>
+                        </a:rPr>
+                        <a:t>Raíz</a:t>
+                      </a:r>
+                    </a:p>
+                  </a:txBody>
+                  <a:tcPr/>
+                </a:tc>
+                <a:tc>
+                  <a:txBody>
+                    <a:bodyPr/>
+                    <a:lstStyle/>
+                    <a:p>
+                      <a:r>
+                        <a:rPr lang="es-MX" sz="1200" dirty="0">
+                          <a:latin typeface="Times New Roman" panose="02020603050405020304" pitchFamily="18" charset="0"/>
+                          <a:cs typeface="Times New Roman" panose="02020603050405020304" pitchFamily="18" charset="0"/>
+                        </a:rPr>
+                        <a:t>Nodo principal, cabecera.</a:t>
+                      </a:r>
+                    </a:p>
+                  </a:txBody>
+                  <a:tcPr/>
+                </a:tc>
+                <a:extLst>
+                  <a:ext uri="{0D108BD9-81ED-4DB2-BD59-A6C34878D82A}">
+                    <a16:rowId xmlns:a16="http://schemas.microsoft.com/office/drawing/2014/main" val="3121121759"/>
+                  </a:ext>
+                </a:extLst>
+              </a:tr>
+              <a:tr h="0">
+                <a:tc>
+                  <a:txBody>
+                    <a:bodyPr/>
+                    <a:lstStyle/>
+                    <a:p>
+                      <a:r>
+                        <a:rPr lang="es-MX" sz="1200" dirty="0">
+                          <a:latin typeface="Times New Roman" panose="02020603050405020304" pitchFamily="18" charset="0"/>
+                          <a:cs typeface="Times New Roman" panose="02020603050405020304" pitchFamily="18" charset="0"/>
+                        </a:rPr>
+                        <a:t>Hijos</a:t>
+                      </a:r>
+                    </a:p>
+                  </a:txBody>
+                  <a:tcPr/>
+                </a:tc>
+                <a:tc>
+                  <a:txBody>
+                    <a:bodyPr/>
+                    <a:lstStyle/>
+                    <a:p>
+                      <a:r>
+                        <a:rPr lang="es-MX" sz="1200" dirty="0">
+                          <a:latin typeface="Times New Roman" panose="02020603050405020304" pitchFamily="18" charset="0"/>
+                          <a:cs typeface="Times New Roman" panose="02020603050405020304" pitchFamily="18" charset="0"/>
+                        </a:rPr>
+                        <a:t>Nodos izquierdo y derecho de un nodo.</a:t>
+                      </a:r>
+                    </a:p>
+                  </a:txBody>
+                  <a:tcPr/>
+                </a:tc>
+                <a:extLst>
+                  <a:ext uri="{0D108BD9-81ED-4DB2-BD59-A6C34878D82A}">
+                    <a16:rowId xmlns:a16="http://schemas.microsoft.com/office/drawing/2014/main" val="2462178581"/>
+                  </a:ext>
+                </a:extLst>
+              </a:tr>
+              <a:tr h="0">
+                <a:tc>
+                  <a:txBody>
+                    <a:bodyPr/>
+                    <a:lstStyle/>
+                    <a:p>
+                      <a:r>
+                        <a:rPr lang="es-MX" sz="1200" dirty="0">
+                          <a:latin typeface="Times New Roman" panose="02020603050405020304" pitchFamily="18" charset="0"/>
+                          <a:cs typeface="Times New Roman" panose="02020603050405020304" pitchFamily="18" charset="0"/>
+                        </a:rPr>
+                        <a:t>Padre</a:t>
+                      </a:r>
+                    </a:p>
+                  </a:txBody>
+                  <a:tcPr/>
+                </a:tc>
+                <a:tc>
+                  <a:txBody>
+                    <a:bodyPr/>
+                    <a:lstStyle/>
+                    <a:p>
+                      <a:r>
+                        <a:rPr lang="es-MX" sz="1200" dirty="0">
+                          <a:latin typeface="Times New Roman" panose="02020603050405020304" pitchFamily="18" charset="0"/>
+                          <a:cs typeface="Times New Roman" panose="02020603050405020304" pitchFamily="18" charset="0"/>
+                        </a:rPr>
+                        <a:t>Nodo con hijos.</a:t>
+                      </a:r>
+                    </a:p>
+                  </a:txBody>
+                  <a:tcPr/>
+                </a:tc>
+                <a:extLst>
+                  <a:ext uri="{0D108BD9-81ED-4DB2-BD59-A6C34878D82A}">
+                    <a16:rowId xmlns:a16="http://schemas.microsoft.com/office/drawing/2014/main" val="1488876092"/>
+                  </a:ext>
+                </a:extLst>
+              </a:tr>
+              <a:tr h="0">
+                <a:tc>
+                  <a:txBody>
+                    <a:bodyPr/>
+                    <a:lstStyle/>
+                    <a:p>
+                      <a:r>
+                        <a:rPr lang="es-MX" sz="1200" dirty="0">
+                          <a:latin typeface="Times New Roman" panose="02020603050405020304" pitchFamily="18" charset="0"/>
+                          <a:cs typeface="Times New Roman" panose="02020603050405020304" pitchFamily="18" charset="0"/>
+                        </a:rPr>
+                        <a:t>Hermanos</a:t>
+                      </a:r>
+                    </a:p>
+                  </a:txBody>
+                  <a:tcPr/>
+                </a:tc>
+                <a:tc>
+                  <a:txBody>
+                    <a:bodyPr/>
+                    <a:lstStyle/>
+                    <a:p>
+                      <a:r>
+                        <a:rPr lang="es-MX" sz="1200" dirty="0">
+                          <a:latin typeface="Times New Roman" panose="02020603050405020304" pitchFamily="18" charset="0"/>
+                          <a:cs typeface="Times New Roman" panose="02020603050405020304" pitchFamily="18" charset="0"/>
+                        </a:rPr>
+                        <a:t>Nodos que tienen el mismo padre.</a:t>
+                      </a:r>
+                    </a:p>
+                  </a:txBody>
+                  <a:tcPr/>
+                </a:tc>
+                <a:extLst>
+                  <a:ext uri="{0D108BD9-81ED-4DB2-BD59-A6C34878D82A}">
+                    <a16:rowId xmlns:a16="http://schemas.microsoft.com/office/drawing/2014/main" val="3561173051"/>
+                  </a:ext>
+                </a:extLst>
+              </a:tr>
+              <a:tr h="0">
+                <a:tc>
+                  <a:txBody>
+                    <a:bodyPr/>
+                    <a:lstStyle/>
+                    <a:p>
+                      <a:r>
+                        <a:rPr lang="es-MX" sz="1200" dirty="0">
+                          <a:latin typeface="Times New Roman" panose="02020603050405020304" pitchFamily="18" charset="0"/>
+                          <a:cs typeface="Times New Roman" panose="02020603050405020304" pitchFamily="18" charset="0"/>
+                        </a:rPr>
+                        <a:t>Antecesor y descendiente</a:t>
+                      </a:r>
+                    </a:p>
+                  </a:txBody>
+                  <a:tcPr/>
+                </a:tc>
+                <a:tc>
+                  <a:txBody>
+                    <a:bodyPr/>
+                    <a:lstStyle/>
+                    <a:p>
+                      <a:r>
+                        <a:rPr lang="es-MX" sz="1200" dirty="0">
+                          <a:latin typeface="Times New Roman" panose="02020603050405020304" pitchFamily="18" charset="0"/>
+                          <a:cs typeface="Times New Roman" panose="02020603050405020304" pitchFamily="18" charset="0"/>
+                        </a:rPr>
+                        <a:t>Si podemos ir desde el nodo A hacia el nodo B, entonces A es un antecesor de B, y B es un descendiente de A.</a:t>
+                      </a:r>
+                    </a:p>
+                  </a:txBody>
+                  <a:tcPr/>
+                </a:tc>
+                <a:extLst>
+                  <a:ext uri="{0D108BD9-81ED-4DB2-BD59-A6C34878D82A}">
+                    <a16:rowId xmlns:a16="http://schemas.microsoft.com/office/drawing/2014/main" val="3033952665"/>
+                  </a:ext>
+                </a:extLst>
+              </a:tr>
+              <a:tr h="0">
+                <a:tc>
+                  <a:txBody>
+                    <a:bodyPr/>
+                    <a:lstStyle/>
+                    <a:p>
+                      <a:r>
+                        <a:rPr lang="es-MX" sz="1200" dirty="0">
+                          <a:latin typeface="Times New Roman" panose="02020603050405020304" pitchFamily="18" charset="0"/>
+                          <a:cs typeface="Times New Roman" panose="02020603050405020304" pitchFamily="18" charset="0"/>
+                        </a:rPr>
+                        <a:t>Hoja</a:t>
+                      </a:r>
+                    </a:p>
+                  </a:txBody>
+                  <a:tcPr/>
+                </a:tc>
+                <a:tc>
+                  <a:txBody>
+                    <a:bodyPr/>
+                    <a:lstStyle/>
+                    <a:p>
+                      <a:r>
+                        <a:rPr lang="es-MX" sz="1200" dirty="0">
+                          <a:latin typeface="Times New Roman" panose="02020603050405020304" pitchFamily="18" charset="0"/>
+                          <a:cs typeface="Times New Roman" panose="02020603050405020304" pitchFamily="18" charset="0"/>
+                        </a:rPr>
+                        <a:t>Nodos sin hijos.</a:t>
+                      </a:r>
+                    </a:p>
+                  </a:txBody>
+                  <a:tcPr/>
+                </a:tc>
+                <a:extLst>
+                  <a:ext uri="{0D108BD9-81ED-4DB2-BD59-A6C34878D82A}">
+                    <a16:rowId xmlns:a16="http://schemas.microsoft.com/office/drawing/2014/main" val="3591363577"/>
+                  </a:ext>
+                </a:extLst>
+              </a:tr>
+              <a:tr h="0">
+                <a:tc>
+                  <a:txBody>
+                    <a:bodyPr/>
+                    <a:lstStyle/>
+                    <a:p>
+                      <a:r>
+                        <a:rPr lang="es-MX" sz="1200" dirty="0">
+                          <a:latin typeface="Times New Roman" panose="02020603050405020304" pitchFamily="18" charset="0"/>
+                          <a:cs typeface="Times New Roman" panose="02020603050405020304" pitchFamily="18" charset="0"/>
+                        </a:rPr>
+                        <a:t>Nodo interno</a:t>
+                      </a:r>
+                    </a:p>
+                  </a:txBody>
+                  <a:tcPr/>
+                </a:tc>
+                <a:tc>
+                  <a:txBody>
+                    <a:bodyPr/>
+                    <a:lstStyle/>
+                    <a:p>
+                      <a:r>
+                        <a:rPr lang="es-MX" sz="1200" dirty="0">
+                          <a:latin typeface="Times New Roman" panose="02020603050405020304" pitchFamily="18" charset="0"/>
+                          <a:cs typeface="Times New Roman" panose="02020603050405020304" pitchFamily="18" charset="0"/>
+                        </a:rPr>
+                        <a:t>Nodos que no son hojas.</a:t>
+                      </a:r>
+                    </a:p>
+                  </a:txBody>
+                  <a:tcPr/>
+                </a:tc>
+                <a:extLst>
+                  <a:ext uri="{0D108BD9-81ED-4DB2-BD59-A6C34878D82A}">
+                    <a16:rowId xmlns:a16="http://schemas.microsoft.com/office/drawing/2014/main" val="2449430251"/>
+                  </a:ext>
+                </a:extLst>
+              </a:tr>
+              <a:tr h="0">
+                <a:tc>
+                  <a:txBody>
+                    <a:bodyPr/>
+                    <a:lstStyle/>
+                    <a:p>
+                      <a:r>
+                        <a:rPr lang="es-MX" sz="1200" dirty="0">
+                          <a:latin typeface="Times New Roman" panose="02020603050405020304" pitchFamily="18" charset="0"/>
+                          <a:cs typeface="Times New Roman" panose="02020603050405020304" pitchFamily="18" charset="0"/>
+                        </a:rPr>
+                        <a:t>Camino</a:t>
+                      </a:r>
+                    </a:p>
+                  </a:txBody>
+                  <a:tcPr/>
+                </a:tc>
+                <a:tc>
+                  <a:txBody>
+                    <a:bodyPr/>
+                    <a:lstStyle/>
+                    <a:p>
+                      <a:r>
+                        <a:rPr lang="es-MX" sz="1200" dirty="0">
+                          <a:latin typeface="Times New Roman" panose="02020603050405020304" pitchFamily="18" charset="0"/>
+                          <a:cs typeface="Times New Roman" panose="02020603050405020304" pitchFamily="18" charset="0"/>
+                        </a:rPr>
+                        <a:t>Secuencia de aristas desde un nodo antecesor hasta un nodo descendiente.</a:t>
+                      </a:r>
+                    </a:p>
+                  </a:txBody>
+                  <a:tcPr/>
+                </a:tc>
+                <a:extLst>
+                  <a:ext uri="{0D108BD9-81ED-4DB2-BD59-A6C34878D82A}">
+                    <a16:rowId xmlns:a16="http://schemas.microsoft.com/office/drawing/2014/main" val="3016042617"/>
+                  </a:ext>
+                </a:extLst>
+              </a:tr>
+            </a:tbl>
+          </a:graphicData>
+        </a:graphic>
+      </p:graphicFrame>
+      <p:sp>
+        <p:nvSpPr>
+          <p:cNvPr id="134" name="Rectángulo: esquinas redondeadas 133">
+            <a:extLst>
+              <a:ext uri="{FF2B5EF4-FFF2-40B4-BE49-F238E27FC236}">
+                <a16:creationId xmlns:a16="http://schemas.microsoft.com/office/drawing/2014/main" id="{491E8D6F-935C-7E63-1FC8-4F4B21601D5C}"/>
+              </a:ext>
+            </a:extLst>
+          </p:cNvPr>
+          <p:cNvSpPr/>
+          <p:nvPr/>
+        </p:nvSpPr>
+        <p:spPr>
+          <a:xfrm>
+            <a:off x="209006" y="5038046"/>
+            <a:ext cx="7391074" cy="314492"/>
+          </a:xfrm>
+          <a:prstGeom prst="roundRect">
+            <a:avLst/>
+          </a:prstGeom>
+          <a:gradFill flip="none" rotWithShape="1">
+            <a:gsLst>
+              <a:gs pos="19000">
+                <a:srgbClr val="5C6BC0"/>
+              </a:gs>
+              <a:gs pos="100000">
+                <a:schemeClr val="bg1"/>
+              </a:gs>
+            </a:gsLst>
+            <a:lin ang="0" scaled="1"/>
+            <a:tileRect/>
+          </a:gradFill>
+          <a:ln>
+            <a:noFill/>
+          </a:ln>
+        </p:spPr>
+        <p:style>
+          <a:lnRef idx="2">
+            <a:schemeClr val="accent1">
+              <a:shade val="50000"/>
+            </a:schemeClr>
+          </a:lnRef>
+          <a:fillRef idx="1">
+            <a:schemeClr val="accent1"/>
+          </a:fillRef>
+          <a:effectRef idx="0">
+            <a:schemeClr val="accent1"/>
+          </a:effectRef>
+          <a:fontRef idx="minor">
+            <a:schemeClr val="lt1"/>
+          </a:fontRef>
+        </p:style>
+        <p:txBody>
+          <a:bodyPr rtlCol="0" anchor="ctr"/>
+          <a:lstStyle/>
+          <a:p>
+            <a:r>
+              <a:rPr lang="es-MX" dirty="0">
+                <a:latin typeface="Times New Roman" panose="02020603050405020304" pitchFamily="18" charset="0"/>
+              </a:rPr>
+              <a:t>Definiciones y aplicaciones</a:t>
+            </a:r>
+          </a:p>
+        </p:txBody>
+      </p:sp>
+      <p:sp>
+        <p:nvSpPr>
+          <p:cNvPr id="135" name="CuadroTexto 134">
+            <a:extLst>
+              <a:ext uri="{FF2B5EF4-FFF2-40B4-BE49-F238E27FC236}">
+                <a16:creationId xmlns:a16="http://schemas.microsoft.com/office/drawing/2014/main" id="{10E818F9-C250-8FB9-7005-9472B0CB130D}"/>
+              </a:ext>
+            </a:extLst>
+          </p:cNvPr>
+          <p:cNvSpPr txBox="1"/>
+          <p:nvPr/>
+        </p:nvSpPr>
+        <p:spPr>
+          <a:xfrm>
+            <a:off x="209006" y="5436070"/>
+            <a:ext cx="7277643" cy="553998"/>
+          </a:xfrm>
+          <a:prstGeom prst="rect">
+            <a:avLst/>
+          </a:prstGeom>
+          <a:noFill/>
+        </p:spPr>
+        <p:txBody>
+          <a:bodyPr wrap="square" rtlCol="0">
+            <a:spAutoFit/>
+          </a:bodyPr>
+          <a:lstStyle/>
+          <a:p>
+            <a:r>
+              <a:rPr lang="es-MX" sz="1200" dirty="0">
+                <a:latin typeface="Times New Roman" panose="02020603050405020304" pitchFamily="18" charset="0"/>
+                <a:cs typeface="Times New Roman" panose="02020603050405020304" pitchFamily="18" charset="0"/>
+              </a:rPr>
+              <a:t>Un </a:t>
+            </a:r>
+            <a:r>
+              <a:rPr lang="es-MX" sz="1200" b="1" dirty="0">
+                <a:latin typeface="Times New Roman" panose="02020603050405020304" pitchFamily="18" charset="0"/>
+                <a:cs typeface="Times New Roman" panose="02020603050405020304" pitchFamily="18" charset="0"/>
+              </a:rPr>
+              <a:t>árbol binario </a:t>
+            </a:r>
+            <a:r>
+              <a:rPr lang="es-MX" sz="1200" dirty="0">
+                <a:latin typeface="Times New Roman" panose="02020603050405020304" pitchFamily="18" charset="0"/>
+                <a:cs typeface="Times New Roman" panose="02020603050405020304" pitchFamily="18" charset="0"/>
+              </a:rPr>
+              <a:t>es un árbol en el cual cada nodo puede tener a lo máximo 2 hijos.</a:t>
+            </a:r>
+          </a:p>
+          <a:p>
+            <a:endParaRPr lang="es-MX" sz="600" dirty="0">
+              <a:latin typeface="Times New Roman" panose="02020603050405020304" pitchFamily="18" charset="0"/>
+              <a:cs typeface="Times New Roman" panose="02020603050405020304" pitchFamily="18" charset="0"/>
+            </a:endParaRPr>
+          </a:p>
+          <a:p>
+            <a:r>
+              <a:rPr lang="es-MX" sz="1200" b="1" dirty="0">
+                <a:latin typeface="Times New Roman" panose="02020603050405020304" pitchFamily="18" charset="0"/>
+                <a:cs typeface="Times New Roman" panose="02020603050405020304" pitchFamily="18" charset="0"/>
+              </a:rPr>
+              <a:t>Ejemplos:</a:t>
+            </a:r>
+          </a:p>
+        </p:txBody>
+      </p:sp>
+      <p:sp>
+        <p:nvSpPr>
+          <p:cNvPr id="162" name="Elipse 161">
+            <a:extLst>
+              <a:ext uri="{FF2B5EF4-FFF2-40B4-BE49-F238E27FC236}">
+                <a16:creationId xmlns:a16="http://schemas.microsoft.com/office/drawing/2014/main" id="{F1C1F5FB-6C39-FF74-F326-7F775669093A}"/>
+              </a:ext>
+            </a:extLst>
+          </p:cNvPr>
+          <p:cNvSpPr/>
+          <p:nvPr/>
+        </p:nvSpPr>
+        <p:spPr>
+          <a:xfrm>
+            <a:off x="520373" y="6053023"/>
+            <a:ext cx="288000" cy="288000"/>
+          </a:xfrm>
+          <a:prstGeom prst="ellipse">
+            <a:avLst/>
+          </a:prstGeom>
+        </p:spPr>
+        <p:style>
+          <a:lnRef idx="2">
+            <a:schemeClr val="accent1">
+              <a:shade val="50000"/>
+            </a:schemeClr>
+          </a:lnRef>
+          <a:fillRef idx="1">
+            <a:schemeClr val="accent1"/>
+          </a:fillRef>
+          <a:effectRef idx="0">
+            <a:schemeClr val="accent1"/>
+          </a:effectRef>
+          <a:fontRef idx="minor">
+            <a:schemeClr val="lt1"/>
+          </a:fontRef>
+        </p:style>
+        <p:txBody>
+          <a:bodyPr rtlCol="0" anchor="ctr"/>
+          <a:lstStyle/>
+          <a:p>
+            <a:pPr algn="ctr"/>
+            <a:endParaRPr lang="es-MX"/>
+          </a:p>
+        </p:txBody>
+      </p:sp>
+      <p:grpSp>
+        <p:nvGrpSpPr>
+          <p:cNvPr id="204" name="Grupo 203">
+            <a:extLst>
+              <a:ext uri="{FF2B5EF4-FFF2-40B4-BE49-F238E27FC236}">
+                <a16:creationId xmlns:a16="http://schemas.microsoft.com/office/drawing/2014/main" id="{188F5A63-3318-288F-AE6A-05D23FA825A3}"/>
+              </a:ext>
+            </a:extLst>
+          </p:cNvPr>
+          <p:cNvGrpSpPr/>
+          <p:nvPr/>
+        </p:nvGrpSpPr>
+        <p:grpSpPr>
+          <a:xfrm>
+            <a:off x="1184024" y="6053023"/>
+            <a:ext cx="739534" cy="701545"/>
+            <a:chOff x="1220269" y="5720650"/>
+            <a:chExt cx="862380" cy="701545"/>
+          </a:xfrm>
+        </p:grpSpPr>
+        <p:sp>
+          <p:nvSpPr>
+            <p:cNvPr id="169" name="Elipse 168">
+              <a:extLst>
+                <a:ext uri="{FF2B5EF4-FFF2-40B4-BE49-F238E27FC236}">
+                  <a16:creationId xmlns:a16="http://schemas.microsoft.com/office/drawing/2014/main" id="{C3FA23BB-B6CF-CB6A-A986-E1F4FC217323}"/>
+                </a:ext>
+              </a:extLst>
+            </p:cNvPr>
+            <p:cNvSpPr/>
+            <p:nvPr/>
+          </p:nvSpPr>
+          <p:spPr>
+            <a:xfrm>
+              <a:off x="1509695" y="5720650"/>
+              <a:ext cx="288000" cy="288000"/>
+            </a:xfrm>
+            <a:prstGeom prst="ellipse">
+              <a:avLst/>
+            </a:prstGeom>
+          </p:spPr>
+          <p:style>
+            <a:lnRef idx="2">
+              <a:schemeClr val="accent1">
+                <a:shade val="50000"/>
+              </a:schemeClr>
+            </a:lnRef>
+            <a:fillRef idx="1">
+              <a:schemeClr val="accent1"/>
+            </a:fillRef>
+            <a:effectRef idx="0">
+              <a:schemeClr val="accent1"/>
+            </a:effectRef>
+            <a:fontRef idx="minor">
+              <a:schemeClr val="lt1"/>
+            </a:fontRef>
+          </p:style>
+          <p:txBody>
+            <a:bodyPr rtlCol="0" anchor="ctr"/>
+            <a:lstStyle/>
+            <a:p>
+              <a:pPr algn="ctr"/>
+              <a:endParaRPr lang="es-MX"/>
+            </a:p>
+          </p:txBody>
+        </p:sp>
+        <p:sp>
+          <p:nvSpPr>
+            <p:cNvPr id="170" name="Elipse 169">
+              <a:extLst>
+                <a:ext uri="{FF2B5EF4-FFF2-40B4-BE49-F238E27FC236}">
+                  <a16:creationId xmlns:a16="http://schemas.microsoft.com/office/drawing/2014/main" id="{2B928E95-9920-0AB1-67FA-A455BBEC84C0}"/>
+                </a:ext>
+              </a:extLst>
+            </p:cNvPr>
+            <p:cNvSpPr/>
+            <p:nvPr/>
+          </p:nvSpPr>
+          <p:spPr>
+            <a:xfrm>
+              <a:off x="1220269" y="6131613"/>
+              <a:ext cx="288000" cy="288000"/>
+            </a:xfrm>
+            <a:prstGeom prst="ellipse">
+              <a:avLst/>
+            </a:prstGeom>
+          </p:spPr>
+          <p:style>
+            <a:lnRef idx="2">
+              <a:schemeClr val="accent1">
+                <a:shade val="50000"/>
+              </a:schemeClr>
+            </a:lnRef>
+            <a:fillRef idx="1">
+              <a:schemeClr val="accent1"/>
+            </a:fillRef>
+            <a:effectRef idx="0">
+              <a:schemeClr val="accent1"/>
+            </a:effectRef>
+            <a:fontRef idx="minor">
+              <a:schemeClr val="lt1"/>
+            </a:fontRef>
+          </p:style>
+          <p:txBody>
+            <a:bodyPr rtlCol="0" anchor="ctr"/>
+            <a:lstStyle/>
+            <a:p>
+              <a:pPr algn="ctr"/>
+              <a:endParaRPr lang="es-MX"/>
+            </a:p>
+          </p:txBody>
+        </p:sp>
+        <p:sp>
+          <p:nvSpPr>
+            <p:cNvPr id="171" name="Elipse 170">
+              <a:extLst>
+                <a:ext uri="{FF2B5EF4-FFF2-40B4-BE49-F238E27FC236}">
+                  <a16:creationId xmlns:a16="http://schemas.microsoft.com/office/drawing/2014/main" id="{63A4F025-D58F-AA37-A2F1-483B215EF34A}"/>
+                </a:ext>
+              </a:extLst>
+            </p:cNvPr>
+            <p:cNvSpPr/>
+            <p:nvPr/>
+          </p:nvSpPr>
+          <p:spPr>
+            <a:xfrm>
+              <a:off x="1794649" y="6134195"/>
+              <a:ext cx="288000" cy="288000"/>
+            </a:xfrm>
+            <a:prstGeom prst="ellipse">
+              <a:avLst/>
+            </a:prstGeom>
+          </p:spPr>
+          <p:style>
+            <a:lnRef idx="2">
+              <a:schemeClr val="accent1">
+                <a:shade val="50000"/>
+              </a:schemeClr>
+            </a:lnRef>
+            <a:fillRef idx="1">
+              <a:schemeClr val="accent1"/>
+            </a:fillRef>
+            <a:effectRef idx="0">
+              <a:schemeClr val="accent1"/>
+            </a:effectRef>
+            <a:fontRef idx="minor">
+              <a:schemeClr val="lt1"/>
+            </a:fontRef>
+          </p:style>
+          <p:txBody>
+            <a:bodyPr rtlCol="0" anchor="ctr"/>
+            <a:lstStyle/>
+            <a:p>
+              <a:pPr algn="ctr"/>
+              <a:endParaRPr lang="es-MX"/>
+            </a:p>
+          </p:txBody>
+        </p:sp>
+        <p:cxnSp>
+          <p:nvCxnSpPr>
+            <p:cNvPr id="173" name="Conector recto de flecha 172">
+              <a:extLst>
+                <a:ext uri="{FF2B5EF4-FFF2-40B4-BE49-F238E27FC236}">
+                  <a16:creationId xmlns:a16="http://schemas.microsoft.com/office/drawing/2014/main" id="{DECC9142-79C7-38BF-E071-0F03B3B64D4A}"/>
+                </a:ext>
+              </a:extLst>
+            </p:cNvPr>
+            <p:cNvCxnSpPr>
+              <a:stCxn id="169" idx="3"/>
+              <a:endCxn id="170" idx="0"/>
+            </p:cNvCxnSpPr>
+            <p:nvPr/>
+          </p:nvCxnSpPr>
+          <p:spPr>
+            <a:xfrm flipH="1">
+              <a:off x="1364269" y="5966473"/>
+              <a:ext cx="187603" cy="165140"/>
+            </a:xfrm>
+            <a:prstGeom prst="straightConnector1">
+              <a:avLst/>
+            </a:prstGeom>
+            <a:ln>
+              <a:tailEnd type="triangle"/>
+            </a:ln>
+          </p:spPr>
+          <p:style>
+            <a:lnRef idx="1">
+              <a:schemeClr val="accent1"/>
+            </a:lnRef>
+            <a:fillRef idx="0">
+              <a:schemeClr val="accent1"/>
+            </a:fillRef>
+            <a:effectRef idx="0">
+              <a:schemeClr val="accent1"/>
+            </a:effectRef>
+            <a:fontRef idx="minor">
+              <a:schemeClr val="tx1"/>
+            </a:fontRef>
+          </p:style>
+        </p:cxnSp>
+        <p:cxnSp>
+          <p:nvCxnSpPr>
+            <p:cNvPr id="175" name="Conector recto de flecha 174">
+              <a:extLst>
+                <a:ext uri="{FF2B5EF4-FFF2-40B4-BE49-F238E27FC236}">
+                  <a16:creationId xmlns:a16="http://schemas.microsoft.com/office/drawing/2014/main" id="{5DFF998C-5297-6A99-4542-1750BC10E368}"/>
+                </a:ext>
+              </a:extLst>
+            </p:cNvPr>
+            <p:cNvCxnSpPr>
+              <a:stCxn id="169" idx="5"/>
+              <a:endCxn id="171" idx="0"/>
+            </p:cNvCxnSpPr>
+            <p:nvPr/>
+          </p:nvCxnSpPr>
+          <p:spPr>
+            <a:xfrm>
+              <a:off x="1755518" y="5966473"/>
+              <a:ext cx="183131" cy="167722"/>
+            </a:xfrm>
+            <a:prstGeom prst="straightConnector1">
+              <a:avLst/>
+            </a:prstGeom>
+            <a:ln>
+              <a:tailEnd type="triangle"/>
+            </a:ln>
+          </p:spPr>
+          <p:style>
+            <a:lnRef idx="1">
+              <a:schemeClr val="accent1"/>
+            </a:lnRef>
+            <a:fillRef idx="0">
+              <a:schemeClr val="accent1"/>
+            </a:fillRef>
+            <a:effectRef idx="0">
+              <a:schemeClr val="accent1"/>
+            </a:effectRef>
+            <a:fontRef idx="minor">
+              <a:schemeClr val="tx1"/>
+            </a:fontRef>
+          </p:style>
+        </p:cxnSp>
+      </p:grpSp>
+      <p:grpSp>
+        <p:nvGrpSpPr>
+          <p:cNvPr id="203" name="Grupo 202">
+            <a:extLst>
+              <a:ext uri="{FF2B5EF4-FFF2-40B4-BE49-F238E27FC236}">
+                <a16:creationId xmlns:a16="http://schemas.microsoft.com/office/drawing/2014/main" id="{00A48F0D-BD8C-CBAF-6B4A-DC6625EE644C}"/>
+              </a:ext>
+            </a:extLst>
+          </p:cNvPr>
+          <p:cNvGrpSpPr/>
+          <p:nvPr/>
+        </p:nvGrpSpPr>
+        <p:grpSpPr>
+          <a:xfrm>
+            <a:off x="2299209" y="6053023"/>
+            <a:ext cx="1335169" cy="1136069"/>
+            <a:chOff x="2726291" y="5873050"/>
+            <a:chExt cx="1921728" cy="1136069"/>
+          </a:xfrm>
+        </p:grpSpPr>
+        <p:sp>
+          <p:nvSpPr>
+            <p:cNvPr id="176" name="Elipse 175">
+              <a:extLst>
+                <a:ext uri="{FF2B5EF4-FFF2-40B4-BE49-F238E27FC236}">
+                  <a16:creationId xmlns:a16="http://schemas.microsoft.com/office/drawing/2014/main" id="{22F5A349-AB34-FB5C-2561-0060E3FB7D56}"/>
+                </a:ext>
+              </a:extLst>
+            </p:cNvPr>
+            <p:cNvSpPr/>
+            <p:nvPr/>
+          </p:nvSpPr>
+          <p:spPr>
+            <a:xfrm>
+              <a:off x="3518199" y="5873050"/>
+              <a:ext cx="288000" cy="288000"/>
+            </a:xfrm>
+            <a:prstGeom prst="ellipse">
+              <a:avLst/>
+            </a:prstGeom>
+          </p:spPr>
+          <p:style>
+            <a:lnRef idx="2">
+              <a:schemeClr val="accent1">
+                <a:shade val="50000"/>
+              </a:schemeClr>
+            </a:lnRef>
+            <a:fillRef idx="1">
+              <a:schemeClr val="accent1"/>
+            </a:fillRef>
+            <a:effectRef idx="0">
+              <a:schemeClr val="accent1"/>
+            </a:effectRef>
+            <a:fontRef idx="minor">
+              <a:schemeClr val="lt1"/>
+            </a:fontRef>
+          </p:style>
+          <p:txBody>
+            <a:bodyPr rtlCol="0" anchor="ctr"/>
+            <a:lstStyle/>
+            <a:p>
+              <a:pPr algn="ctr"/>
+              <a:endParaRPr lang="es-MX"/>
+            </a:p>
+          </p:txBody>
+        </p:sp>
+        <p:sp>
+          <p:nvSpPr>
+            <p:cNvPr id="177" name="Elipse 176">
+              <a:extLst>
+                <a:ext uri="{FF2B5EF4-FFF2-40B4-BE49-F238E27FC236}">
+                  <a16:creationId xmlns:a16="http://schemas.microsoft.com/office/drawing/2014/main" id="{C749B07B-8329-A9B1-ED2B-F5C109C21624}"/>
+                </a:ext>
+              </a:extLst>
+            </p:cNvPr>
+            <p:cNvSpPr/>
+            <p:nvPr/>
+          </p:nvSpPr>
+          <p:spPr>
+            <a:xfrm>
+              <a:off x="3014291" y="6294118"/>
+              <a:ext cx="303673" cy="288000"/>
+            </a:xfrm>
+            <a:prstGeom prst="ellipse">
+              <a:avLst/>
+            </a:prstGeom>
+          </p:spPr>
+          <p:style>
+            <a:lnRef idx="2">
+              <a:schemeClr val="accent1">
+                <a:shade val="50000"/>
+              </a:schemeClr>
+            </a:lnRef>
+            <a:fillRef idx="1">
+              <a:schemeClr val="accent1"/>
+            </a:fillRef>
+            <a:effectRef idx="0">
+              <a:schemeClr val="accent1"/>
+            </a:effectRef>
+            <a:fontRef idx="minor">
+              <a:schemeClr val="lt1"/>
+            </a:fontRef>
+          </p:style>
+          <p:txBody>
+            <a:bodyPr rtlCol="0" anchor="ctr"/>
+            <a:lstStyle/>
+            <a:p>
+              <a:pPr algn="ctr"/>
+              <a:endParaRPr lang="es-MX"/>
+            </a:p>
+          </p:txBody>
+        </p:sp>
+        <p:sp>
+          <p:nvSpPr>
+            <p:cNvPr id="178" name="Elipse 177">
+              <a:extLst>
+                <a:ext uri="{FF2B5EF4-FFF2-40B4-BE49-F238E27FC236}">
+                  <a16:creationId xmlns:a16="http://schemas.microsoft.com/office/drawing/2014/main" id="{D1434899-44C0-CEFD-072D-540732EB09D3}"/>
+                </a:ext>
+              </a:extLst>
+            </p:cNvPr>
+            <p:cNvSpPr/>
+            <p:nvPr/>
+          </p:nvSpPr>
+          <p:spPr>
+            <a:xfrm>
+              <a:off x="4042260" y="6290964"/>
+              <a:ext cx="288000" cy="288000"/>
+            </a:xfrm>
+            <a:prstGeom prst="ellipse">
+              <a:avLst/>
+            </a:prstGeom>
+          </p:spPr>
+          <p:style>
+            <a:lnRef idx="2">
+              <a:schemeClr val="accent1">
+                <a:shade val="50000"/>
+              </a:schemeClr>
+            </a:lnRef>
+            <a:fillRef idx="1">
+              <a:schemeClr val="accent1"/>
+            </a:fillRef>
+            <a:effectRef idx="0">
+              <a:schemeClr val="accent1"/>
+            </a:effectRef>
+            <a:fontRef idx="minor">
+              <a:schemeClr val="lt1"/>
+            </a:fontRef>
+          </p:style>
+          <p:txBody>
+            <a:bodyPr rtlCol="0" anchor="ctr"/>
+            <a:lstStyle/>
+            <a:p>
+              <a:pPr algn="ctr"/>
+              <a:endParaRPr lang="es-MX"/>
+            </a:p>
+          </p:txBody>
+        </p:sp>
+        <p:cxnSp>
+          <p:nvCxnSpPr>
+            <p:cNvPr id="179" name="Conector recto de flecha 178">
+              <a:extLst>
+                <a:ext uri="{FF2B5EF4-FFF2-40B4-BE49-F238E27FC236}">
+                  <a16:creationId xmlns:a16="http://schemas.microsoft.com/office/drawing/2014/main" id="{3B241FB6-4242-280D-2B4D-18494C1565D7}"/>
+                </a:ext>
+              </a:extLst>
+            </p:cNvPr>
+            <p:cNvCxnSpPr>
+              <a:cxnSpLocks/>
+              <a:endCxn id="177" idx="0"/>
+            </p:cNvCxnSpPr>
+            <p:nvPr/>
+          </p:nvCxnSpPr>
+          <p:spPr>
+            <a:xfrm flipH="1">
+              <a:off x="3166128" y="6108191"/>
+              <a:ext cx="510128" cy="185927"/>
+            </a:xfrm>
+            <a:prstGeom prst="straightConnector1">
+              <a:avLst/>
+            </a:prstGeom>
+            <a:ln>
+              <a:tailEnd type="triangle"/>
+            </a:ln>
+          </p:spPr>
+          <p:style>
+            <a:lnRef idx="1">
+              <a:schemeClr val="accent1"/>
+            </a:lnRef>
+            <a:fillRef idx="0">
+              <a:schemeClr val="accent1"/>
+            </a:fillRef>
+            <a:effectRef idx="0">
+              <a:schemeClr val="accent1"/>
+            </a:effectRef>
+            <a:fontRef idx="minor">
+              <a:schemeClr val="tx1"/>
+            </a:fontRef>
+          </p:style>
+        </p:cxnSp>
+        <p:cxnSp>
+          <p:nvCxnSpPr>
+            <p:cNvPr id="180" name="Conector recto de flecha 179">
+              <a:extLst>
+                <a:ext uri="{FF2B5EF4-FFF2-40B4-BE49-F238E27FC236}">
+                  <a16:creationId xmlns:a16="http://schemas.microsoft.com/office/drawing/2014/main" id="{EE1247CD-DCC5-A272-2EF3-4EE8DDEF3290}"/>
+                </a:ext>
+              </a:extLst>
+            </p:cNvPr>
+            <p:cNvCxnSpPr>
+              <a:cxnSpLocks/>
+              <a:endCxn id="178" idx="0"/>
+            </p:cNvCxnSpPr>
+            <p:nvPr/>
+          </p:nvCxnSpPr>
+          <p:spPr>
+            <a:xfrm>
+              <a:off x="3647788" y="6105037"/>
+              <a:ext cx="538472" cy="185927"/>
+            </a:xfrm>
+            <a:prstGeom prst="straightConnector1">
+              <a:avLst/>
+            </a:prstGeom>
+            <a:ln>
+              <a:tailEnd type="triangle"/>
+            </a:ln>
+          </p:spPr>
+          <p:style>
+            <a:lnRef idx="1">
+              <a:schemeClr val="accent1"/>
+            </a:lnRef>
+            <a:fillRef idx="0">
+              <a:schemeClr val="accent1"/>
+            </a:fillRef>
+            <a:effectRef idx="0">
+              <a:schemeClr val="accent1"/>
+            </a:effectRef>
+            <a:fontRef idx="minor">
+              <a:schemeClr val="tx1"/>
+            </a:fontRef>
+          </p:style>
+        </p:cxnSp>
+        <p:sp>
+          <p:nvSpPr>
+            <p:cNvPr id="182" name="Elipse 181">
+              <a:extLst>
+                <a:ext uri="{FF2B5EF4-FFF2-40B4-BE49-F238E27FC236}">
+                  <a16:creationId xmlns:a16="http://schemas.microsoft.com/office/drawing/2014/main" id="{F6BCBCE8-43A3-CA68-64F7-DA58650ED7BE}"/>
+                </a:ext>
+              </a:extLst>
+            </p:cNvPr>
+            <p:cNvSpPr/>
+            <p:nvPr/>
+          </p:nvSpPr>
+          <p:spPr>
+            <a:xfrm>
+              <a:off x="2726291" y="6718537"/>
+              <a:ext cx="303673" cy="288000"/>
+            </a:xfrm>
+            <a:prstGeom prst="ellipse">
+              <a:avLst/>
+            </a:prstGeom>
+          </p:spPr>
+          <p:style>
+            <a:lnRef idx="2">
+              <a:schemeClr val="accent1">
+                <a:shade val="50000"/>
+              </a:schemeClr>
+            </a:lnRef>
+            <a:fillRef idx="1">
+              <a:schemeClr val="accent1"/>
+            </a:fillRef>
+            <a:effectRef idx="0">
+              <a:schemeClr val="accent1"/>
+            </a:effectRef>
+            <a:fontRef idx="minor">
+              <a:schemeClr val="lt1"/>
+            </a:fontRef>
+          </p:style>
+          <p:txBody>
+            <a:bodyPr rtlCol="0" anchor="ctr"/>
+            <a:lstStyle/>
+            <a:p>
+              <a:pPr algn="ctr"/>
+              <a:endParaRPr lang="es-MX"/>
+            </a:p>
+          </p:txBody>
+        </p:sp>
+        <p:sp>
+          <p:nvSpPr>
+            <p:cNvPr id="183" name="Elipse 182">
+              <a:extLst>
+                <a:ext uri="{FF2B5EF4-FFF2-40B4-BE49-F238E27FC236}">
+                  <a16:creationId xmlns:a16="http://schemas.microsoft.com/office/drawing/2014/main" id="{43A3DDFF-12DC-DD9B-C9E8-AB5D5605C6C5}"/>
+                </a:ext>
+              </a:extLst>
+            </p:cNvPr>
+            <p:cNvSpPr/>
+            <p:nvPr/>
+          </p:nvSpPr>
+          <p:spPr>
+            <a:xfrm>
+              <a:off x="3300671" y="6721119"/>
+              <a:ext cx="303673" cy="288000"/>
+            </a:xfrm>
+            <a:prstGeom prst="ellipse">
+              <a:avLst/>
+            </a:prstGeom>
+          </p:spPr>
+          <p:style>
+            <a:lnRef idx="2">
+              <a:schemeClr val="accent1">
+                <a:shade val="50000"/>
+              </a:schemeClr>
+            </a:lnRef>
+            <a:fillRef idx="1">
+              <a:schemeClr val="accent1"/>
+            </a:fillRef>
+            <a:effectRef idx="0">
+              <a:schemeClr val="accent1"/>
+            </a:effectRef>
+            <a:fontRef idx="minor">
+              <a:schemeClr val="lt1"/>
+            </a:fontRef>
+          </p:style>
+          <p:txBody>
+            <a:bodyPr rtlCol="0" anchor="ctr"/>
+            <a:lstStyle/>
+            <a:p>
+              <a:pPr algn="ctr"/>
+              <a:endParaRPr lang="es-MX"/>
+            </a:p>
+          </p:txBody>
+        </p:sp>
+        <p:cxnSp>
+          <p:nvCxnSpPr>
+            <p:cNvPr id="184" name="Conector recto de flecha 183">
+              <a:extLst>
+                <a:ext uri="{FF2B5EF4-FFF2-40B4-BE49-F238E27FC236}">
+                  <a16:creationId xmlns:a16="http://schemas.microsoft.com/office/drawing/2014/main" id="{6439F4AC-424D-6E05-05EE-DD28C389AF18}"/>
+                </a:ext>
+              </a:extLst>
+            </p:cNvPr>
+            <p:cNvCxnSpPr>
+              <a:cxnSpLocks/>
+              <a:stCxn id="177" idx="3"/>
+              <a:endCxn id="182" idx="0"/>
+            </p:cNvCxnSpPr>
+            <p:nvPr/>
+          </p:nvCxnSpPr>
+          <p:spPr>
+            <a:xfrm flipH="1">
+              <a:off x="2878128" y="6539941"/>
+              <a:ext cx="180635" cy="178596"/>
+            </a:xfrm>
+            <a:prstGeom prst="straightConnector1">
+              <a:avLst/>
+            </a:prstGeom>
+            <a:ln>
+              <a:tailEnd type="triangle"/>
+            </a:ln>
+          </p:spPr>
+          <p:style>
+            <a:lnRef idx="1">
+              <a:schemeClr val="accent1"/>
+            </a:lnRef>
+            <a:fillRef idx="0">
+              <a:schemeClr val="accent1"/>
+            </a:fillRef>
+            <a:effectRef idx="0">
+              <a:schemeClr val="accent1"/>
+            </a:effectRef>
+            <a:fontRef idx="minor">
+              <a:schemeClr val="tx1"/>
+            </a:fontRef>
+          </p:style>
+        </p:cxnSp>
+        <p:cxnSp>
+          <p:nvCxnSpPr>
+            <p:cNvPr id="185" name="Conector recto de flecha 184">
+              <a:extLst>
+                <a:ext uri="{FF2B5EF4-FFF2-40B4-BE49-F238E27FC236}">
+                  <a16:creationId xmlns:a16="http://schemas.microsoft.com/office/drawing/2014/main" id="{775F6A89-7AC8-B37E-288F-7CC7D0CCDD93}"/>
+                </a:ext>
+              </a:extLst>
+            </p:cNvPr>
+            <p:cNvCxnSpPr>
+              <a:cxnSpLocks/>
+              <a:stCxn id="177" idx="5"/>
+              <a:endCxn id="183" idx="0"/>
+            </p:cNvCxnSpPr>
+            <p:nvPr/>
+          </p:nvCxnSpPr>
+          <p:spPr>
+            <a:xfrm>
+              <a:off x="3273492" y="6539941"/>
+              <a:ext cx="179016" cy="181178"/>
+            </a:xfrm>
+            <a:prstGeom prst="straightConnector1">
+              <a:avLst/>
+            </a:prstGeom>
+            <a:ln>
+              <a:tailEnd type="triangle"/>
+            </a:ln>
+          </p:spPr>
+          <p:style>
+            <a:lnRef idx="1">
+              <a:schemeClr val="accent1"/>
+            </a:lnRef>
+            <a:fillRef idx="0">
+              <a:schemeClr val="accent1"/>
+            </a:fillRef>
+            <a:effectRef idx="0">
+              <a:schemeClr val="accent1"/>
+            </a:effectRef>
+            <a:fontRef idx="minor">
+              <a:schemeClr val="tx1"/>
+            </a:fontRef>
+          </p:style>
+        </p:cxnSp>
+        <p:sp>
+          <p:nvSpPr>
+            <p:cNvPr id="195" name="Elipse 194">
+              <a:extLst>
+                <a:ext uri="{FF2B5EF4-FFF2-40B4-BE49-F238E27FC236}">
+                  <a16:creationId xmlns:a16="http://schemas.microsoft.com/office/drawing/2014/main" id="{F0757C07-937C-378E-2466-513975288DA4}"/>
+                </a:ext>
+              </a:extLst>
+            </p:cNvPr>
+            <p:cNvSpPr/>
+            <p:nvPr/>
+          </p:nvSpPr>
+          <p:spPr>
+            <a:xfrm>
+              <a:off x="3769966" y="6715955"/>
+              <a:ext cx="303673" cy="288000"/>
+            </a:xfrm>
+            <a:prstGeom prst="ellipse">
+              <a:avLst/>
+            </a:prstGeom>
+          </p:spPr>
+          <p:style>
+            <a:lnRef idx="2">
+              <a:schemeClr val="accent1">
+                <a:shade val="50000"/>
+              </a:schemeClr>
+            </a:lnRef>
+            <a:fillRef idx="1">
+              <a:schemeClr val="accent1"/>
+            </a:fillRef>
+            <a:effectRef idx="0">
+              <a:schemeClr val="accent1"/>
+            </a:effectRef>
+            <a:fontRef idx="minor">
+              <a:schemeClr val="lt1"/>
+            </a:fontRef>
+          </p:style>
+          <p:txBody>
+            <a:bodyPr rtlCol="0" anchor="ctr"/>
+            <a:lstStyle/>
+            <a:p>
+              <a:pPr algn="ctr"/>
+              <a:endParaRPr lang="es-MX"/>
+            </a:p>
+          </p:txBody>
+        </p:sp>
+        <p:sp>
+          <p:nvSpPr>
+            <p:cNvPr id="196" name="Elipse 195">
+              <a:extLst>
+                <a:ext uri="{FF2B5EF4-FFF2-40B4-BE49-F238E27FC236}">
+                  <a16:creationId xmlns:a16="http://schemas.microsoft.com/office/drawing/2014/main" id="{D86599ED-7136-3667-4D6F-26C6D3C51F71}"/>
+                </a:ext>
+              </a:extLst>
+            </p:cNvPr>
+            <p:cNvSpPr/>
+            <p:nvPr/>
+          </p:nvSpPr>
+          <p:spPr>
+            <a:xfrm>
+              <a:off x="4344346" y="6718537"/>
+              <a:ext cx="303673" cy="288000"/>
+            </a:xfrm>
+            <a:prstGeom prst="ellipse">
+              <a:avLst/>
+            </a:prstGeom>
+          </p:spPr>
+          <p:style>
+            <a:lnRef idx="2">
+              <a:schemeClr val="accent1">
+                <a:shade val="50000"/>
+              </a:schemeClr>
+            </a:lnRef>
+            <a:fillRef idx="1">
+              <a:schemeClr val="accent1"/>
+            </a:fillRef>
+            <a:effectRef idx="0">
+              <a:schemeClr val="accent1"/>
+            </a:effectRef>
+            <a:fontRef idx="minor">
+              <a:schemeClr val="lt1"/>
+            </a:fontRef>
+          </p:style>
+          <p:txBody>
+            <a:bodyPr rtlCol="0" anchor="ctr"/>
+            <a:lstStyle/>
+            <a:p>
+              <a:pPr algn="ctr"/>
+              <a:endParaRPr lang="es-MX"/>
+            </a:p>
+          </p:txBody>
+        </p:sp>
+        <p:cxnSp>
+          <p:nvCxnSpPr>
+            <p:cNvPr id="197" name="Conector recto de flecha 196">
+              <a:extLst>
+                <a:ext uri="{FF2B5EF4-FFF2-40B4-BE49-F238E27FC236}">
+                  <a16:creationId xmlns:a16="http://schemas.microsoft.com/office/drawing/2014/main" id="{C42FCE9B-85DE-6C17-DF95-8674BC716483}"/>
+                </a:ext>
+              </a:extLst>
+            </p:cNvPr>
+            <p:cNvCxnSpPr>
+              <a:cxnSpLocks/>
+              <a:stCxn id="178" idx="3"/>
+              <a:endCxn id="195" idx="0"/>
+            </p:cNvCxnSpPr>
+            <p:nvPr/>
+          </p:nvCxnSpPr>
+          <p:spPr>
+            <a:xfrm flipH="1">
+              <a:off x="3921803" y="6536787"/>
+              <a:ext cx="162634" cy="179168"/>
+            </a:xfrm>
+            <a:prstGeom prst="straightConnector1">
+              <a:avLst/>
+            </a:prstGeom>
+            <a:ln>
+              <a:tailEnd type="triangle"/>
+            </a:ln>
+          </p:spPr>
+          <p:style>
+            <a:lnRef idx="1">
+              <a:schemeClr val="accent1"/>
+            </a:lnRef>
+            <a:fillRef idx="0">
+              <a:schemeClr val="accent1"/>
+            </a:fillRef>
+            <a:effectRef idx="0">
+              <a:schemeClr val="accent1"/>
+            </a:effectRef>
+            <a:fontRef idx="minor">
+              <a:schemeClr val="tx1"/>
+            </a:fontRef>
+          </p:style>
+        </p:cxnSp>
+        <p:cxnSp>
+          <p:nvCxnSpPr>
+            <p:cNvPr id="198" name="Conector recto de flecha 197">
+              <a:extLst>
+                <a:ext uri="{FF2B5EF4-FFF2-40B4-BE49-F238E27FC236}">
+                  <a16:creationId xmlns:a16="http://schemas.microsoft.com/office/drawing/2014/main" id="{2CD184DB-89FC-42E4-369B-89626934C2CA}"/>
+                </a:ext>
+              </a:extLst>
+            </p:cNvPr>
+            <p:cNvCxnSpPr>
+              <a:cxnSpLocks/>
+              <a:stCxn id="178" idx="5"/>
+              <a:endCxn id="196" idx="0"/>
+            </p:cNvCxnSpPr>
+            <p:nvPr/>
+          </p:nvCxnSpPr>
+          <p:spPr>
+            <a:xfrm>
+              <a:off x="4288083" y="6536787"/>
+              <a:ext cx="208100" cy="181750"/>
+            </a:xfrm>
+            <a:prstGeom prst="straightConnector1">
+              <a:avLst/>
+            </a:prstGeom>
+            <a:ln>
+              <a:tailEnd type="triangle"/>
+            </a:ln>
+          </p:spPr>
+          <p:style>
+            <a:lnRef idx="1">
+              <a:schemeClr val="accent1"/>
+            </a:lnRef>
+            <a:fillRef idx="0">
+              <a:schemeClr val="accent1"/>
+            </a:fillRef>
+            <a:effectRef idx="0">
+              <a:schemeClr val="accent1"/>
+            </a:effectRef>
+            <a:fontRef idx="minor">
+              <a:schemeClr val="tx1"/>
+            </a:fontRef>
+          </p:style>
+        </p:cxnSp>
+      </p:grpSp>
+      <p:grpSp>
+        <p:nvGrpSpPr>
+          <p:cNvPr id="239" name="Grupo 238">
+            <a:extLst>
+              <a:ext uri="{FF2B5EF4-FFF2-40B4-BE49-F238E27FC236}">
+                <a16:creationId xmlns:a16="http://schemas.microsoft.com/office/drawing/2014/main" id="{B0C5B59B-87A8-F0BE-0F4B-24F77547E291}"/>
+              </a:ext>
+            </a:extLst>
+          </p:cNvPr>
+          <p:cNvGrpSpPr/>
+          <p:nvPr/>
+        </p:nvGrpSpPr>
+        <p:grpSpPr>
+          <a:xfrm>
+            <a:off x="4010029" y="6053023"/>
+            <a:ext cx="1167808" cy="1360199"/>
+            <a:chOff x="3699333" y="5640248"/>
+            <a:chExt cx="2309581" cy="1360199"/>
+          </a:xfrm>
+        </p:grpSpPr>
+        <p:sp>
+          <p:nvSpPr>
+            <p:cNvPr id="205" name="Elipse 204">
+              <a:extLst>
+                <a:ext uri="{FF2B5EF4-FFF2-40B4-BE49-F238E27FC236}">
+                  <a16:creationId xmlns:a16="http://schemas.microsoft.com/office/drawing/2014/main" id="{DE7E0CA8-3737-3BBC-41FF-45E24F1F45D3}"/>
+                </a:ext>
+              </a:extLst>
+            </p:cNvPr>
+            <p:cNvSpPr/>
+            <p:nvPr/>
+          </p:nvSpPr>
+          <p:spPr>
+            <a:xfrm>
+              <a:off x="4647724" y="5640248"/>
+              <a:ext cx="288000" cy="288000"/>
+            </a:xfrm>
+            <a:prstGeom prst="ellipse">
+              <a:avLst/>
+            </a:prstGeom>
+          </p:spPr>
+          <p:style>
+            <a:lnRef idx="2">
+              <a:schemeClr val="accent1">
+                <a:shade val="50000"/>
+              </a:schemeClr>
+            </a:lnRef>
+            <a:fillRef idx="1">
+              <a:schemeClr val="accent1"/>
+            </a:fillRef>
+            <a:effectRef idx="0">
+              <a:schemeClr val="accent1"/>
+            </a:effectRef>
+            <a:fontRef idx="minor">
+              <a:schemeClr val="lt1"/>
+            </a:fontRef>
+          </p:style>
+          <p:txBody>
+            <a:bodyPr rtlCol="0" anchor="ctr"/>
+            <a:lstStyle/>
+            <a:p>
+              <a:pPr algn="ctr"/>
+              <a:endParaRPr lang="es-MX"/>
+            </a:p>
+          </p:txBody>
+        </p:sp>
+        <p:sp>
+          <p:nvSpPr>
+            <p:cNvPr id="206" name="Elipse 205">
+              <a:extLst>
+                <a:ext uri="{FF2B5EF4-FFF2-40B4-BE49-F238E27FC236}">
+                  <a16:creationId xmlns:a16="http://schemas.microsoft.com/office/drawing/2014/main" id="{A0C010D6-D454-8BAC-2E25-F6B224AE4B63}"/>
+                </a:ext>
+              </a:extLst>
+            </p:cNvPr>
+            <p:cNvSpPr/>
+            <p:nvPr/>
+          </p:nvSpPr>
+          <p:spPr>
+            <a:xfrm>
+              <a:off x="4335770" y="5999120"/>
+              <a:ext cx="288000" cy="288000"/>
+            </a:xfrm>
+            <a:prstGeom prst="ellipse">
+              <a:avLst/>
+            </a:prstGeom>
+          </p:spPr>
+          <p:style>
+            <a:lnRef idx="2">
+              <a:schemeClr val="accent1">
+                <a:shade val="50000"/>
+              </a:schemeClr>
+            </a:lnRef>
+            <a:fillRef idx="1">
+              <a:schemeClr val="accent1"/>
+            </a:fillRef>
+            <a:effectRef idx="0">
+              <a:schemeClr val="accent1"/>
+            </a:effectRef>
+            <a:fontRef idx="minor">
+              <a:schemeClr val="lt1"/>
+            </a:fontRef>
+          </p:style>
+          <p:txBody>
+            <a:bodyPr rtlCol="0" anchor="ctr"/>
+            <a:lstStyle/>
+            <a:p>
+              <a:pPr algn="ctr"/>
+              <a:endParaRPr lang="es-MX"/>
+            </a:p>
+          </p:txBody>
+        </p:sp>
+        <p:sp>
+          <p:nvSpPr>
+            <p:cNvPr id="207" name="Elipse 206">
+              <a:extLst>
+                <a:ext uri="{FF2B5EF4-FFF2-40B4-BE49-F238E27FC236}">
+                  <a16:creationId xmlns:a16="http://schemas.microsoft.com/office/drawing/2014/main" id="{4B93310D-7179-2A9A-A2BF-C03B6B919A49}"/>
+                </a:ext>
+              </a:extLst>
+            </p:cNvPr>
+            <p:cNvSpPr/>
+            <p:nvPr/>
+          </p:nvSpPr>
+          <p:spPr>
+            <a:xfrm>
+              <a:off x="5004919" y="5999120"/>
+              <a:ext cx="288000" cy="288000"/>
+            </a:xfrm>
+            <a:prstGeom prst="ellipse">
+              <a:avLst/>
+            </a:prstGeom>
+          </p:spPr>
+          <p:style>
+            <a:lnRef idx="2">
+              <a:schemeClr val="accent1">
+                <a:shade val="50000"/>
+              </a:schemeClr>
+            </a:lnRef>
+            <a:fillRef idx="1">
+              <a:schemeClr val="accent1"/>
+            </a:fillRef>
+            <a:effectRef idx="0">
+              <a:schemeClr val="accent1"/>
+            </a:effectRef>
+            <a:fontRef idx="minor">
+              <a:schemeClr val="lt1"/>
+            </a:fontRef>
+          </p:style>
+          <p:txBody>
+            <a:bodyPr rtlCol="0" anchor="ctr"/>
+            <a:lstStyle/>
+            <a:p>
+              <a:pPr algn="ctr"/>
+              <a:endParaRPr lang="es-MX"/>
+            </a:p>
+          </p:txBody>
+        </p:sp>
+        <p:sp>
+          <p:nvSpPr>
+            <p:cNvPr id="208" name="Elipse 207">
+              <a:extLst>
+                <a:ext uri="{FF2B5EF4-FFF2-40B4-BE49-F238E27FC236}">
+                  <a16:creationId xmlns:a16="http://schemas.microsoft.com/office/drawing/2014/main" id="{DE5D0989-04DF-5A17-0C24-AA76E764A3E5}"/>
+                </a:ext>
+              </a:extLst>
+            </p:cNvPr>
+            <p:cNvSpPr/>
+            <p:nvPr/>
+          </p:nvSpPr>
+          <p:spPr>
+            <a:xfrm>
+              <a:off x="5362113" y="6343154"/>
+              <a:ext cx="288000" cy="288000"/>
+            </a:xfrm>
+            <a:prstGeom prst="ellipse">
+              <a:avLst/>
+            </a:prstGeom>
+          </p:spPr>
+          <p:style>
+            <a:lnRef idx="2">
+              <a:schemeClr val="accent1">
+                <a:shade val="50000"/>
+              </a:schemeClr>
+            </a:lnRef>
+            <a:fillRef idx="1">
+              <a:schemeClr val="accent1"/>
+            </a:fillRef>
+            <a:effectRef idx="0">
+              <a:schemeClr val="accent1"/>
+            </a:effectRef>
+            <a:fontRef idx="minor">
+              <a:schemeClr val="lt1"/>
+            </a:fontRef>
+          </p:style>
+          <p:txBody>
+            <a:bodyPr rtlCol="0" anchor="ctr"/>
+            <a:lstStyle/>
+            <a:p>
+              <a:pPr algn="ctr"/>
+              <a:endParaRPr lang="es-MX"/>
+            </a:p>
+          </p:txBody>
+        </p:sp>
+        <p:sp>
+          <p:nvSpPr>
+            <p:cNvPr id="209" name="Elipse 208">
+              <a:extLst>
+                <a:ext uri="{FF2B5EF4-FFF2-40B4-BE49-F238E27FC236}">
+                  <a16:creationId xmlns:a16="http://schemas.microsoft.com/office/drawing/2014/main" id="{7987FBE0-DE01-32C2-29E7-628BDAF6FE9E}"/>
+                </a:ext>
+              </a:extLst>
+            </p:cNvPr>
+            <p:cNvSpPr/>
+            <p:nvPr/>
+          </p:nvSpPr>
+          <p:spPr>
+            <a:xfrm>
+              <a:off x="4026382" y="6343154"/>
+              <a:ext cx="288000" cy="288000"/>
+            </a:xfrm>
+            <a:prstGeom prst="ellipse">
+              <a:avLst/>
+            </a:prstGeom>
+          </p:spPr>
+          <p:style>
+            <a:lnRef idx="2">
+              <a:schemeClr val="accent1">
+                <a:shade val="50000"/>
+              </a:schemeClr>
+            </a:lnRef>
+            <a:fillRef idx="1">
+              <a:schemeClr val="accent1"/>
+            </a:fillRef>
+            <a:effectRef idx="0">
+              <a:schemeClr val="accent1"/>
+            </a:effectRef>
+            <a:fontRef idx="minor">
+              <a:schemeClr val="lt1"/>
+            </a:fontRef>
+          </p:style>
+          <p:txBody>
+            <a:bodyPr rtlCol="0" anchor="ctr"/>
+            <a:lstStyle/>
+            <a:p>
+              <a:pPr algn="ctr"/>
+              <a:endParaRPr lang="es-MX"/>
+            </a:p>
+          </p:txBody>
+        </p:sp>
+        <p:sp>
+          <p:nvSpPr>
+            <p:cNvPr id="210" name="Elipse 209">
+              <a:extLst>
+                <a:ext uri="{FF2B5EF4-FFF2-40B4-BE49-F238E27FC236}">
+                  <a16:creationId xmlns:a16="http://schemas.microsoft.com/office/drawing/2014/main" id="{FB4446FB-0D24-C7FD-D9C3-BC277EE65FA7}"/>
+                </a:ext>
+              </a:extLst>
+            </p:cNvPr>
+            <p:cNvSpPr/>
+            <p:nvPr/>
+          </p:nvSpPr>
+          <p:spPr>
+            <a:xfrm>
+              <a:off x="5720914" y="6712447"/>
+              <a:ext cx="288000" cy="288000"/>
+            </a:xfrm>
+            <a:prstGeom prst="ellipse">
+              <a:avLst/>
+            </a:prstGeom>
+          </p:spPr>
+          <p:style>
+            <a:lnRef idx="2">
+              <a:schemeClr val="accent1">
+                <a:shade val="50000"/>
+              </a:schemeClr>
+            </a:lnRef>
+            <a:fillRef idx="1">
+              <a:schemeClr val="accent1"/>
+            </a:fillRef>
+            <a:effectRef idx="0">
+              <a:schemeClr val="accent1"/>
+            </a:effectRef>
+            <a:fontRef idx="minor">
+              <a:schemeClr val="lt1"/>
+            </a:fontRef>
+          </p:style>
+          <p:txBody>
+            <a:bodyPr rtlCol="0" anchor="ctr"/>
+            <a:lstStyle/>
+            <a:p>
+              <a:pPr algn="ctr"/>
+              <a:endParaRPr lang="es-MX"/>
+            </a:p>
+          </p:txBody>
+        </p:sp>
+        <p:sp>
+          <p:nvSpPr>
+            <p:cNvPr id="211" name="Elipse 210">
+              <a:extLst>
+                <a:ext uri="{FF2B5EF4-FFF2-40B4-BE49-F238E27FC236}">
+                  <a16:creationId xmlns:a16="http://schemas.microsoft.com/office/drawing/2014/main" id="{70908042-8E5A-7EEC-8E41-3553AB94A6F2}"/>
+                </a:ext>
+              </a:extLst>
+            </p:cNvPr>
+            <p:cNvSpPr/>
+            <p:nvPr/>
+          </p:nvSpPr>
+          <p:spPr>
+            <a:xfrm>
+              <a:off x="3699333" y="6712447"/>
+              <a:ext cx="288000" cy="288000"/>
+            </a:xfrm>
+            <a:prstGeom prst="ellipse">
+              <a:avLst/>
+            </a:prstGeom>
+          </p:spPr>
+          <p:style>
+            <a:lnRef idx="2">
+              <a:schemeClr val="accent1">
+                <a:shade val="50000"/>
+              </a:schemeClr>
+            </a:lnRef>
+            <a:fillRef idx="1">
+              <a:schemeClr val="accent1"/>
+            </a:fillRef>
+            <a:effectRef idx="0">
+              <a:schemeClr val="accent1"/>
+            </a:effectRef>
+            <a:fontRef idx="minor">
+              <a:schemeClr val="lt1"/>
+            </a:fontRef>
+          </p:style>
+          <p:txBody>
+            <a:bodyPr rtlCol="0" anchor="ctr"/>
+            <a:lstStyle/>
+            <a:p>
+              <a:pPr algn="ctr"/>
+              <a:endParaRPr lang="es-MX"/>
+            </a:p>
+          </p:txBody>
+        </p:sp>
+        <p:cxnSp>
+          <p:nvCxnSpPr>
+            <p:cNvPr id="213" name="Conector recto de flecha 212">
+              <a:extLst>
+                <a:ext uri="{FF2B5EF4-FFF2-40B4-BE49-F238E27FC236}">
+                  <a16:creationId xmlns:a16="http://schemas.microsoft.com/office/drawing/2014/main" id="{C2942FF3-7C0F-8BD9-791F-51EE0A94D090}"/>
+                </a:ext>
+              </a:extLst>
+            </p:cNvPr>
+            <p:cNvCxnSpPr>
+              <a:cxnSpLocks/>
+              <a:stCxn id="205" idx="3"/>
+              <a:endCxn id="206" idx="7"/>
+            </p:cNvCxnSpPr>
+            <p:nvPr/>
+          </p:nvCxnSpPr>
+          <p:spPr>
+            <a:xfrm flipH="1">
+              <a:off x="4581593" y="5886071"/>
+              <a:ext cx="108308" cy="155226"/>
+            </a:xfrm>
+            <a:prstGeom prst="straightConnector1">
+              <a:avLst/>
+            </a:prstGeom>
+            <a:ln>
+              <a:tailEnd type="triangle"/>
+            </a:ln>
+          </p:spPr>
+          <p:style>
+            <a:lnRef idx="1">
+              <a:schemeClr val="accent1"/>
+            </a:lnRef>
+            <a:fillRef idx="0">
+              <a:schemeClr val="accent1"/>
+            </a:fillRef>
+            <a:effectRef idx="0">
+              <a:schemeClr val="accent1"/>
+            </a:effectRef>
+            <a:fontRef idx="minor">
+              <a:schemeClr val="tx1"/>
+            </a:fontRef>
+          </p:style>
+        </p:cxnSp>
+        <p:cxnSp>
+          <p:nvCxnSpPr>
+            <p:cNvPr id="215" name="Conector recto de flecha 214">
+              <a:extLst>
+                <a:ext uri="{FF2B5EF4-FFF2-40B4-BE49-F238E27FC236}">
+                  <a16:creationId xmlns:a16="http://schemas.microsoft.com/office/drawing/2014/main" id="{FF1EDCAD-D7B4-8F38-DD34-840834C74C4B}"/>
+                </a:ext>
+              </a:extLst>
+            </p:cNvPr>
+            <p:cNvCxnSpPr>
+              <a:cxnSpLocks/>
+              <a:stCxn id="206" idx="3"/>
+              <a:endCxn id="209" idx="7"/>
+            </p:cNvCxnSpPr>
+            <p:nvPr/>
+          </p:nvCxnSpPr>
+          <p:spPr>
+            <a:xfrm flipH="1">
+              <a:off x="4272205" y="6244943"/>
+              <a:ext cx="105742" cy="140388"/>
+            </a:xfrm>
+            <a:prstGeom prst="straightConnector1">
+              <a:avLst/>
+            </a:prstGeom>
+            <a:ln>
+              <a:tailEnd type="triangle"/>
+            </a:ln>
+          </p:spPr>
+          <p:style>
+            <a:lnRef idx="1">
+              <a:schemeClr val="accent1"/>
+            </a:lnRef>
+            <a:fillRef idx="0">
+              <a:schemeClr val="accent1"/>
+            </a:fillRef>
+            <a:effectRef idx="0">
+              <a:schemeClr val="accent1"/>
+            </a:effectRef>
+            <a:fontRef idx="minor">
+              <a:schemeClr val="tx1"/>
+            </a:fontRef>
+          </p:style>
+        </p:cxnSp>
+        <p:cxnSp>
+          <p:nvCxnSpPr>
+            <p:cNvPr id="226" name="Conector recto de flecha 225">
+              <a:extLst>
+                <a:ext uri="{FF2B5EF4-FFF2-40B4-BE49-F238E27FC236}">
+                  <a16:creationId xmlns:a16="http://schemas.microsoft.com/office/drawing/2014/main" id="{420DC9E5-123D-8AFC-313E-7725F2682858}"/>
+                </a:ext>
+              </a:extLst>
+            </p:cNvPr>
+            <p:cNvCxnSpPr>
+              <a:stCxn id="209" idx="3"/>
+              <a:endCxn id="211" idx="7"/>
+            </p:cNvCxnSpPr>
+            <p:nvPr/>
+          </p:nvCxnSpPr>
+          <p:spPr>
+            <a:xfrm flipH="1">
+              <a:off x="3945156" y="6588977"/>
+              <a:ext cx="123403" cy="165647"/>
+            </a:xfrm>
+            <a:prstGeom prst="straightConnector1">
+              <a:avLst/>
+            </a:prstGeom>
+            <a:ln>
+              <a:tailEnd type="triangle"/>
+            </a:ln>
+          </p:spPr>
+          <p:style>
+            <a:lnRef idx="1">
+              <a:schemeClr val="accent1"/>
+            </a:lnRef>
+            <a:fillRef idx="0">
+              <a:schemeClr val="accent1"/>
+            </a:fillRef>
+            <a:effectRef idx="0">
+              <a:schemeClr val="accent1"/>
+            </a:effectRef>
+            <a:fontRef idx="minor">
+              <a:schemeClr val="tx1"/>
+            </a:fontRef>
+          </p:style>
+        </p:cxnSp>
+        <p:cxnSp>
+          <p:nvCxnSpPr>
+            <p:cNvPr id="231" name="Conector recto de flecha 230">
+              <a:extLst>
+                <a:ext uri="{FF2B5EF4-FFF2-40B4-BE49-F238E27FC236}">
+                  <a16:creationId xmlns:a16="http://schemas.microsoft.com/office/drawing/2014/main" id="{0EBEBFE0-B434-31C6-DE6C-8337C83D6A1B}"/>
+                </a:ext>
+              </a:extLst>
+            </p:cNvPr>
+            <p:cNvCxnSpPr>
+              <a:stCxn id="205" idx="5"/>
+              <a:endCxn id="207" idx="1"/>
+            </p:cNvCxnSpPr>
+            <p:nvPr/>
+          </p:nvCxnSpPr>
+          <p:spPr>
+            <a:xfrm>
+              <a:off x="4893547" y="5886071"/>
+              <a:ext cx="153549" cy="155226"/>
+            </a:xfrm>
+            <a:prstGeom prst="straightConnector1">
+              <a:avLst/>
+            </a:prstGeom>
+            <a:ln>
+              <a:tailEnd type="triangle"/>
+            </a:ln>
+          </p:spPr>
+          <p:style>
+            <a:lnRef idx="1">
+              <a:schemeClr val="accent1"/>
+            </a:lnRef>
+            <a:fillRef idx="0">
+              <a:schemeClr val="accent1"/>
+            </a:fillRef>
+            <a:effectRef idx="0">
+              <a:schemeClr val="accent1"/>
+            </a:effectRef>
+            <a:fontRef idx="minor">
+              <a:schemeClr val="tx1"/>
+            </a:fontRef>
+          </p:style>
+        </p:cxnSp>
+        <p:cxnSp>
+          <p:nvCxnSpPr>
+            <p:cNvPr id="234" name="Conector recto de flecha 233">
+              <a:extLst>
+                <a:ext uri="{FF2B5EF4-FFF2-40B4-BE49-F238E27FC236}">
+                  <a16:creationId xmlns:a16="http://schemas.microsoft.com/office/drawing/2014/main" id="{6F48CC3C-FB5D-B203-66D2-90630EBA7604}"/>
+                </a:ext>
+              </a:extLst>
+            </p:cNvPr>
+            <p:cNvCxnSpPr>
+              <a:stCxn id="207" idx="5"/>
+              <a:endCxn id="208" idx="1"/>
+            </p:cNvCxnSpPr>
+            <p:nvPr/>
+          </p:nvCxnSpPr>
+          <p:spPr>
+            <a:xfrm>
+              <a:off x="5250742" y="6244943"/>
+              <a:ext cx="153548" cy="140388"/>
+            </a:xfrm>
+            <a:prstGeom prst="straightConnector1">
+              <a:avLst/>
+            </a:prstGeom>
+            <a:ln>
+              <a:tailEnd type="triangle"/>
+            </a:ln>
+          </p:spPr>
+          <p:style>
+            <a:lnRef idx="1">
+              <a:schemeClr val="accent1"/>
+            </a:lnRef>
+            <a:fillRef idx="0">
+              <a:schemeClr val="accent1"/>
+            </a:fillRef>
+            <a:effectRef idx="0">
+              <a:schemeClr val="accent1"/>
+            </a:effectRef>
+            <a:fontRef idx="minor">
+              <a:schemeClr val="tx1"/>
+            </a:fontRef>
+          </p:style>
+        </p:cxnSp>
+        <p:cxnSp>
+          <p:nvCxnSpPr>
+            <p:cNvPr id="237" name="Conector recto de flecha 236">
+              <a:extLst>
+                <a:ext uri="{FF2B5EF4-FFF2-40B4-BE49-F238E27FC236}">
+                  <a16:creationId xmlns:a16="http://schemas.microsoft.com/office/drawing/2014/main" id="{CE652E46-370B-91B1-4B33-31BA4603DD41}"/>
+                </a:ext>
+              </a:extLst>
+            </p:cNvPr>
+            <p:cNvCxnSpPr>
+              <a:stCxn id="208" idx="5"/>
+              <a:endCxn id="210" idx="1"/>
+            </p:cNvCxnSpPr>
+            <p:nvPr/>
+          </p:nvCxnSpPr>
+          <p:spPr>
+            <a:xfrm>
+              <a:off x="5607936" y="6588977"/>
+              <a:ext cx="155155" cy="165647"/>
+            </a:xfrm>
+            <a:prstGeom prst="straightConnector1">
+              <a:avLst/>
+            </a:prstGeom>
+            <a:ln>
+              <a:tailEnd type="triangle"/>
+            </a:ln>
+          </p:spPr>
+          <p:style>
+            <a:lnRef idx="1">
+              <a:schemeClr val="accent1"/>
+            </a:lnRef>
+            <a:fillRef idx="0">
+              <a:schemeClr val="accent1"/>
+            </a:fillRef>
+            <a:effectRef idx="0">
+              <a:schemeClr val="accent1"/>
+            </a:effectRef>
+            <a:fontRef idx="minor">
+              <a:schemeClr val="tx1"/>
+            </a:fontRef>
+          </p:style>
+        </p:cxnSp>
+      </p:grpSp>
+      <p:grpSp>
+        <p:nvGrpSpPr>
+          <p:cNvPr id="254" name="Grupo 253">
+            <a:extLst>
+              <a:ext uri="{FF2B5EF4-FFF2-40B4-BE49-F238E27FC236}">
+                <a16:creationId xmlns:a16="http://schemas.microsoft.com/office/drawing/2014/main" id="{487DD413-F405-FBE4-9A70-D267D8822531}"/>
+              </a:ext>
+            </a:extLst>
+          </p:cNvPr>
+          <p:cNvGrpSpPr/>
+          <p:nvPr/>
+        </p:nvGrpSpPr>
+        <p:grpSpPr>
+          <a:xfrm>
+            <a:off x="7096949" y="6053023"/>
+            <a:ext cx="288000" cy="1541685"/>
+            <a:chOff x="6675838" y="5536585"/>
+            <a:chExt cx="288000" cy="1988032"/>
+          </a:xfrm>
+        </p:grpSpPr>
+        <p:sp>
+          <p:nvSpPr>
+            <p:cNvPr id="240" name="Elipse 239">
+              <a:extLst>
+                <a:ext uri="{FF2B5EF4-FFF2-40B4-BE49-F238E27FC236}">
+                  <a16:creationId xmlns:a16="http://schemas.microsoft.com/office/drawing/2014/main" id="{5AF08D65-13B6-375B-D51B-D0D877DE3B09}"/>
+                </a:ext>
+              </a:extLst>
+            </p:cNvPr>
+            <p:cNvSpPr/>
+            <p:nvPr/>
+          </p:nvSpPr>
+          <p:spPr>
+            <a:xfrm>
+              <a:off x="6675838" y="5536585"/>
+              <a:ext cx="288000" cy="288000"/>
+            </a:xfrm>
+            <a:prstGeom prst="ellipse">
+              <a:avLst/>
+            </a:prstGeom>
+          </p:spPr>
+          <p:style>
+            <a:lnRef idx="2">
+              <a:schemeClr val="accent1">
+                <a:shade val="50000"/>
+              </a:schemeClr>
+            </a:lnRef>
+            <a:fillRef idx="1">
+              <a:schemeClr val="accent1"/>
+            </a:fillRef>
+            <a:effectRef idx="0">
+              <a:schemeClr val="accent1"/>
+            </a:effectRef>
+            <a:fontRef idx="minor">
+              <a:schemeClr val="lt1"/>
+            </a:fontRef>
+          </p:style>
+          <p:txBody>
+            <a:bodyPr rtlCol="0" anchor="ctr"/>
+            <a:lstStyle/>
+            <a:p>
+              <a:pPr algn="ctr"/>
+              <a:endParaRPr lang="es-MX"/>
+            </a:p>
+          </p:txBody>
+        </p:sp>
+        <p:sp>
+          <p:nvSpPr>
+            <p:cNvPr id="241" name="Elipse 240">
+              <a:extLst>
+                <a:ext uri="{FF2B5EF4-FFF2-40B4-BE49-F238E27FC236}">
+                  <a16:creationId xmlns:a16="http://schemas.microsoft.com/office/drawing/2014/main" id="{50E49D4F-E034-1C8A-A959-E8E8F0D96487}"/>
+                </a:ext>
+              </a:extLst>
+            </p:cNvPr>
+            <p:cNvSpPr/>
+            <p:nvPr/>
+          </p:nvSpPr>
+          <p:spPr>
+            <a:xfrm>
+              <a:off x="6675838" y="5961593"/>
+              <a:ext cx="288000" cy="288000"/>
+            </a:xfrm>
+            <a:prstGeom prst="ellipse">
+              <a:avLst/>
+            </a:prstGeom>
+          </p:spPr>
+          <p:style>
+            <a:lnRef idx="2">
+              <a:schemeClr val="accent1">
+                <a:shade val="50000"/>
+              </a:schemeClr>
+            </a:lnRef>
+            <a:fillRef idx="1">
+              <a:schemeClr val="accent1"/>
+            </a:fillRef>
+            <a:effectRef idx="0">
+              <a:schemeClr val="accent1"/>
+            </a:effectRef>
+            <a:fontRef idx="minor">
+              <a:schemeClr val="lt1"/>
+            </a:fontRef>
+          </p:style>
+          <p:txBody>
+            <a:bodyPr rtlCol="0" anchor="ctr"/>
+            <a:lstStyle/>
+            <a:p>
+              <a:pPr algn="ctr"/>
+              <a:endParaRPr lang="es-MX"/>
+            </a:p>
+          </p:txBody>
+        </p:sp>
+        <p:sp>
+          <p:nvSpPr>
+            <p:cNvPr id="242" name="Elipse 241">
+              <a:extLst>
+                <a:ext uri="{FF2B5EF4-FFF2-40B4-BE49-F238E27FC236}">
+                  <a16:creationId xmlns:a16="http://schemas.microsoft.com/office/drawing/2014/main" id="{0C61210C-2B4F-76E5-983F-4CE772D83C7C}"/>
+                </a:ext>
+              </a:extLst>
+            </p:cNvPr>
+            <p:cNvSpPr/>
+            <p:nvPr/>
+          </p:nvSpPr>
+          <p:spPr>
+            <a:xfrm>
+              <a:off x="6675838" y="6386601"/>
+              <a:ext cx="288000" cy="288000"/>
+            </a:xfrm>
+            <a:prstGeom prst="ellipse">
+              <a:avLst/>
+            </a:prstGeom>
+          </p:spPr>
+          <p:style>
+            <a:lnRef idx="2">
+              <a:schemeClr val="accent1">
+                <a:shade val="50000"/>
+              </a:schemeClr>
+            </a:lnRef>
+            <a:fillRef idx="1">
+              <a:schemeClr val="accent1"/>
+            </a:fillRef>
+            <a:effectRef idx="0">
+              <a:schemeClr val="accent1"/>
+            </a:effectRef>
+            <a:fontRef idx="minor">
+              <a:schemeClr val="lt1"/>
+            </a:fontRef>
+          </p:style>
+          <p:txBody>
+            <a:bodyPr rtlCol="0" anchor="ctr"/>
+            <a:lstStyle/>
+            <a:p>
+              <a:pPr algn="ctr"/>
+              <a:endParaRPr lang="es-MX"/>
+            </a:p>
+          </p:txBody>
+        </p:sp>
+        <p:sp>
+          <p:nvSpPr>
+            <p:cNvPr id="243" name="Elipse 242">
+              <a:extLst>
+                <a:ext uri="{FF2B5EF4-FFF2-40B4-BE49-F238E27FC236}">
+                  <a16:creationId xmlns:a16="http://schemas.microsoft.com/office/drawing/2014/main" id="{7947AFCB-0BC4-AA37-EC4C-4A8C75E5C0C0}"/>
+                </a:ext>
+              </a:extLst>
+            </p:cNvPr>
+            <p:cNvSpPr/>
+            <p:nvPr/>
+          </p:nvSpPr>
+          <p:spPr>
+            <a:xfrm>
+              <a:off x="6675838" y="6811609"/>
+              <a:ext cx="288000" cy="288000"/>
+            </a:xfrm>
+            <a:prstGeom prst="ellipse">
+              <a:avLst/>
+            </a:prstGeom>
+          </p:spPr>
+          <p:style>
+            <a:lnRef idx="2">
+              <a:schemeClr val="accent1">
+                <a:shade val="50000"/>
+              </a:schemeClr>
+            </a:lnRef>
+            <a:fillRef idx="1">
+              <a:schemeClr val="accent1"/>
+            </a:fillRef>
+            <a:effectRef idx="0">
+              <a:schemeClr val="accent1"/>
+            </a:effectRef>
+            <a:fontRef idx="minor">
+              <a:schemeClr val="lt1"/>
+            </a:fontRef>
+          </p:style>
+          <p:txBody>
+            <a:bodyPr rtlCol="0" anchor="ctr"/>
+            <a:lstStyle/>
+            <a:p>
+              <a:pPr algn="ctr"/>
+              <a:endParaRPr lang="es-MX" dirty="0"/>
+            </a:p>
+          </p:txBody>
+        </p:sp>
+        <p:sp>
+          <p:nvSpPr>
+            <p:cNvPr id="244" name="Elipse 243">
+              <a:extLst>
+                <a:ext uri="{FF2B5EF4-FFF2-40B4-BE49-F238E27FC236}">
+                  <a16:creationId xmlns:a16="http://schemas.microsoft.com/office/drawing/2014/main" id="{85300128-CFF2-BDEC-D442-09A855274339}"/>
+                </a:ext>
+              </a:extLst>
+            </p:cNvPr>
+            <p:cNvSpPr/>
+            <p:nvPr/>
+          </p:nvSpPr>
+          <p:spPr>
+            <a:xfrm>
+              <a:off x="6675838" y="7236617"/>
+              <a:ext cx="288000" cy="288000"/>
+            </a:xfrm>
+            <a:prstGeom prst="ellipse">
+              <a:avLst/>
+            </a:prstGeom>
+          </p:spPr>
+          <p:style>
+            <a:lnRef idx="2">
+              <a:schemeClr val="accent1">
+                <a:shade val="50000"/>
+              </a:schemeClr>
+            </a:lnRef>
+            <a:fillRef idx="1">
+              <a:schemeClr val="accent1"/>
+            </a:fillRef>
+            <a:effectRef idx="0">
+              <a:schemeClr val="accent1"/>
+            </a:effectRef>
+            <a:fontRef idx="minor">
+              <a:schemeClr val="lt1"/>
+            </a:fontRef>
+          </p:style>
+          <p:txBody>
+            <a:bodyPr rtlCol="0" anchor="ctr"/>
+            <a:lstStyle/>
+            <a:p>
+              <a:pPr algn="ctr"/>
+              <a:endParaRPr lang="es-MX"/>
+            </a:p>
+          </p:txBody>
+        </p:sp>
+        <p:cxnSp>
+          <p:nvCxnSpPr>
+            <p:cNvPr id="247" name="Conector recto de flecha 246">
+              <a:extLst>
+                <a:ext uri="{FF2B5EF4-FFF2-40B4-BE49-F238E27FC236}">
+                  <a16:creationId xmlns:a16="http://schemas.microsoft.com/office/drawing/2014/main" id="{509BAB0A-ED2A-AB6C-0298-2CC1C98CEEC1}"/>
+                </a:ext>
+              </a:extLst>
+            </p:cNvPr>
+            <p:cNvCxnSpPr>
+              <a:stCxn id="240" idx="4"/>
+              <a:endCxn id="241" idx="0"/>
+            </p:cNvCxnSpPr>
+            <p:nvPr/>
+          </p:nvCxnSpPr>
+          <p:spPr>
+            <a:xfrm>
+              <a:off x="6819838" y="5824585"/>
+              <a:ext cx="0" cy="137008"/>
+            </a:xfrm>
+            <a:prstGeom prst="straightConnector1">
+              <a:avLst/>
+            </a:prstGeom>
+            <a:ln>
+              <a:tailEnd type="triangle"/>
+            </a:ln>
+          </p:spPr>
+          <p:style>
+            <a:lnRef idx="1">
+              <a:schemeClr val="accent1"/>
+            </a:lnRef>
+            <a:fillRef idx="0">
+              <a:schemeClr val="accent1"/>
+            </a:fillRef>
+            <a:effectRef idx="0">
+              <a:schemeClr val="accent1"/>
+            </a:effectRef>
+            <a:fontRef idx="minor">
+              <a:schemeClr val="tx1"/>
+            </a:fontRef>
+          </p:style>
+        </p:cxnSp>
+        <p:cxnSp>
+          <p:nvCxnSpPr>
+            <p:cNvPr id="249" name="Conector recto de flecha 248">
+              <a:extLst>
+                <a:ext uri="{FF2B5EF4-FFF2-40B4-BE49-F238E27FC236}">
+                  <a16:creationId xmlns:a16="http://schemas.microsoft.com/office/drawing/2014/main" id="{388B1C02-C4CE-2310-D2C1-3431C0B51859}"/>
+                </a:ext>
+              </a:extLst>
+            </p:cNvPr>
+            <p:cNvCxnSpPr>
+              <a:stCxn id="241" idx="4"/>
+              <a:endCxn id="242" idx="0"/>
+            </p:cNvCxnSpPr>
+            <p:nvPr/>
+          </p:nvCxnSpPr>
+          <p:spPr>
+            <a:xfrm>
+              <a:off x="6819838" y="6249593"/>
+              <a:ext cx="0" cy="137008"/>
+            </a:xfrm>
+            <a:prstGeom prst="straightConnector1">
+              <a:avLst/>
+            </a:prstGeom>
+            <a:ln>
+              <a:tailEnd type="triangle"/>
+            </a:ln>
+          </p:spPr>
+          <p:style>
+            <a:lnRef idx="1">
+              <a:schemeClr val="accent1"/>
+            </a:lnRef>
+            <a:fillRef idx="0">
+              <a:schemeClr val="accent1"/>
+            </a:fillRef>
+            <a:effectRef idx="0">
+              <a:schemeClr val="accent1"/>
+            </a:effectRef>
+            <a:fontRef idx="minor">
+              <a:schemeClr val="tx1"/>
+            </a:fontRef>
+          </p:style>
+        </p:cxnSp>
+        <p:cxnSp>
+          <p:nvCxnSpPr>
+            <p:cNvPr id="251" name="Conector recto de flecha 250">
+              <a:extLst>
+                <a:ext uri="{FF2B5EF4-FFF2-40B4-BE49-F238E27FC236}">
+                  <a16:creationId xmlns:a16="http://schemas.microsoft.com/office/drawing/2014/main" id="{7D689D6F-7843-4661-C7B8-AF62DE4A7551}"/>
+                </a:ext>
+              </a:extLst>
+            </p:cNvPr>
+            <p:cNvCxnSpPr>
+              <a:stCxn id="242" idx="4"/>
+              <a:endCxn id="243" idx="0"/>
+            </p:cNvCxnSpPr>
+            <p:nvPr/>
+          </p:nvCxnSpPr>
+          <p:spPr>
+            <a:xfrm>
+              <a:off x="6819838" y="6674601"/>
+              <a:ext cx="0" cy="137008"/>
+            </a:xfrm>
+            <a:prstGeom prst="straightConnector1">
+              <a:avLst/>
+            </a:prstGeom>
+            <a:ln>
+              <a:tailEnd type="triangle"/>
+            </a:ln>
+          </p:spPr>
+          <p:style>
+            <a:lnRef idx="1">
+              <a:schemeClr val="accent1"/>
+            </a:lnRef>
+            <a:fillRef idx="0">
+              <a:schemeClr val="accent1"/>
+            </a:fillRef>
+            <a:effectRef idx="0">
+              <a:schemeClr val="accent1"/>
+            </a:effectRef>
+            <a:fontRef idx="minor">
+              <a:schemeClr val="tx1"/>
+            </a:fontRef>
+          </p:style>
+        </p:cxnSp>
+        <p:cxnSp>
+          <p:nvCxnSpPr>
+            <p:cNvPr id="253" name="Conector recto de flecha 252">
+              <a:extLst>
+                <a:ext uri="{FF2B5EF4-FFF2-40B4-BE49-F238E27FC236}">
+                  <a16:creationId xmlns:a16="http://schemas.microsoft.com/office/drawing/2014/main" id="{604727AD-B338-D8A2-0EA9-B269189E9438}"/>
+                </a:ext>
+              </a:extLst>
+            </p:cNvPr>
+            <p:cNvCxnSpPr>
+              <a:stCxn id="243" idx="4"/>
+              <a:endCxn id="244" idx="0"/>
+            </p:cNvCxnSpPr>
+            <p:nvPr/>
+          </p:nvCxnSpPr>
+          <p:spPr>
+            <a:xfrm>
+              <a:off x="6819838" y="7099609"/>
+              <a:ext cx="0" cy="137008"/>
+            </a:xfrm>
+            <a:prstGeom prst="straightConnector1">
+              <a:avLst/>
+            </a:prstGeom>
+            <a:ln>
+              <a:tailEnd type="triangle"/>
+            </a:ln>
+          </p:spPr>
+          <p:style>
+            <a:lnRef idx="1">
+              <a:schemeClr val="accent1"/>
+            </a:lnRef>
+            <a:fillRef idx="0">
+              <a:schemeClr val="accent1"/>
+            </a:fillRef>
+            <a:effectRef idx="0">
+              <a:schemeClr val="accent1"/>
+            </a:effectRef>
+            <a:fontRef idx="minor">
+              <a:schemeClr val="tx1"/>
+            </a:fontRef>
+          </p:style>
+        </p:cxnSp>
+      </p:grpSp>
+      <p:grpSp>
+        <p:nvGrpSpPr>
+          <p:cNvPr id="276" name="Grupo 275">
+            <a:extLst>
+              <a:ext uri="{FF2B5EF4-FFF2-40B4-BE49-F238E27FC236}">
+                <a16:creationId xmlns:a16="http://schemas.microsoft.com/office/drawing/2014/main" id="{3A33CBD7-6D37-BA91-48C5-C19356DF1BD1}"/>
+              </a:ext>
+            </a:extLst>
+          </p:cNvPr>
+          <p:cNvGrpSpPr/>
+          <p:nvPr/>
+        </p:nvGrpSpPr>
+        <p:grpSpPr>
+          <a:xfrm>
+            <a:off x="5553488" y="6053023"/>
+            <a:ext cx="1167808" cy="1361301"/>
+            <a:chOff x="5641951" y="5522238"/>
+            <a:chExt cx="1167808" cy="1361301"/>
+          </a:xfrm>
+        </p:grpSpPr>
+        <p:grpSp>
+          <p:nvGrpSpPr>
+            <p:cNvPr id="255" name="Grupo 254">
+              <a:extLst>
+                <a:ext uri="{FF2B5EF4-FFF2-40B4-BE49-F238E27FC236}">
+                  <a16:creationId xmlns:a16="http://schemas.microsoft.com/office/drawing/2014/main" id="{281FFA62-8A6D-2D2F-2682-CFF47629FBBB}"/>
+                </a:ext>
+              </a:extLst>
+            </p:cNvPr>
+            <p:cNvGrpSpPr/>
+            <p:nvPr/>
+          </p:nvGrpSpPr>
+          <p:grpSpPr>
+            <a:xfrm>
+              <a:off x="5641951" y="5522238"/>
+              <a:ext cx="1167808" cy="1360199"/>
+              <a:chOff x="3699333" y="5640248"/>
+              <a:chExt cx="2309581" cy="1360199"/>
+            </a:xfrm>
+          </p:grpSpPr>
+          <p:sp>
+            <p:nvSpPr>
+              <p:cNvPr id="256" name="Elipse 255">
+                <a:extLst>
+                  <a:ext uri="{FF2B5EF4-FFF2-40B4-BE49-F238E27FC236}">
+                    <a16:creationId xmlns:a16="http://schemas.microsoft.com/office/drawing/2014/main" id="{6C00A100-6D22-13C6-5286-9E7D57588081}"/>
+                  </a:ext>
+                </a:extLst>
+              </p:cNvPr>
+              <p:cNvSpPr/>
+              <p:nvPr/>
+            </p:nvSpPr>
+            <p:spPr>
+              <a:xfrm>
+                <a:off x="4647724" y="5640248"/>
+                <a:ext cx="288000" cy="288000"/>
+              </a:xfrm>
+              <a:prstGeom prst="ellipse">
+                <a:avLst/>
+              </a:prstGeom>
+            </p:spPr>
+            <p:style>
+              <a:lnRef idx="2">
+                <a:schemeClr val="accent1">
+                  <a:shade val="50000"/>
+                </a:schemeClr>
+              </a:lnRef>
+              <a:fillRef idx="1">
+                <a:schemeClr val="accent1"/>
+              </a:fillRef>
+              <a:effectRef idx="0">
+                <a:schemeClr val="accent1"/>
+              </a:effectRef>
+              <a:fontRef idx="minor">
+                <a:schemeClr val="lt1"/>
+              </a:fontRef>
+            </p:style>
+            <p:txBody>
+              <a:bodyPr rtlCol="0" anchor="ctr"/>
+              <a:lstStyle/>
+              <a:p>
+                <a:pPr algn="ctr"/>
+                <a:endParaRPr lang="es-MX"/>
+              </a:p>
+            </p:txBody>
+          </p:sp>
+          <p:sp>
+            <p:nvSpPr>
+              <p:cNvPr id="257" name="Elipse 256">
+                <a:extLst>
+                  <a:ext uri="{FF2B5EF4-FFF2-40B4-BE49-F238E27FC236}">
+                    <a16:creationId xmlns:a16="http://schemas.microsoft.com/office/drawing/2014/main" id="{31C9BB65-6766-9BA4-AED5-2A6867A78DF2}"/>
+                  </a:ext>
+                </a:extLst>
+              </p:cNvPr>
+              <p:cNvSpPr/>
+              <p:nvPr/>
+            </p:nvSpPr>
+            <p:spPr>
+              <a:xfrm>
+                <a:off x="4335770" y="5999120"/>
+                <a:ext cx="288000" cy="288000"/>
+              </a:xfrm>
+              <a:prstGeom prst="ellipse">
+                <a:avLst/>
+              </a:prstGeom>
+            </p:spPr>
+            <p:style>
+              <a:lnRef idx="2">
+                <a:schemeClr val="accent1">
+                  <a:shade val="50000"/>
+                </a:schemeClr>
+              </a:lnRef>
+              <a:fillRef idx="1">
+                <a:schemeClr val="accent1"/>
+              </a:fillRef>
+              <a:effectRef idx="0">
+                <a:schemeClr val="accent1"/>
+              </a:effectRef>
+              <a:fontRef idx="minor">
+                <a:schemeClr val="lt1"/>
+              </a:fontRef>
+            </p:style>
+            <p:txBody>
+              <a:bodyPr rtlCol="0" anchor="ctr"/>
+              <a:lstStyle/>
+              <a:p>
+                <a:pPr algn="ctr"/>
+                <a:endParaRPr lang="es-MX"/>
+              </a:p>
+            </p:txBody>
+          </p:sp>
+          <p:sp>
+            <p:nvSpPr>
+              <p:cNvPr id="258" name="Elipse 257">
+                <a:extLst>
+                  <a:ext uri="{FF2B5EF4-FFF2-40B4-BE49-F238E27FC236}">
+                    <a16:creationId xmlns:a16="http://schemas.microsoft.com/office/drawing/2014/main" id="{2D75C83A-3665-3D67-2465-D962FFA8171E}"/>
+                  </a:ext>
+                </a:extLst>
+              </p:cNvPr>
+              <p:cNvSpPr/>
+              <p:nvPr/>
+            </p:nvSpPr>
+            <p:spPr>
+              <a:xfrm>
+                <a:off x="5004919" y="5999120"/>
+                <a:ext cx="288000" cy="288000"/>
+              </a:xfrm>
+              <a:prstGeom prst="ellipse">
+                <a:avLst/>
+              </a:prstGeom>
+            </p:spPr>
+            <p:style>
+              <a:lnRef idx="2">
+                <a:schemeClr val="accent1">
+                  <a:shade val="50000"/>
+                </a:schemeClr>
+              </a:lnRef>
+              <a:fillRef idx="1">
+                <a:schemeClr val="accent1"/>
+              </a:fillRef>
+              <a:effectRef idx="0">
+                <a:schemeClr val="accent1"/>
+              </a:effectRef>
+              <a:fontRef idx="minor">
+                <a:schemeClr val="lt1"/>
+              </a:fontRef>
+            </p:style>
+            <p:txBody>
+              <a:bodyPr rtlCol="0" anchor="ctr"/>
+              <a:lstStyle/>
+              <a:p>
+                <a:pPr algn="ctr"/>
+                <a:endParaRPr lang="es-MX"/>
+              </a:p>
+            </p:txBody>
+          </p:sp>
+          <p:sp>
+            <p:nvSpPr>
+              <p:cNvPr id="259" name="Elipse 258">
+                <a:extLst>
+                  <a:ext uri="{FF2B5EF4-FFF2-40B4-BE49-F238E27FC236}">
+                    <a16:creationId xmlns:a16="http://schemas.microsoft.com/office/drawing/2014/main" id="{D982EC7F-AA62-50B3-A57D-055AB077ABDD}"/>
+                  </a:ext>
+                </a:extLst>
+              </p:cNvPr>
+              <p:cNvSpPr/>
+              <p:nvPr/>
+            </p:nvSpPr>
+            <p:spPr>
+              <a:xfrm>
+                <a:off x="5362113" y="6343154"/>
+                <a:ext cx="288000" cy="288000"/>
+              </a:xfrm>
+              <a:prstGeom prst="ellipse">
+                <a:avLst/>
+              </a:prstGeom>
+            </p:spPr>
+            <p:style>
+              <a:lnRef idx="2">
+                <a:schemeClr val="accent1">
+                  <a:shade val="50000"/>
+                </a:schemeClr>
+              </a:lnRef>
+              <a:fillRef idx="1">
+                <a:schemeClr val="accent1"/>
+              </a:fillRef>
+              <a:effectRef idx="0">
+                <a:schemeClr val="accent1"/>
+              </a:effectRef>
+              <a:fontRef idx="minor">
+                <a:schemeClr val="lt1"/>
+              </a:fontRef>
+            </p:style>
+            <p:txBody>
+              <a:bodyPr rtlCol="0" anchor="ctr"/>
+              <a:lstStyle/>
+              <a:p>
+                <a:pPr algn="ctr"/>
+                <a:endParaRPr lang="es-MX"/>
+              </a:p>
+            </p:txBody>
+          </p:sp>
+          <p:sp>
+            <p:nvSpPr>
+              <p:cNvPr id="260" name="Elipse 259">
+                <a:extLst>
+                  <a:ext uri="{FF2B5EF4-FFF2-40B4-BE49-F238E27FC236}">
+                    <a16:creationId xmlns:a16="http://schemas.microsoft.com/office/drawing/2014/main" id="{F5D7F86B-3BAE-0792-3A93-830CD02A5688}"/>
+                  </a:ext>
+                </a:extLst>
+              </p:cNvPr>
+              <p:cNvSpPr/>
+              <p:nvPr/>
+            </p:nvSpPr>
+            <p:spPr>
+              <a:xfrm>
+                <a:off x="4026382" y="6343154"/>
+                <a:ext cx="288000" cy="288000"/>
+              </a:xfrm>
+              <a:prstGeom prst="ellipse">
+                <a:avLst/>
+              </a:prstGeom>
+            </p:spPr>
+            <p:style>
+              <a:lnRef idx="2">
+                <a:schemeClr val="accent1">
+                  <a:shade val="50000"/>
+                </a:schemeClr>
+              </a:lnRef>
+              <a:fillRef idx="1">
+                <a:schemeClr val="accent1"/>
+              </a:fillRef>
+              <a:effectRef idx="0">
+                <a:schemeClr val="accent1"/>
+              </a:effectRef>
+              <a:fontRef idx="minor">
+                <a:schemeClr val="lt1"/>
+              </a:fontRef>
+            </p:style>
+            <p:txBody>
+              <a:bodyPr rtlCol="0" anchor="ctr"/>
+              <a:lstStyle/>
+              <a:p>
+                <a:pPr algn="ctr"/>
+                <a:endParaRPr lang="es-MX" dirty="0"/>
+              </a:p>
+            </p:txBody>
+          </p:sp>
+          <p:sp>
+            <p:nvSpPr>
+              <p:cNvPr id="261" name="Elipse 260">
+                <a:extLst>
+                  <a:ext uri="{FF2B5EF4-FFF2-40B4-BE49-F238E27FC236}">
+                    <a16:creationId xmlns:a16="http://schemas.microsoft.com/office/drawing/2014/main" id="{475DA6B5-7919-0B37-2A22-389CE13354DE}"/>
+                  </a:ext>
+                </a:extLst>
+              </p:cNvPr>
+              <p:cNvSpPr/>
+              <p:nvPr/>
+            </p:nvSpPr>
+            <p:spPr>
+              <a:xfrm>
+                <a:off x="5720914" y="6712447"/>
+                <a:ext cx="288000" cy="288000"/>
+              </a:xfrm>
+              <a:prstGeom prst="ellipse">
+                <a:avLst/>
+              </a:prstGeom>
+            </p:spPr>
+            <p:style>
+              <a:lnRef idx="2">
+                <a:schemeClr val="accent1">
+                  <a:shade val="50000"/>
+                </a:schemeClr>
+              </a:lnRef>
+              <a:fillRef idx="1">
+                <a:schemeClr val="accent1"/>
+              </a:fillRef>
+              <a:effectRef idx="0">
+                <a:schemeClr val="accent1"/>
+              </a:effectRef>
+              <a:fontRef idx="minor">
+                <a:schemeClr val="lt1"/>
+              </a:fontRef>
+            </p:style>
+            <p:txBody>
+              <a:bodyPr rtlCol="0" anchor="ctr"/>
+              <a:lstStyle/>
+              <a:p>
+                <a:pPr algn="ctr"/>
+                <a:endParaRPr lang="es-MX"/>
+              </a:p>
+            </p:txBody>
+          </p:sp>
+          <p:sp>
+            <p:nvSpPr>
+              <p:cNvPr id="262" name="Elipse 261">
+                <a:extLst>
+                  <a:ext uri="{FF2B5EF4-FFF2-40B4-BE49-F238E27FC236}">
+                    <a16:creationId xmlns:a16="http://schemas.microsoft.com/office/drawing/2014/main" id="{18F1AC1C-D5CF-0EB5-0C36-8582447A6E1A}"/>
+                  </a:ext>
+                </a:extLst>
+              </p:cNvPr>
+              <p:cNvSpPr/>
+              <p:nvPr/>
+            </p:nvSpPr>
+            <p:spPr>
+              <a:xfrm>
+                <a:off x="3699333" y="6712447"/>
+                <a:ext cx="288000" cy="288000"/>
+              </a:xfrm>
+              <a:prstGeom prst="ellipse">
+                <a:avLst/>
+              </a:prstGeom>
+            </p:spPr>
+            <p:style>
+              <a:lnRef idx="2">
+                <a:schemeClr val="accent1">
+                  <a:shade val="50000"/>
+                </a:schemeClr>
+              </a:lnRef>
+              <a:fillRef idx="1">
+                <a:schemeClr val="accent1"/>
+              </a:fillRef>
+              <a:effectRef idx="0">
+                <a:schemeClr val="accent1"/>
+              </a:effectRef>
+              <a:fontRef idx="minor">
+                <a:schemeClr val="lt1"/>
+              </a:fontRef>
+            </p:style>
+            <p:txBody>
+              <a:bodyPr rtlCol="0" anchor="ctr"/>
+              <a:lstStyle/>
+              <a:p>
+                <a:pPr algn="ctr"/>
+                <a:endParaRPr lang="es-MX"/>
+              </a:p>
+            </p:txBody>
+          </p:sp>
+          <p:cxnSp>
+            <p:nvCxnSpPr>
+              <p:cNvPr id="263" name="Conector recto de flecha 262">
+                <a:extLst>
+                  <a:ext uri="{FF2B5EF4-FFF2-40B4-BE49-F238E27FC236}">
+                    <a16:creationId xmlns:a16="http://schemas.microsoft.com/office/drawing/2014/main" id="{F346603C-B542-C625-530F-7E3054D80736}"/>
+                  </a:ext>
+                </a:extLst>
+              </p:cNvPr>
+              <p:cNvCxnSpPr>
+                <a:cxnSpLocks/>
+                <a:stCxn id="256" idx="3"/>
+                <a:endCxn id="257" idx="7"/>
+              </p:cNvCxnSpPr>
+              <p:nvPr/>
+            </p:nvCxnSpPr>
+            <p:spPr>
+              <a:xfrm flipH="1">
+                <a:off x="4581593" y="5886071"/>
+                <a:ext cx="108308" cy="155226"/>
+              </a:xfrm>
+              <a:prstGeom prst="straightConnector1">
+                <a:avLst/>
+              </a:prstGeom>
+              <a:ln>
+                <a:tailEnd type="triangle"/>
+              </a:ln>
+            </p:spPr>
+            <p:style>
+              <a:lnRef idx="1">
+                <a:schemeClr val="accent1"/>
+              </a:lnRef>
+              <a:fillRef idx="0">
+                <a:schemeClr val="accent1"/>
+              </a:fillRef>
+              <a:effectRef idx="0">
+                <a:schemeClr val="accent1"/>
+              </a:effectRef>
+              <a:fontRef idx="minor">
+                <a:schemeClr val="tx1"/>
+              </a:fontRef>
+            </p:style>
+          </p:cxnSp>
+          <p:cxnSp>
+            <p:nvCxnSpPr>
+              <p:cNvPr id="264" name="Conector recto de flecha 263">
+                <a:extLst>
+                  <a:ext uri="{FF2B5EF4-FFF2-40B4-BE49-F238E27FC236}">
+                    <a16:creationId xmlns:a16="http://schemas.microsoft.com/office/drawing/2014/main" id="{E081B4FD-A7FD-8740-B9F7-D39253F4A836}"/>
+                  </a:ext>
+                </a:extLst>
+              </p:cNvPr>
+              <p:cNvCxnSpPr>
+                <a:cxnSpLocks/>
+                <a:stCxn id="257" idx="3"/>
+                <a:endCxn id="260" idx="7"/>
+              </p:cNvCxnSpPr>
+              <p:nvPr/>
+            </p:nvCxnSpPr>
+            <p:spPr>
+              <a:xfrm flipH="1">
+                <a:off x="4272205" y="6244943"/>
+                <a:ext cx="105742" cy="140388"/>
+              </a:xfrm>
+              <a:prstGeom prst="straightConnector1">
+                <a:avLst/>
+              </a:prstGeom>
+              <a:ln>
+                <a:tailEnd type="triangle"/>
+              </a:ln>
+            </p:spPr>
+            <p:style>
+              <a:lnRef idx="1">
+                <a:schemeClr val="accent1"/>
+              </a:lnRef>
+              <a:fillRef idx="0">
+                <a:schemeClr val="accent1"/>
+              </a:fillRef>
+              <a:effectRef idx="0">
+                <a:schemeClr val="accent1"/>
+              </a:effectRef>
+              <a:fontRef idx="minor">
+                <a:schemeClr val="tx1"/>
+              </a:fontRef>
+            </p:style>
+          </p:cxnSp>
+          <p:cxnSp>
+            <p:nvCxnSpPr>
+              <p:cNvPr id="265" name="Conector recto de flecha 264">
+                <a:extLst>
+                  <a:ext uri="{FF2B5EF4-FFF2-40B4-BE49-F238E27FC236}">
+                    <a16:creationId xmlns:a16="http://schemas.microsoft.com/office/drawing/2014/main" id="{F0384A8D-E1F3-EDB0-AF7E-31F6E6B15623}"/>
+                  </a:ext>
+                </a:extLst>
+              </p:cNvPr>
+              <p:cNvCxnSpPr>
+                <a:stCxn id="260" idx="3"/>
+                <a:endCxn id="262" idx="7"/>
+              </p:cNvCxnSpPr>
+              <p:nvPr/>
+            </p:nvCxnSpPr>
+            <p:spPr>
+              <a:xfrm flipH="1">
+                <a:off x="3945156" y="6588977"/>
+                <a:ext cx="123403" cy="165647"/>
+              </a:xfrm>
+              <a:prstGeom prst="straightConnector1">
+                <a:avLst/>
+              </a:prstGeom>
+              <a:ln>
+                <a:tailEnd type="triangle"/>
+              </a:ln>
+            </p:spPr>
+            <p:style>
+              <a:lnRef idx="1">
+                <a:schemeClr val="accent1"/>
+              </a:lnRef>
+              <a:fillRef idx="0">
+                <a:schemeClr val="accent1"/>
+              </a:fillRef>
+              <a:effectRef idx="0">
+                <a:schemeClr val="accent1"/>
+              </a:effectRef>
+              <a:fontRef idx="minor">
+                <a:schemeClr val="tx1"/>
+              </a:fontRef>
+            </p:style>
+          </p:cxnSp>
+          <p:cxnSp>
+            <p:nvCxnSpPr>
+              <p:cNvPr id="266" name="Conector recto de flecha 265">
+                <a:extLst>
+                  <a:ext uri="{FF2B5EF4-FFF2-40B4-BE49-F238E27FC236}">
+                    <a16:creationId xmlns:a16="http://schemas.microsoft.com/office/drawing/2014/main" id="{4A5BA9C7-A98E-0D82-05A4-B0D2DF772A5E}"/>
+                  </a:ext>
+                </a:extLst>
+              </p:cNvPr>
+              <p:cNvCxnSpPr>
+                <a:stCxn id="256" idx="5"/>
+                <a:endCxn id="258" idx="1"/>
+              </p:cNvCxnSpPr>
+              <p:nvPr/>
+            </p:nvCxnSpPr>
+            <p:spPr>
+              <a:xfrm>
+                <a:off x="4893547" y="5886071"/>
+                <a:ext cx="153549" cy="155226"/>
+              </a:xfrm>
+              <a:prstGeom prst="straightConnector1">
+                <a:avLst/>
+              </a:prstGeom>
+              <a:ln>
+                <a:tailEnd type="triangle"/>
+              </a:ln>
+            </p:spPr>
+            <p:style>
+              <a:lnRef idx="1">
+                <a:schemeClr val="accent1"/>
+              </a:lnRef>
+              <a:fillRef idx="0">
+                <a:schemeClr val="accent1"/>
+              </a:fillRef>
+              <a:effectRef idx="0">
+                <a:schemeClr val="accent1"/>
+              </a:effectRef>
+              <a:fontRef idx="minor">
+                <a:schemeClr val="tx1"/>
+              </a:fontRef>
+            </p:style>
+          </p:cxnSp>
+          <p:cxnSp>
+            <p:nvCxnSpPr>
+              <p:cNvPr id="267" name="Conector recto de flecha 266">
+                <a:extLst>
+                  <a:ext uri="{FF2B5EF4-FFF2-40B4-BE49-F238E27FC236}">
+                    <a16:creationId xmlns:a16="http://schemas.microsoft.com/office/drawing/2014/main" id="{D9D005EB-BBF0-C6DE-464B-4A8F1794AADC}"/>
+                  </a:ext>
+                </a:extLst>
+              </p:cNvPr>
+              <p:cNvCxnSpPr>
+                <a:stCxn id="258" idx="5"/>
+                <a:endCxn id="259" idx="1"/>
+              </p:cNvCxnSpPr>
+              <p:nvPr/>
+            </p:nvCxnSpPr>
+            <p:spPr>
+              <a:xfrm>
+                <a:off x="5250742" y="6244943"/>
+                <a:ext cx="153548" cy="140388"/>
+              </a:xfrm>
+              <a:prstGeom prst="straightConnector1">
+                <a:avLst/>
+              </a:prstGeom>
+              <a:ln>
+                <a:tailEnd type="triangle"/>
+              </a:ln>
+            </p:spPr>
+            <p:style>
+              <a:lnRef idx="1">
+                <a:schemeClr val="accent1"/>
+              </a:lnRef>
+              <a:fillRef idx="0">
+                <a:schemeClr val="accent1"/>
+              </a:fillRef>
+              <a:effectRef idx="0">
+                <a:schemeClr val="accent1"/>
+              </a:effectRef>
+              <a:fontRef idx="minor">
+                <a:schemeClr val="tx1"/>
+              </a:fontRef>
+            </p:style>
+          </p:cxnSp>
+          <p:cxnSp>
+            <p:nvCxnSpPr>
+              <p:cNvPr id="268" name="Conector recto de flecha 267">
+                <a:extLst>
+                  <a:ext uri="{FF2B5EF4-FFF2-40B4-BE49-F238E27FC236}">
+                    <a16:creationId xmlns:a16="http://schemas.microsoft.com/office/drawing/2014/main" id="{D17D0D3A-57A1-622F-2B1B-FE5953DCEEED}"/>
+                  </a:ext>
+                </a:extLst>
+              </p:cNvPr>
+              <p:cNvCxnSpPr>
+                <a:stCxn id="259" idx="5"/>
+                <a:endCxn id="261" idx="1"/>
+              </p:cNvCxnSpPr>
+              <p:nvPr/>
+            </p:nvCxnSpPr>
+            <p:spPr>
+              <a:xfrm>
+                <a:off x="5607936" y="6588977"/>
+                <a:ext cx="155155" cy="165647"/>
+              </a:xfrm>
+              <a:prstGeom prst="straightConnector1">
+                <a:avLst/>
+              </a:prstGeom>
+              <a:ln>
+                <a:tailEnd type="triangle"/>
+              </a:ln>
+            </p:spPr>
+            <p:style>
+              <a:lnRef idx="1">
+                <a:schemeClr val="accent1"/>
+              </a:lnRef>
+              <a:fillRef idx="0">
+                <a:schemeClr val="accent1"/>
+              </a:fillRef>
+              <a:effectRef idx="0">
+                <a:schemeClr val="accent1"/>
+              </a:effectRef>
+              <a:fontRef idx="minor">
+                <a:schemeClr val="tx1"/>
+              </a:fontRef>
+            </p:style>
+          </p:cxnSp>
+        </p:grpSp>
+        <p:sp>
+          <p:nvSpPr>
+            <p:cNvPr id="269" name="Elipse 268">
+              <a:extLst>
+                <a:ext uri="{FF2B5EF4-FFF2-40B4-BE49-F238E27FC236}">
+                  <a16:creationId xmlns:a16="http://schemas.microsoft.com/office/drawing/2014/main" id="{11626FA5-1237-7B1F-D0D5-C3FFD2515214}"/>
+                </a:ext>
+              </a:extLst>
+            </p:cNvPr>
+            <p:cNvSpPr/>
+            <p:nvPr/>
+          </p:nvSpPr>
+          <p:spPr>
+            <a:xfrm>
+              <a:off x="6102150" y="6220123"/>
+              <a:ext cx="145623" cy="288000"/>
+            </a:xfrm>
+            <a:prstGeom prst="ellipse">
+              <a:avLst/>
+            </a:prstGeom>
+          </p:spPr>
+          <p:style>
+            <a:lnRef idx="2">
+              <a:schemeClr val="accent1">
+                <a:shade val="50000"/>
+              </a:schemeClr>
+            </a:lnRef>
+            <a:fillRef idx="1">
+              <a:schemeClr val="accent1"/>
+            </a:fillRef>
+            <a:effectRef idx="0">
+              <a:schemeClr val="accent1"/>
+            </a:effectRef>
+            <a:fontRef idx="minor">
+              <a:schemeClr val="lt1"/>
+            </a:fontRef>
+          </p:style>
+          <p:txBody>
+            <a:bodyPr rtlCol="0" anchor="ctr"/>
+            <a:lstStyle/>
+            <a:p>
+              <a:pPr algn="ctr"/>
+              <a:endParaRPr lang="es-MX" dirty="0"/>
+            </a:p>
+          </p:txBody>
+        </p:sp>
+        <p:sp>
+          <p:nvSpPr>
+            <p:cNvPr id="270" name="Elipse 269">
+              <a:extLst>
+                <a:ext uri="{FF2B5EF4-FFF2-40B4-BE49-F238E27FC236}">
+                  <a16:creationId xmlns:a16="http://schemas.microsoft.com/office/drawing/2014/main" id="{2B1B1435-4F9D-395D-988E-F741941B1F90}"/>
+                </a:ext>
+              </a:extLst>
+            </p:cNvPr>
+            <p:cNvSpPr/>
+            <p:nvPr/>
+          </p:nvSpPr>
+          <p:spPr>
+            <a:xfrm>
+              <a:off x="6100767" y="6595539"/>
+              <a:ext cx="145623" cy="288000"/>
+            </a:xfrm>
+            <a:prstGeom prst="ellipse">
+              <a:avLst/>
+            </a:prstGeom>
+          </p:spPr>
+          <p:style>
+            <a:lnRef idx="2">
+              <a:schemeClr val="accent1">
+                <a:shade val="50000"/>
+              </a:schemeClr>
+            </a:lnRef>
+            <a:fillRef idx="1">
+              <a:schemeClr val="accent1"/>
+            </a:fillRef>
+            <a:effectRef idx="0">
+              <a:schemeClr val="accent1"/>
+            </a:effectRef>
+            <a:fontRef idx="minor">
+              <a:schemeClr val="lt1"/>
+            </a:fontRef>
+          </p:style>
+          <p:txBody>
+            <a:bodyPr rtlCol="0" anchor="ctr"/>
+            <a:lstStyle/>
+            <a:p>
+              <a:pPr algn="ctr"/>
+              <a:endParaRPr lang="es-MX"/>
+            </a:p>
+          </p:txBody>
+        </p:sp>
+        <p:cxnSp>
+          <p:nvCxnSpPr>
+            <p:cNvPr id="272" name="Conector recto de flecha 271">
+              <a:extLst>
+                <a:ext uri="{FF2B5EF4-FFF2-40B4-BE49-F238E27FC236}">
+                  <a16:creationId xmlns:a16="http://schemas.microsoft.com/office/drawing/2014/main" id="{357C00F1-8A61-E24E-31F8-0F63D12D66AD}"/>
+                </a:ext>
+              </a:extLst>
+            </p:cNvPr>
+            <p:cNvCxnSpPr>
+              <a:cxnSpLocks/>
+              <a:stCxn id="257" idx="5"/>
+              <a:endCxn id="269" idx="0"/>
+            </p:cNvCxnSpPr>
+            <p:nvPr/>
+          </p:nvCxnSpPr>
+          <p:spPr>
+            <a:xfrm>
+              <a:off x="6088054" y="6126933"/>
+              <a:ext cx="86908" cy="93190"/>
+            </a:xfrm>
+            <a:prstGeom prst="straightConnector1">
+              <a:avLst/>
+            </a:prstGeom>
+            <a:ln>
+              <a:tailEnd type="triangle"/>
+            </a:ln>
+          </p:spPr>
+          <p:style>
+            <a:lnRef idx="1">
+              <a:schemeClr val="accent1"/>
+            </a:lnRef>
+            <a:fillRef idx="0">
+              <a:schemeClr val="accent1"/>
+            </a:fillRef>
+            <a:effectRef idx="0">
+              <a:schemeClr val="accent1"/>
+            </a:effectRef>
+            <a:fontRef idx="minor">
+              <a:schemeClr val="tx1"/>
+            </a:fontRef>
+          </p:style>
+        </p:cxnSp>
+        <p:cxnSp>
+          <p:nvCxnSpPr>
+            <p:cNvPr id="274" name="Conector recto de flecha 273">
+              <a:extLst>
+                <a:ext uri="{FF2B5EF4-FFF2-40B4-BE49-F238E27FC236}">
+                  <a16:creationId xmlns:a16="http://schemas.microsoft.com/office/drawing/2014/main" id="{6E513973-C7AB-E371-18D9-B5EC4CAEB048}"/>
+                </a:ext>
+              </a:extLst>
+            </p:cNvPr>
+            <p:cNvCxnSpPr>
+              <a:cxnSpLocks/>
+              <a:stCxn id="269" idx="4"/>
+              <a:endCxn id="270" idx="0"/>
+            </p:cNvCxnSpPr>
+            <p:nvPr/>
+          </p:nvCxnSpPr>
+          <p:spPr>
+            <a:xfrm flipH="1">
+              <a:off x="6173579" y="6508123"/>
+              <a:ext cx="1383" cy="87416"/>
+            </a:xfrm>
+            <a:prstGeom prst="straightConnector1">
+              <a:avLst/>
+            </a:prstGeom>
+            <a:ln>
+              <a:tailEnd type="triangle"/>
+            </a:ln>
+          </p:spPr>
+          <p:style>
+            <a:lnRef idx="1">
+              <a:schemeClr val="accent1"/>
+            </a:lnRef>
+            <a:fillRef idx="0">
+              <a:schemeClr val="accent1"/>
+            </a:fillRef>
+            <a:effectRef idx="0">
+              <a:schemeClr val="accent1"/>
+            </a:effectRef>
+            <a:fontRef idx="minor">
+              <a:schemeClr val="tx1"/>
+            </a:fontRef>
+          </p:style>
+        </p:cxnSp>
+      </p:grpSp>
+      <p:sp>
+        <p:nvSpPr>
+          <p:cNvPr id="277" name="CuadroTexto 276">
+            <a:extLst>
+              <a:ext uri="{FF2B5EF4-FFF2-40B4-BE49-F238E27FC236}">
+                <a16:creationId xmlns:a16="http://schemas.microsoft.com/office/drawing/2014/main" id="{7CE502E3-318D-973F-2019-6FAA600340FA}"/>
+              </a:ext>
+            </a:extLst>
+          </p:cNvPr>
+          <p:cNvSpPr txBox="1"/>
+          <p:nvPr/>
+        </p:nvSpPr>
+        <p:spPr>
+          <a:xfrm>
+            <a:off x="209006" y="7746081"/>
+            <a:ext cx="7256290" cy="1754326"/>
+          </a:xfrm>
+          <a:prstGeom prst="rect">
+            <a:avLst/>
+          </a:prstGeom>
+          <a:noFill/>
+        </p:spPr>
+        <p:txBody>
+          <a:bodyPr wrap="square" rtlCol="0">
+            <a:spAutoFit/>
+          </a:bodyPr>
+          <a:lstStyle/>
+          <a:p>
+            <a:r>
+              <a:rPr lang="es-MX" sz="1200" b="1" dirty="0">
+                <a:latin typeface="Times New Roman" panose="02020603050405020304" pitchFamily="18" charset="0"/>
+                <a:cs typeface="Times New Roman" panose="02020603050405020304" pitchFamily="18" charset="0"/>
+              </a:rPr>
+              <a:t>Aplicaciones de los árboles:</a:t>
+            </a:r>
+          </a:p>
+          <a:p>
+            <a:pPr marL="171450" indent="-171450">
+              <a:buFont typeface="Arial" panose="020B0604020202020204" pitchFamily="34" charset="0"/>
+              <a:buChar char="•"/>
+            </a:pPr>
+            <a:r>
+              <a:rPr lang="es-MX" sz="1200" dirty="0">
+                <a:latin typeface="Times New Roman" panose="02020603050405020304" pitchFamily="18" charset="0"/>
+                <a:cs typeface="Times New Roman" panose="02020603050405020304" pitchFamily="18" charset="0"/>
+              </a:rPr>
+              <a:t>Información con estructura jerárquica.</a:t>
+            </a:r>
+          </a:p>
+          <a:p>
+            <a:pPr marL="171450" indent="-171450">
+              <a:buFont typeface="Arial" panose="020B0604020202020204" pitchFamily="34" charset="0"/>
+              <a:buChar char="•"/>
+            </a:pPr>
+            <a:r>
+              <a:rPr lang="es-MX" sz="1200" dirty="0">
+                <a:latin typeface="Times New Roman" panose="02020603050405020304" pitchFamily="18" charset="0"/>
+                <a:cs typeface="Times New Roman" panose="02020603050405020304" pitchFamily="18" charset="0"/>
+              </a:rPr>
+              <a:t>Navegación web.</a:t>
+            </a:r>
+          </a:p>
+          <a:p>
+            <a:pPr marL="171450" indent="-171450">
+              <a:buFont typeface="Arial" panose="020B0604020202020204" pitchFamily="34" charset="0"/>
+              <a:buChar char="•"/>
+            </a:pPr>
+            <a:r>
+              <a:rPr lang="es-MX" sz="1200" dirty="0">
+                <a:latin typeface="Times New Roman" panose="02020603050405020304" pitchFamily="18" charset="0"/>
+                <a:cs typeface="Times New Roman" panose="02020603050405020304" pitchFamily="18" charset="0"/>
+              </a:rPr>
+              <a:t>Bases de datos (árboles B y B+).</a:t>
+            </a:r>
+          </a:p>
+          <a:p>
+            <a:pPr marL="171450" indent="-171450">
+              <a:buFont typeface="Arial" panose="020B0604020202020204" pitchFamily="34" charset="0"/>
+              <a:buChar char="•"/>
+            </a:pPr>
+            <a:r>
+              <a:rPr lang="es-MX" sz="1200" dirty="0">
+                <a:latin typeface="Times New Roman" panose="02020603050405020304" pitchFamily="18" charset="0"/>
+                <a:cs typeface="Times New Roman" panose="02020603050405020304" pitchFamily="18" charset="0"/>
+              </a:rPr>
+              <a:t>Son la base para las estructuras eficientes como los conjuntos (sets).</a:t>
+            </a:r>
+          </a:p>
+          <a:p>
+            <a:pPr marL="171450" indent="-171450">
+              <a:buFont typeface="Arial" panose="020B0604020202020204" pitchFamily="34" charset="0"/>
+              <a:buChar char="•"/>
+            </a:pPr>
+            <a:r>
+              <a:rPr lang="es-MX" sz="1200" dirty="0">
+                <a:latin typeface="Times New Roman" panose="02020603050405020304" pitchFamily="18" charset="0"/>
+                <a:cs typeface="Times New Roman" panose="02020603050405020304" pitchFamily="18" charset="0"/>
+              </a:rPr>
+              <a:t>Redes.</a:t>
+            </a:r>
+          </a:p>
+          <a:p>
+            <a:endParaRPr lang="es-MX" sz="1200" dirty="0">
+              <a:latin typeface="Times New Roman" panose="02020603050405020304" pitchFamily="18" charset="0"/>
+              <a:cs typeface="Times New Roman" panose="02020603050405020304" pitchFamily="18" charset="0"/>
+            </a:endParaRPr>
+          </a:p>
+          <a:p>
+            <a:r>
+              <a:rPr lang="es-MX" sz="1200" b="1" dirty="0">
+                <a:latin typeface="Times New Roman" panose="02020603050405020304" pitchFamily="18" charset="0"/>
+                <a:cs typeface="Times New Roman" panose="02020603050405020304" pitchFamily="18" charset="0"/>
+              </a:rPr>
+              <a:t>Árbol binario completo</a:t>
+            </a:r>
+          </a:p>
+          <a:p>
+            <a:r>
+              <a:rPr lang="es-MX" sz="1200" dirty="0">
+                <a:latin typeface="Times New Roman" panose="02020603050405020304" pitchFamily="18" charset="0"/>
+                <a:cs typeface="Times New Roman" panose="02020603050405020304" pitchFamily="18" charset="0"/>
+              </a:rPr>
+              <a:t>Todos los niveles excepto posiblemente el último están llenos y todos los nodos están lo más posible a la izquierda.</a:t>
+            </a:r>
+          </a:p>
+        </p:txBody>
+      </p:sp>
+      <p:sp>
+        <p:nvSpPr>
+          <p:cNvPr id="278" name="Rectángulo: esquinas redondeadas 277">
+            <a:extLst>
+              <a:ext uri="{FF2B5EF4-FFF2-40B4-BE49-F238E27FC236}">
+                <a16:creationId xmlns:a16="http://schemas.microsoft.com/office/drawing/2014/main" id="{703455D3-5201-C306-C840-0C6F6CC30F66}"/>
+              </a:ext>
+            </a:extLst>
+          </p:cNvPr>
+          <p:cNvSpPr/>
+          <p:nvPr/>
+        </p:nvSpPr>
+        <p:spPr>
+          <a:xfrm>
+            <a:off x="209006" y="1357040"/>
+            <a:ext cx="417800" cy="314492"/>
+          </a:xfrm>
+          <a:prstGeom prst="roundRect">
+            <a:avLst/>
+          </a:prstGeom>
+          <a:solidFill>
+            <a:srgbClr val="5C6BC0"/>
+          </a:solidFill>
+          <a:ln>
+            <a:noFill/>
+          </a:ln>
+        </p:spPr>
+        <p:style>
+          <a:lnRef idx="2">
+            <a:schemeClr val="accent1">
+              <a:shade val="50000"/>
+            </a:schemeClr>
+          </a:lnRef>
+          <a:fillRef idx="1">
+            <a:schemeClr val="accent1"/>
+          </a:fillRef>
+          <a:effectRef idx="0">
+            <a:schemeClr val="accent1"/>
+          </a:effectRef>
+          <a:fontRef idx="minor">
+            <a:schemeClr val="lt1"/>
+          </a:fontRef>
+        </p:style>
+        <p:txBody>
+          <a:bodyPr rtlCol="0" anchor="ctr"/>
+          <a:lstStyle/>
+          <a:p>
+            <a:pPr algn="ctr"/>
+            <a:r>
+              <a:rPr lang="es-MX" sz="1200" b="1" dirty="0">
+                <a:latin typeface="Times New Roman" panose="02020603050405020304" pitchFamily="18" charset="0"/>
+                <a:ea typeface="Tahoma" panose="020B0604030504040204" pitchFamily="34" charset="0"/>
+                <a:cs typeface="Times New Roman" panose="02020603050405020304" pitchFamily="18" charset="0"/>
+              </a:rPr>
+              <a:t>4.1</a:t>
+            </a:r>
+          </a:p>
+        </p:txBody>
+      </p:sp>
+      <p:sp>
+        <p:nvSpPr>
+          <p:cNvPr id="279" name="Rectángulo: esquinas redondeadas 278">
+            <a:extLst>
+              <a:ext uri="{FF2B5EF4-FFF2-40B4-BE49-F238E27FC236}">
+                <a16:creationId xmlns:a16="http://schemas.microsoft.com/office/drawing/2014/main" id="{81F17D43-396D-8CF8-4FDF-E43603817A20}"/>
+              </a:ext>
+            </a:extLst>
+          </p:cNvPr>
+          <p:cNvSpPr/>
+          <p:nvPr/>
+        </p:nvSpPr>
+        <p:spPr>
+          <a:xfrm>
+            <a:off x="744794" y="1357040"/>
+            <a:ext cx="6818599" cy="314492"/>
+          </a:xfrm>
+          <a:prstGeom prst="roundRect">
+            <a:avLst/>
+          </a:prstGeom>
+          <a:gradFill flip="none" rotWithShape="1">
+            <a:gsLst>
+              <a:gs pos="19000">
+                <a:srgbClr val="5C6BC0"/>
+              </a:gs>
+              <a:gs pos="100000">
+                <a:schemeClr val="bg1"/>
+              </a:gs>
+            </a:gsLst>
+            <a:lin ang="0" scaled="1"/>
+            <a:tileRect/>
+          </a:gradFill>
+          <a:ln>
+            <a:noFill/>
+          </a:ln>
+        </p:spPr>
+        <p:style>
+          <a:lnRef idx="2">
+            <a:schemeClr val="accent1">
+              <a:shade val="50000"/>
+            </a:schemeClr>
+          </a:lnRef>
+          <a:fillRef idx="1">
+            <a:schemeClr val="accent1"/>
+          </a:fillRef>
+          <a:effectRef idx="0">
+            <a:schemeClr val="accent1"/>
+          </a:effectRef>
+          <a:fontRef idx="minor">
+            <a:schemeClr val="lt1"/>
+          </a:fontRef>
+        </p:style>
+        <p:txBody>
+          <a:bodyPr rtlCol="0" anchor="ctr"/>
+          <a:lstStyle/>
+          <a:p>
+            <a:r>
+              <a:rPr lang="es-MX" dirty="0">
+                <a:latin typeface="Times New Roman" panose="02020603050405020304" pitchFamily="18" charset="0"/>
+              </a:rPr>
+              <a:t>Conceptos básicos de árboles</a:t>
+            </a:r>
+          </a:p>
+        </p:txBody>
+      </p:sp>
+    </p:spTree>
+    <p:extLst>
+      <p:ext uri="{BB962C8B-B14F-4D97-AF65-F5344CB8AC3E}">
+        <p14:creationId xmlns:p14="http://schemas.microsoft.com/office/powerpoint/2010/main" val="3352399443"/>
+      </p:ext>
+    </p:extLst>
+  </p:cSld>
+  <p:clrMapOvr>
+    <a:masterClrMapping/>
+  </p:clrMapOvr>
+</p:sld>
+</file>
+
+<file path=ppt/slides/slide21.xml><?xml version="1.0" encoding="utf-8"?>
+<p:sld xmlns:a="http://schemas.openxmlformats.org/drawingml/2006/main" xmlns:r="http://schemas.openxmlformats.org/officeDocument/2006/relationships" xmlns:p="http://schemas.openxmlformats.org/presentationml/2006/main">
+  <p:cSld>
+    <p:spTree>
+      <p:nvGrpSpPr>
+        <p:cNvPr id="1" name=""/>
+        <p:cNvGrpSpPr/>
+        <p:nvPr/>
+      </p:nvGrpSpPr>
+      <p:grpSpPr>
+        <a:xfrm>
+          <a:off x="0" y="0"/>
+          <a:ext cx="0" cy="0"/>
+          <a:chOff x="0" y="0"/>
+          <a:chExt cx="0" cy="0"/>
+        </a:xfrm>
+      </p:grpSpPr>
+      <p:sp>
+        <p:nvSpPr>
+          <p:cNvPr id="2" name="Rectángulo: esquinas redondeadas 1">
+            <a:extLst>
+              <a:ext uri="{FF2B5EF4-FFF2-40B4-BE49-F238E27FC236}">
+                <a16:creationId xmlns:a16="http://schemas.microsoft.com/office/drawing/2014/main" id="{EC980938-48F5-C543-6F0B-FB977FA882B9}"/>
+              </a:ext>
+            </a:extLst>
+          </p:cNvPr>
+          <p:cNvSpPr/>
+          <p:nvPr/>
+        </p:nvSpPr>
+        <p:spPr>
+          <a:xfrm>
+            <a:off x="209006" y="216448"/>
+            <a:ext cx="7384868" cy="217714"/>
+          </a:xfrm>
+          <a:prstGeom prst="roundRect">
+            <a:avLst/>
+          </a:prstGeom>
+          <a:solidFill>
+            <a:srgbClr val="36428A"/>
+          </a:solidFill>
+          <a:ln>
+            <a:solidFill>
+              <a:srgbClr val="28457A"/>
+            </a:solidFill>
+          </a:ln>
+        </p:spPr>
+        <p:style>
+          <a:lnRef idx="2">
+            <a:schemeClr val="accent1">
+              <a:shade val="50000"/>
+            </a:schemeClr>
+          </a:lnRef>
+          <a:fillRef idx="1">
+            <a:schemeClr val="accent1"/>
+          </a:fillRef>
+          <a:effectRef idx="0">
+            <a:schemeClr val="accent1"/>
+          </a:effectRef>
+          <a:fontRef idx="minor">
+            <a:schemeClr val="lt1"/>
+          </a:fontRef>
+        </p:style>
+        <p:txBody>
+          <a:bodyPr numCol="1" rtlCol="0" anchor="ctr"/>
+          <a:lstStyle/>
+          <a:p>
+            <a:pPr algn="ctr"/>
+            <a:r>
+              <a:rPr lang="es-MX" sz="1200" dirty="0">
+                <a:latin typeface="Times New Roman" panose="02020603050405020304" pitchFamily="18" charset="0"/>
+                <a:cs typeface="Times New Roman" panose="02020603050405020304" pitchFamily="18" charset="0"/>
+              </a:rPr>
+              <a:t>4.1 Conceptos básicos de árboles</a:t>
+            </a:r>
+            <a:r>
+              <a:rPr lang="es-MX" sz="1400" dirty="0">
+                <a:latin typeface="Times New Roman" panose="02020603050405020304" pitchFamily="18" charset="0"/>
+                <a:cs typeface="Times New Roman" panose="02020603050405020304" pitchFamily="18" charset="0"/>
+              </a:rPr>
+              <a:t>								</a:t>
+            </a:r>
+            <a:r>
+              <a:rPr lang="es-MX" sz="1200" dirty="0">
+                <a:latin typeface="Times New Roman" panose="02020603050405020304" pitchFamily="18" charset="0"/>
+                <a:cs typeface="Times New Roman" panose="02020603050405020304" pitchFamily="18" charset="0"/>
+              </a:rPr>
+              <a:t>Esparza Castañeda Hugo</a:t>
+            </a:r>
+          </a:p>
+        </p:txBody>
+      </p:sp>
+      <p:sp>
+        <p:nvSpPr>
+          <p:cNvPr id="8" name="Rectángulo 7">
+            <a:extLst>
+              <a:ext uri="{FF2B5EF4-FFF2-40B4-BE49-F238E27FC236}">
+                <a16:creationId xmlns:a16="http://schemas.microsoft.com/office/drawing/2014/main" id="{524C939F-9A91-3E0E-E944-FF21B2D01467}"/>
+              </a:ext>
+            </a:extLst>
+          </p:cNvPr>
+          <p:cNvSpPr/>
+          <p:nvPr/>
+        </p:nvSpPr>
+        <p:spPr>
+          <a:xfrm>
+            <a:off x="1763486" y="9635267"/>
+            <a:ext cx="6008914" cy="217714"/>
+          </a:xfrm>
+          <a:prstGeom prst="rect">
+            <a:avLst/>
+          </a:prstGeom>
+          <a:gradFill flip="none" rotWithShape="1">
+            <a:gsLst>
+              <a:gs pos="44000">
+                <a:srgbClr val="5C6BC0"/>
+              </a:gs>
+              <a:gs pos="100000">
+                <a:schemeClr val="accent1">
+                  <a:lumMod val="30000"/>
+                  <a:lumOff val="70000"/>
+                </a:schemeClr>
+              </a:gs>
+            </a:gsLst>
+            <a:lin ang="10800000" scaled="1"/>
+            <a:tileRect/>
+          </a:gradFill>
+          <a:ln>
+            <a:noFill/>
+          </a:ln>
+        </p:spPr>
+        <p:style>
+          <a:lnRef idx="2">
+            <a:schemeClr val="accent1">
+              <a:shade val="50000"/>
+            </a:schemeClr>
+          </a:lnRef>
+          <a:fillRef idx="1">
+            <a:schemeClr val="accent1"/>
+          </a:fillRef>
+          <a:effectRef idx="0">
+            <a:schemeClr val="accent1"/>
+          </a:effectRef>
+          <a:fontRef idx="minor">
+            <a:schemeClr val="lt1"/>
+          </a:fontRef>
+        </p:style>
+        <p:txBody>
+          <a:bodyPr rtlCol="0" anchor="ctr"/>
+          <a:lstStyle/>
+          <a:p>
+            <a:pPr algn="r"/>
+            <a:r>
+              <a:rPr lang="es-MX" sz="1200" dirty="0">
+                <a:latin typeface="Times New Roman" panose="02020603050405020304" pitchFamily="18" charset="0"/>
+                <a:cs typeface="Times New Roman" panose="02020603050405020304" pitchFamily="18" charset="0"/>
+              </a:rPr>
+              <a:t>Árboles binarios	</a:t>
+            </a:r>
+          </a:p>
+        </p:txBody>
+      </p:sp>
+      <p:sp>
+        <p:nvSpPr>
+          <p:cNvPr id="9" name="Rectángulo 8">
+            <a:extLst>
+              <a:ext uri="{FF2B5EF4-FFF2-40B4-BE49-F238E27FC236}">
+                <a16:creationId xmlns:a16="http://schemas.microsoft.com/office/drawing/2014/main" id="{589A5BA7-DAE1-54FF-25B6-56F62BC6E95E}"/>
+              </a:ext>
+            </a:extLst>
+          </p:cNvPr>
+          <p:cNvSpPr/>
+          <p:nvPr/>
+        </p:nvSpPr>
+        <p:spPr>
+          <a:xfrm>
+            <a:off x="0" y="9630144"/>
+            <a:ext cx="977153" cy="217714"/>
+          </a:xfrm>
+          <a:prstGeom prst="rect">
+            <a:avLst/>
+          </a:prstGeom>
+          <a:solidFill>
+            <a:srgbClr val="5C6BC0"/>
+          </a:solidFill>
+          <a:ln>
+            <a:noFill/>
+          </a:ln>
+        </p:spPr>
+        <p:style>
+          <a:lnRef idx="2">
+            <a:schemeClr val="accent1">
+              <a:shade val="50000"/>
+            </a:schemeClr>
+          </a:lnRef>
+          <a:fillRef idx="1">
+            <a:schemeClr val="accent1"/>
+          </a:fillRef>
+          <a:effectRef idx="0">
+            <a:schemeClr val="accent1"/>
+          </a:effectRef>
+          <a:fontRef idx="minor">
+            <a:schemeClr val="lt1"/>
+          </a:fontRef>
+        </p:style>
+        <p:txBody>
+          <a:bodyPr rtlCol="0" anchor="ctr"/>
+          <a:lstStyle/>
+          <a:p>
+            <a:pPr algn="ctr"/>
+            <a:endParaRPr lang="es-MX"/>
+          </a:p>
+        </p:txBody>
+      </p:sp>
+      <p:sp>
+        <p:nvSpPr>
+          <p:cNvPr id="10" name="Rectángulo: esquinas redondeadas 9">
+            <a:extLst>
+              <a:ext uri="{FF2B5EF4-FFF2-40B4-BE49-F238E27FC236}">
+                <a16:creationId xmlns:a16="http://schemas.microsoft.com/office/drawing/2014/main" id="{1260D717-0294-F30B-E16F-EA368A38CA87}"/>
+              </a:ext>
+            </a:extLst>
+          </p:cNvPr>
+          <p:cNvSpPr/>
+          <p:nvPr/>
+        </p:nvSpPr>
+        <p:spPr>
+          <a:xfrm>
+            <a:off x="499551" y="9532813"/>
+            <a:ext cx="328706" cy="412376"/>
+          </a:xfrm>
+          <a:prstGeom prst="roundRect">
+            <a:avLst/>
+          </a:prstGeom>
+          <a:solidFill>
+            <a:srgbClr val="A7AFDD"/>
+          </a:solidFill>
+          <a:ln>
+            <a:noFill/>
+          </a:ln>
+        </p:spPr>
+        <p:style>
+          <a:lnRef idx="2">
+            <a:schemeClr val="accent1">
+              <a:shade val="50000"/>
+            </a:schemeClr>
+          </a:lnRef>
+          <a:fillRef idx="1">
+            <a:schemeClr val="accent1"/>
+          </a:fillRef>
+          <a:effectRef idx="0">
+            <a:schemeClr val="accent1"/>
+          </a:effectRef>
+          <a:fontRef idx="minor">
+            <a:schemeClr val="lt1"/>
+          </a:fontRef>
+        </p:style>
+        <p:txBody>
+          <a:bodyPr rtlCol="0" anchor="ctr"/>
+          <a:lstStyle/>
+          <a:p>
+            <a:pPr algn="ctr"/>
+            <a:r>
+              <a:rPr lang="es-MX" sz="2200" b="1" dirty="0">
+                <a:latin typeface="Times New Roman" panose="02020603050405020304" pitchFamily="18" charset="0"/>
+                <a:cs typeface="Times New Roman" panose="02020603050405020304" pitchFamily="18" charset="0"/>
+              </a:rPr>
+              <a:t>4</a:t>
+            </a:r>
+          </a:p>
+        </p:txBody>
+      </p:sp>
+      <p:pic>
+        <p:nvPicPr>
+          <p:cNvPr id="6" name="Imagen 5">
+            <a:extLst>
+              <a:ext uri="{FF2B5EF4-FFF2-40B4-BE49-F238E27FC236}">
+                <a16:creationId xmlns:a16="http://schemas.microsoft.com/office/drawing/2014/main" id="{BF767BF0-3BB7-4600-6D06-5278023C99DB}"/>
+              </a:ext>
+            </a:extLst>
+          </p:cNvPr>
+          <p:cNvPicPr>
+            <a:picLocks noChangeAspect="1"/>
+          </p:cNvPicPr>
+          <p:nvPr/>
+        </p:nvPicPr>
+        <p:blipFill>
+          <a:blip r:embed="rId2">
+            <a:extLst>
+              <a:ext uri="{28A0092B-C50C-407E-A947-70E740481C1C}">
+                <a14:useLocalDpi xmlns:a14="http://schemas.microsoft.com/office/drawing/2010/main" val="0"/>
+              </a:ext>
+            </a:extLst>
+          </a:blip>
+          <a:stretch>
+            <a:fillRect/>
+          </a:stretch>
+        </p:blipFill>
+        <p:spPr>
+          <a:xfrm>
+            <a:off x="3629792" y="58141"/>
+            <a:ext cx="512815" cy="512815"/>
+          </a:xfrm>
+          <a:prstGeom prst="rect">
+            <a:avLst/>
+          </a:prstGeom>
+        </p:spPr>
+      </p:pic>
+      <p:sp>
+        <p:nvSpPr>
+          <p:cNvPr id="3" name="Rectángulo: esquinas redondeadas 2">
+            <a:extLst>
+              <a:ext uri="{FF2B5EF4-FFF2-40B4-BE49-F238E27FC236}">
+                <a16:creationId xmlns:a16="http://schemas.microsoft.com/office/drawing/2014/main" id="{ED0B622C-198D-1FAF-1B0F-7183DD4463C0}"/>
+              </a:ext>
+            </a:extLst>
+          </p:cNvPr>
+          <p:cNvSpPr/>
+          <p:nvPr/>
+        </p:nvSpPr>
+        <p:spPr>
+          <a:xfrm>
+            <a:off x="209006" y="641306"/>
+            <a:ext cx="7391074" cy="314492"/>
+          </a:xfrm>
+          <a:prstGeom prst="roundRect">
+            <a:avLst/>
+          </a:prstGeom>
+          <a:gradFill flip="none" rotWithShape="1">
+            <a:gsLst>
+              <a:gs pos="19000">
+                <a:srgbClr val="5C6BC0"/>
+              </a:gs>
+              <a:gs pos="100000">
+                <a:schemeClr val="bg1"/>
+              </a:gs>
+            </a:gsLst>
+            <a:lin ang="0" scaled="1"/>
+            <a:tileRect/>
+          </a:gradFill>
+          <a:ln>
+            <a:noFill/>
+          </a:ln>
+        </p:spPr>
+        <p:style>
+          <a:lnRef idx="2">
+            <a:schemeClr val="accent1">
+              <a:shade val="50000"/>
+            </a:schemeClr>
+          </a:lnRef>
+          <a:fillRef idx="1">
+            <a:schemeClr val="accent1"/>
+          </a:fillRef>
+          <a:effectRef idx="0">
+            <a:schemeClr val="accent1"/>
+          </a:effectRef>
+          <a:fontRef idx="minor">
+            <a:schemeClr val="lt1"/>
+          </a:fontRef>
+        </p:style>
+        <p:txBody>
+          <a:bodyPr rtlCol="0" anchor="ctr"/>
+          <a:lstStyle/>
+          <a:p>
+            <a:r>
+              <a:rPr lang="es-MX" dirty="0">
+                <a:latin typeface="Times New Roman" panose="02020603050405020304" pitchFamily="18" charset="0"/>
+              </a:rPr>
+              <a:t>Altura de un nodo</a:t>
+            </a:r>
+          </a:p>
+        </p:txBody>
+      </p:sp>
+      <p:sp>
+        <p:nvSpPr>
+          <p:cNvPr id="5" name="CuadroTexto 4">
+            <a:extLst>
+              <a:ext uri="{FF2B5EF4-FFF2-40B4-BE49-F238E27FC236}">
+                <a16:creationId xmlns:a16="http://schemas.microsoft.com/office/drawing/2014/main" id="{E91489CC-5C7F-4503-C676-BA7D20CFAE94}"/>
+              </a:ext>
+            </a:extLst>
+          </p:cNvPr>
+          <p:cNvSpPr txBox="1"/>
+          <p:nvPr/>
+        </p:nvSpPr>
+        <p:spPr>
+          <a:xfrm>
+            <a:off x="3121998" y="1021080"/>
+            <a:ext cx="4471876" cy="1862048"/>
+          </a:xfrm>
+          <a:prstGeom prst="rect">
+            <a:avLst/>
+          </a:prstGeom>
+          <a:noFill/>
+        </p:spPr>
+        <p:txBody>
+          <a:bodyPr wrap="square" rtlCol="0">
+            <a:spAutoFit/>
+          </a:bodyPr>
+          <a:lstStyle/>
+          <a:p>
+            <a:pPr algn="just"/>
+            <a:r>
+              <a:rPr lang="es-MX" sz="1200" dirty="0">
+                <a:latin typeface="Times New Roman" panose="02020603050405020304" pitchFamily="18" charset="0"/>
+                <a:cs typeface="Times New Roman" panose="02020603050405020304" pitchFamily="18" charset="0"/>
+              </a:rPr>
+              <a:t>Es el número de aristas en el camino más largo desde x hasta una hoja. Las hojas tienen altura cero.</a:t>
+            </a:r>
+          </a:p>
+          <a:p>
+            <a:pPr algn="just"/>
+            <a:r>
+              <a:rPr lang="es-MX" sz="1200" dirty="0">
+                <a:latin typeface="Times New Roman" panose="02020603050405020304" pitchFamily="18" charset="0"/>
+                <a:cs typeface="Times New Roman" panose="02020603050405020304" pitchFamily="18" charset="0"/>
+              </a:rPr>
+              <a:t>La altura de un árbol es la altura de la raíz (en este caso es 4).</a:t>
+            </a:r>
+          </a:p>
+          <a:p>
+            <a:pPr algn="just"/>
+            <a:endParaRPr lang="es-MX" sz="700" dirty="0">
+              <a:latin typeface="Times New Roman" panose="02020603050405020304" pitchFamily="18" charset="0"/>
+              <a:cs typeface="Times New Roman" panose="02020603050405020304" pitchFamily="18" charset="0"/>
+            </a:endParaRPr>
+          </a:p>
+          <a:p>
+            <a:pPr algn="just"/>
+            <a:r>
+              <a:rPr lang="es-MX" sz="1200" b="1" dirty="0">
+                <a:latin typeface="Times New Roman" panose="02020603050405020304" pitchFamily="18" charset="0"/>
+                <a:cs typeface="Times New Roman" panose="02020603050405020304" pitchFamily="18" charset="0"/>
+              </a:rPr>
+              <a:t>La profundidad de un nodo x</a:t>
+            </a:r>
+          </a:p>
+          <a:p>
+            <a:pPr algn="just"/>
+            <a:r>
+              <a:rPr lang="es-MX" sz="1200" dirty="0">
+                <a:latin typeface="Times New Roman" panose="02020603050405020304" pitchFamily="18" charset="0"/>
+                <a:cs typeface="Times New Roman" panose="02020603050405020304" pitchFamily="18" charset="0"/>
+              </a:rPr>
+              <a:t>Es la longitud del camino desde la raíz hasta el nodo x (cantidad de aristas). La profundidad de la raíz es cero.</a:t>
+            </a:r>
+          </a:p>
+          <a:p>
+            <a:pPr algn="just"/>
+            <a:r>
+              <a:rPr lang="es-MX" sz="1200" dirty="0">
+                <a:latin typeface="Times New Roman" panose="02020603050405020304" pitchFamily="18" charset="0"/>
+                <a:cs typeface="Times New Roman" panose="02020603050405020304" pitchFamily="18" charset="0"/>
+              </a:rPr>
+              <a:t>Los nodos que tienen la misma profundidad están en un mismo nivel.</a:t>
+            </a:r>
+          </a:p>
+          <a:p>
+            <a:pPr algn="just"/>
+            <a:r>
+              <a:rPr lang="es-MX" sz="1200" dirty="0">
+                <a:latin typeface="Times New Roman" panose="02020603050405020304" pitchFamily="18" charset="0"/>
+                <a:cs typeface="Times New Roman" panose="02020603050405020304" pitchFamily="18" charset="0"/>
+              </a:rPr>
+              <a:t>En un árbol binario perfecto, todos los niveles están completamente llenos.</a:t>
+            </a:r>
+          </a:p>
+        </p:txBody>
+      </p:sp>
+      <p:grpSp>
+        <p:nvGrpSpPr>
+          <p:cNvPr id="36" name="Grupo 35">
+            <a:extLst>
+              <a:ext uri="{FF2B5EF4-FFF2-40B4-BE49-F238E27FC236}">
+                <a16:creationId xmlns:a16="http://schemas.microsoft.com/office/drawing/2014/main" id="{861547F0-7D29-EAE4-BA0F-8A623EB8F1E4}"/>
+              </a:ext>
+            </a:extLst>
+          </p:cNvPr>
+          <p:cNvGrpSpPr/>
+          <p:nvPr/>
+        </p:nvGrpSpPr>
+        <p:grpSpPr>
+          <a:xfrm>
+            <a:off x="311579" y="1127917"/>
+            <a:ext cx="2679271" cy="1755211"/>
+            <a:chOff x="2299209" y="2425903"/>
+            <a:chExt cx="3150676" cy="3330606"/>
+          </a:xfrm>
+        </p:grpSpPr>
+        <p:sp>
+          <p:nvSpPr>
+            <p:cNvPr id="11" name="Elipse 10">
+              <a:extLst>
+                <a:ext uri="{FF2B5EF4-FFF2-40B4-BE49-F238E27FC236}">
+                  <a16:creationId xmlns:a16="http://schemas.microsoft.com/office/drawing/2014/main" id="{144A233A-9ABA-96DF-3047-430EE8DA516C}"/>
+                </a:ext>
+              </a:extLst>
+            </p:cNvPr>
+            <p:cNvSpPr/>
+            <p:nvPr/>
+          </p:nvSpPr>
+          <p:spPr>
+            <a:xfrm>
+              <a:off x="3351966" y="2425903"/>
+              <a:ext cx="382865" cy="468711"/>
+            </a:xfrm>
+            <a:prstGeom prst="ellipse">
+              <a:avLst/>
+            </a:prstGeom>
+          </p:spPr>
+          <p:style>
+            <a:lnRef idx="2">
+              <a:schemeClr val="accent1">
+                <a:shade val="50000"/>
+              </a:schemeClr>
+            </a:lnRef>
+            <a:fillRef idx="1">
+              <a:schemeClr val="accent1"/>
+            </a:fillRef>
+            <a:effectRef idx="0">
+              <a:schemeClr val="accent1"/>
+            </a:effectRef>
+            <a:fontRef idx="minor">
+              <a:schemeClr val="lt1"/>
+            </a:fontRef>
+          </p:style>
+          <p:txBody>
+            <a:bodyPr rtlCol="0" anchor="ctr"/>
+            <a:lstStyle/>
+            <a:p>
+              <a:pPr algn="ctr"/>
+              <a:endParaRPr lang="es-MX"/>
+            </a:p>
+          </p:txBody>
+        </p:sp>
+        <p:sp>
+          <p:nvSpPr>
+            <p:cNvPr id="12" name="Elipse 11">
+              <a:extLst>
+                <a:ext uri="{FF2B5EF4-FFF2-40B4-BE49-F238E27FC236}">
+                  <a16:creationId xmlns:a16="http://schemas.microsoft.com/office/drawing/2014/main" id="{C46FEE73-EF72-AC14-A5F0-892CBFE664D8}"/>
+                </a:ext>
+              </a:extLst>
+            </p:cNvPr>
+            <p:cNvSpPr/>
+            <p:nvPr/>
+          </p:nvSpPr>
+          <p:spPr>
+            <a:xfrm>
+              <a:off x="2682074" y="3111178"/>
+              <a:ext cx="403701" cy="468711"/>
+            </a:xfrm>
+            <a:prstGeom prst="ellipse">
+              <a:avLst/>
+            </a:prstGeom>
+          </p:spPr>
+          <p:style>
+            <a:lnRef idx="2">
+              <a:schemeClr val="accent1">
+                <a:shade val="50000"/>
+              </a:schemeClr>
+            </a:lnRef>
+            <a:fillRef idx="1">
+              <a:schemeClr val="accent1"/>
+            </a:fillRef>
+            <a:effectRef idx="0">
+              <a:schemeClr val="accent1"/>
+            </a:effectRef>
+            <a:fontRef idx="minor">
+              <a:schemeClr val="lt1"/>
+            </a:fontRef>
+          </p:style>
+          <p:txBody>
+            <a:bodyPr rtlCol="0" anchor="ctr"/>
+            <a:lstStyle/>
+            <a:p>
+              <a:pPr algn="ctr"/>
+              <a:endParaRPr lang="es-MX"/>
+            </a:p>
+          </p:txBody>
+        </p:sp>
+        <p:sp>
+          <p:nvSpPr>
+            <p:cNvPr id="13" name="Elipse 12">
+              <a:extLst>
+                <a:ext uri="{FF2B5EF4-FFF2-40B4-BE49-F238E27FC236}">
+                  <a16:creationId xmlns:a16="http://schemas.microsoft.com/office/drawing/2014/main" id="{D29B40DF-CE13-447B-214B-98689D7FDFF0}"/>
+                </a:ext>
+              </a:extLst>
+            </p:cNvPr>
+            <p:cNvSpPr/>
+            <p:nvPr/>
+          </p:nvSpPr>
+          <p:spPr>
+            <a:xfrm>
+              <a:off x="4048648" y="3106045"/>
+              <a:ext cx="382865" cy="468711"/>
+            </a:xfrm>
+            <a:prstGeom prst="ellipse">
+              <a:avLst/>
+            </a:prstGeom>
+          </p:spPr>
+          <p:style>
+            <a:lnRef idx="2">
+              <a:schemeClr val="accent1">
+                <a:shade val="50000"/>
+              </a:schemeClr>
+            </a:lnRef>
+            <a:fillRef idx="1">
+              <a:schemeClr val="accent1"/>
+            </a:fillRef>
+            <a:effectRef idx="0">
+              <a:schemeClr val="accent1"/>
+            </a:effectRef>
+            <a:fontRef idx="minor">
+              <a:schemeClr val="lt1"/>
+            </a:fontRef>
+          </p:style>
+          <p:txBody>
+            <a:bodyPr rtlCol="0" anchor="ctr"/>
+            <a:lstStyle/>
+            <a:p>
+              <a:pPr algn="ctr"/>
+              <a:endParaRPr lang="es-MX"/>
+            </a:p>
+          </p:txBody>
+        </p:sp>
+        <p:cxnSp>
+          <p:nvCxnSpPr>
+            <p:cNvPr id="14" name="Conector recto de flecha 13">
+              <a:extLst>
+                <a:ext uri="{FF2B5EF4-FFF2-40B4-BE49-F238E27FC236}">
+                  <a16:creationId xmlns:a16="http://schemas.microsoft.com/office/drawing/2014/main" id="{B3ECACBA-8F68-D376-39D6-FCFD890A9081}"/>
+                </a:ext>
+              </a:extLst>
+            </p:cNvPr>
+            <p:cNvCxnSpPr>
+              <a:cxnSpLocks/>
+              <a:endCxn id="12" idx="0"/>
+            </p:cNvCxnSpPr>
+            <p:nvPr/>
+          </p:nvCxnSpPr>
+          <p:spPr>
+            <a:xfrm flipH="1">
+              <a:off x="2883925" y="2808588"/>
+              <a:ext cx="678160" cy="302590"/>
+            </a:xfrm>
+            <a:prstGeom prst="straightConnector1">
+              <a:avLst/>
+            </a:prstGeom>
+            <a:ln>
+              <a:tailEnd type="triangle"/>
+            </a:ln>
+          </p:spPr>
+          <p:style>
+            <a:lnRef idx="1">
+              <a:schemeClr val="accent1"/>
+            </a:lnRef>
+            <a:fillRef idx="0">
+              <a:schemeClr val="accent1"/>
+            </a:fillRef>
+            <a:effectRef idx="0">
+              <a:schemeClr val="accent1"/>
+            </a:effectRef>
+            <a:fontRef idx="minor">
+              <a:schemeClr val="tx1"/>
+            </a:fontRef>
+          </p:style>
+        </p:cxnSp>
+        <p:cxnSp>
+          <p:nvCxnSpPr>
+            <p:cNvPr id="15" name="Conector recto de flecha 14">
+              <a:extLst>
+                <a:ext uri="{FF2B5EF4-FFF2-40B4-BE49-F238E27FC236}">
+                  <a16:creationId xmlns:a16="http://schemas.microsoft.com/office/drawing/2014/main" id="{90A29819-CF81-1A68-81A6-A3FC37A07D53}"/>
+                </a:ext>
+              </a:extLst>
+            </p:cNvPr>
+            <p:cNvCxnSpPr>
+              <a:cxnSpLocks/>
+              <a:endCxn id="13" idx="0"/>
+            </p:cNvCxnSpPr>
+            <p:nvPr/>
+          </p:nvCxnSpPr>
+          <p:spPr>
+            <a:xfrm>
+              <a:off x="3524240" y="2803455"/>
+              <a:ext cx="715841" cy="302590"/>
+            </a:xfrm>
+            <a:prstGeom prst="straightConnector1">
+              <a:avLst/>
+            </a:prstGeom>
+            <a:ln>
+              <a:tailEnd type="triangle"/>
+            </a:ln>
+          </p:spPr>
+          <p:style>
+            <a:lnRef idx="1">
+              <a:schemeClr val="accent1"/>
+            </a:lnRef>
+            <a:fillRef idx="0">
+              <a:schemeClr val="accent1"/>
+            </a:fillRef>
+            <a:effectRef idx="0">
+              <a:schemeClr val="accent1"/>
+            </a:effectRef>
+            <a:fontRef idx="minor">
+              <a:schemeClr val="tx1"/>
+            </a:fontRef>
+          </p:style>
+        </p:cxnSp>
+        <p:sp>
+          <p:nvSpPr>
+            <p:cNvPr id="16" name="Elipse 15">
+              <a:extLst>
+                <a:ext uri="{FF2B5EF4-FFF2-40B4-BE49-F238E27FC236}">
+                  <a16:creationId xmlns:a16="http://schemas.microsoft.com/office/drawing/2014/main" id="{B2D84E1F-B1E7-DA78-53D9-F55E8F161C53}"/>
+                </a:ext>
+              </a:extLst>
+            </p:cNvPr>
+            <p:cNvSpPr/>
+            <p:nvPr/>
+          </p:nvSpPr>
+          <p:spPr>
+            <a:xfrm>
+              <a:off x="2299209" y="3801907"/>
+              <a:ext cx="403701" cy="468711"/>
+            </a:xfrm>
+            <a:prstGeom prst="ellipse">
+              <a:avLst/>
+            </a:prstGeom>
+          </p:spPr>
+          <p:style>
+            <a:lnRef idx="2">
+              <a:schemeClr val="accent1">
+                <a:shade val="50000"/>
+              </a:schemeClr>
+            </a:lnRef>
+            <a:fillRef idx="1">
+              <a:schemeClr val="accent1"/>
+            </a:fillRef>
+            <a:effectRef idx="0">
+              <a:schemeClr val="accent1"/>
+            </a:effectRef>
+            <a:fontRef idx="minor">
+              <a:schemeClr val="lt1"/>
+            </a:fontRef>
+          </p:style>
+          <p:txBody>
+            <a:bodyPr rtlCol="0" anchor="ctr"/>
+            <a:lstStyle/>
+            <a:p>
+              <a:pPr algn="ctr"/>
+              <a:endParaRPr lang="es-MX"/>
+            </a:p>
+          </p:txBody>
+        </p:sp>
+        <p:sp>
+          <p:nvSpPr>
+            <p:cNvPr id="17" name="Elipse 16">
+              <a:extLst>
+                <a:ext uri="{FF2B5EF4-FFF2-40B4-BE49-F238E27FC236}">
+                  <a16:creationId xmlns:a16="http://schemas.microsoft.com/office/drawing/2014/main" id="{C5231348-A380-1850-38EE-263562FDF38F}"/>
+                </a:ext>
+              </a:extLst>
+            </p:cNvPr>
+            <p:cNvSpPr/>
+            <p:nvPr/>
+          </p:nvSpPr>
+          <p:spPr>
+            <a:xfrm>
+              <a:off x="3062786" y="3806109"/>
+              <a:ext cx="403701" cy="468711"/>
+            </a:xfrm>
+            <a:prstGeom prst="ellipse">
+              <a:avLst/>
+            </a:prstGeom>
+          </p:spPr>
+          <p:style>
+            <a:lnRef idx="2">
+              <a:schemeClr val="accent1">
+                <a:shade val="50000"/>
+              </a:schemeClr>
+            </a:lnRef>
+            <a:fillRef idx="1">
+              <a:schemeClr val="accent1"/>
+            </a:fillRef>
+            <a:effectRef idx="0">
+              <a:schemeClr val="accent1"/>
+            </a:effectRef>
+            <a:fontRef idx="minor">
+              <a:schemeClr val="lt1"/>
+            </a:fontRef>
+          </p:style>
+          <p:txBody>
+            <a:bodyPr rtlCol="0" anchor="ctr"/>
+            <a:lstStyle/>
+            <a:p>
+              <a:pPr algn="ctr"/>
+              <a:endParaRPr lang="es-MX"/>
+            </a:p>
+          </p:txBody>
+        </p:sp>
+        <p:cxnSp>
+          <p:nvCxnSpPr>
+            <p:cNvPr id="18" name="Conector recto de flecha 17">
+              <a:extLst>
+                <a:ext uri="{FF2B5EF4-FFF2-40B4-BE49-F238E27FC236}">
+                  <a16:creationId xmlns:a16="http://schemas.microsoft.com/office/drawing/2014/main" id="{FAFC293F-D4EB-1DF4-1B75-D3678DB1245D}"/>
+                </a:ext>
+              </a:extLst>
+            </p:cNvPr>
+            <p:cNvCxnSpPr>
+              <a:cxnSpLocks/>
+              <a:stCxn id="12" idx="3"/>
+              <a:endCxn id="16" idx="0"/>
+            </p:cNvCxnSpPr>
+            <p:nvPr/>
+          </p:nvCxnSpPr>
+          <p:spPr>
+            <a:xfrm flipH="1">
+              <a:off x="2501060" y="3511247"/>
+              <a:ext cx="240135" cy="290659"/>
+            </a:xfrm>
+            <a:prstGeom prst="straightConnector1">
+              <a:avLst/>
+            </a:prstGeom>
+            <a:ln>
+              <a:tailEnd type="triangle"/>
+            </a:ln>
+          </p:spPr>
+          <p:style>
+            <a:lnRef idx="1">
+              <a:schemeClr val="accent1"/>
+            </a:lnRef>
+            <a:fillRef idx="0">
+              <a:schemeClr val="accent1"/>
+            </a:fillRef>
+            <a:effectRef idx="0">
+              <a:schemeClr val="accent1"/>
+            </a:effectRef>
+            <a:fontRef idx="minor">
+              <a:schemeClr val="tx1"/>
+            </a:fontRef>
+          </p:style>
+        </p:cxnSp>
+        <p:cxnSp>
+          <p:nvCxnSpPr>
+            <p:cNvPr id="19" name="Conector recto de flecha 18">
+              <a:extLst>
+                <a:ext uri="{FF2B5EF4-FFF2-40B4-BE49-F238E27FC236}">
+                  <a16:creationId xmlns:a16="http://schemas.microsoft.com/office/drawing/2014/main" id="{88260042-333E-EAB8-5577-BC2D33D29A32}"/>
+                </a:ext>
+              </a:extLst>
+            </p:cNvPr>
+            <p:cNvCxnSpPr>
+              <a:cxnSpLocks/>
+              <a:stCxn id="12" idx="5"/>
+              <a:endCxn id="17" idx="0"/>
+            </p:cNvCxnSpPr>
+            <p:nvPr/>
+          </p:nvCxnSpPr>
+          <p:spPr>
+            <a:xfrm>
+              <a:off x="3026654" y="3511247"/>
+              <a:ext cx="237983" cy="294862"/>
+            </a:xfrm>
+            <a:prstGeom prst="straightConnector1">
+              <a:avLst/>
+            </a:prstGeom>
+            <a:ln>
+              <a:tailEnd type="triangle"/>
+            </a:ln>
+          </p:spPr>
+          <p:style>
+            <a:lnRef idx="1">
+              <a:schemeClr val="accent1"/>
+            </a:lnRef>
+            <a:fillRef idx="0">
+              <a:schemeClr val="accent1"/>
+            </a:fillRef>
+            <a:effectRef idx="0">
+              <a:schemeClr val="accent1"/>
+            </a:effectRef>
+            <a:fontRef idx="minor">
+              <a:schemeClr val="tx1"/>
+            </a:fontRef>
+          </p:style>
+        </p:cxnSp>
+        <p:sp>
+          <p:nvSpPr>
+            <p:cNvPr id="20" name="Elipse 19">
+              <a:extLst>
+                <a:ext uri="{FF2B5EF4-FFF2-40B4-BE49-F238E27FC236}">
+                  <a16:creationId xmlns:a16="http://schemas.microsoft.com/office/drawing/2014/main" id="{DAD270B3-1C6A-69DD-22A9-C78EDAC9FDB9}"/>
+                </a:ext>
+              </a:extLst>
+            </p:cNvPr>
+            <p:cNvSpPr/>
+            <p:nvPr/>
+          </p:nvSpPr>
+          <p:spPr>
+            <a:xfrm>
+              <a:off x="3686663" y="3797705"/>
+              <a:ext cx="403701" cy="468711"/>
+            </a:xfrm>
+            <a:prstGeom prst="ellipse">
+              <a:avLst/>
+            </a:prstGeom>
+          </p:spPr>
+          <p:style>
+            <a:lnRef idx="2">
+              <a:schemeClr val="accent1">
+                <a:shade val="50000"/>
+              </a:schemeClr>
+            </a:lnRef>
+            <a:fillRef idx="1">
+              <a:schemeClr val="accent1"/>
+            </a:fillRef>
+            <a:effectRef idx="0">
+              <a:schemeClr val="accent1"/>
+            </a:effectRef>
+            <a:fontRef idx="minor">
+              <a:schemeClr val="lt1"/>
+            </a:fontRef>
+          </p:style>
+          <p:txBody>
+            <a:bodyPr rtlCol="0" anchor="ctr"/>
+            <a:lstStyle/>
+            <a:p>
+              <a:pPr algn="ctr"/>
+              <a:endParaRPr lang="es-MX"/>
+            </a:p>
+          </p:txBody>
+        </p:sp>
+        <p:sp>
+          <p:nvSpPr>
+            <p:cNvPr id="21" name="Elipse 20">
+              <a:extLst>
+                <a:ext uri="{FF2B5EF4-FFF2-40B4-BE49-F238E27FC236}">
+                  <a16:creationId xmlns:a16="http://schemas.microsoft.com/office/drawing/2014/main" id="{17E1C824-8C51-72EE-08DC-A49A1F2513F6}"/>
+                </a:ext>
+              </a:extLst>
+            </p:cNvPr>
+            <p:cNvSpPr/>
+            <p:nvPr/>
+          </p:nvSpPr>
+          <p:spPr>
+            <a:xfrm>
+              <a:off x="4450239" y="3801907"/>
+              <a:ext cx="403701" cy="468711"/>
+            </a:xfrm>
+            <a:prstGeom prst="ellipse">
+              <a:avLst/>
+            </a:prstGeom>
+          </p:spPr>
+          <p:style>
+            <a:lnRef idx="2">
+              <a:schemeClr val="accent1">
+                <a:shade val="50000"/>
+              </a:schemeClr>
+            </a:lnRef>
+            <a:fillRef idx="1">
+              <a:schemeClr val="accent1"/>
+            </a:fillRef>
+            <a:effectRef idx="0">
+              <a:schemeClr val="accent1"/>
+            </a:effectRef>
+            <a:fontRef idx="minor">
+              <a:schemeClr val="lt1"/>
+            </a:fontRef>
+          </p:style>
+          <p:txBody>
+            <a:bodyPr rtlCol="0" anchor="ctr"/>
+            <a:lstStyle/>
+            <a:p>
+              <a:pPr algn="ctr"/>
+              <a:endParaRPr lang="es-MX"/>
+            </a:p>
+          </p:txBody>
+        </p:sp>
+        <p:cxnSp>
+          <p:nvCxnSpPr>
+            <p:cNvPr id="22" name="Conector recto de flecha 21">
+              <a:extLst>
+                <a:ext uri="{FF2B5EF4-FFF2-40B4-BE49-F238E27FC236}">
+                  <a16:creationId xmlns:a16="http://schemas.microsoft.com/office/drawing/2014/main" id="{72BA4D39-147D-EC76-9AFF-B4F5E9E6B063}"/>
+                </a:ext>
+              </a:extLst>
+            </p:cNvPr>
+            <p:cNvCxnSpPr>
+              <a:cxnSpLocks/>
+              <a:stCxn id="13" idx="3"/>
+              <a:endCxn id="20" idx="0"/>
+            </p:cNvCxnSpPr>
+            <p:nvPr/>
+          </p:nvCxnSpPr>
+          <p:spPr>
+            <a:xfrm flipH="1">
+              <a:off x="3888514" y="3506114"/>
+              <a:ext cx="216204" cy="291590"/>
+            </a:xfrm>
+            <a:prstGeom prst="straightConnector1">
+              <a:avLst/>
+            </a:prstGeom>
+            <a:ln>
+              <a:tailEnd type="triangle"/>
+            </a:ln>
+          </p:spPr>
+          <p:style>
+            <a:lnRef idx="1">
+              <a:schemeClr val="accent1"/>
+            </a:lnRef>
+            <a:fillRef idx="0">
+              <a:schemeClr val="accent1"/>
+            </a:fillRef>
+            <a:effectRef idx="0">
+              <a:schemeClr val="accent1"/>
+            </a:effectRef>
+            <a:fontRef idx="minor">
+              <a:schemeClr val="tx1"/>
+            </a:fontRef>
+          </p:style>
+        </p:cxnSp>
+        <p:cxnSp>
+          <p:nvCxnSpPr>
+            <p:cNvPr id="23" name="Conector recto de flecha 22">
+              <a:extLst>
+                <a:ext uri="{FF2B5EF4-FFF2-40B4-BE49-F238E27FC236}">
+                  <a16:creationId xmlns:a16="http://schemas.microsoft.com/office/drawing/2014/main" id="{6B419E10-31C9-A6EC-011D-AB2342AD2389}"/>
+                </a:ext>
+              </a:extLst>
+            </p:cNvPr>
+            <p:cNvCxnSpPr>
+              <a:cxnSpLocks/>
+              <a:stCxn id="13" idx="5"/>
+              <a:endCxn id="21" idx="0"/>
+            </p:cNvCxnSpPr>
+            <p:nvPr/>
+          </p:nvCxnSpPr>
+          <p:spPr>
+            <a:xfrm>
+              <a:off x="4375444" y="3506114"/>
+              <a:ext cx="276647" cy="295792"/>
+            </a:xfrm>
+            <a:prstGeom prst="straightConnector1">
+              <a:avLst/>
+            </a:prstGeom>
+            <a:ln>
+              <a:tailEnd type="triangle"/>
+            </a:ln>
+          </p:spPr>
+          <p:style>
+            <a:lnRef idx="1">
+              <a:schemeClr val="accent1"/>
+            </a:lnRef>
+            <a:fillRef idx="0">
+              <a:schemeClr val="accent1"/>
+            </a:fillRef>
+            <a:effectRef idx="0">
+              <a:schemeClr val="accent1"/>
+            </a:effectRef>
+            <a:fontRef idx="minor">
+              <a:schemeClr val="tx1"/>
+            </a:fontRef>
+          </p:style>
+        </p:cxnSp>
+        <p:sp>
+          <p:nvSpPr>
+            <p:cNvPr id="24" name="Elipse 23">
+              <a:extLst>
+                <a:ext uri="{FF2B5EF4-FFF2-40B4-BE49-F238E27FC236}">
+                  <a16:creationId xmlns:a16="http://schemas.microsoft.com/office/drawing/2014/main" id="{3563D1B4-937C-F2FB-810C-95C1B765D853}"/>
+                </a:ext>
+              </a:extLst>
+            </p:cNvPr>
+            <p:cNvSpPr/>
+            <p:nvPr/>
+          </p:nvSpPr>
+          <p:spPr>
+            <a:xfrm>
+              <a:off x="3062785" y="4501040"/>
+              <a:ext cx="403701" cy="468711"/>
+            </a:xfrm>
+            <a:prstGeom prst="ellipse">
+              <a:avLst/>
+            </a:prstGeom>
+          </p:spPr>
+          <p:style>
+            <a:lnRef idx="2">
+              <a:schemeClr val="accent1">
+                <a:shade val="50000"/>
+              </a:schemeClr>
+            </a:lnRef>
+            <a:fillRef idx="1">
+              <a:schemeClr val="accent1"/>
+            </a:fillRef>
+            <a:effectRef idx="0">
+              <a:schemeClr val="accent1"/>
+            </a:effectRef>
+            <a:fontRef idx="minor">
+              <a:schemeClr val="lt1"/>
+            </a:fontRef>
+          </p:style>
+          <p:txBody>
+            <a:bodyPr rtlCol="0" anchor="ctr"/>
+            <a:lstStyle/>
+            <a:p>
+              <a:pPr algn="ctr"/>
+              <a:endParaRPr lang="es-MX"/>
+            </a:p>
+          </p:txBody>
+        </p:sp>
+        <p:sp>
+          <p:nvSpPr>
+            <p:cNvPr id="25" name="Elipse 24">
+              <a:extLst>
+                <a:ext uri="{FF2B5EF4-FFF2-40B4-BE49-F238E27FC236}">
+                  <a16:creationId xmlns:a16="http://schemas.microsoft.com/office/drawing/2014/main" id="{635D5DCC-EB61-18BB-D055-2FCA59EA5F8B}"/>
+                </a:ext>
+              </a:extLst>
+            </p:cNvPr>
+            <p:cNvSpPr/>
+            <p:nvPr/>
+          </p:nvSpPr>
+          <p:spPr>
+            <a:xfrm>
+              <a:off x="4048648" y="4501040"/>
+              <a:ext cx="403701" cy="468711"/>
+            </a:xfrm>
+            <a:prstGeom prst="ellipse">
+              <a:avLst/>
+            </a:prstGeom>
+          </p:spPr>
+          <p:style>
+            <a:lnRef idx="2">
+              <a:schemeClr val="accent1">
+                <a:shade val="50000"/>
+              </a:schemeClr>
+            </a:lnRef>
+            <a:fillRef idx="1">
+              <a:schemeClr val="accent1"/>
+            </a:fillRef>
+            <a:effectRef idx="0">
+              <a:schemeClr val="accent1"/>
+            </a:effectRef>
+            <a:fontRef idx="minor">
+              <a:schemeClr val="lt1"/>
+            </a:fontRef>
+          </p:style>
+          <p:txBody>
+            <a:bodyPr rtlCol="0" anchor="ctr"/>
+            <a:lstStyle/>
+            <a:p>
+              <a:pPr algn="ctr"/>
+              <a:endParaRPr lang="es-MX"/>
+            </a:p>
+          </p:txBody>
+        </p:sp>
+        <p:sp>
+          <p:nvSpPr>
+            <p:cNvPr id="26" name="Elipse 25">
+              <a:extLst>
+                <a:ext uri="{FF2B5EF4-FFF2-40B4-BE49-F238E27FC236}">
+                  <a16:creationId xmlns:a16="http://schemas.microsoft.com/office/drawing/2014/main" id="{B482E20F-2987-C5C1-FF87-F82B3E64E7D8}"/>
+                </a:ext>
+              </a:extLst>
+            </p:cNvPr>
+            <p:cNvSpPr/>
+            <p:nvPr/>
+          </p:nvSpPr>
+          <p:spPr>
+            <a:xfrm>
+              <a:off x="5034539" y="4501039"/>
+              <a:ext cx="403701" cy="468711"/>
+            </a:xfrm>
+            <a:prstGeom prst="ellipse">
+              <a:avLst/>
+            </a:prstGeom>
+          </p:spPr>
+          <p:style>
+            <a:lnRef idx="2">
+              <a:schemeClr val="accent1">
+                <a:shade val="50000"/>
+              </a:schemeClr>
+            </a:lnRef>
+            <a:fillRef idx="1">
+              <a:schemeClr val="accent1"/>
+            </a:fillRef>
+            <a:effectRef idx="0">
+              <a:schemeClr val="accent1"/>
+            </a:effectRef>
+            <a:fontRef idx="minor">
+              <a:schemeClr val="lt1"/>
+            </a:fontRef>
+          </p:style>
+          <p:txBody>
+            <a:bodyPr rtlCol="0" anchor="ctr"/>
+            <a:lstStyle/>
+            <a:p>
+              <a:pPr algn="ctr"/>
+              <a:endParaRPr lang="es-MX"/>
+            </a:p>
+          </p:txBody>
+        </p:sp>
+        <p:sp>
+          <p:nvSpPr>
+            <p:cNvPr id="27" name="Elipse 26">
+              <a:extLst>
+                <a:ext uri="{FF2B5EF4-FFF2-40B4-BE49-F238E27FC236}">
+                  <a16:creationId xmlns:a16="http://schemas.microsoft.com/office/drawing/2014/main" id="{BC08EF3C-D1D0-759E-B463-B0A76D624891}"/>
+                </a:ext>
+              </a:extLst>
+            </p:cNvPr>
+            <p:cNvSpPr/>
+            <p:nvPr/>
+          </p:nvSpPr>
+          <p:spPr>
+            <a:xfrm>
+              <a:off x="5046184" y="5287798"/>
+              <a:ext cx="403701" cy="468711"/>
+            </a:xfrm>
+            <a:prstGeom prst="ellipse">
+              <a:avLst/>
+            </a:prstGeom>
+          </p:spPr>
+          <p:style>
+            <a:lnRef idx="2">
+              <a:schemeClr val="accent1">
+                <a:shade val="50000"/>
+              </a:schemeClr>
+            </a:lnRef>
+            <a:fillRef idx="1">
+              <a:schemeClr val="accent1"/>
+            </a:fillRef>
+            <a:effectRef idx="0">
+              <a:schemeClr val="accent1"/>
+            </a:effectRef>
+            <a:fontRef idx="minor">
+              <a:schemeClr val="lt1"/>
+            </a:fontRef>
+          </p:style>
+          <p:txBody>
+            <a:bodyPr rtlCol="0" anchor="ctr"/>
+            <a:lstStyle/>
+            <a:p>
+              <a:pPr algn="ctr"/>
+              <a:endParaRPr lang="es-MX"/>
+            </a:p>
+          </p:txBody>
+        </p:sp>
+        <p:cxnSp>
+          <p:nvCxnSpPr>
+            <p:cNvPr id="29" name="Conector recto de flecha 28">
+              <a:extLst>
+                <a:ext uri="{FF2B5EF4-FFF2-40B4-BE49-F238E27FC236}">
+                  <a16:creationId xmlns:a16="http://schemas.microsoft.com/office/drawing/2014/main" id="{6CAA571B-D026-A777-F195-1C2E340BDFF5}"/>
+                </a:ext>
+              </a:extLst>
+            </p:cNvPr>
+            <p:cNvCxnSpPr>
+              <a:stCxn id="17" idx="4"/>
+              <a:endCxn id="24" idx="0"/>
+            </p:cNvCxnSpPr>
+            <p:nvPr/>
+          </p:nvCxnSpPr>
+          <p:spPr>
+            <a:xfrm flipH="1">
+              <a:off x="3264636" y="4274820"/>
+              <a:ext cx="1" cy="226220"/>
+            </a:xfrm>
+            <a:prstGeom prst="straightConnector1">
+              <a:avLst/>
+            </a:prstGeom>
+            <a:ln>
+              <a:tailEnd type="triangle"/>
+            </a:ln>
+          </p:spPr>
+          <p:style>
+            <a:lnRef idx="1">
+              <a:schemeClr val="accent1"/>
+            </a:lnRef>
+            <a:fillRef idx="0">
+              <a:schemeClr val="accent1"/>
+            </a:fillRef>
+            <a:effectRef idx="0">
+              <a:schemeClr val="accent1"/>
+            </a:effectRef>
+            <a:fontRef idx="minor">
+              <a:schemeClr val="tx1"/>
+            </a:fontRef>
+          </p:style>
+        </p:cxnSp>
+        <p:cxnSp>
+          <p:nvCxnSpPr>
+            <p:cNvPr id="31" name="Conector recto de flecha 30">
+              <a:extLst>
+                <a:ext uri="{FF2B5EF4-FFF2-40B4-BE49-F238E27FC236}">
+                  <a16:creationId xmlns:a16="http://schemas.microsoft.com/office/drawing/2014/main" id="{D9BC68A4-942C-BA3A-EA36-68BB8A0587F5}"/>
+                </a:ext>
+              </a:extLst>
+            </p:cNvPr>
+            <p:cNvCxnSpPr>
+              <a:stCxn id="21" idx="3"/>
+              <a:endCxn id="25" idx="0"/>
+            </p:cNvCxnSpPr>
+            <p:nvPr/>
+          </p:nvCxnSpPr>
+          <p:spPr>
+            <a:xfrm flipH="1">
+              <a:off x="4250499" y="4201977"/>
+              <a:ext cx="258861" cy="299063"/>
+            </a:xfrm>
+            <a:prstGeom prst="straightConnector1">
+              <a:avLst/>
+            </a:prstGeom>
+            <a:ln>
+              <a:tailEnd type="triangle"/>
+            </a:ln>
+          </p:spPr>
+          <p:style>
+            <a:lnRef idx="1">
+              <a:schemeClr val="accent1"/>
+            </a:lnRef>
+            <a:fillRef idx="0">
+              <a:schemeClr val="accent1"/>
+            </a:fillRef>
+            <a:effectRef idx="0">
+              <a:schemeClr val="accent1"/>
+            </a:effectRef>
+            <a:fontRef idx="minor">
+              <a:schemeClr val="tx1"/>
+            </a:fontRef>
+          </p:style>
+        </p:cxnSp>
+        <p:cxnSp>
+          <p:nvCxnSpPr>
+            <p:cNvPr id="33" name="Conector recto de flecha 32">
+              <a:extLst>
+                <a:ext uri="{FF2B5EF4-FFF2-40B4-BE49-F238E27FC236}">
+                  <a16:creationId xmlns:a16="http://schemas.microsoft.com/office/drawing/2014/main" id="{0D83C4C9-D789-18C9-157E-419A738B46F2}"/>
+                </a:ext>
+              </a:extLst>
+            </p:cNvPr>
+            <p:cNvCxnSpPr>
+              <a:stCxn id="21" idx="5"/>
+              <a:endCxn id="26" idx="0"/>
+            </p:cNvCxnSpPr>
+            <p:nvPr/>
+          </p:nvCxnSpPr>
+          <p:spPr>
+            <a:xfrm>
+              <a:off x="4794819" y="4201977"/>
+              <a:ext cx="441571" cy="299062"/>
+            </a:xfrm>
+            <a:prstGeom prst="straightConnector1">
+              <a:avLst/>
+            </a:prstGeom>
+            <a:ln>
+              <a:tailEnd type="triangle"/>
+            </a:ln>
+          </p:spPr>
+          <p:style>
+            <a:lnRef idx="1">
+              <a:schemeClr val="accent1"/>
+            </a:lnRef>
+            <a:fillRef idx="0">
+              <a:schemeClr val="accent1"/>
+            </a:fillRef>
+            <a:effectRef idx="0">
+              <a:schemeClr val="accent1"/>
+            </a:effectRef>
+            <a:fontRef idx="minor">
+              <a:schemeClr val="tx1"/>
+            </a:fontRef>
+          </p:style>
+        </p:cxnSp>
+        <p:cxnSp>
+          <p:nvCxnSpPr>
+            <p:cNvPr id="35" name="Conector recto de flecha 34">
+              <a:extLst>
+                <a:ext uri="{FF2B5EF4-FFF2-40B4-BE49-F238E27FC236}">
+                  <a16:creationId xmlns:a16="http://schemas.microsoft.com/office/drawing/2014/main" id="{5C4D9466-13C8-5DBB-F5DC-635A4A449E88}"/>
+                </a:ext>
+              </a:extLst>
+            </p:cNvPr>
+            <p:cNvCxnSpPr>
+              <a:stCxn id="26" idx="4"/>
+              <a:endCxn id="27" idx="0"/>
+            </p:cNvCxnSpPr>
+            <p:nvPr/>
+          </p:nvCxnSpPr>
+          <p:spPr>
+            <a:xfrm>
+              <a:off x="5236390" y="4969750"/>
+              <a:ext cx="11645" cy="318048"/>
+            </a:xfrm>
+            <a:prstGeom prst="straightConnector1">
+              <a:avLst/>
+            </a:prstGeom>
+            <a:ln>
+              <a:tailEnd type="triangle"/>
+            </a:ln>
+          </p:spPr>
+          <p:style>
+            <a:lnRef idx="1">
+              <a:schemeClr val="accent1"/>
+            </a:lnRef>
+            <a:fillRef idx="0">
+              <a:schemeClr val="accent1"/>
+            </a:fillRef>
+            <a:effectRef idx="0">
+              <a:schemeClr val="accent1"/>
+            </a:effectRef>
+            <a:fontRef idx="minor">
+              <a:schemeClr val="tx1"/>
+            </a:fontRef>
+          </p:style>
+        </p:cxnSp>
+      </p:grpSp>
+    </p:spTree>
+    <p:extLst>
+      <p:ext uri="{BB962C8B-B14F-4D97-AF65-F5344CB8AC3E}">
+        <p14:creationId xmlns:p14="http://schemas.microsoft.com/office/powerpoint/2010/main" val="534339375"/>
+      </p:ext>
+    </p:extLst>
+  </p:cSld>
+  <p:clrMapOvr>
+    <a:masterClrMapping/>
+  </p:clrMapOvr>
+</p:sld>
+</file>
+
 <file path=ppt/slides/slide3.xml><?xml version="1.0" encoding="utf-8"?>
 <p:sld xmlns:a="http://schemas.openxmlformats.org/drawingml/2006/main" xmlns:r="http://schemas.openxmlformats.org/officeDocument/2006/relationships" xmlns:p="http://schemas.openxmlformats.org/presentationml/2006/main">
   <p:cSld>
@@ -34399,7 +40906,7 @@
         </p:nvSpPr>
         <p:spPr>
           <a:xfrm>
-            <a:off x="209007" y="1385553"/>
+            <a:off x="209007" y="1400793"/>
             <a:ext cx="417800" cy="314492"/>
           </a:xfrm>
           <a:prstGeom prst="roundRect">
@@ -34458,7 +40965,7 @@
         </p:nvSpPr>
         <p:spPr>
           <a:xfrm>
-            <a:off x="744794" y="1385553"/>
+            <a:off x="744794" y="1400793"/>
             <a:ext cx="6818599" cy="314492"/>
           </a:xfrm>
           <a:prstGeom prst="roundRect">

--- a/Estructuras de Datos II.pptx
+++ b/Estructuras de Datos II.pptx
@@ -5,7 +5,7 @@
     <p:sldMasterId id="2147483672" r:id="rId1"/>
   </p:sldMasterIdLst>
   <p:notesMasterIdLst>
-    <p:notesMasterId r:id="rId23"/>
+    <p:notesMasterId r:id="rId24"/>
   </p:notesMasterIdLst>
   <p:sldIdLst>
     <p:sldId id="256" r:id="rId2"/>
@@ -29,6 +29,7 @@
     <p:sldId id="277" r:id="rId20"/>
     <p:sldId id="279" r:id="rId21"/>
     <p:sldId id="280" r:id="rId22"/>
+    <p:sldId id="281" r:id="rId23"/>
   </p:sldIdLst>
   <p:sldSz cx="7772400" cy="10058400"/>
   <p:notesSz cx="6858000" cy="9144000"/>
@@ -5122,6 +5123,90 @@
 </p:notes>
 </file>
 
+<file path=ppt/notesSlides/notesSlide7.xml><?xml version="1.0" encoding="utf-8"?>
+<p:notes xmlns:a="http://schemas.openxmlformats.org/drawingml/2006/main" xmlns:r="http://schemas.openxmlformats.org/officeDocument/2006/relationships" xmlns:p="http://schemas.openxmlformats.org/presentationml/2006/main">
+  <p:cSld>
+    <p:spTree>
+      <p:nvGrpSpPr>
+        <p:cNvPr id="1" name=""/>
+        <p:cNvGrpSpPr/>
+        <p:nvPr/>
+      </p:nvGrpSpPr>
+      <p:grpSpPr>
+        <a:xfrm>
+          <a:off x="0" y="0"/>
+          <a:ext cx="0" cy="0"/>
+          <a:chOff x="0" y="0"/>
+          <a:chExt cx="0" cy="0"/>
+        </a:xfrm>
+      </p:grpSpPr>
+      <p:sp>
+        <p:nvSpPr>
+          <p:cNvPr id="2" name="Marcador de imagen de diapositiva 1"/>
+          <p:cNvSpPr>
+            <a:spLocks noGrp="1" noRot="1" noChangeAspect="1"/>
+          </p:cNvSpPr>
+          <p:nvPr>
+            <p:ph type="sldImg"/>
+          </p:nvPr>
+        </p:nvSpPr>
+        <p:spPr/>
+      </p:sp>
+      <p:sp>
+        <p:nvSpPr>
+          <p:cNvPr id="3" name="Marcador de notas 2"/>
+          <p:cNvSpPr>
+            <a:spLocks noGrp="1"/>
+          </p:cNvSpPr>
+          <p:nvPr>
+            <p:ph type="body" idx="1"/>
+          </p:nvPr>
+        </p:nvSpPr>
+        <p:spPr/>
+        <p:txBody>
+          <a:bodyPr/>
+          <a:lstStyle/>
+          <a:p>
+            <a:endParaRPr lang="es-MX" dirty="0"/>
+          </a:p>
+        </p:txBody>
+      </p:sp>
+      <p:sp>
+        <p:nvSpPr>
+          <p:cNvPr id="4" name="Marcador de número de diapositiva 3"/>
+          <p:cNvSpPr>
+            <a:spLocks noGrp="1"/>
+          </p:cNvSpPr>
+          <p:nvPr>
+            <p:ph type="sldNum" sz="quarter" idx="5"/>
+          </p:nvPr>
+        </p:nvSpPr>
+        <p:spPr/>
+        <p:txBody>
+          <a:bodyPr/>
+          <a:lstStyle/>
+          <a:p>
+            <a:fld id="{92D4CDAA-1BCD-48C4-A3A1-7E4327409D28}" type="slidenum">
+              <a:rPr lang="es-MX" smtClean="0"/>
+              <a:t>22</a:t>
+            </a:fld>
+            <a:endParaRPr lang="es-MX"/>
+          </a:p>
+        </p:txBody>
+      </p:sp>
+    </p:spTree>
+    <p:extLst>
+      <p:ext uri="{BB962C8B-B14F-4D97-AF65-F5344CB8AC3E}">
+        <p14:creationId xmlns:p14="http://schemas.microsoft.com/office/powerpoint/2010/main" val="3235390502"/>
+      </p:ext>
+    </p:extLst>
+  </p:cSld>
+  <p:clrMapOvr>
+    <a:masterClrMapping/>
+  </p:clrMapOvr>
+</p:notes>
+</file>
+
 <file path=ppt/slideLayouts/slideLayout1.xml><?xml version="1.0" encoding="utf-8"?>
 <p:sldLayout xmlns:a="http://schemas.openxmlformats.org/drawingml/2006/main" xmlns:r="http://schemas.openxmlformats.org/officeDocument/2006/relationships" xmlns:p="http://schemas.openxmlformats.org/presentationml/2006/main" type="title" preserve="1">
   <p:cSld name="Diapositiva de título">
@@ -29587,7 +29672,7 @@
                 <a:latin typeface="Times New Roman" panose="02020603050405020304" pitchFamily="18" charset="0"/>
                 <a:cs typeface="Times New Roman" panose="02020603050405020304" pitchFamily="18" charset="0"/>
               </a:rPr>
-              <a:t>21</a:t>
+              <a:t>91</a:t>
             </a:r>
           </a:p>
         </p:txBody>
@@ -34681,8 +34766,8 @@
         </p:nvSpPr>
         <p:spPr>
           <a:xfrm>
-            <a:off x="499551" y="9532813"/>
-            <a:ext cx="328706" cy="412376"/>
+            <a:off x="311580" y="9532813"/>
+            <a:ext cx="516677" cy="412376"/>
           </a:xfrm>
           <a:prstGeom prst="roundRect">
             <a:avLst/>
@@ -34720,7 +34805,7 @@
                 <a:latin typeface="Times New Roman" panose="02020603050405020304" pitchFamily="18" charset="0"/>
                 <a:cs typeface="Times New Roman" panose="02020603050405020304" pitchFamily="18" charset="0"/>
               </a:rPr>
-              <a:t>4</a:t>
+              <a:t>92</a:t>
             </a:r>
           </a:p>
         </p:txBody>
@@ -34841,7 +34926,7 @@
         <p:spPr>
           <a:xfrm>
             <a:off x="3121998" y="1021080"/>
-            <a:ext cx="4471876" cy="1862048"/>
+            <a:ext cx="4471876" cy="2046714"/>
           </a:xfrm>
           <a:prstGeom prst="rect">
             <a:avLst/>
@@ -34856,6 +34941,19 @@
           <a:p>
             <a:pPr algn="just"/>
             <a:r>
+              <a:rPr lang="es-MX" sz="1200" b="1" dirty="0">
+                <a:solidFill>
+                  <a:srgbClr val="18A41B"/>
+                </a:solidFill>
+                <a:latin typeface="Times New Roman" panose="02020603050405020304" pitchFamily="18" charset="0"/>
+                <a:cs typeface="Times New Roman" panose="02020603050405020304" pitchFamily="18" charset="0"/>
+              </a:rPr>
+              <a:t>Altura de un nodo x</a:t>
+            </a:r>
+          </a:p>
+          <a:p>
+            <a:pPr algn="just"/>
+            <a:r>
               <a:rPr lang="es-MX" sz="1200" dirty="0">
                 <a:latin typeface="Times New Roman" panose="02020603050405020304" pitchFamily="18" charset="0"/>
                 <a:cs typeface="Times New Roman" panose="02020603050405020304" pitchFamily="18" charset="0"/>
@@ -34884,6 +34982,9 @@
             <a:pPr algn="just"/>
             <a:r>
               <a:rPr lang="es-MX" sz="1200" b="1" dirty="0">
+                <a:solidFill>
+                  <a:srgbClr val="FF0000"/>
+                </a:solidFill>
                 <a:latin typeface="Times New Roman" panose="02020603050405020304" pitchFamily="18" charset="0"/>
                 <a:cs typeface="Times New Roman" panose="02020603050405020304" pitchFamily="18" charset="0"/>
               </a:rPr>
@@ -34936,8 +35037,8 @@
         </p:nvGrpSpPr>
         <p:grpSpPr>
           <a:xfrm>
-            <a:off x="311579" y="1127917"/>
-            <a:ext cx="2679271" cy="1755211"/>
+            <a:off x="311580" y="1127917"/>
+            <a:ext cx="2493534" cy="1755211"/>
             <a:chOff x="2299209" y="2425903"/>
             <a:chExt cx="3150676" cy="3330606"/>
           </a:xfrm>
@@ -35873,10 +35974,8932 @@
           </p:style>
         </p:cxnSp>
       </p:grpSp>
+      <p:sp>
+        <p:nvSpPr>
+          <p:cNvPr id="4" name="CuadroTexto 3">
+            <a:extLst>
+              <a:ext uri="{FF2B5EF4-FFF2-40B4-BE49-F238E27FC236}">
+                <a16:creationId xmlns:a16="http://schemas.microsoft.com/office/drawing/2014/main" id="{5225FE4C-B8B2-0E25-6700-142DAC47846F}"/>
+              </a:ext>
+            </a:extLst>
+          </p:cNvPr>
+          <p:cNvSpPr txBox="1"/>
+          <p:nvPr/>
+        </p:nvSpPr>
+        <p:spPr>
+          <a:xfrm>
+            <a:off x="266701" y="1085850"/>
+            <a:ext cx="2909887" cy="1831271"/>
+          </a:xfrm>
+          <a:prstGeom prst="rect">
+            <a:avLst/>
+          </a:prstGeom>
+          <a:noFill/>
+        </p:spPr>
+        <p:txBody>
+          <a:bodyPr wrap="square" rtlCol="0">
+            <a:spAutoFit/>
+          </a:bodyPr>
+          <a:lstStyle/>
+          <a:p>
+            <a:r>
+              <a:rPr lang="es-MX" sz="1200" dirty="0">
+                <a:latin typeface="Times New Roman" panose="02020603050405020304" pitchFamily="18" charset="0"/>
+                <a:cs typeface="Times New Roman" panose="02020603050405020304" pitchFamily="18" charset="0"/>
+              </a:rPr>
+              <a:t>                              </a:t>
+            </a:r>
+            <a:r>
+              <a:rPr lang="es-MX" sz="1200" dirty="0">
+                <a:solidFill>
+                  <a:srgbClr val="00B050"/>
+                </a:solidFill>
+                <a:latin typeface="Times New Roman" panose="02020603050405020304" pitchFamily="18" charset="0"/>
+                <a:cs typeface="Times New Roman" panose="02020603050405020304" pitchFamily="18" charset="0"/>
+              </a:rPr>
+              <a:t>4</a:t>
+            </a:r>
+            <a:r>
+              <a:rPr lang="es-MX" sz="1200" dirty="0">
+                <a:latin typeface="Times New Roman" panose="02020603050405020304" pitchFamily="18" charset="0"/>
+                <a:cs typeface="Times New Roman" panose="02020603050405020304" pitchFamily="18" charset="0"/>
+              </a:rPr>
+              <a:t> </a:t>
+            </a:r>
+            <a:r>
+              <a:rPr lang="es-MX" sz="1200" dirty="0">
+                <a:solidFill>
+                  <a:srgbClr val="FF0000"/>
+                </a:solidFill>
+                <a:latin typeface="Times New Roman" panose="02020603050405020304" pitchFamily="18" charset="0"/>
+                <a:cs typeface="Times New Roman" panose="02020603050405020304" pitchFamily="18" charset="0"/>
+              </a:rPr>
+              <a:t>0</a:t>
+            </a:r>
+          </a:p>
+          <a:p>
+            <a:endParaRPr lang="es-MX" sz="1200" dirty="0">
+              <a:latin typeface="Times New Roman" panose="02020603050405020304" pitchFamily="18" charset="0"/>
+              <a:cs typeface="Times New Roman" panose="02020603050405020304" pitchFamily="18" charset="0"/>
+            </a:endParaRPr>
+          </a:p>
+          <a:p>
+            <a:r>
+              <a:rPr lang="es-MX" sz="1200" dirty="0">
+                <a:latin typeface="Times New Roman" panose="02020603050405020304" pitchFamily="18" charset="0"/>
+                <a:cs typeface="Times New Roman" panose="02020603050405020304" pitchFamily="18" charset="0"/>
+              </a:rPr>
+              <a:t>                </a:t>
+            </a:r>
+            <a:r>
+              <a:rPr lang="es-MX" sz="1200" dirty="0">
+                <a:solidFill>
+                  <a:srgbClr val="00B050"/>
+                </a:solidFill>
+                <a:latin typeface="Times New Roman" panose="02020603050405020304" pitchFamily="18" charset="0"/>
+                <a:cs typeface="Times New Roman" panose="02020603050405020304" pitchFamily="18" charset="0"/>
+              </a:rPr>
+              <a:t>2</a:t>
+            </a:r>
+            <a:r>
+              <a:rPr lang="es-MX" sz="1200" dirty="0">
+                <a:latin typeface="Times New Roman" panose="02020603050405020304" pitchFamily="18" charset="0"/>
+                <a:cs typeface="Times New Roman" panose="02020603050405020304" pitchFamily="18" charset="0"/>
+              </a:rPr>
+              <a:t> </a:t>
+            </a:r>
+            <a:r>
+              <a:rPr lang="es-MX" sz="1200" dirty="0">
+                <a:solidFill>
+                  <a:srgbClr val="FF0000"/>
+                </a:solidFill>
+                <a:latin typeface="Times New Roman" panose="02020603050405020304" pitchFamily="18" charset="0"/>
+                <a:cs typeface="Times New Roman" panose="02020603050405020304" pitchFamily="18" charset="0"/>
+              </a:rPr>
+              <a:t>1</a:t>
+            </a:r>
+            <a:r>
+              <a:rPr lang="es-MX" sz="1200" dirty="0">
+                <a:latin typeface="Times New Roman" panose="02020603050405020304" pitchFamily="18" charset="0"/>
+                <a:cs typeface="Times New Roman" panose="02020603050405020304" pitchFamily="18" charset="0"/>
+              </a:rPr>
+              <a:t>                       </a:t>
+            </a:r>
+            <a:r>
+              <a:rPr lang="es-MX" sz="1200" dirty="0">
+                <a:solidFill>
+                  <a:srgbClr val="00B050"/>
+                </a:solidFill>
+                <a:latin typeface="Times New Roman" panose="02020603050405020304" pitchFamily="18" charset="0"/>
+                <a:cs typeface="Times New Roman" panose="02020603050405020304" pitchFamily="18" charset="0"/>
+              </a:rPr>
+              <a:t>3</a:t>
+            </a:r>
+            <a:r>
+              <a:rPr lang="es-MX" sz="1200" dirty="0">
+                <a:latin typeface="Times New Roman" panose="02020603050405020304" pitchFamily="18" charset="0"/>
+                <a:cs typeface="Times New Roman" panose="02020603050405020304" pitchFamily="18" charset="0"/>
+              </a:rPr>
+              <a:t> </a:t>
+            </a:r>
+            <a:r>
+              <a:rPr lang="es-MX" sz="1200" dirty="0">
+                <a:solidFill>
+                  <a:srgbClr val="FF0000"/>
+                </a:solidFill>
+                <a:latin typeface="Times New Roman" panose="02020603050405020304" pitchFamily="18" charset="0"/>
+                <a:cs typeface="Times New Roman" panose="02020603050405020304" pitchFamily="18" charset="0"/>
+              </a:rPr>
+              <a:t>1</a:t>
+            </a:r>
+          </a:p>
+          <a:p>
+            <a:endParaRPr lang="es-MX" sz="1200" dirty="0">
+              <a:latin typeface="Times New Roman" panose="02020603050405020304" pitchFamily="18" charset="0"/>
+              <a:cs typeface="Times New Roman" panose="02020603050405020304" pitchFamily="18" charset="0"/>
+            </a:endParaRPr>
+          </a:p>
+          <a:p>
+            <a:r>
+              <a:rPr lang="es-MX" sz="1200" dirty="0">
+                <a:latin typeface="Times New Roman" panose="02020603050405020304" pitchFamily="18" charset="0"/>
+                <a:cs typeface="Times New Roman" panose="02020603050405020304" pitchFamily="18" charset="0"/>
+              </a:rPr>
+              <a:t>        </a:t>
+            </a:r>
+            <a:r>
+              <a:rPr lang="es-MX" sz="1200" dirty="0">
+                <a:solidFill>
+                  <a:srgbClr val="00B050"/>
+                </a:solidFill>
+                <a:latin typeface="Times New Roman" panose="02020603050405020304" pitchFamily="18" charset="0"/>
+                <a:cs typeface="Times New Roman" panose="02020603050405020304" pitchFamily="18" charset="0"/>
+              </a:rPr>
+              <a:t>0</a:t>
+            </a:r>
+            <a:r>
+              <a:rPr lang="es-MX" sz="1200" dirty="0">
+                <a:latin typeface="Times New Roman" panose="02020603050405020304" pitchFamily="18" charset="0"/>
+                <a:cs typeface="Times New Roman" panose="02020603050405020304" pitchFamily="18" charset="0"/>
+              </a:rPr>
+              <a:t> </a:t>
+            </a:r>
+            <a:r>
+              <a:rPr lang="es-MX" sz="1200" dirty="0">
+                <a:solidFill>
+                  <a:srgbClr val="FF0000"/>
+                </a:solidFill>
+                <a:latin typeface="Times New Roman" panose="02020603050405020304" pitchFamily="18" charset="0"/>
+                <a:cs typeface="Times New Roman" panose="02020603050405020304" pitchFamily="18" charset="0"/>
+              </a:rPr>
+              <a:t>2</a:t>
+            </a:r>
+            <a:r>
+              <a:rPr lang="es-MX" sz="1200" dirty="0">
+                <a:latin typeface="Times New Roman" panose="02020603050405020304" pitchFamily="18" charset="0"/>
+                <a:cs typeface="Times New Roman" panose="02020603050405020304" pitchFamily="18" charset="0"/>
+              </a:rPr>
+              <a:t>          </a:t>
+            </a:r>
+            <a:r>
+              <a:rPr lang="es-MX" sz="1200" dirty="0">
+                <a:solidFill>
+                  <a:srgbClr val="00B050"/>
+                </a:solidFill>
+                <a:latin typeface="Times New Roman" panose="02020603050405020304" pitchFamily="18" charset="0"/>
+                <a:cs typeface="Times New Roman" panose="02020603050405020304" pitchFamily="18" charset="0"/>
+              </a:rPr>
+              <a:t>1</a:t>
+            </a:r>
+            <a:r>
+              <a:rPr lang="es-MX" sz="1200" dirty="0">
+                <a:solidFill>
+                  <a:srgbClr val="FF0000"/>
+                </a:solidFill>
+                <a:latin typeface="Times New Roman" panose="02020603050405020304" pitchFamily="18" charset="0"/>
+                <a:cs typeface="Times New Roman" panose="02020603050405020304" pitchFamily="18" charset="0"/>
+              </a:rPr>
+              <a:t>2</a:t>
+            </a:r>
+            <a:r>
+              <a:rPr lang="es-MX" sz="1200" dirty="0">
+                <a:latin typeface="Times New Roman" panose="02020603050405020304" pitchFamily="18" charset="0"/>
+                <a:cs typeface="Times New Roman" panose="02020603050405020304" pitchFamily="18" charset="0"/>
+              </a:rPr>
+              <a:t>          </a:t>
+            </a:r>
+            <a:r>
+              <a:rPr lang="es-MX" sz="1200" dirty="0">
+                <a:solidFill>
+                  <a:srgbClr val="00B050"/>
+                </a:solidFill>
+                <a:latin typeface="Times New Roman" panose="02020603050405020304" pitchFamily="18" charset="0"/>
+                <a:cs typeface="Times New Roman" panose="02020603050405020304" pitchFamily="18" charset="0"/>
+              </a:rPr>
+              <a:t>0</a:t>
+            </a:r>
+            <a:r>
+              <a:rPr lang="es-MX" sz="1200" dirty="0">
+                <a:latin typeface="Times New Roman" panose="02020603050405020304" pitchFamily="18" charset="0"/>
+                <a:cs typeface="Times New Roman" panose="02020603050405020304" pitchFamily="18" charset="0"/>
+              </a:rPr>
+              <a:t> </a:t>
+            </a:r>
+            <a:r>
+              <a:rPr lang="es-MX" sz="1200" dirty="0">
+                <a:solidFill>
+                  <a:srgbClr val="FF0000"/>
+                </a:solidFill>
+                <a:latin typeface="Times New Roman" panose="02020603050405020304" pitchFamily="18" charset="0"/>
+                <a:cs typeface="Times New Roman" panose="02020603050405020304" pitchFamily="18" charset="0"/>
+              </a:rPr>
+              <a:t>2</a:t>
+            </a:r>
+            <a:r>
+              <a:rPr lang="es-MX" sz="1200" dirty="0">
+                <a:latin typeface="Times New Roman" panose="02020603050405020304" pitchFamily="18" charset="0"/>
+                <a:cs typeface="Times New Roman" panose="02020603050405020304" pitchFamily="18" charset="0"/>
+              </a:rPr>
+              <a:t>           </a:t>
+            </a:r>
+            <a:r>
+              <a:rPr lang="es-MX" sz="1200" dirty="0">
+                <a:solidFill>
+                  <a:srgbClr val="00B050"/>
+                </a:solidFill>
+                <a:latin typeface="Times New Roman" panose="02020603050405020304" pitchFamily="18" charset="0"/>
+                <a:cs typeface="Times New Roman" panose="02020603050405020304" pitchFamily="18" charset="0"/>
+              </a:rPr>
+              <a:t>2</a:t>
+            </a:r>
+            <a:r>
+              <a:rPr lang="es-MX" sz="1200" dirty="0">
+                <a:latin typeface="Times New Roman" panose="02020603050405020304" pitchFamily="18" charset="0"/>
+                <a:cs typeface="Times New Roman" panose="02020603050405020304" pitchFamily="18" charset="0"/>
+              </a:rPr>
+              <a:t> </a:t>
+            </a:r>
+            <a:r>
+              <a:rPr lang="es-MX" sz="1200" dirty="0">
+                <a:solidFill>
+                  <a:srgbClr val="FF0000"/>
+                </a:solidFill>
+                <a:latin typeface="Times New Roman" panose="02020603050405020304" pitchFamily="18" charset="0"/>
+                <a:cs typeface="Times New Roman" panose="02020603050405020304" pitchFamily="18" charset="0"/>
+              </a:rPr>
+              <a:t>2</a:t>
+            </a:r>
+          </a:p>
+          <a:p>
+            <a:endParaRPr lang="es-MX" sz="1200" dirty="0">
+              <a:latin typeface="Times New Roman" panose="02020603050405020304" pitchFamily="18" charset="0"/>
+              <a:cs typeface="Times New Roman" panose="02020603050405020304" pitchFamily="18" charset="0"/>
+            </a:endParaRPr>
+          </a:p>
+          <a:p>
+            <a:r>
+              <a:rPr lang="es-MX" sz="1200" dirty="0">
+                <a:latin typeface="Times New Roman" panose="02020603050405020304" pitchFamily="18" charset="0"/>
+                <a:cs typeface="Times New Roman" panose="02020603050405020304" pitchFamily="18" charset="0"/>
+              </a:rPr>
+              <a:t>                        </a:t>
+            </a:r>
+            <a:r>
+              <a:rPr lang="es-MX" sz="1200" dirty="0">
+                <a:solidFill>
+                  <a:srgbClr val="00B050"/>
+                </a:solidFill>
+                <a:latin typeface="Times New Roman" panose="02020603050405020304" pitchFamily="18" charset="0"/>
+                <a:cs typeface="Times New Roman" panose="02020603050405020304" pitchFamily="18" charset="0"/>
+              </a:rPr>
+              <a:t>0</a:t>
+            </a:r>
+            <a:r>
+              <a:rPr lang="es-MX" sz="1200" dirty="0">
+                <a:latin typeface="Times New Roman" panose="02020603050405020304" pitchFamily="18" charset="0"/>
+                <a:cs typeface="Times New Roman" panose="02020603050405020304" pitchFamily="18" charset="0"/>
+              </a:rPr>
+              <a:t> </a:t>
+            </a:r>
+            <a:r>
+              <a:rPr lang="es-MX" sz="1200" dirty="0">
+                <a:solidFill>
+                  <a:srgbClr val="FF0000"/>
+                </a:solidFill>
+                <a:latin typeface="Times New Roman" panose="02020603050405020304" pitchFamily="18" charset="0"/>
+                <a:cs typeface="Times New Roman" panose="02020603050405020304" pitchFamily="18" charset="0"/>
+              </a:rPr>
+              <a:t>3</a:t>
+            </a:r>
+            <a:r>
+              <a:rPr lang="es-MX" sz="1200" dirty="0">
+                <a:latin typeface="Times New Roman" panose="02020603050405020304" pitchFamily="18" charset="0"/>
+                <a:cs typeface="Times New Roman" panose="02020603050405020304" pitchFamily="18" charset="0"/>
+              </a:rPr>
+              <a:t>                </a:t>
+            </a:r>
+            <a:r>
+              <a:rPr lang="es-MX" sz="1200" dirty="0">
+                <a:solidFill>
+                  <a:srgbClr val="00B050"/>
+                </a:solidFill>
+                <a:latin typeface="Times New Roman" panose="02020603050405020304" pitchFamily="18" charset="0"/>
+                <a:cs typeface="Times New Roman" panose="02020603050405020304" pitchFamily="18" charset="0"/>
+              </a:rPr>
+              <a:t>0</a:t>
+            </a:r>
+            <a:r>
+              <a:rPr lang="es-MX" sz="1200" dirty="0">
+                <a:latin typeface="Times New Roman" panose="02020603050405020304" pitchFamily="18" charset="0"/>
+                <a:cs typeface="Times New Roman" panose="02020603050405020304" pitchFamily="18" charset="0"/>
+              </a:rPr>
+              <a:t> </a:t>
+            </a:r>
+            <a:r>
+              <a:rPr lang="es-MX" sz="1200" dirty="0">
+                <a:solidFill>
+                  <a:srgbClr val="FF0000"/>
+                </a:solidFill>
+                <a:latin typeface="Times New Roman" panose="02020603050405020304" pitchFamily="18" charset="0"/>
+                <a:cs typeface="Times New Roman" panose="02020603050405020304" pitchFamily="18" charset="0"/>
+              </a:rPr>
+              <a:t>3</a:t>
+            </a:r>
+            <a:r>
+              <a:rPr lang="es-MX" sz="1200" dirty="0">
+                <a:latin typeface="Times New Roman" panose="02020603050405020304" pitchFamily="18" charset="0"/>
+                <a:cs typeface="Times New Roman" panose="02020603050405020304" pitchFamily="18" charset="0"/>
+              </a:rPr>
+              <a:t>               </a:t>
+            </a:r>
+            <a:r>
+              <a:rPr lang="es-MX" sz="1200" dirty="0">
+                <a:solidFill>
+                  <a:srgbClr val="00B050"/>
+                </a:solidFill>
+                <a:latin typeface="Times New Roman" panose="02020603050405020304" pitchFamily="18" charset="0"/>
+                <a:cs typeface="Times New Roman" panose="02020603050405020304" pitchFamily="18" charset="0"/>
+              </a:rPr>
+              <a:t>1</a:t>
+            </a:r>
+            <a:r>
+              <a:rPr lang="es-MX" sz="1200" dirty="0">
+                <a:latin typeface="Times New Roman" panose="02020603050405020304" pitchFamily="18" charset="0"/>
+                <a:cs typeface="Times New Roman" panose="02020603050405020304" pitchFamily="18" charset="0"/>
+              </a:rPr>
+              <a:t> </a:t>
+            </a:r>
+            <a:r>
+              <a:rPr lang="es-MX" sz="1200" dirty="0">
+                <a:solidFill>
+                  <a:srgbClr val="FF0000"/>
+                </a:solidFill>
+                <a:latin typeface="Times New Roman" panose="02020603050405020304" pitchFamily="18" charset="0"/>
+                <a:cs typeface="Times New Roman" panose="02020603050405020304" pitchFamily="18" charset="0"/>
+              </a:rPr>
+              <a:t>3</a:t>
+            </a:r>
+          </a:p>
+          <a:p>
+            <a:endParaRPr lang="es-MX" sz="1200" dirty="0">
+              <a:latin typeface="Times New Roman" panose="02020603050405020304" pitchFamily="18" charset="0"/>
+              <a:cs typeface="Times New Roman" panose="02020603050405020304" pitchFamily="18" charset="0"/>
+            </a:endParaRPr>
+          </a:p>
+          <a:p>
+            <a:endParaRPr lang="es-MX" sz="500" dirty="0">
+              <a:latin typeface="Times New Roman" panose="02020603050405020304" pitchFamily="18" charset="0"/>
+              <a:cs typeface="Times New Roman" panose="02020603050405020304" pitchFamily="18" charset="0"/>
+            </a:endParaRPr>
+          </a:p>
+          <a:p>
+            <a:r>
+              <a:rPr lang="es-MX" sz="1200" dirty="0">
+                <a:latin typeface="Times New Roman" panose="02020603050405020304" pitchFamily="18" charset="0"/>
+                <a:cs typeface="Times New Roman" panose="02020603050405020304" pitchFamily="18" charset="0"/>
+              </a:rPr>
+              <a:t>                                                                 </a:t>
+            </a:r>
+            <a:r>
+              <a:rPr lang="es-MX" sz="1200" dirty="0">
+                <a:solidFill>
+                  <a:srgbClr val="00B050"/>
+                </a:solidFill>
+                <a:latin typeface="Times New Roman" panose="02020603050405020304" pitchFamily="18" charset="0"/>
+                <a:cs typeface="Times New Roman" panose="02020603050405020304" pitchFamily="18" charset="0"/>
+              </a:rPr>
+              <a:t>0</a:t>
+            </a:r>
+            <a:r>
+              <a:rPr lang="es-MX" sz="1200" dirty="0">
+                <a:latin typeface="Times New Roman" panose="02020603050405020304" pitchFamily="18" charset="0"/>
+                <a:cs typeface="Times New Roman" panose="02020603050405020304" pitchFamily="18" charset="0"/>
+              </a:rPr>
+              <a:t> </a:t>
+            </a:r>
+            <a:r>
+              <a:rPr lang="es-MX" sz="1200" dirty="0">
+                <a:solidFill>
+                  <a:srgbClr val="FF0000"/>
+                </a:solidFill>
+                <a:latin typeface="Times New Roman" panose="02020603050405020304" pitchFamily="18" charset="0"/>
+                <a:cs typeface="Times New Roman" panose="02020603050405020304" pitchFamily="18" charset="0"/>
+              </a:rPr>
+              <a:t>4</a:t>
+            </a:r>
+          </a:p>
+        </p:txBody>
+      </p:sp>
+      <p:sp>
+        <p:nvSpPr>
+          <p:cNvPr id="7" name="Rectángulo: esquina doblada 6">
+            <a:extLst>
+              <a:ext uri="{FF2B5EF4-FFF2-40B4-BE49-F238E27FC236}">
+                <a16:creationId xmlns:a16="http://schemas.microsoft.com/office/drawing/2014/main" id="{D247E822-5159-02F0-7888-8BF0F0B4FE5C}"/>
+              </a:ext>
+            </a:extLst>
+          </p:cNvPr>
+          <p:cNvSpPr/>
+          <p:nvPr/>
+        </p:nvSpPr>
+        <p:spPr>
+          <a:xfrm>
+            <a:off x="202800" y="3202815"/>
+            <a:ext cx="7391074" cy="568957"/>
+          </a:xfrm>
+          <a:prstGeom prst="foldedCorner">
+            <a:avLst/>
+          </a:prstGeom>
+          <a:solidFill>
+            <a:schemeClr val="accent4">
+              <a:lumMod val="60000"/>
+              <a:lumOff val="40000"/>
+            </a:schemeClr>
+          </a:solidFill>
+          <a:ln w="6350">
+            <a:solidFill>
+              <a:srgbClr val="1E1F1C"/>
+            </a:solidFill>
+          </a:ln>
+        </p:spPr>
+        <p:style>
+          <a:lnRef idx="2">
+            <a:schemeClr val="accent1">
+              <a:shade val="50000"/>
+            </a:schemeClr>
+          </a:lnRef>
+          <a:fillRef idx="1">
+            <a:schemeClr val="accent1"/>
+          </a:fillRef>
+          <a:effectRef idx="0">
+            <a:schemeClr val="accent1"/>
+          </a:effectRef>
+          <a:fontRef idx="minor">
+            <a:schemeClr val="lt1"/>
+          </a:fontRef>
+        </p:style>
+        <p:txBody>
+          <a:bodyPr rtlCol="0" anchor="ctr"/>
+          <a:lstStyle/>
+          <a:p>
+            <a:endParaRPr lang="es-MX" dirty="0"/>
+          </a:p>
+        </p:txBody>
+      </p:sp>
+      <mc:AlternateContent xmlns:mc="http://schemas.openxmlformats.org/markup-compatibility/2006">
+        <mc:Choice xmlns:a14="http://schemas.microsoft.com/office/drawing/2010/main" Requires="a14">
+          <p:sp>
+            <p:nvSpPr>
+              <p:cNvPr id="28" name="CuadroTexto 27">
+                <a:extLst>
+                  <a:ext uri="{FF2B5EF4-FFF2-40B4-BE49-F238E27FC236}">
+                    <a16:creationId xmlns:a16="http://schemas.microsoft.com/office/drawing/2014/main" id="{3A032C1F-7B85-78E4-A9AF-65C3F17100C5}"/>
+                  </a:ext>
+                </a:extLst>
+              </p:cNvPr>
+              <p:cNvSpPr txBox="1"/>
+              <p:nvPr/>
+            </p:nvSpPr>
+            <p:spPr>
+              <a:xfrm>
+                <a:off x="202800" y="3336912"/>
+                <a:ext cx="7391074" cy="276101"/>
+              </a:xfrm>
+              <a:prstGeom prst="rect">
+                <a:avLst/>
+              </a:prstGeom>
+              <a:noFill/>
+            </p:spPr>
+            <p:txBody>
+              <a:bodyPr wrap="square" rtlCol="0">
+                <a:spAutoFit/>
+              </a:bodyPr>
+              <a:lstStyle/>
+              <a:p>
+                <a:pPr algn="ctr"/>
+                <a:r>
+                  <a:rPr lang="es-MX" sz="1100" b="1" dirty="0">
+                    <a:latin typeface="Times New Roman" panose="02020603050405020304" pitchFamily="18" charset="0"/>
+                    <a:cs typeface="Times New Roman" panose="02020603050405020304" pitchFamily="18" charset="0"/>
+                  </a:rPr>
+                  <a:t>El número máximo de nodos en el nivel </a:t>
+                </a:r>
+                <a14:m>
+                  <m:oMath xmlns:m="http://schemas.openxmlformats.org/officeDocument/2006/math">
+                    <m:r>
+                      <a:rPr lang="es-MX" sz="1100" b="1" i="1" smtClean="0">
+                        <a:latin typeface="Cambria Math" panose="02040503050406030204" pitchFamily="18" charset="0"/>
+                        <a:cs typeface="Times New Roman" panose="02020603050405020304" pitchFamily="18" charset="0"/>
+                      </a:rPr>
+                      <m:t>𝒊</m:t>
+                    </m:r>
+                  </m:oMath>
+                </a14:m>
+                <a:r>
+                  <a:rPr lang="es-MX" sz="1100" b="1" dirty="0">
+                    <a:latin typeface="Times New Roman" panose="02020603050405020304" pitchFamily="18" charset="0"/>
+                    <a:cs typeface="Times New Roman" panose="02020603050405020304" pitchFamily="18" charset="0"/>
+                  </a:rPr>
+                  <a:t> es </a:t>
+                </a:r>
+                <a14:m>
+                  <m:oMath xmlns:m="http://schemas.openxmlformats.org/officeDocument/2006/math">
+                    <m:sSup>
+                      <m:sSupPr>
+                        <m:ctrlPr>
+                          <a:rPr lang="es-MX" sz="1100" b="1" i="1" smtClean="0">
+                            <a:latin typeface="Cambria Math" panose="02040503050406030204" pitchFamily="18" charset="0"/>
+                            <a:cs typeface="Times New Roman" panose="02020603050405020304" pitchFamily="18" charset="0"/>
+                          </a:rPr>
+                        </m:ctrlPr>
+                      </m:sSupPr>
+                      <m:e>
+                        <m:r>
+                          <a:rPr lang="es-MX" sz="1100" b="1" i="1" smtClean="0">
+                            <a:latin typeface="Cambria Math" panose="02040503050406030204" pitchFamily="18" charset="0"/>
+                            <a:cs typeface="Times New Roman" panose="02020603050405020304" pitchFamily="18" charset="0"/>
+                          </a:rPr>
+                          <m:t>𝟐</m:t>
+                        </m:r>
+                      </m:e>
+                      <m:sup>
+                        <m:r>
+                          <a:rPr lang="es-MX" sz="1100" b="1" i="1" smtClean="0">
+                            <a:latin typeface="Cambria Math" panose="02040503050406030204" pitchFamily="18" charset="0"/>
+                            <a:cs typeface="Times New Roman" panose="02020603050405020304" pitchFamily="18" charset="0"/>
+                          </a:rPr>
+                          <m:t>𝒊</m:t>
+                        </m:r>
+                      </m:sup>
+                    </m:sSup>
+                  </m:oMath>
+                </a14:m>
+                <a:r>
+                  <a:rPr lang="es-MX" sz="1100" b="1" dirty="0">
+                    <a:latin typeface="Times New Roman" panose="02020603050405020304" pitchFamily="18" charset="0"/>
+                    <a:cs typeface="Times New Roman" panose="02020603050405020304" pitchFamily="18" charset="0"/>
+                  </a:rPr>
+                  <a:t>. Un árbol perfecto de altura </a:t>
+                </a:r>
+                <a14:m>
+                  <m:oMath xmlns:m="http://schemas.openxmlformats.org/officeDocument/2006/math">
+                    <m:r>
+                      <a:rPr lang="es-MX" sz="1100" b="1" i="1" smtClean="0">
+                        <a:latin typeface="Cambria Math" panose="02040503050406030204" pitchFamily="18" charset="0"/>
+                        <a:cs typeface="Times New Roman" panose="02020603050405020304" pitchFamily="18" charset="0"/>
+                      </a:rPr>
+                      <m:t>𝒉</m:t>
+                    </m:r>
+                  </m:oMath>
+                </a14:m>
+                <a:r>
+                  <a:rPr lang="es-MX" sz="1100" b="1" dirty="0">
+                    <a:latin typeface="Times New Roman" panose="02020603050405020304" pitchFamily="18" charset="0"/>
+                    <a:cs typeface="Times New Roman" panose="02020603050405020304" pitchFamily="18" charset="0"/>
+                  </a:rPr>
+                  <a:t> tiene exactamente </a:t>
+                </a:r>
+                <a14:m>
+                  <m:oMath xmlns:m="http://schemas.openxmlformats.org/officeDocument/2006/math">
+                    <m:sSup>
+                      <m:sSupPr>
+                        <m:ctrlPr>
+                          <a:rPr lang="es-MX" sz="1100" b="1" i="1" smtClean="0">
+                            <a:latin typeface="Cambria Math" panose="02040503050406030204" pitchFamily="18" charset="0"/>
+                            <a:cs typeface="Times New Roman" panose="02020603050405020304" pitchFamily="18" charset="0"/>
+                          </a:rPr>
+                        </m:ctrlPr>
+                      </m:sSupPr>
+                      <m:e>
+                        <m:r>
+                          <a:rPr lang="es-MX" sz="1100" b="1" i="1" smtClean="0">
+                            <a:latin typeface="Cambria Math" panose="02040503050406030204" pitchFamily="18" charset="0"/>
+                            <a:cs typeface="Times New Roman" panose="02020603050405020304" pitchFamily="18" charset="0"/>
+                          </a:rPr>
+                          <m:t>𝟐</m:t>
+                        </m:r>
+                      </m:e>
+                      <m:sup>
+                        <m:r>
+                          <a:rPr lang="es-MX" sz="1100" b="1" i="1" smtClean="0">
+                            <a:latin typeface="Cambria Math" panose="02040503050406030204" pitchFamily="18" charset="0"/>
+                            <a:cs typeface="Times New Roman" panose="02020603050405020304" pitchFamily="18" charset="0"/>
+                          </a:rPr>
+                          <m:t>𝒏</m:t>
+                        </m:r>
+                        <m:r>
+                          <a:rPr lang="es-MX" sz="1100" b="1" i="1" smtClean="0">
+                            <a:latin typeface="Cambria Math" panose="02040503050406030204" pitchFamily="18" charset="0"/>
+                            <a:cs typeface="Times New Roman" panose="02020603050405020304" pitchFamily="18" charset="0"/>
+                          </a:rPr>
+                          <m:t>+</m:t>
+                        </m:r>
+                        <m:r>
+                          <a:rPr lang="es-MX" sz="1100" b="1" i="1" smtClean="0">
+                            <a:latin typeface="Cambria Math" panose="02040503050406030204" pitchFamily="18" charset="0"/>
+                            <a:cs typeface="Times New Roman" panose="02020603050405020304" pitchFamily="18" charset="0"/>
+                          </a:rPr>
+                          <m:t>𝟏</m:t>
+                        </m:r>
+                      </m:sup>
+                    </m:sSup>
+                    <m:r>
+                      <a:rPr lang="es-MX" sz="1100" b="1" i="1" smtClean="0">
+                        <a:latin typeface="Cambria Math" panose="02040503050406030204" pitchFamily="18" charset="0"/>
+                        <a:cs typeface="Times New Roman" panose="02020603050405020304" pitchFamily="18" charset="0"/>
+                      </a:rPr>
+                      <m:t>−</m:t>
+                    </m:r>
+                    <m:r>
+                      <a:rPr lang="es-MX" sz="1100" b="1" i="1" smtClean="0">
+                        <a:latin typeface="Cambria Math" panose="02040503050406030204" pitchFamily="18" charset="0"/>
+                        <a:cs typeface="Times New Roman" panose="02020603050405020304" pitchFamily="18" charset="0"/>
+                      </a:rPr>
+                      <m:t>𝟏</m:t>
+                    </m:r>
+                  </m:oMath>
+                </a14:m>
+                <a:r>
+                  <a:rPr lang="es-MX" sz="1100" b="1" dirty="0">
+                    <a:latin typeface="Times New Roman" panose="02020603050405020304" pitchFamily="18" charset="0"/>
+                    <a:cs typeface="Times New Roman" panose="02020603050405020304" pitchFamily="18" charset="0"/>
+                  </a:rPr>
+                  <a:t> nodos.</a:t>
+                </a:r>
+              </a:p>
+            </p:txBody>
+          </p:sp>
+        </mc:Choice>
+        <mc:Fallback>
+          <p:sp>
+            <p:nvSpPr>
+              <p:cNvPr id="28" name="CuadroTexto 27">
+                <a:extLst>
+                  <a:ext uri="{FF2B5EF4-FFF2-40B4-BE49-F238E27FC236}">
+                    <a16:creationId xmlns:a16="http://schemas.microsoft.com/office/drawing/2014/main" id="{3A032C1F-7B85-78E4-A9AF-65C3F17100C5}"/>
+                  </a:ext>
+                </a:extLst>
+              </p:cNvPr>
+              <p:cNvSpPr txBox="1">
+                <a:spLocks noRot="1" noChangeAspect="1" noMove="1" noResize="1" noEditPoints="1" noAdjustHandles="1" noChangeArrowheads="1" noChangeShapeType="1" noTextEdit="1"/>
+              </p:cNvSpPr>
+              <p:nvPr/>
+            </p:nvSpPr>
+            <p:spPr>
+              <a:xfrm>
+                <a:off x="202800" y="3336912"/>
+                <a:ext cx="7391074" cy="276101"/>
+              </a:xfrm>
+              <a:prstGeom prst="rect">
+                <a:avLst/>
+              </a:prstGeom>
+              <a:blipFill>
+                <a:blip r:embed="rId3"/>
+                <a:stretch>
+                  <a:fillRect b="-10870"/>
+                </a:stretch>
+              </a:blipFill>
+            </p:spPr>
+            <p:txBody>
+              <a:bodyPr/>
+              <a:lstStyle/>
+              <a:p>
+                <a:r>
+                  <a:rPr lang="es-MX">
+                    <a:noFill/>
+                  </a:rPr>
+                  <a:t> </a:t>
+                </a:r>
+              </a:p>
+            </p:txBody>
+          </p:sp>
+        </mc:Fallback>
+      </mc:AlternateContent>
+      <mc:AlternateContent xmlns:mc="http://schemas.openxmlformats.org/markup-compatibility/2006">
+        <mc:Choice xmlns:a14="http://schemas.microsoft.com/office/drawing/2010/main" Requires="a14">
+          <p:sp>
+            <p:nvSpPr>
+              <p:cNvPr id="30" name="CuadroTexto 29">
+                <a:extLst>
+                  <a:ext uri="{FF2B5EF4-FFF2-40B4-BE49-F238E27FC236}">
+                    <a16:creationId xmlns:a16="http://schemas.microsoft.com/office/drawing/2014/main" id="{4CF434A1-A884-6DE3-C189-C59415E69129}"/>
+                  </a:ext>
+                </a:extLst>
+              </p:cNvPr>
+              <p:cNvSpPr txBox="1"/>
+              <p:nvPr/>
+            </p:nvSpPr>
+            <p:spPr>
+              <a:xfrm>
+                <a:off x="202800" y="3794075"/>
+                <a:ext cx="7391074" cy="1914627"/>
+              </a:xfrm>
+              <a:prstGeom prst="rect">
+                <a:avLst/>
+              </a:prstGeom>
+              <a:noFill/>
+            </p:spPr>
+            <p:txBody>
+              <a:bodyPr wrap="square" rtlCol="0">
+                <a:spAutoFit/>
+              </a:bodyPr>
+              <a:lstStyle/>
+              <a:p>
+                <a:pPr algn="ctr">
+                  <a:lnSpc>
+                    <a:spcPct val="150000"/>
+                  </a:lnSpc>
+                </a:pPr>
+                <a:r>
+                  <a:rPr lang="es-MX" sz="1200" b="1" dirty="0">
+                    <a:latin typeface="Times New Roman" panose="02020603050405020304" pitchFamily="18" charset="0"/>
+                    <a:cs typeface="Times New Roman" panose="02020603050405020304" pitchFamily="18" charset="0"/>
+                  </a:rPr>
+                  <a:t>¿Cuál es la altura de un árbol binario perfecto que tiene N nodos?</a:t>
+                </a:r>
+              </a:p>
+              <a:p>
+                <a:pPr>
+                  <a:lnSpc>
+                    <a:spcPct val="150000"/>
+                  </a:lnSpc>
+                </a:pPr>
+                <a14:m>
+                  <m:oMathPara xmlns:m="http://schemas.openxmlformats.org/officeDocument/2006/math">
+                    <m:oMathParaPr>
+                      <m:jc m:val="centerGroup"/>
+                    </m:oMathParaPr>
+                    <m:oMath xmlns:m="http://schemas.openxmlformats.org/officeDocument/2006/math">
+                      <m:sSup>
+                        <m:sSupPr>
+                          <m:ctrlPr>
+                            <a:rPr lang="es-MX" sz="1200" i="1" smtClean="0">
+                              <a:latin typeface="Cambria Math" panose="02040503050406030204" pitchFamily="18" charset="0"/>
+                              <a:cs typeface="Times New Roman" panose="02020603050405020304" pitchFamily="18" charset="0"/>
+                            </a:rPr>
+                          </m:ctrlPr>
+                        </m:sSupPr>
+                        <m:e>
+                          <m:r>
+                            <a:rPr lang="es-MX" sz="1200" b="0" i="1" smtClean="0">
+                              <a:latin typeface="Cambria Math" panose="02040503050406030204" pitchFamily="18" charset="0"/>
+                              <a:cs typeface="Times New Roman" panose="02020603050405020304" pitchFamily="18" charset="0"/>
+                            </a:rPr>
+                            <m:t>2</m:t>
+                          </m:r>
+                        </m:e>
+                        <m:sup>
+                          <m:r>
+                            <a:rPr lang="es-MX" sz="1200" b="0" i="1" smtClean="0">
+                              <a:latin typeface="Cambria Math" panose="02040503050406030204" pitchFamily="18" charset="0"/>
+                              <a:cs typeface="Times New Roman" panose="02020603050405020304" pitchFamily="18" charset="0"/>
+                            </a:rPr>
+                            <m:t>𝑛</m:t>
+                          </m:r>
+                          <m:r>
+                            <a:rPr lang="es-MX" sz="1200" b="0" i="1" smtClean="0">
+                              <a:latin typeface="Cambria Math" panose="02040503050406030204" pitchFamily="18" charset="0"/>
+                              <a:cs typeface="Times New Roman" panose="02020603050405020304" pitchFamily="18" charset="0"/>
+                            </a:rPr>
+                            <m:t>+1</m:t>
+                          </m:r>
+                        </m:sup>
+                      </m:sSup>
+                      <m:r>
+                        <a:rPr lang="es-MX" sz="1200" b="0" i="1" smtClean="0">
+                          <a:latin typeface="Cambria Math" panose="02040503050406030204" pitchFamily="18" charset="0"/>
+                          <a:cs typeface="Times New Roman" panose="02020603050405020304" pitchFamily="18" charset="0"/>
+                        </a:rPr>
+                        <m:t>−1=</m:t>
+                      </m:r>
+                      <m:r>
+                        <a:rPr lang="es-MX" sz="1200" b="0" i="1" smtClean="0">
+                          <a:latin typeface="Cambria Math" panose="02040503050406030204" pitchFamily="18" charset="0"/>
+                          <a:cs typeface="Times New Roman" panose="02020603050405020304" pitchFamily="18" charset="0"/>
+                        </a:rPr>
+                        <m:t>𝑁</m:t>
+                      </m:r>
+                      <m:groupChr>
+                        <m:groupChrPr>
+                          <m:chr m:val="⇒"/>
+                          <m:vertJc m:val="bot"/>
+                          <m:ctrlPr>
+                            <a:rPr lang="es-MX" sz="1200" b="0" i="1" smtClean="0">
+                              <a:latin typeface="Cambria Math" panose="02040503050406030204" pitchFamily="18" charset="0"/>
+                              <a:cs typeface="Times New Roman" panose="02020603050405020304" pitchFamily="18" charset="0"/>
+                            </a:rPr>
+                          </m:ctrlPr>
+                        </m:groupChrPr>
+                        <m:e/>
+                      </m:groupChr>
+                      <m:sSup>
+                        <m:sSupPr>
+                          <m:ctrlPr>
+                            <a:rPr lang="es-MX" sz="1200" b="0" i="1" smtClean="0">
+                              <a:latin typeface="Cambria Math" panose="02040503050406030204" pitchFamily="18" charset="0"/>
+                              <a:cs typeface="Times New Roman" panose="02020603050405020304" pitchFamily="18" charset="0"/>
+                            </a:rPr>
+                          </m:ctrlPr>
+                        </m:sSupPr>
+                        <m:e>
+                          <m:r>
+                            <a:rPr lang="es-MX" sz="1200" b="0" i="1" smtClean="0">
+                              <a:latin typeface="Cambria Math" panose="02040503050406030204" pitchFamily="18" charset="0"/>
+                              <a:cs typeface="Times New Roman" panose="02020603050405020304" pitchFamily="18" charset="0"/>
+                            </a:rPr>
+                            <m:t>2</m:t>
+                          </m:r>
+                        </m:e>
+                        <m:sup>
+                          <m:r>
+                            <a:rPr lang="es-MX" sz="1200" b="0" i="1" smtClean="0">
+                              <a:latin typeface="Cambria Math" panose="02040503050406030204" pitchFamily="18" charset="0"/>
+                              <a:cs typeface="Times New Roman" panose="02020603050405020304" pitchFamily="18" charset="0"/>
+                            </a:rPr>
+                            <m:t>𝑛</m:t>
+                          </m:r>
+                          <m:r>
+                            <a:rPr lang="es-MX" sz="1200" b="0" i="1" smtClean="0">
+                              <a:latin typeface="Cambria Math" panose="02040503050406030204" pitchFamily="18" charset="0"/>
+                              <a:cs typeface="Times New Roman" panose="02020603050405020304" pitchFamily="18" charset="0"/>
+                            </a:rPr>
+                            <m:t>+1</m:t>
+                          </m:r>
+                        </m:sup>
+                      </m:sSup>
+                      <m:r>
+                        <a:rPr lang="es-MX" sz="1200" b="0" i="1" smtClean="0">
+                          <a:latin typeface="Cambria Math" panose="02040503050406030204" pitchFamily="18" charset="0"/>
+                          <a:cs typeface="Times New Roman" panose="02020603050405020304" pitchFamily="18" charset="0"/>
+                        </a:rPr>
+                        <m:t>=</m:t>
+                      </m:r>
+                      <m:r>
+                        <a:rPr lang="es-MX" sz="1200" b="0" i="1" smtClean="0">
+                          <a:latin typeface="Cambria Math" panose="02040503050406030204" pitchFamily="18" charset="0"/>
+                          <a:cs typeface="Times New Roman" panose="02020603050405020304" pitchFamily="18" charset="0"/>
+                        </a:rPr>
+                        <m:t>𝑁</m:t>
+                      </m:r>
+                      <m:r>
+                        <a:rPr lang="es-MX" sz="1200" b="0" i="1" smtClean="0">
+                          <a:latin typeface="Cambria Math" panose="02040503050406030204" pitchFamily="18" charset="0"/>
+                          <a:cs typeface="Times New Roman" panose="02020603050405020304" pitchFamily="18" charset="0"/>
+                        </a:rPr>
+                        <m:t>+1</m:t>
+                      </m:r>
+                    </m:oMath>
+                  </m:oMathPara>
+                </a14:m>
+                <a:endParaRPr lang="es-MX" sz="1200" dirty="0">
+                  <a:latin typeface="Times New Roman" panose="02020603050405020304" pitchFamily="18" charset="0"/>
+                  <a:cs typeface="Times New Roman" panose="02020603050405020304" pitchFamily="18" charset="0"/>
+                </a:endParaRPr>
+              </a:p>
+              <a:p>
+                <a:pPr>
+                  <a:lnSpc>
+                    <a:spcPct val="150000"/>
+                  </a:lnSpc>
+                </a:pPr>
+                <a14:m>
+                  <m:oMathPara xmlns:m="http://schemas.openxmlformats.org/officeDocument/2006/math">
+                    <m:oMathParaPr>
+                      <m:jc m:val="centerGroup"/>
+                    </m:oMathParaPr>
+                    <m:oMath xmlns:m="http://schemas.openxmlformats.org/officeDocument/2006/math">
+                      <m:func>
+                        <m:funcPr>
+                          <m:ctrlPr>
+                            <a:rPr lang="es-MX" sz="1200" i="1" smtClean="0">
+                              <a:solidFill>
+                                <a:srgbClr val="FF0000"/>
+                              </a:solidFill>
+                              <a:latin typeface="Cambria Math" panose="02040503050406030204" pitchFamily="18" charset="0"/>
+                              <a:cs typeface="Times New Roman" panose="02020603050405020304" pitchFamily="18" charset="0"/>
+                            </a:rPr>
+                          </m:ctrlPr>
+                        </m:funcPr>
+                        <m:fName>
+                          <m:r>
+                            <m:rPr>
+                              <m:sty m:val="p"/>
+                            </m:rPr>
+                            <a:rPr lang="es-MX" sz="1200" i="0" smtClean="0">
+                              <a:solidFill>
+                                <a:srgbClr val="FF0000"/>
+                              </a:solidFill>
+                              <a:latin typeface="Cambria Math" panose="02040503050406030204" pitchFamily="18" charset="0"/>
+                              <a:cs typeface="Times New Roman" panose="02020603050405020304" pitchFamily="18" charset="0"/>
+                            </a:rPr>
+                            <m:t>log</m:t>
+                          </m:r>
+                        </m:fName>
+                        <m:e>
+                          <m:sSup>
+                            <m:sSupPr>
+                              <m:ctrlPr>
+                                <a:rPr lang="es-MX" sz="1200" i="1" smtClean="0">
+                                  <a:solidFill>
+                                    <a:srgbClr val="FF0000"/>
+                                  </a:solidFill>
+                                  <a:latin typeface="Cambria Math" panose="02040503050406030204" pitchFamily="18" charset="0"/>
+                                  <a:cs typeface="Times New Roman" panose="02020603050405020304" pitchFamily="18" charset="0"/>
+                                </a:rPr>
+                              </m:ctrlPr>
+                            </m:sSupPr>
+                            <m:e>
+                              <m:r>
+                                <a:rPr lang="es-MX" sz="1200" b="0" i="1" smtClean="0">
+                                  <a:solidFill>
+                                    <a:srgbClr val="FF0000"/>
+                                  </a:solidFill>
+                                  <a:latin typeface="Cambria Math" panose="02040503050406030204" pitchFamily="18" charset="0"/>
+                                  <a:cs typeface="Times New Roman" panose="02020603050405020304" pitchFamily="18" charset="0"/>
+                                </a:rPr>
+                                <m:t>𝑎</m:t>
+                              </m:r>
+                            </m:e>
+                            <m:sup>
+                              <m:r>
+                                <a:rPr lang="es-MX" sz="1200" b="0" i="1" smtClean="0">
+                                  <a:solidFill>
+                                    <a:srgbClr val="FF0000"/>
+                                  </a:solidFill>
+                                  <a:latin typeface="Cambria Math" panose="02040503050406030204" pitchFamily="18" charset="0"/>
+                                  <a:cs typeface="Times New Roman" panose="02020603050405020304" pitchFamily="18" charset="0"/>
+                                </a:rPr>
+                                <m:t>𝑏</m:t>
+                              </m:r>
+                            </m:sup>
+                          </m:sSup>
+                        </m:e>
+                      </m:func>
+                      <m:r>
+                        <a:rPr lang="es-MX" sz="1200" b="0" i="1" smtClean="0">
+                          <a:solidFill>
+                            <a:srgbClr val="FF0000"/>
+                          </a:solidFill>
+                          <a:latin typeface="Cambria Math" panose="02040503050406030204" pitchFamily="18" charset="0"/>
+                          <a:cs typeface="Times New Roman" panose="02020603050405020304" pitchFamily="18" charset="0"/>
+                        </a:rPr>
+                        <m:t>=</m:t>
+                      </m:r>
+                      <m:r>
+                        <a:rPr lang="es-MX" sz="1200" b="0" i="1" smtClean="0">
+                          <a:solidFill>
+                            <a:srgbClr val="FF0000"/>
+                          </a:solidFill>
+                          <a:latin typeface="Cambria Math" panose="02040503050406030204" pitchFamily="18" charset="0"/>
+                          <a:cs typeface="Times New Roman" panose="02020603050405020304" pitchFamily="18" charset="0"/>
+                        </a:rPr>
+                        <m:t>𝑏</m:t>
+                      </m:r>
+                      <m:func>
+                        <m:funcPr>
+                          <m:ctrlPr>
+                            <a:rPr lang="es-MX" sz="1200" b="0" i="1" smtClean="0">
+                              <a:solidFill>
+                                <a:srgbClr val="FF0000"/>
+                              </a:solidFill>
+                              <a:latin typeface="Cambria Math" panose="02040503050406030204" pitchFamily="18" charset="0"/>
+                              <a:cs typeface="Times New Roman" panose="02020603050405020304" pitchFamily="18" charset="0"/>
+                            </a:rPr>
+                          </m:ctrlPr>
+                        </m:funcPr>
+                        <m:fName>
+                          <m:r>
+                            <m:rPr>
+                              <m:sty m:val="p"/>
+                            </m:rPr>
+                            <a:rPr lang="es-MX" sz="1200" b="0" i="0" smtClean="0">
+                              <a:solidFill>
+                                <a:srgbClr val="FF0000"/>
+                              </a:solidFill>
+                              <a:latin typeface="Cambria Math" panose="02040503050406030204" pitchFamily="18" charset="0"/>
+                              <a:cs typeface="Times New Roman" panose="02020603050405020304" pitchFamily="18" charset="0"/>
+                            </a:rPr>
+                            <m:t>log</m:t>
+                          </m:r>
+                        </m:fName>
+                        <m:e>
+                          <m:r>
+                            <a:rPr lang="es-MX" sz="1200" b="0" i="1" smtClean="0">
+                              <a:solidFill>
+                                <a:srgbClr val="FF0000"/>
+                              </a:solidFill>
+                              <a:latin typeface="Cambria Math" panose="02040503050406030204" pitchFamily="18" charset="0"/>
+                              <a:cs typeface="Times New Roman" panose="02020603050405020304" pitchFamily="18" charset="0"/>
+                            </a:rPr>
+                            <m:t>𝑎</m:t>
+                          </m:r>
+                        </m:e>
+                      </m:func>
+                      <m:r>
+                        <a:rPr lang="es-MX" sz="1200" b="0" i="1" smtClean="0">
+                          <a:solidFill>
+                            <a:srgbClr val="FF0000"/>
+                          </a:solidFill>
+                          <a:latin typeface="Cambria Math" panose="02040503050406030204" pitchFamily="18" charset="0"/>
+                          <a:cs typeface="Times New Roman" panose="02020603050405020304" pitchFamily="18" charset="0"/>
+                        </a:rPr>
+                        <m:t>                    </m:t>
+                      </m:r>
+                      <m:func>
+                        <m:funcPr>
+                          <m:ctrlPr>
+                            <a:rPr lang="es-MX" sz="1200" b="0" i="1" smtClean="0">
+                              <a:solidFill>
+                                <a:srgbClr val="FF0000"/>
+                              </a:solidFill>
+                              <a:latin typeface="Cambria Math" panose="02040503050406030204" pitchFamily="18" charset="0"/>
+                              <a:cs typeface="Times New Roman" panose="02020603050405020304" pitchFamily="18" charset="0"/>
+                            </a:rPr>
+                          </m:ctrlPr>
+                        </m:funcPr>
+                        <m:fName>
+                          <m:sSub>
+                            <m:sSubPr>
+                              <m:ctrlPr>
+                                <a:rPr lang="es-MX" sz="1200" b="0" i="1" smtClean="0">
+                                  <a:solidFill>
+                                    <a:srgbClr val="FF0000"/>
+                                  </a:solidFill>
+                                  <a:latin typeface="Cambria Math" panose="02040503050406030204" pitchFamily="18" charset="0"/>
+                                  <a:cs typeface="Times New Roman" panose="02020603050405020304" pitchFamily="18" charset="0"/>
+                                </a:rPr>
+                              </m:ctrlPr>
+                            </m:sSubPr>
+                            <m:e>
+                              <m:r>
+                                <m:rPr>
+                                  <m:sty m:val="p"/>
+                                </m:rPr>
+                                <a:rPr lang="es-MX" sz="1200" b="0" i="0" smtClean="0">
+                                  <a:solidFill>
+                                    <a:srgbClr val="FF0000"/>
+                                  </a:solidFill>
+                                  <a:latin typeface="Cambria Math" panose="02040503050406030204" pitchFamily="18" charset="0"/>
+                                  <a:cs typeface="Times New Roman" panose="02020603050405020304" pitchFamily="18" charset="0"/>
+                                </a:rPr>
+                                <m:t>log</m:t>
+                              </m:r>
+                            </m:e>
+                            <m:sub>
+                              <m:r>
+                                <a:rPr lang="es-MX" sz="1200" b="0" i="1" smtClean="0">
+                                  <a:solidFill>
+                                    <a:srgbClr val="FF0000"/>
+                                  </a:solidFill>
+                                  <a:latin typeface="Cambria Math" panose="02040503050406030204" pitchFamily="18" charset="0"/>
+                                  <a:cs typeface="Times New Roman" panose="02020603050405020304" pitchFamily="18" charset="0"/>
+                                </a:rPr>
+                                <m:t>𝑥</m:t>
+                              </m:r>
+                            </m:sub>
+                          </m:sSub>
+                        </m:fName>
+                        <m:e>
+                          <m:r>
+                            <a:rPr lang="es-MX" sz="1200" b="0" i="1" smtClean="0">
+                              <a:solidFill>
+                                <a:srgbClr val="FF0000"/>
+                              </a:solidFill>
+                              <a:latin typeface="Cambria Math" panose="02040503050406030204" pitchFamily="18" charset="0"/>
+                              <a:cs typeface="Times New Roman" panose="02020603050405020304" pitchFamily="18" charset="0"/>
+                            </a:rPr>
+                            <m:t>𝑥</m:t>
+                          </m:r>
+                        </m:e>
+                      </m:func>
+                      <m:r>
+                        <a:rPr lang="es-MX" sz="1200" b="0" i="1" smtClean="0">
+                          <a:solidFill>
+                            <a:srgbClr val="FF0000"/>
+                          </a:solidFill>
+                          <a:latin typeface="Cambria Math" panose="02040503050406030204" pitchFamily="18" charset="0"/>
+                          <a:cs typeface="Times New Roman" panose="02020603050405020304" pitchFamily="18" charset="0"/>
+                        </a:rPr>
+                        <m:t>=1</m:t>
+                      </m:r>
+                    </m:oMath>
+                  </m:oMathPara>
+                </a14:m>
+                <a:endParaRPr lang="es-MX" sz="1200" dirty="0">
+                  <a:solidFill>
+                    <a:srgbClr val="FF0000"/>
+                  </a:solidFill>
+                  <a:latin typeface="Times New Roman" panose="02020603050405020304" pitchFamily="18" charset="0"/>
+                  <a:cs typeface="Times New Roman" panose="02020603050405020304" pitchFamily="18" charset="0"/>
+                </a:endParaRPr>
+              </a:p>
+              <a:p>
+                <a:pPr>
+                  <a:lnSpc>
+                    <a:spcPct val="150000"/>
+                  </a:lnSpc>
+                </a:pPr>
+                <a14:m>
+                  <m:oMathPara xmlns:m="http://schemas.openxmlformats.org/officeDocument/2006/math">
+                    <m:oMathParaPr>
+                      <m:jc m:val="centerGroup"/>
+                    </m:oMathParaPr>
+                    <m:oMath xmlns:m="http://schemas.openxmlformats.org/officeDocument/2006/math">
+                      <m:func>
+                        <m:funcPr>
+                          <m:ctrlPr>
+                            <a:rPr lang="es-MX" sz="1200" i="1" smtClean="0">
+                              <a:latin typeface="Cambria Math" panose="02040503050406030204" pitchFamily="18" charset="0"/>
+                              <a:cs typeface="Times New Roman" panose="02020603050405020304" pitchFamily="18" charset="0"/>
+                            </a:rPr>
+                          </m:ctrlPr>
+                        </m:funcPr>
+                        <m:fName>
+                          <m:sSub>
+                            <m:sSubPr>
+                              <m:ctrlPr>
+                                <a:rPr lang="es-MX" sz="1200" i="1" smtClean="0">
+                                  <a:latin typeface="Cambria Math" panose="02040503050406030204" pitchFamily="18" charset="0"/>
+                                  <a:cs typeface="Times New Roman" panose="02020603050405020304" pitchFamily="18" charset="0"/>
+                                </a:rPr>
+                              </m:ctrlPr>
+                            </m:sSubPr>
+                            <m:e>
+                              <m:r>
+                                <m:rPr>
+                                  <m:sty m:val="p"/>
+                                </m:rPr>
+                                <a:rPr lang="es-MX" sz="1200" i="0" smtClean="0">
+                                  <a:latin typeface="Cambria Math" panose="02040503050406030204" pitchFamily="18" charset="0"/>
+                                  <a:cs typeface="Times New Roman" panose="02020603050405020304" pitchFamily="18" charset="0"/>
+                                </a:rPr>
+                                <m:t>log</m:t>
+                              </m:r>
+                            </m:e>
+                            <m:sub>
+                              <m:r>
+                                <a:rPr lang="es-MX" sz="1200" b="0" i="1" smtClean="0">
+                                  <a:latin typeface="Cambria Math" panose="02040503050406030204" pitchFamily="18" charset="0"/>
+                                  <a:cs typeface="Times New Roman" panose="02020603050405020304" pitchFamily="18" charset="0"/>
+                                </a:rPr>
+                                <m:t>2</m:t>
+                              </m:r>
+                            </m:sub>
+                          </m:sSub>
+                        </m:fName>
+                        <m:e>
+                          <m:d>
+                            <m:dPr>
+                              <m:ctrlPr>
+                                <a:rPr lang="es-MX" sz="1200" i="1" smtClean="0">
+                                  <a:latin typeface="Cambria Math" panose="02040503050406030204" pitchFamily="18" charset="0"/>
+                                  <a:cs typeface="Times New Roman" panose="02020603050405020304" pitchFamily="18" charset="0"/>
+                                </a:rPr>
+                              </m:ctrlPr>
+                            </m:dPr>
+                            <m:e>
+                              <m:sSup>
+                                <m:sSupPr>
+                                  <m:ctrlPr>
+                                    <a:rPr lang="es-MX" sz="1200" i="1" smtClean="0">
+                                      <a:latin typeface="Cambria Math" panose="02040503050406030204" pitchFamily="18" charset="0"/>
+                                      <a:cs typeface="Times New Roman" panose="02020603050405020304" pitchFamily="18" charset="0"/>
+                                    </a:rPr>
+                                  </m:ctrlPr>
+                                </m:sSupPr>
+                                <m:e>
+                                  <m:r>
+                                    <a:rPr lang="es-MX" sz="1200" b="0" i="1" smtClean="0">
+                                      <a:latin typeface="Cambria Math" panose="02040503050406030204" pitchFamily="18" charset="0"/>
+                                      <a:cs typeface="Times New Roman" panose="02020603050405020304" pitchFamily="18" charset="0"/>
+                                    </a:rPr>
+                                    <m:t>2</m:t>
+                                  </m:r>
+                                </m:e>
+                                <m:sup>
+                                  <m:r>
+                                    <a:rPr lang="es-MX" sz="1200" b="0" i="1" smtClean="0">
+                                      <a:latin typeface="Cambria Math" panose="02040503050406030204" pitchFamily="18" charset="0"/>
+                                      <a:cs typeface="Times New Roman" panose="02020603050405020304" pitchFamily="18" charset="0"/>
+                                    </a:rPr>
+                                    <m:t>h</m:t>
+                                  </m:r>
+                                  <m:r>
+                                    <a:rPr lang="es-MX" sz="1200" b="0" i="1" smtClean="0">
+                                      <a:latin typeface="Cambria Math" panose="02040503050406030204" pitchFamily="18" charset="0"/>
+                                      <a:cs typeface="Times New Roman" panose="02020603050405020304" pitchFamily="18" charset="0"/>
+                                    </a:rPr>
+                                    <m:t>+1</m:t>
+                                  </m:r>
+                                </m:sup>
+                              </m:sSup>
+                            </m:e>
+                          </m:d>
+                        </m:e>
+                      </m:func>
+                      <m:r>
+                        <a:rPr lang="es-MX" sz="1200" b="0" i="1" smtClean="0">
+                          <a:latin typeface="Cambria Math" panose="02040503050406030204" pitchFamily="18" charset="0"/>
+                          <a:cs typeface="Times New Roman" panose="02020603050405020304" pitchFamily="18" charset="0"/>
+                        </a:rPr>
+                        <m:t>=</m:t>
+                      </m:r>
+                      <m:func>
+                        <m:funcPr>
+                          <m:ctrlPr>
+                            <a:rPr lang="es-MX" sz="1200" b="0" i="1" smtClean="0">
+                              <a:latin typeface="Cambria Math" panose="02040503050406030204" pitchFamily="18" charset="0"/>
+                              <a:cs typeface="Times New Roman" panose="02020603050405020304" pitchFamily="18" charset="0"/>
+                            </a:rPr>
+                          </m:ctrlPr>
+                        </m:funcPr>
+                        <m:fName>
+                          <m:sSub>
+                            <m:sSubPr>
+                              <m:ctrlPr>
+                                <a:rPr lang="es-MX" sz="1200" b="0" i="1" smtClean="0">
+                                  <a:latin typeface="Cambria Math" panose="02040503050406030204" pitchFamily="18" charset="0"/>
+                                  <a:cs typeface="Times New Roman" panose="02020603050405020304" pitchFamily="18" charset="0"/>
+                                </a:rPr>
+                              </m:ctrlPr>
+                            </m:sSubPr>
+                            <m:e>
+                              <m:r>
+                                <m:rPr>
+                                  <m:sty m:val="p"/>
+                                </m:rPr>
+                                <a:rPr lang="es-MX" sz="1200" b="0" i="0" smtClean="0">
+                                  <a:latin typeface="Cambria Math" panose="02040503050406030204" pitchFamily="18" charset="0"/>
+                                  <a:cs typeface="Times New Roman" panose="02020603050405020304" pitchFamily="18" charset="0"/>
+                                </a:rPr>
+                                <m:t>log</m:t>
+                              </m:r>
+                            </m:e>
+                            <m:sub>
+                              <m:r>
+                                <a:rPr lang="es-MX" sz="1200" b="0" i="1" smtClean="0">
+                                  <a:latin typeface="Cambria Math" panose="02040503050406030204" pitchFamily="18" charset="0"/>
+                                  <a:cs typeface="Times New Roman" panose="02020603050405020304" pitchFamily="18" charset="0"/>
+                                </a:rPr>
+                                <m:t>2</m:t>
+                              </m:r>
+                            </m:sub>
+                          </m:sSub>
+                        </m:fName>
+                        <m:e>
+                          <m:d>
+                            <m:dPr>
+                              <m:ctrlPr>
+                                <a:rPr lang="es-MX" sz="1200" b="0" i="1" smtClean="0">
+                                  <a:latin typeface="Cambria Math" panose="02040503050406030204" pitchFamily="18" charset="0"/>
+                                  <a:cs typeface="Times New Roman" panose="02020603050405020304" pitchFamily="18" charset="0"/>
+                                </a:rPr>
+                              </m:ctrlPr>
+                            </m:dPr>
+                            <m:e>
+                              <m:r>
+                                <a:rPr lang="es-MX" sz="1200" b="0" i="1" smtClean="0">
+                                  <a:latin typeface="Cambria Math" panose="02040503050406030204" pitchFamily="18" charset="0"/>
+                                  <a:cs typeface="Times New Roman" panose="02020603050405020304" pitchFamily="18" charset="0"/>
+                                </a:rPr>
+                                <m:t>𝑁</m:t>
+                              </m:r>
+                              <m:r>
+                                <a:rPr lang="es-MX" sz="1200" b="0" i="1" smtClean="0">
+                                  <a:latin typeface="Cambria Math" panose="02040503050406030204" pitchFamily="18" charset="0"/>
+                                  <a:cs typeface="Times New Roman" panose="02020603050405020304" pitchFamily="18" charset="0"/>
+                                </a:rPr>
+                                <m:t>+1</m:t>
+                              </m:r>
+                            </m:e>
+                          </m:d>
+                        </m:e>
+                      </m:func>
+                    </m:oMath>
+                  </m:oMathPara>
+                </a14:m>
+                <a:endParaRPr lang="es-MX" sz="1200" dirty="0">
+                  <a:latin typeface="Times New Roman" panose="02020603050405020304" pitchFamily="18" charset="0"/>
+                  <a:cs typeface="Times New Roman" panose="02020603050405020304" pitchFamily="18" charset="0"/>
+                </a:endParaRPr>
+              </a:p>
+              <a:p>
+                <a:pPr>
+                  <a:lnSpc>
+                    <a:spcPct val="150000"/>
+                  </a:lnSpc>
+                </a:pPr>
+                <a14:m>
+                  <m:oMathPara xmlns:m="http://schemas.openxmlformats.org/officeDocument/2006/math">
+                    <m:oMathParaPr>
+                      <m:jc m:val="centerGroup"/>
+                    </m:oMathParaPr>
+                    <m:oMath xmlns:m="http://schemas.openxmlformats.org/officeDocument/2006/math">
+                      <m:d>
+                        <m:dPr>
+                          <m:ctrlPr>
+                            <a:rPr lang="es-MX" sz="1200" i="1" smtClean="0">
+                              <a:latin typeface="Cambria Math" panose="02040503050406030204" pitchFamily="18" charset="0"/>
+                              <a:cs typeface="Times New Roman" panose="02020603050405020304" pitchFamily="18" charset="0"/>
+                            </a:rPr>
+                          </m:ctrlPr>
+                        </m:dPr>
+                        <m:e>
+                          <m:r>
+                            <a:rPr lang="es-MX" sz="1200" b="0" i="1" smtClean="0">
+                              <a:latin typeface="Cambria Math" panose="02040503050406030204" pitchFamily="18" charset="0"/>
+                              <a:cs typeface="Times New Roman" panose="02020603050405020304" pitchFamily="18" charset="0"/>
+                            </a:rPr>
+                            <m:t>h</m:t>
+                          </m:r>
+                          <m:r>
+                            <a:rPr lang="es-MX" sz="1200" b="0" i="1" smtClean="0">
+                              <a:latin typeface="Cambria Math" panose="02040503050406030204" pitchFamily="18" charset="0"/>
+                              <a:cs typeface="Times New Roman" panose="02020603050405020304" pitchFamily="18" charset="0"/>
+                            </a:rPr>
+                            <m:t>+1</m:t>
+                          </m:r>
+                        </m:e>
+                      </m:d>
+                      <m:func>
+                        <m:funcPr>
+                          <m:ctrlPr>
+                            <a:rPr lang="es-MX" sz="1200" i="1" smtClean="0">
+                              <a:latin typeface="Cambria Math" panose="02040503050406030204" pitchFamily="18" charset="0"/>
+                              <a:cs typeface="Times New Roman" panose="02020603050405020304" pitchFamily="18" charset="0"/>
+                            </a:rPr>
+                          </m:ctrlPr>
+                        </m:funcPr>
+                        <m:fName>
+                          <m:sSub>
+                            <m:sSubPr>
+                              <m:ctrlPr>
+                                <a:rPr lang="es-MX" sz="1200" i="1" smtClean="0">
+                                  <a:latin typeface="Cambria Math" panose="02040503050406030204" pitchFamily="18" charset="0"/>
+                                  <a:cs typeface="Times New Roman" panose="02020603050405020304" pitchFamily="18" charset="0"/>
+                                </a:rPr>
+                              </m:ctrlPr>
+                            </m:sSubPr>
+                            <m:e>
+                              <m:r>
+                                <m:rPr>
+                                  <m:sty m:val="p"/>
+                                </m:rPr>
+                                <a:rPr lang="es-MX" sz="1200" i="0" smtClean="0">
+                                  <a:latin typeface="Cambria Math" panose="02040503050406030204" pitchFamily="18" charset="0"/>
+                                  <a:cs typeface="Times New Roman" panose="02020603050405020304" pitchFamily="18" charset="0"/>
+                                </a:rPr>
+                                <m:t>log</m:t>
+                              </m:r>
+                            </m:e>
+                            <m:sub>
+                              <m:r>
+                                <a:rPr lang="es-MX" sz="1200" b="0" i="1" smtClean="0">
+                                  <a:latin typeface="Cambria Math" panose="02040503050406030204" pitchFamily="18" charset="0"/>
+                                  <a:cs typeface="Times New Roman" panose="02020603050405020304" pitchFamily="18" charset="0"/>
+                                </a:rPr>
+                                <m:t>2</m:t>
+                              </m:r>
+                            </m:sub>
+                          </m:sSub>
+                        </m:fName>
+                        <m:e>
+                          <m:r>
+                            <a:rPr lang="es-MX" sz="1200" b="0" i="1" smtClean="0">
+                              <a:latin typeface="Cambria Math" panose="02040503050406030204" pitchFamily="18" charset="0"/>
+                              <a:cs typeface="Times New Roman" panose="02020603050405020304" pitchFamily="18" charset="0"/>
+                            </a:rPr>
+                            <m:t>2</m:t>
+                          </m:r>
+                        </m:e>
+                      </m:func>
+                      <m:r>
+                        <a:rPr lang="es-MX" sz="1200" b="0" i="1" smtClean="0">
+                          <a:latin typeface="Cambria Math" panose="02040503050406030204" pitchFamily="18" charset="0"/>
+                          <a:cs typeface="Times New Roman" panose="02020603050405020304" pitchFamily="18" charset="0"/>
+                        </a:rPr>
+                        <m:t>=</m:t>
+                      </m:r>
+                      <m:func>
+                        <m:funcPr>
+                          <m:ctrlPr>
+                            <a:rPr lang="es-MX" sz="1200" b="0" i="1" smtClean="0">
+                              <a:latin typeface="Cambria Math" panose="02040503050406030204" pitchFamily="18" charset="0"/>
+                              <a:cs typeface="Times New Roman" panose="02020603050405020304" pitchFamily="18" charset="0"/>
+                            </a:rPr>
+                          </m:ctrlPr>
+                        </m:funcPr>
+                        <m:fName>
+                          <m:sSub>
+                            <m:sSubPr>
+                              <m:ctrlPr>
+                                <a:rPr lang="es-MX" sz="1200" b="0" i="1" smtClean="0">
+                                  <a:latin typeface="Cambria Math" panose="02040503050406030204" pitchFamily="18" charset="0"/>
+                                  <a:cs typeface="Times New Roman" panose="02020603050405020304" pitchFamily="18" charset="0"/>
+                                </a:rPr>
+                              </m:ctrlPr>
+                            </m:sSubPr>
+                            <m:e>
+                              <m:r>
+                                <m:rPr>
+                                  <m:sty m:val="p"/>
+                                </m:rPr>
+                                <a:rPr lang="es-MX" sz="1200" b="0" i="0" smtClean="0">
+                                  <a:latin typeface="Cambria Math" panose="02040503050406030204" pitchFamily="18" charset="0"/>
+                                  <a:cs typeface="Times New Roman" panose="02020603050405020304" pitchFamily="18" charset="0"/>
+                                </a:rPr>
+                                <m:t>log</m:t>
+                              </m:r>
+                            </m:e>
+                            <m:sub>
+                              <m:r>
+                                <a:rPr lang="es-MX" sz="1200" b="0" i="1" smtClean="0">
+                                  <a:latin typeface="Cambria Math" panose="02040503050406030204" pitchFamily="18" charset="0"/>
+                                  <a:cs typeface="Times New Roman" panose="02020603050405020304" pitchFamily="18" charset="0"/>
+                                </a:rPr>
+                                <m:t>2</m:t>
+                              </m:r>
+                            </m:sub>
+                          </m:sSub>
+                        </m:fName>
+                        <m:e>
+                          <m:d>
+                            <m:dPr>
+                              <m:ctrlPr>
+                                <a:rPr lang="es-MX" sz="1200" b="0" i="1" smtClean="0">
+                                  <a:latin typeface="Cambria Math" panose="02040503050406030204" pitchFamily="18" charset="0"/>
+                                  <a:cs typeface="Times New Roman" panose="02020603050405020304" pitchFamily="18" charset="0"/>
+                                </a:rPr>
+                              </m:ctrlPr>
+                            </m:dPr>
+                            <m:e>
+                              <m:r>
+                                <a:rPr lang="es-MX" sz="1200" b="0" i="1" smtClean="0">
+                                  <a:latin typeface="Cambria Math" panose="02040503050406030204" pitchFamily="18" charset="0"/>
+                                  <a:cs typeface="Times New Roman" panose="02020603050405020304" pitchFamily="18" charset="0"/>
+                                </a:rPr>
+                                <m:t>𝑁</m:t>
+                              </m:r>
+                              <m:r>
+                                <a:rPr lang="es-MX" sz="1200" b="0" i="1" smtClean="0">
+                                  <a:latin typeface="Cambria Math" panose="02040503050406030204" pitchFamily="18" charset="0"/>
+                                  <a:cs typeface="Times New Roman" panose="02020603050405020304" pitchFamily="18" charset="0"/>
+                                </a:rPr>
+                                <m:t>+1</m:t>
+                              </m:r>
+                            </m:e>
+                          </m:d>
+                        </m:e>
+                      </m:func>
+                    </m:oMath>
+                  </m:oMathPara>
+                </a14:m>
+                <a:endParaRPr lang="es-MX" sz="1200" dirty="0">
+                  <a:latin typeface="Times New Roman" panose="02020603050405020304" pitchFamily="18" charset="0"/>
+                  <a:cs typeface="Times New Roman" panose="02020603050405020304" pitchFamily="18" charset="0"/>
+                </a:endParaRPr>
+              </a:p>
+              <a:p>
+                <a:pPr>
+                  <a:lnSpc>
+                    <a:spcPct val="150000"/>
+                  </a:lnSpc>
+                </a:pPr>
+                <a14:m>
+                  <m:oMathPara xmlns:m="http://schemas.openxmlformats.org/officeDocument/2006/math">
+                    <m:oMathParaPr>
+                      <m:jc m:val="centerGroup"/>
+                    </m:oMathParaPr>
+                    <m:oMath xmlns:m="http://schemas.openxmlformats.org/officeDocument/2006/math">
+                      <m:r>
+                        <a:rPr lang="es-MX" sz="1200" b="0" i="1" smtClean="0">
+                          <a:latin typeface="Cambria Math" panose="02040503050406030204" pitchFamily="18" charset="0"/>
+                          <a:cs typeface="Times New Roman" panose="02020603050405020304" pitchFamily="18" charset="0"/>
+                        </a:rPr>
+                        <m:t>h</m:t>
+                      </m:r>
+                      <m:r>
+                        <a:rPr lang="es-MX" sz="1200" b="0" i="1" smtClean="0">
+                          <a:latin typeface="Cambria Math" panose="02040503050406030204" pitchFamily="18" charset="0"/>
+                          <a:cs typeface="Times New Roman" panose="02020603050405020304" pitchFamily="18" charset="0"/>
+                        </a:rPr>
+                        <m:t>=</m:t>
+                      </m:r>
+                      <m:func>
+                        <m:funcPr>
+                          <m:ctrlPr>
+                            <a:rPr lang="es-MX" sz="1200" b="0" i="1" smtClean="0">
+                              <a:latin typeface="Cambria Math" panose="02040503050406030204" pitchFamily="18" charset="0"/>
+                              <a:cs typeface="Times New Roman" panose="02020603050405020304" pitchFamily="18" charset="0"/>
+                            </a:rPr>
+                          </m:ctrlPr>
+                        </m:funcPr>
+                        <m:fName>
+                          <m:sSub>
+                            <m:sSubPr>
+                              <m:ctrlPr>
+                                <a:rPr lang="es-MX" sz="1200" b="0" i="1" smtClean="0">
+                                  <a:latin typeface="Cambria Math" panose="02040503050406030204" pitchFamily="18" charset="0"/>
+                                  <a:cs typeface="Times New Roman" panose="02020603050405020304" pitchFamily="18" charset="0"/>
+                                </a:rPr>
+                              </m:ctrlPr>
+                            </m:sSubPr>
+                            <m:e>
+                              <m:r>
+                                <m:rPr>
+                                  <m:sty m:val="p"/>
+                                </m:rPr>
+                                <a:rPr lang="es-MX" sz="1200" b="0" i="0" smtClean="0">
+                                  <a:latin typeface="Cambria Math" panose="02040503050406030204" pitchFamily="18" charset="0"/>
+                                  <a:cs typeface="Times New Roman" panose="02020603050405020304" pitchFamily="18" charset="0"/>
+                                </a:rPr>
+                                <m:t>log</m:t>
+                              </m:r>
+                            </m:e>
+                            <m:sub>
+                              <m:r>
+                                <a:rPr lang="es-MX" sz="1200" b="0" i="1" smtClean="0">
+                                  <a:latin typeface="Cambria Math" panose="02040503050406030204" pitchFamily="18" charset="0"/>
+                                  <a:cs typeface="Times New Roman" panose="02020603050405020304" pitchFamily="18" charset="0"/>
+                                </a:rPr>
+                                <m:t>2</m:t>
+                              </m:r>
+                            </m:sub>
+                          </m:sSub>
+                        </m:fName>
+                        <m:e>
+                          <m:d>
+                            <m:dPr>
+                              <m:ctrlPr>
+                                <a:rPr lang="es-MX" sz="1200" b="0" i="1" smtClean="0">
+                                  <a:latin typeface="Cambria Math" panose="02040503050406030204" pitchFamily="18" charset="0"/>
+                                  <a:cs typeface="Times New Roman" panose="02020603050405020304" pitchFamily="18" charset="0"/>
+                                </a:rPr>
+                              </m:ctrlPr>
+                            </m:dPr>
+                            <m:e>
+                              <m:r>
+                                <a:rPr lang="es-MX" sz="1200" b="0" i="1" smtClean="0">
+                                  <a:latin typeface="Cambria Math" panose="02040503050406030204" pitchFamily="18" charset="0"/>
+                                  <a:cs typeface="Times New Roman" panose="02020603050405020304" pitchFamily="18" charset="0"/>
+                                </a:rPr>
+                                <m:t>𝑁</m:t>
+                              </m:r>
+                              <m:r>
+                                <a:rPr lang="es-MX" sz="1200" b="0" i="1" smtClean="0">
+                                  <a:latin typeface="Cambria Math" panose="02040503050406030204" pitchFamily="18" charset="0"/>
+                                  <a:cs typeface="Times New Roman" panose="02020603050405020304" pitchFamily="18" charset="0"/>
+                                </a:rPr>
+                                <m:t>+1</m:t>
+                              </m:r>
+                            </m:e>
+                          </m:d>
+                        </m:e>
+                      </m:func>
+                      <m:r>
+                        <a:rPr lang="es-MX" sz="1200" b="0" i="1" smtClean="0">
+                          <a:latin typeface="Cambria Math" panose="02040503050406030204" pitchFamily="18" charset="0"/>
+                          <a:cs typeface="Times New Roman" panose="02020603050405020304" pitchFamily="18" charset="0"/>
+                        </a:rPr>
+                        <m:t>−1</m:t>
+                      </m:r>
+                    </m:oMath>
+                  </m:oMathPara>
+                </a14:m>
+                <a:endParaRPr lang="es-MX" sz="1200" dirty="0">
+                  <a:latin typeface="Times New Roman" panose="02020603050405020304" pitchFamily="18" charset="0"/>
+                  <a:cs typeface="Times New Roman" panose="02020603050405020304" pitchFamily="18" charset="0"/>
+                </a:endParaRPr>
+              </a:p>
+            </p:txBody>
+          </p:sp>
+        </mc:Choice>
+        <mc:Fallback>
+          <p:sp>
+            <p:nvSpPr>
+              <p:cNvPr id="30" name="CuadroTexto 29">
+                <a:extLst>
+                  <a:ext uri="{FF2B5EF4-FFF2-40B4-BE49-F238E27FC236}">
+                    <a16:creationId xmlns:a16="http://schemas.microsoft.com/office/drawing/2014/main" id="{4CF434A1-A884-6DE3-C189-C59415E69129}"/>
+                  </a:ext>
+                </a:extLst>
+              </p:cNvPr>
+              <p:cNvSpPr txBox="1">
+                <a:spLocks noRot="1" noChangeAspect="1" noMove="1" noResize="1" noEditPoints="1" noAdjustHandles="1" noChangeArrowheads="1" noChangeShapeType="1" noTextEdit="1"/>
+              </p:cNvSpPr>
+              <p:nvPr/>
+            </p:nvSpPr>
+            <p:spPr>
+              <a:xfrm>
+                <a:off x="202800" y="3794075"/>
+                <a:ext cx="7391074" cy="1914627"/>
+              </a:xfrm>
+              <a:prstGeom prst="rect">
+                <a:avLst/>
+              </a:prstGeom>
+              <a:blipFill>
+                <a:blip r:embed="rId4"/>
+                <a:stretch>
+                  <a:fillRect/>
+                </a:stretch>
+              </a:blipFill>
+            </p:spPr>
+            <p:txBody>
+              <a:bodyPr/>
+              <a:lstStyle/>
+              <a:p>
+                <a:r>
+                  <a:rPr lang="es-MX">
+                    <a:noFill/>
+                  </a:rPr>
+                  <a:t> </a:t>
+                </a:r>
+              </a:p>
+            </p:txBody>
+          </p:sp>
+        </mc:Fallback>
+      </mc:AlternateContent>
+      <p:sp>
+        <p:nvSpPr>
+          <p:cNvPr id="32" name="Rectángulo 31">
+            <a:extLst>
+              <a:ext uri="{FF2B5EF4-FFF2-40B4-BE49-F238E27FC236}">
+                <a16:creationId xmlns:a16="http://schemas.microsoft.com/office/drawing/2014/main" id="{FEE0371B-7411-8353-EEF9-2C4693C6A338}"/>
+              </a:ext>
+            </a:extLst>
+          </p:cNvPr>
+          <p:cNvSpPr/>
+          <p:nvPr/>
+        </p:nvSpPr>
+        <p:spPr>
+          <a:xfrm>
+            <a:off x="3176588" y="5418161"/>
+            <a:ext cx="1436355" cy="217714"/>
+          </a:xfrm>
+          <a:prstGeom prst="rect">
+            <a:avLst/>
+          </a:prstGeom>
+          <a:solidFill>
+            <a:srgbClr val="18A41B">
+              <a:alpha val="52157"/>
+            </a:srgbClr>
+          </a:solidFill>
+          <a:ln>
+            <a:noFill/>
+          </a:ln>
+        </p:spPr>
+        <p:style>
+          <a:lnRef idx="2">
+            <a:schemeClr val="accent1">
+              <a:shade val="50000"/>
+            </a:schemeClr>
+          </a:lnRef>
+          <a:fillRef idx="1">
+            <a:schemeClr val="accent1"/>
+          </a:fillRef>
+          <a:effectRef idx="0">
+            <a:schemeClr val="accent1"/>
+          </a:effectRef>
+          <a:fontRef idx="minor">
+            <a:schemeClr val="lt1"/>
+          </a:fontRef>
+        </p:style>
+        <p:txBody>
+          <a:bodyPr rtlCol="0" anchor="ctr"/>
+          <a:lstStyle/>
+          <a:p>
+            <a:pPr algn="ctr"/>
+            <a:endParaRPr lang="es-MX"/>
+          </a:p>
+        </p:txBody>
+      </p:sp>
+      <p:sp>
+        <p:nvSpPr>
+          <p:cNvPr id="34" name="Rectángulo: esquinas redondeadas 33">
+            <a:extLst>
+              <a:ext uri="{FF2B5EF4-FFF2-40B4-BE49-F238E27FC236}">
+                <a16:creationId xmlns:a16="http://schemas.microsoft.com/office/drawing/2014/main" id="{56927AE1-F3E4-88C6-8A18-A6005810D3C4}"/>
+              </a:ext>
+            </a:extLst>
+          </p:cNvPr>
+          <p:cNvSpPr/>
+          <p:nvPr/>
+        </p:nvSpPr>
+        <p:spPr>
+          <a:xfrm>
+            <a:off x="209006" y="5772098"/>
+            <a:ext cx="417800" cy="314492"/>
+          </a:xfrm>
+          <a:prstGeom prst="roundRect">
+            <a:avLst/>
+          </a:prstGeom>
+          <a:solidFill>
+            <a:srgbClr val="5C6BC0"/>
+          </a:solidFill>
+          <a:ln>
+            <a:noFill/>
+          </a:ln>
+        </p:spPr>
+        <p:style>
+          <a:lnRef idx="2">
+            <a:schemeClr val="accent1">
+              <a:shade val="50000"/>
+            </a:schemeClr>
+          </a:lnRef>
+          <a:fillRef idx="1">
+            <a:schemeClr val="accent1"/>
+          </a:fillRef>
+          <a:effectRef idx="0">
+            <a:schemeClr val="accent1"/>
+          </a:effectRef>
+          <a:fontRef idx="minor">
+            <a:schemeClr val="lt1"/>
+          </a:fontRef>
+        </p:style>
+        <p:txBody>
+          <a:bodyPr rtlCol="0" anchor="ctr"/>
+          <a:lstStyle/>
+          <a:p>
+            <a:pPr algn="ctr"/>
+            <a:r>
+              <a:rPr lang="es-MX" sz="1200" b="1" dirty="0">
+                <a:latin typeface="Times New Roman" panose="02020603050405020304" pitchFamily="18" charset="0"/>
+                <a:ea typeface="Tahoma" panose="020B0604030504040204" pitchFamily="34" charset="0"/>
+                <a:cs typeface="Times New Roman" panose="02020603050405020304" pitchFamily="18" charset="0"/>
+              </a:rPr>
+              <a:t>4.2</a:t>
+            </a:r>
+          </a:p>
+        </p:txBody>
+      </p:sp>
+      <p:sp>
+        <p:nvSpPr>
+          <p:cNvPr id="37" name="Rectángulo: esquinas redondeadas 36">
+            <a:extLst>
+              <a:ext uri="{FF2B5EF4-FFF2-40B4-BE49-F238E27FC236}">
+                <a16:creationId xmlns:a16="http://schemas.microsoft.com/office/drawing/2014/main" id="{41771174-A4CE-416D-9E74-6FF078368D41}"/>
+              </a:ext>
+            </a:extLst>
+          </p:cNvPr>
+          <p:cNvSpPr/>
+          <p:nvPr/>
+        </p:nvSpPr>
+        <p:spPr>
+          <a:xfrm>
+            <a:off x="744794" y="5772098"/>
+            <a:ext cx="6818599" cy="314492"/>
+          </a:xfrm>
+          <a:prstGeom prst="roundRect">
+            <a:avLst/>
+          </a:prstGeom>
+          <a:gradFill flip="none" rotWithShape="1">
+            <a:gsLst>
+              <a:gs pos="19000">
+                <a:srgbClr val="5C6BC0"/>
+              </a:gs>
+              <a:gs pos="100000">
+                <a:schemeClr val="bg1"/>
+              </a:gs>
+            </a:gsLst>
+            <a:lin ang="0" scaled="1"/>
+            <a:tileRect/>
+          </a:gradFill>
+          <a:ln>
+            <a:noFill/>
+          </a:ln>
+        </p:spPr>
+        <p:style>
+          <a:lnRef idx="2">
+            <a:schemeClr val="accent1">
+              <a:shade val="50000"/>
+            </a:schemeClr>
+          </a:lnRef>
+          <a:fillRef idx="1">
+            <a:schemeClr val="accent1"/>
+          </a:fillRef>
+          <a:effectRef idx="0">
+            <a:schemeClr val="accent1"/>
+          </a:effectRef>
+          <a:fontRef idx="minor">
+            <a:schemeClr val="lt1"/>
+          </a:fontRef>
+        </p:style>
+        <p:txBody>
+          <a:bodyPr rtlCol="0" anchor="ctr"/>
+          <a:lstStyle/>
+          <a:p>
+            <a:r>
+              <a:rPr lang="es-MX" dirty="0">
+                <a:latin typeface="Times New Roman" panose="02020603050405020304" pitchFamily="18" charset="0"/>
+              </a:rPr>
+              <a:t>Árboles binarios de expresiones</a:t>
+            </a:r>
+          </a:p>
+        </p:txBody>
+      </p:sp>
+      <p:grpSp>
+        <p:nvGrpSpPr>
+          <p:cNvPr id="52" name="Grupo 51">
+            <a:extLst>
+              <a:ext uri="{FF2B5EF4-FFF2-40B4-BE49-F238E27FC236}">
+                <a16:creationId xmlns:a16="http://schemas.microsoft.com/office/drawing/2014/main" id="{7778AE00-77AD-017A-91EC-2EEC62BF8A27}"/>
+              </a:ext>
+            </a:extLst>
+          </p:cNvPr>
+          <p:cNvGrpSpPr/>
+          <p:nvPr/>
+        </p:nvGrpSpPr>
+        <p:grpSpPr>
+          <a:xfrm>
+            <a:off x="272179" y="6372161"/>
+            <a:ext cx="2170101" cy="1659690"/>
+            <a:chOff x="466047" y="6420184"/>
+            <a:chExt cx="2485124" cy="2322590"/>
+          </a:xfrm>
+        </p:grpSpPr>
+        <p:sp>
+          <p:nvSpPr>
+            <p:cNvPr id="39" name="Elipse 38">
+              <a:extLst>
+                <a:ext uri="{FF2B5EF4-FFF2-40B4-BE49-F238E27FC236}">
+                  <a16:creationId xmlns:a16="http://schemas.microsoft.com/office/drawing/2014/main" id="{2AF2F1D1-5687-35CA-92F1-393DDCE80A97}"/>
+                </a:ext>
+              </a:extLst>
+            </p:cNvPr>
+            <p:cNvSpPr/>
+            <p:nvPr/>
+          </p:nvSpPr>
+          <p:spPr>
+            <a:xfrm>
+              <a:off x="1692997" y="6420184"/>
+              <a:ext cx="446215" cy="588790"/>
+            </a:xfrm>
+            <a:prstGeom prst="ellipse">
+              <a:avLst/>
+            </a:prstGeom>
+          </p:spPr>
+          <p:style>
+            <a:lnRef idx="2">
+              <a:schemeClr val="accent1">
+                <a:shade val="50000"/>
+              </a:schemeClr>
+            </a:lnRef>
+            <a:fillRef idx="1">
+              <a:schemeClr val="accent1"/>
+            </a:fillRef>
+            <a:effectRef idx="0">
+              <a:schemeClr val="accent1"/>
+            </a:effectRef>
+            <a:fontRef idx="minor">
+              <a:schemeClr val="lt1"/>
+            </a:fontRef>
+          </p:style>
+          <p:txBody>
+            <a:bodyPr rtlCol="0" anchor="ctr"/>
+            <a:lstStyle/>
+            <a:p>
+              <a:pPr algn="ctr"/>
+              <a:r>
+                <a:rPr lang="es-MX" dirty="0"/>
+                <a:t>+</a:t>
+              </a:r>
+            </a:p>
+          </p:txBody>
+        </p:sp>
+        <p:sp>
+          <p:nvSpPr>
+            <p:cNvPr id="40" name="Elipse 39">
+              <a:extLst>
+                <a:ext uri="{FF2B5EF4-FFF2-40B4-BE49-F238E27FC236}">
+                  <a16:creationId xmlns:a16="http://schemas.microsoft.com/office/drawing/2014/main" id="{8182F08B-852F-3087-EACF-0B12A6F1C71C}"/>
+                </a:ext>
+              </a:extLst>
+            </p:cNvPr>
+            <p:cNvSpPr/>
+            <p:nvPr/>
+          </p:nvSpPr>
+          <p:spPr>
+            <a:xfrm>
+              <a:off x="912262" y="7281019"/>
+              <a:ext cx="470499" cy="588790"/>
+            </a:xfrm>
+            <a:prstGeom prst="ellipse">
+              <a:avLst/>
+            </a:prstGeom>
+          </p:spPr>
+          <p:style>
+            <a:lnRef idx="2">
+              <a:schemeClr val="accent1">
+                <a:shade val="50000"/>
+              </a:schemeClr>
+            </a:lnRef>
+            <a:fillRef idx="1">
+              <a:schemeClr val="accent1"/>
+            </a:fillRef>
+            <a:effectRef idx="0">
+              <a:schemeClr val="accent1"/>
+            </a:effectRef>
+            <a:fontRef idx="minor">
+              <a:schemeClr val="lt1"/>
+            </a:fontRef>
+          </p:style>
+          <p:txBody>
+            <a:bodyPr rtlCol="0" anchor="ctr"/>
+            <a:lstStyle/>
+            <a:p>
+              <a:pPr algn="ctr"/>
+              <a:r>
+                <a:rPr lang="es-MX" dirty="0"/>
+                <a:t>*</a:t>
+              </a:r>
+            </a:p>
+          </p:txBody>
+        </p:sp>
+        <p:sp>
+          <p:nvSpPr>
+            <p:cNvPr id="41" name="Elipse 40">
+              <a:extLst>
+                <a:ext uri="{FF2B5EF4-FFF2-40B4-BE49-F238E27FC236}">
+                  <a16:creationId xmlns:a16="http://schemas.microsoft.com/office/drawing/2014/main" id="{D57EBF33-4BE3-471A-1977-F4D54F0187E3}"/>
+                </a:ext>
+              </a:extLst>
+            </p:cNvPr>
+            <p:cNvSpPr/>
+            <p:nvPr/>
+          </p:nvSpPr>
+          <p:spPr>
+            <a:xfrm>
+              <a:off x="2504956" y="7274571"/>
+              <a:ext cx="446215" cy="588790"/>
+            </a:xfrm>
+            <a:prstGeom prst="ellipse">
+              <a:avLst/>
+            </a:prstGeom>
+          </p:spPr>
+          <p:style>
+            <a:lnRef idx="2">
+              <a:schemeClr val="accent1">
+                <a:shade val="50000"/>
+              </a:schemeClr>
+            </a:lnRef>
+            <a:fillRef idx="1">
+              <a:schemeClr val="accent1"/>
+            </a:fillRef>
+            <a:effectRef idx="0">
+              <a:schemeClr val="accent1"/>
+            </a:effectRef>
+            <a:fontRef idx="minor">
+              <a:schemeClr val="lt1"/>
+            </a:fontRef>
+          </p:style>
+          <p:txBody>
+            <a:bodyPr rtlCol="0" anchor="ctr"/>
+            <a:lstStyle/>
+            <a:p>
+              <a:pPr algn="ctr"/>
+              <a:r>
+                <a:rPr lang="es-MX" dirty="0"/>
+                <a:t>3</a:t>
+              </a:r>
+            </a:p>
+          </p:txBody>
+        </p:sp>
+        <p:cxnSp>
+          <p:nvCxnSpPr>
+            <p:cNvPr id="42" name="Conector recto de flecha 41">
+              <a:extLst>
+                <a:ext uri="{FF2B5EF4-FFF2-40B4-BE49-F238E27FC236}">
+                  <a16:creationId xmlns:a16="http://schemas.microsoft.com/office/drawing/2014/main" id="{6D6A029E-CEF4-2A5B-ACF6-61F313D65D43}"/>
+                </a:ext>
+              </a:extLst>
+            </p:cNvPr>
+            <p:cNvCxnSpPr>
+              <a:cxnSpLocks/>
+              <a:endCxn id="40" idx="0"/>
+            </p:cNvCxnSpPr>
+            <p:nvPr/>
+          </p:nvCxnSpPr>
+          <p:spPr>
+            <a:xfrm flipH="1">
+              <a:off x="1147513" y="6900908"/>
+              <a:ext cx="790372" cy="380111"/>
+            </a:xfrm>
+            <a:prstGeom prst="straightConnector1">
+              <a:avLst/>
+            </a:prstGeom>
+            <a:ln>
+              <a:tailEnd type="triangle"/>
+            </a:ln>
+          </p:spPr>
+          <p:style>
+            <a:lnRef idx="1">
+              <a:schemeClr val="accent1"/>
+            </a:lnRef>
+            <a:fillRef idx="0">
+              <a:schemeClr val="accent1"/>
+            </a:fillRef>
+            <a:effectRef idx="0">
+              <a:schemeClr val="accent1"/>
+            </a:effectRef>
+            <a:fontRef idx="minor">
+              <a:schemeClr val="tx1"/>
+            </a:fontRef>
+          </p:style>
+        </p:cxnSp>
+        <p:cxnSp>
+          <p:nvCxnSpPr>
+            <p:cNvPr id="43" name="Conector recto de flecha 42">
+              <a:extLst>
+                <a:ext uri="{FF2B5EF4-FFF2-40B4-BE49-F238E27FC236}">
+                  <a16:creationId xmlns:a16="http://schemas.microsoft.com/office/drawing/2014/main" id="{A6D9D102-F14A-6E1D-9FB5-4A246968EB5F}"/>
+                </a:ext>
+              </a:extLst>
+            </p:cNvPr>
+            <p:cNvCxnSpPr>
+              <a:cxnSpLocks/>
+              <a:endCxn id="41" idx="0"/>
+            </p:cNvCxnSpPr>
+            <p:nvPr/>
+          </p:nvCxnSpPr>
+          <p:spPr>
+            <a:xfrm>
+              <a:off x="1893777" y="6894460"/>
+              <a:ext cx="834287" cy="380111"/>
+            </a:xfrm>
+            <a:prstGeom prst="straightConnector1">
+              <a:avLst/>
+            </a:prstGeom>
+            <a:ln>
+              <a:tailEnd type="triangle"/>
+            </a:ln>
+          </p:spPr>
+          <p:style>
+            <a:lnRef idx="1">
+              <a:schemeClr val="accent1"/>
+            </a:lnRef>
+            <a:fillRef idx="0">
+              <a:schemeClr val="accent1"/>
+            </a:fillRef>
+            <a:effectRef idx="0">
+              <a:schemeClr val="accent1"/>
+            </a:effectRef>
+            <a:fontRef idx="minor">
+              <a:schemeClr val="tx1"/>
+            </a:fontRef>
+          </p:style>
+        </p:cxnSp>
+        <p:sp>
+          <p:nvSpPr>
+            <p:cNvPr id="44" name="Elipse 43">
+              <a:extLst>
+                <a:ext uri="{FF2B5EF4-FFF2-40B4-BE49-F238E27FC236}">
+                  <a16:creationId xmlns:a16="http://schemas.microsoft.com/office/drawing/2014/main" id="{6C422CB1-B52D-D039-713F-18DB06FB3009}"/>
+                </a:ext>
+              </a:extLst>
+            </p:cNvPr>
+            <p:cNvSpPr/>
+            <p:nvPr/>
+          </p:nvSpPr>
+          <p:spPr>
+            <a:xfrm>
+              <a:off x="466047" y="8148705"/>
+              <a:ext cx="470499" cy="588790"/>
+            </a:xfrm>
+            <a:prstGeom prst="ellipse">
+              <a:avLst/>
+            </a:prstGeom>
+          </p:spPr>
+          <p:style>
+            <a:lnRef idx="2">
+              <a:schemeClr val="accent1">
+                <a:shade val="50000"/>
+              </a:schemeClr>
+            </a:lnRef>
+            <a:fillRef idx="1">
+              <a:schemeClr val="accent1"/>
+            </a:fillRef>
+            <a:effectRef idx="0">
+              <a:schemeClr val="accent1"/>
+            </a:effectRef>
+            <a:fontRef idx="minor">
+              <a:schemeClr val="lt1"/>
+            </a:fontRef>
+          </p:style>
+          <p:txBody>
+            <a:bodyPr rtlCol="0" anchor="ctr"/>
+            <a:lstStyle/>
+            <a:p>
+              <a:pPr algn="ctr"/>
+              <a:r>
+                <a:rPr lang="es-MX" dirty="0"/>
+                <a:t>2</a:t>
+              </a:r>
+            </a:p>
+          </p:txBody>
+        </p:sp>
+        <p:sp>
+          <p:nvSpPr>
+            <p:cNvPr id="45" name="Elipse 44">
+              <a:extLst>
+                <a:ext uri="{FF2B5EF4-FFF2-40B4-BE49-F238E27FC236}">
+                  <a16:creationId xmlns:a16="http://schemas.microsoft.com/office/drawing/2014/main" id="{86E0BBF5-C08C-1BA0-8413-DCF2003BEAEE}"/>
+                </a:ext>
+              </a:extLst>
+            </p:cNvPr>
+            <p:cNvSpPr/>
+            <p:nvPr/>
+          </p:nvSpPr>
+          <p:spPr>
+            <a:xfrm>
+              <a:off x="1355968" y="8153984"/>
+              <a:ext cx="470499" cy="588790"/>
+            </a:xfrm>
+            <a:prstGeom prst="ellipse">
+              <a:avLst/>
+            </a:prstGeom>
+          </p:spPr>
+          <p:style>
+            <a:lnRef idx="2">
+              <a:schemeClr val="accent1">
+                <a:shade val="50000"/>
+              </a:schemeClr>
+            </a:lnRef>
+            <a:fillRef idx="1">
+              <a:schemeClr val="accent1"/>
+            </a:fillRef>
+            <a:effectRef idx="0">
+              <a:schemeClr val="accent1"/>
+            </a:effectRef>
+            <a:fontRef idx="minor">
+              <a:schemeClr val="lt1"/>
+            </a:fontRef>
+          </p:style>
+          <p:txBody>
+            <a:bodyPr rtlCol="0" anchor="ctr"/>
+            <a:lstStyle/>
+            <a:p>
+              <a:pPr algn="ctr"/>
+              <a:r>
+                <a:rPr lang="es-MX" dirty="0"/>
+                <a:t>5</a:t>
+              </a:r>
+            </a:p>
+          </p:txBody>
+        </p:sp>
+        <p:cxnSp>
+          <p:nvCxnSpPr>
+            <p:cNvPr id="46" name="Conector recto de flecha 45">
+              <a:extLst>
+                <a:ext uri="{FF2B5EF4-FFF2-40B4-BE49-F238E27FC236}">
+                  <a16:creationId xmlns:a16="http://schemas.microsoft.com/office/drawing/2014/main" id="{02E09B7C-4B1D-167A-2ED3-C072D49794E4}"/>
+                </a:ext>
+              </a:extLst>
+            </p:cNvPr>
+            <p:cNvCxnSpPr>
+              <a:cxnSpLocks/>
+              <a:stCxn id="40" idx="3"/>
+              <a:endCxn id="44" idx="0"/>
+            </p:cNvCxnSpPr>
+            <p:nvPr/>
+          </p:nvCxnSpPr>
+          <p:spPr>
+            <a:xfrm flipH="1">
+              <a:off x="701297" y="7783582"/>
+              <a:ext cx="279869" cy="365123"/>
+            </a:xfrm>
+            <a:prstGeom prst="straightConnector1">
+              <a:avLst/>
+            </a:prstGeom>
+            <a:ln>
+              <a:tailEnd type="triangle"/>
+            </a:ln>
+          </p:spPr>
+          <p:style>
+            <a:lnRef idx="1">
+              <a:schemeClr val="accent1"/>
+            </a:lnRef>
+            <a:fillRef idx="0">
+              <a:schemeClr val="accent1"/>
+            </a:fillRef>
+            <a:effectRef idx="0">
+              <a:schemeClr val="accent1"/>
+            </a:effectRef>
+            <a:fontRef idx="minor">
+              <a:schemeClr val="tx1"/>
+            </a:fontRef>
+          </p:style>
+        </p:cxnSp>
+        <p:cxnSp>
+          <p:nvCxnSpPr>
+            <p:cNvPr id="47" name="Conector recto de flecha 46">
+              <a:extLst>
+                <a:ext uri="{FF2B5EF4-FFF2-40B4-BE49-F238E27FC236}">
+                  <a16:creationId xmlns:a16="http://schemas.microsoft.com/office/drawing/2014/main" id="{01929E38-2A28-99CF-B575-2027ADDC6107}"/>
+                </a:ext>
+              </a:extLst>
+            </p:cNvPr>
+            <p:cNvCxnSpPr>
+              <a:cxnSpLocks/>
+              <a:stCxn id="40" idx="5"/>
+              <a:endCxn id="45" idx="0"/>
+            </p:cNvCxnSpPr>
+            <p:nvPr/>
+          </p:nvCxnSpPr>
+          <p:spPr>
+            <a:xfrm>
+              <a:off x="1313858" y="7783582"/>
+              <a:ext cx="277360" cy="370402"/>
+            </a:xfrm>
+            <a:prstGeom prst="straightConnector1">
+              <a:avLst/>
+            </a:prstGeom>
+            <a:ln>
+              <a:tailEnd type="triangle"/>
+            </a:ln>
+          </p:spPr>
+          <p:style>
+            <a:lnRef idx="1">
+              <a:schemeClr val="accent1"/>
+            </a:lnRef>
+            <a:fillRef idx="0">
+              <a:schemeClr val="accent1"/>
+            </a:fillRef>
+            <a:effectRef idx="0">
+              <a:schemeClr val="accent1"/>
+            </a:effectRef>
+            <a:fontRef idx="minor">
+              <a:schemeClr val="tx1"/>
+            </a:fontRef>
+          </p:style>
+        </p:cxnSp>
+      </p:grpSp>
+      <mc:AlternateContent xmlns:mc="http://schemas.openxmlformats.org/markup-compatibility/2006">
+        <mc:Choice xmlns:a14="http://schemas.microsoft.com/office/drawing/2010/main" Requires="a14">
+          <p:sp>
+            <p:nvSpPr>
+              <p:cNvPr id="53" name="CuadroTexto 52">
+                <a:extLst>
+                  <a:ext uri="{FF2B5EF4-FFF2-40B4-BE49-F238E27FC236}">
+                    <a16:creationId xmlns:a16="http://schemas.microsoft.com/office/drawing/2014/main" id="{DCF3EF28-790B-9A98-02B8-5DD2FCE3B10C}"/>
+                  </a:ext>
+                </a:extLst>
+              </p:cNvPr>
+              <p:cNvSpPr txBox="1"/>
+              <p:nvPr/>
+            </p:nvSpPr>
+            <p:spPr>
+              <a:xfrm>
+                <a:off x="327664" y="8322951"/>
+                <a:ext cx="2066765" cy="532903"/>
+              </a:xfrm>
+              <a:prstGeom prst="rect">
+                <a:avLst/>
+              </a:prstGeom>
+              <a:noFill/>
+            </p:spPr>
+            <p:txBody>
+              <a:bodyPr wrap="square" rtlCol="0">
+                <a:spAutoFit/>
+              </a:bodyPr>
+              <a:lstStyle/>
+              <a:p>
+                <a14:m>
+                  <m:oMathPara xmlns:m="http://schemas.openxmlformats.org/officeDocument/2006/math">
+                    <m:oMathParaPr>
+                      <m:jc m:val="centerGroup"/>
+                    </m:oMathParaPr>
+                    <m:oMath xmlns:m="http://schemas.openxmlformats.org/officeDocument/2006/math">
+                      <m:r>
+                        <a:rPr lang="es-MX" sz="2000" b="0" i="1" smtClean="0">
+                          <a:latin typeface="Cambria Math" panose="02040503050406030204" pitchFamily="18" charset="0"/>
+                          <a:cs typeface="Times New Roman" panose="02020603050405020304" pitchFamily="18" charset="0"/>
+                        </a:rPr>
+                        <m:t>2∗5+3</m:t>
+                      </m:r>
+                      <m:groupChr>
+                        <m:groupChrPr>
+                          <m:chr m:val="⇒"/>
+                          <m:vertJc m:val="bot"/>
+                          <m:ctrlPr>
+                            <a:rPr lang="es-MX" sz="2000" b="0" i="1" smtClean="0">
+                              <a:latin typeface="Cambria Math" panose="02040503050406030204" pitchFamily="18" charset="0"/>
+                              <a:cs typeface="Times New Roman" panose="02020603050405020304" pitchFamily="18" charset="0"/>
+                            </a:rPr>
+                          </m:ctrlPr>
+                        </m:groupChrPr>
+                        <m:e/>
+                      </m:groupChr>
+                      <m:r>
+                        <a:rPr lang="es-MX" sz="2000" b="0" i="1" smtClean="0">
+                          <a:latin typeface="Cambria Math" panose="02040503050406030204" pitchFamily="18" charset="0"/>
+                          <a:cs typeface="Times New Roman" panose="02020603050405020304" pitchFamily="18" charset="0"/>
+                        </a:rPr>
+                        <m:t>13</m:t>
+                      </m:r>
+                    </m:oMath>
+                  </m:oMathPara>
+                </a14:m>
+                <a:endParaRPr lang="es-MX" sz="2000" dirty="0">
+                  <a:latin typeface="Times New Roman" panose="02020603050405020304" pitchFamily="18" charset="0"/>
+                  <a:cs typeface="Times New Roman" panose="02020603050405020304" pitchFamily="18" charset="0"/>
+                </a:endParaRPr>
+              </a:p>
+            </p:txBody>
+          </p:sp>
+        </mc:Choice>
+        <mc:Fallback>
+          <p:sp>
+            <p:nvSpPr>
+              <p:cNvPr id="53" name="CuadroTexto 52">
+                <a:extLst>
+                  <a:ext uri="{FF2B5EF4-FFF2-40B4-BE49-F238E27FC236}">
+                    <a16:creationId xmlns:a16="http://schemas.microsoft.com/office/drawing/2014/main" id="{DCF3EF28-790B-9A98-02B8-5DD2FCE3B10C}"/>
+                  </a:ext>
+                </a:extLst>
+              </p:cNvPr>
+              <p:cNvSpPr txBox="1">
+                <a:spLocks noRot="1" noChangeAspect="1" noMove="1" noResize="1" noEditPoints="1" noAdjustHandles="1" noChangeArrowheads="1" noChangeShapeType="1" noTextEdit="1"/>
+              </p:cNvSpPr>
+              <p:nvPr/>
+            </p:nvSpPr>
+            <p:spPr>
+              <a:xfrm>
+                <a:off x="327664" y="8322951"/>
+                <a:ext cx="2066765" cy="532903"/>
+              </a:xfrm>
+              <a:prstGeom prst="rect">
+                <a:avLst/>
+              </a:prstGeom>
+              <a:blipFill>
+                <a:blip r:embed="rId5"/>
+                <a:stretch>
+                  <a:fillRect/>
+                </a:stretch>
+              </a:blipFill>
+            </p:spPr>
+            <p:txBody>
+              <a:bodyPr/>
+              <a:lstStyle/>
+              <a:p>
+                <a:r>
+                  <a:rPr lang="es-MX">
+                    <a:noFill/>
+                  </a:rPr>
+                  <a:t> </a:t>
+                </a:r>
+              </a:p>
+            </p:txBody>
+          </p:sp>
+        </mc:Fallback>
+      </mc:AlternateContent>
+      <p:sp>
+        <p:nvSpPr>
+          <p:cNvPr id="56" name="Rectángulo 55">
+            <a:extLst>
+              <a:ext uri="{FF2B5EF4-FFF2-40B4-BE49-F238E27FC236}">
+                <a16:creationId xmlns:a16="http://schemas.microsoft.com/office/drawing/2014/main" id="{A6AA1CC0-1F94-3C66-A85F-74B8BEEE5BCC}"/>
+              </a:ext>
+            </a:extLst>
+          </p:cNvPr>
+          <p:cNvSpPr/>
+          <p:nvPr/>
+        </p:nvSpPr>
+        <p:spPr>
+          <a:xfrm>
+            <a:off x="1847642" y="8468238"/>
+            <a:ext cx="326075" cy="378090"/>
+          </a:xfrm>
+          <a:prstGeom prst="rect">
+            <a:avLst/>
+          </a:prstGeom>
+          <a:solidFill>
+            <a:srgbClr val="18A41B">
+              <a:alpha val="50196"/>
+            </a:srgbClr>
+          </a:solidFill>
+          <a:ln>
+            <a:noFill/>
+          </a:ln>
+        </p:spPr>
+        <p:style>
+          <a:lnRef idx="2">
+            <a:schemeClr val="accent1">
+              <a:shade val="50000"/>
+            </a:schemeClr>
+          </a:lnRef>
+          <a:fillRef idx="1">
+            <a:schemeClr val="accent1"/>
+          </a:fillRef>
+          <a:effectRef idx="0">
+            <a:schemeClr val="accent1"/>
+          </a:effectRef>
+          <a:fontRef idx="minor">
+            <a:schemeClr val="lt1"/>
+          </a:fontRef>
+        </p:style>
+        <p:txBody>
+          <a:bodyPr rtlCol="0" anchor="ctr"/>
+          <a:lstStyle/>
+          <a:p>
+            <a:pPr algn="ctr"/>
+            <a:endParaRPr lang="es-MX"/>
+          </a:p>
+        </p:txBody>
+      </p:sp>
+      <p:grpSp>
+        <p:nvGrpSpPr>
+          <p:cNvPr id="61" name="Grupo 60">
+            <a:extLst>
+              <a:ext uri="{FF2B5EF4-FFF2-40B4-BE49-F238E27FC236}">
+                <a16:creationId xmlns:a16="http://schemas.microsoft.com/office/drawing/2014/main" id="{593C83F7-93C0-E23A-AC29-D73B2E89033B}"/>
+              </a:ext>
+            </a:extLst>
+          </p:cNvPr>
+          <p:cNvGrpSpPr/>
+          <p:nvPr/>
+        </p:nvGrpSpPr>
+        <p:grpSpPr>
+          <a:xfrm>
+            <a:off x="5663679" y="6383031"/>
+            <a:ext cx="720000" cy="468000"/>
+            <a:chOff x="3232150" y="6672438"/>
+            <a:chExt cx="2038350" cy="814436"/>
+          </a:xfrm>
+        </p:grpSpPr>
+        <p:sp>
+          <p:nvSpPr>
+            <p:cNvPr id="62" name="Rectángulo 61">
+              <a:extLst>
+                <a:ext uri="{FF2B5EF4-FFF2-40B4-BE49-F238E27FC236}">
+                  <a16:creationId xmlns:a16="http://schemas.microsoft.com/office/drawing/2014/main" id="{CEBAFE4B-7D72-2911-F292-D8022E63B729}"/>
+                </a:ext>
+              </a:extLst>
+            </p:cNvPr>
+            <p:cNvSpPr/>
+            <p:nvPr/>
+          </p:nvSpPr>
+          <p:spPr>
+            <a:xfrm>
+              <a:off x="3232150" y="6672438"/>
+              <a:ext cx="2038350" cy="814436"/>
+            </a:xfrm>
+            <a:prstGeom prst="rect">
+              <a:avLst/>
+            </a:prstGeom>
+            <a:solidFill>
+              <a:srgbClr val="4472C4">
+                <a:alpha val="69804"/>
+              </a:srgbClr>
+            </a:solidFill>
+            <a:ln w="28575"/>
+          </p:spPr>
+          <p:style>
+            <a:lnRef idx="2">
+              <a:schemeClr val="accent1">
+                <a:shade val="50000"/>
+              </a:schemeClr>
+            </a:lnRef>
+            <a:fillRef idx="1">
+              <a:schemeClr val="accent1"/>
+            </a:fillRef>
+            <a:effectRef idx="0">
+              <a:schemeClr val="accent1"/>
+            </a:effectRef>
+            <a:fontRef idx="minor">
+              <a:schemeClr val="lt1"/>
+            </a:fontRef>
+          </p:style>
+          <p:txBody>
+            <a:bodyPr rtlCol="0" anchor="ctr"/>
+            <a:lstStyle/>
+            <a:p>
+              <a:pPr algn="ctr"/>
+              <a:r>
+                <a:rPr lang="es-MX" dirty="0"/>
+                <a:t>+</a:t>
+              </a:r>
+            </a:p>
+          </p:txBody>
+        </p:sp>
+        <p:sp>
+          <p:nvSpPr>
+            <p:cNvPr id="63" name="Rectángulo 62">
+              <a:extLst>
+                <a:ext uri="{FF2B5EF4-FFF2-40B4-BE49-F238E27FC236}">
+                  <a16:creationId xmlns:a16="http://schemas.microsoft.com/office/drawing/2014/main" id="{C069689F-67E4-B11D-C2BC-DFD32B734606}"/>
+                </a:ext>
+              </a:extLst>
+            </p:cNvPr>
+            <p:cNvSpPr/>
+            <p:nvPr/>
+          </p:nvSpPr>
+          <p:spPr>
+            <a:xfrm>
+              <a:off x="3232150" y="6672438"/>
+              <a:ext cx="397642" cy="814436"/>
+            </a:xfrm>
+            <a:prstGeom prst="rect">
+              <a:avLst/>
+            </a:prstGeom>
+            <a:solidFill>
+              <a:srgbClr val="7C9DD6"/>
+            </a:solidFill>
+            <a:ln w="28575"/>
+          </p:spPr>
+          <p:style>
+            <a:lnRef idx="2">
+              <a:schemeClr val="accent1">
+                <a:shade val="50000"/>
+              </a:schemeClr>
+            </a:lnRef>
+            <a:fillRef idx="1">
+              <a:schemeClr val="accent1"/>
+            </a:fillRef>
+            <a:effectRef idx="0">
+              <a:schemeClr val="accent1"/>
+            </a:effectRef>
+            <a:fontRef idx="minor">
+              <a:schemeClr val="lt1"/>
+            </a:fontRef>
+          </p:style>
+          <p:txBody>
+            <a:bodyPr rtlCol="0" anchor="ctr"/>
+            <a:lstStyle/>
+            <a:p>
+              <a:pPr algn="ctr"/>
+              <a:endParaRPr lang="es-MX"/>
+            </a:p>
+          </p:txBody>
+        </p:sp>
+        <p:sp>
+          <p:nvSpPr>
+            <p:cNvPr id="64" name="Rectángulo 63">
+              <a:extLst>
+                <a:ext uri="{FF2B5EF4-FFF2-40B4-BE49-F238E27FC236}">
+                  <a16:creationId xmlns:a16="http://schemas.microsoft.com/office/drawing/2014/main" id="{FA25E57A-1E46-38F2-AFFE-758E70E8B9EB}"/>
+                </a:ext>
+              </a:extLst>
+            </p:cNvPr>
+            <p:cNvSpPr/>
+            <p:nvPr/>
+          </p:nvSpPr>
+          <p:spPr>
+            <a:xfrm>
+              <a:off x="4872858" y="6672438"/>
+              <a:ext cx="397642" cy="814436"/>
+            </a:xfrm>
+            <a:prstGeom prst="rect">
+              <a:avLst/>
+            </a:prstGeom>
+            <a:solidFill>
+              <a:srgbClr val="7C9DD6"/>
+            </a:solidFill>
+            <a:ln w="28575"/>
+          </p:spPr>
+          <p:style>
+            <a:lnRef idx="2">
+              <a:schemeClr val="accent1">
+                <a:shade val="50000"/>
+              </a:schemeClr>
+            </a:lnRef>
+            <a:fillRef idx="1">
+              <a:schemeClr val="accent1"/>
+            </a:fillRef>
+            <a:effectRef idx="0">
+              <a:schemeClr val="accent1"/>
+            </a:effectRef>
+            <a:fontRef idx="minor">
+              <a:schemeClr val="lt1"/>
+            </a:fontRef>
+          </p:style>
+          <p:txBody>
+            <a:bodyPr rtlCol="0" anchor="ctr"/>
+            <a:lstStyle/>
+            <a:p>
+              <a:pPr algn="ctr"/>
+              <a:endParaRPr lang="es-MX"/>
+            </a:p>
+          </p:txBody>
+        </p:sp>
+      </p:grpSp>
+      <p:grpSp>
+        <p:nvGrpSpPr>
+          <p:cNvPr id="69" name="Grupo 68">
+            <a:extLst>
+              <a:ext uri="{FF2B5EF4-FFF2-40B4-BE49-F238E27FC236}">
+                <a16:creationId xmlns:a16="http://schemas.microsoft.com/office/drawing/2014/main" id="{E65E3240-46BA-C5BD-6904-F29785619698}"/>
+              </a:ext>
+            </a:extLst>
+          </p:cNvPr>
+          <p:cNvGrpSpPr/>
+          <p:nvPr/>
+        </p:nvGrpSpPr>
+        <p:grpSpPr>
+          <a:xfrm>
+            <a:off x="3952286" y="7790838"/>
+            <a:ext cx="720000" cy="468000"/>
+            <a:chOff x="2720197" y="6456063"/>
+            <a:chExt cx="2212240" cy="1243451"/>
+          </a:xfrm>
+        </p:grpSpPr>
+        <p:grpSp>
+          <p:nvGrpSpPr>
+            <p:cNvPr id="60" name="Grupo 59">
+              <a:extLst>
+                <a:ext uri="{FF2B5EF4-FFF2-40B4-BE49-F238E27FC236}">
+                  <a16:creationId xmlns:a16="http://schemas.microsoft.com/office/drawing/2014/main" id="{FC168410-B0FB-A884-A4DC-B41399CE3047}"/>
+                </a:ext>
+              </a:extLst>
+            </p:cNvPr>
+            <p:cNvGrpSpPr/>
+            <p:nvPr/>
+          </p:nvGrpSpPr>
+          <p:grpSpPr>
+            <a:xfrm>
+              <a:off x="2720197" y="6465798"/>
+              <a:ext cx="2212240" cy="1233716"/>
+              <a:chOff x="3232150" y="6672438"/>
+              <a:chExt cx="2038350" cy="814436"/>
+            </a:xfrm>
+          </p:grpSpPr>
+          <p:sp>
+            <p:nvSpPr>
+              <p:cNvPr id="57" name="Rectángulo 56">
+                <a:extLst>
+                  <a:ext uri="{FF2B5EF4-FFF2-40B4-BE49-F238E27FC236}">
+                    <a16:creationId xmlns:a16="http://schemas.microsoft.com/office/drawing/2014/main" id="{054A2B3E-5BA1-D852-1A63-7026CBBCCFE6}"/>
+                  </a:ext>
+                </a:extLst>
+              </p:cNvPr>
+              <p:cNvSpPr/>
+              <p:nvPr/>
+            </p:nvSpPr>
+            <p:spPr>
+              <a:xfrm>
+                <a:off x="3232150" y="6672438"/>
+                <a:ext cx="2038350" cy="814436"/>
+              </a:xfrm>
+              <a:prstGeom prst="rect">
+                <a:avLst/>
+              </a:prstGeom>
+              <a:solidFill>
+                <a:srgbClr val="4472C4">
+                  <a:alpha val="69804"/>
+                </a:srgbClr>
+              </a:solidFill>
+              <a:ln w="28575"/>
+            </p:spPr>
+            <p:style>
+              <a:lnRef idx="2">
+                <a:schemeClr val="accent1">
+                  <a:shade val="50000"/>
+                </a:schemeClr>
+              </a:lnRef>
+              <a:fillRef idx="1">
+                <a:schemeClr val="accent1"/>
+              </a:fillRef>
+              <a:effectRef idx="0">
+                <a:schemeClr val="accent1"/>
+              </a:effectRef>
+              <a:fontRef idx="minor">
+                <a:schemeClr val="lt1"/>
+              </a:fontRef>
+            </p:style>
+            <p:txBody>
+              <a:bodyPr rtlCol="0" anchor="ctr"/>
+              <a:lstStyle/>
+              <a:p>
+                <a:pPr algn="ctr"/>
+                <a:r>
+                  <a:rPr lang="es-MX" dirty="0"/>
+                  <a:t>2</a:t>
+                </a:r>
+              </a:p>
+            </p:txBody>
+          </p:sp>
+          <p:sp>
+            <p:nvSpPr>
+              <p:cNvPr id="58" name="Rectángulo 57">
+                <a:extLst>
+                  <a:ext uri="{FF2B5EF4-FFF2-40B4-BE49-F238E27FC236}">
+                    <a16:creationId xmlns:a16="http://schemas.microsoft.com/office/drawing/2014/main" id="{1068529D-D37C-1D7C-4D7A-66A93E9AE3C5}"/>
+                  </a:ext>
+                </a:extLst>
+              </p:cNvPr>
+              <p:cNvSpPr/>
+              <p:nvPr/>
+            </p:nvSpPr>
+            <p:spPr>
+              <a:xfrm>
+                <a:off x="3232150" y="6672438"/>
+                <a:ext cx="397642" cy="814436"/>
+              </a:xfrm>
+              <a:prstGeom prst="rect">
+                <a:avLst/>
+              </a:prstGeom>
+              <a:solidFill>
+                <a:srgbClr val="7C9DD6"/>
+              </a:solidFill>
+              <a:ln w="28575"/>
+            </p:spPr>
+            <p:style>
+              <a:lnRef idx="2">
+                <a:schemeClr val="accent1">
+                  <a:shade val="50000"/>
+                </a:schemeClr>
+              </a:lnRef>
+              <a:fillRef idx="1">
+                <a:schemeClr val="accent1"/>
+              </a:fillRef>
+              <a:effectRef idx="0">
+                <a:schemeClr val="accent1"/>
+              </a:effectRef>
+              <a:fontRef idx="minor">
+                <a:schemeClr val="lt1"/>
+              </a:fontRef>
+            </p:style>
+            <p:txBody>
+              <a:bodyPr rtlCol="0" anchor="ctr"/>
+              <a:lstStyle/>
+              <a:p>
+                <a:pPr algn="ctr"/>
+                <a:endParaRPr lang="es-MX"/>
+              </a:p>
+            </p:txBody>
+          </p:sp>
+          <p:sp>
+            <p:nvSpPr>
+              <p:cNvPr id="59" name="Rectángulo 58">
+                <a:extLst>
+                  <a:ext uri="{FF2B5EF4-FFF2-40B4-BE49-F238E27FC236}">
+                    <a16:creationId xmlns:a16="http://schemas.microsoft.com/office/drawing/2014/main" id="{6F7EDE17-E0D9-60F6-D9FD-19DE36C9AECB}"/>
+                  </a:ext>
+                </a:extLst>
+              </p:cNvPr>
+              <p:cNvSpPr/>
+              <p:nvPr/>
+            </p:nvSpPr>
+            <p:spPr>
+              <a:xfrm>
+                <a:off x="4872858" y="6672438"/>
+                <a:ext cx="397642" cy="814436"/>
+              </a:xfrm>
+              <a:prstGeom prst="rect">
+                <a:avLst/>
+              </a:prstGeom>
+              <a:solidFill>
+                <a:srgbClr val="7C9DD6"/>
+              </a:solidFill>
+              <a:ln w="28575"/>
+            </p:spPr>
+            <p:style>
+              <a:lnRef idx="2">
+                <a:schemeClr val="accent1">
+                  <a:shade val="50000"/>
+                </a:schemeClr>
+              </a:lnRef>
+              <a:fillRef idx="1">
+                <a:schemeClr val="accent1"/>
+              </a:fillRef>
+              <a:effectRef idx="0">
+                <a:schemeClr val="accent1"/>
+              </a:effectRef>
+              <a:fontRef idx="minor">
+                <a:schemeClr val="lt1"/>
+              </a:fontRef>
+            </p:style>
+            <p:txBody>
+              <a:bodyPr rtlCol="0" anchor="ctr"/>
+              <a:lstStyle/>
+              <a:p>
+                <a:pPr algn="ctr"/>
+                <a:endParaRPr lang="es-MX"/>
+              </a:p>
+            </p:txBody>
+          </p:sp>
+        </p:grpSp>
+        <p:cxnSp>
+          <p:nvCxnSpPr>
+            <p:cNvPr id="67" name="Conector recto 66">
+              <a:extLst>
+                <a:ext uri="{FF2B5EF4-FFF2-40B4-BE49-F238E27FC236}">
+                  <a16:creationId xmlns:a16="http://schemas.microsoft.com/office/drawing/2014/main" id="{1308A566-D93D-FD80-A6B8-31220416A127}"/>
+                </a:ext>
+              </a:extLst>
+            </p:cNvPr>
+            <p:cNvCxnSpPr/>
+            <p:nvPr/>
+          </p:nvCxnSpPr>
+          <p:spPr>
+            <a:xfrm>
+              <a:off x="2720197" y="6460606"/>
+              <a:ext cx="431565" cy="1235177"/>
+            </a:xfrm>
+            <a:prstGeom prst="line">
+              <a:avLst/>
+            </a:prstGeom>
+            <a:ln w="28575">
+              <a:solidFill>
+                <a:srgbClr val="2F528F"/>
+              </a:solidFill>
+            </a:ln>
+          </p:spPr>
+          <p:style>
+            <a:lnRef idx="1">
+              <a:schemeClr val="accent1"/>
+            </a:lnRef>
+            <a:fillRef idx="0">
+              <a:schemeClr val="accent1"/>
+            </a:fillRef>
+            <a:effectRef idx="0">
+              <a:schemeClr val="accent1"/>
+            </a:effectRef>
+            <a:fontRef idx="minor">
+              <a:schemeClr val="tx1"/>
+            </a:fontRef>
+          </p:style>
+        </p:cxnSp>
+        <p:cxnSp>
+          <p:nvCxnSpPr>
+            <p:cNvPr id="68" name="Conector recto 67">
+              <a:extLst>
+                <a:ext uri="{FF2B5EF4-FFF2-40B4-BE49-F238E27FC236}">
+                  <a16:creationId xmlns:a16="http://schemas.microsoft.com/office/drawing/2014/main" id="{63D733AF-79BC-3798-D49D-D75E7A5F0DB0}"/>
+                </a:ext>
+              </a:extLst>
+            </p:cNvPr>
+            <p:cNvCxnSpPr/>
+            <p:nvPr/>
+          </p:nvCxnSpPr>
+          <p:spPr>
+            <a:xfrm>
+              <a:off x="4500872" y="6456063"/>
+              <a:ext cx="431565" cy="1235177"/>
+            </a:xfrm>
+            <a:prstGeom prst="line">
+              <a:avLst/>
+            </a:prstGeom>
+            <a:ln w="28575">
+              <a:solidFill>
+                <a:srgbClr val="2F528F"/>
+              </a:solidFill>
+            </a:ln>
+          </p:spPr>
+          <p:style>
+            <a:lnRef idx="1">
+              <a:schemeClr val="accent1"/>
+            </a:lnRef>
+            <a:fillRef idx="0">
+              <a:schemeClr val="accent1"/>
+            </a:fillRef>
+            <a:effectRef idx="0">
+              <a:schemeClr val="accent1"/>
+            </a:effectRef>
+            <a:fontRef idx="minor">
+              <a:schemeClr val="tx1"/>
+            </a:fontRef>
+          </p:style>
+        </p:cxnSp>
+      </p:grpSp>
+      <p:grpSp>
+        <p:nvGrpSpPr>
+          <p:cNvPr id="70" name="Grupo 69">
+            <a:extLst>
+              <a:ext uri="{FF2B5EF4-FFF2-40B4-BE49-F238E27FC236}">
+                <a16:creationId xmlns:a16="http://schemas.microsoft.com/office/drawing/2014/main" id="{55286BF3-E305-9860-E63A-B9EC682C8B12}"/>
+              </a:ext>
+            </a:extLst>
+          </p:cNvPr>
+          <p:cNvGrpSpPr/>
+          <p:nvPr/>
+        </p:nvGrpSpPr>
+        <p:grpSpPr>
+          <a:xfrm>
+            <a:off x="4771862" y="7051435"/>
+            <a:ext cx="720000" cy="468000"/>
+            <a:chOff x="3232150" y="6672438"/>
+            <a:chExt cx="2038350" cy="814436"/>
+          </a:xfrm>
+        </p:grpSpPr>
+        <p:sp>
+          <p:nvSpPr>
+            <p:cNvPr id="71" name="Rectángulo 70">
+              <a:extLst>
+                <a:ext uri="{FF2B5EF4-FFF2-40B4-BE49-F238E27FC236}">
+                  <a16:creationId xmlns:a16="http://schemas.microsoft.com/office/drawing/2014/main" id="{ECE2F058-F8CC-4C73-836D-DBD4323EE517}"/>
+                </a:ext>
+              </a:extLst>
+            </p:cNvPr>
+            <p:cNvSpPr/>
+            <p:nvPr/>
+          </p:nvSpPr>
+          <p:spPr>
+            <a:xfrm>
+              <a:off x="3232150" y="6672438"/>
+              <a:ext cx="2038350" cy="814436"/>
+            </a:xfrm>
+            <a:prstGeom prst="rect">
+              <a:avLst/>
+            </a:prstGeom>
+            <a:solidFill>
+              <a:srgbClr val="4472C4">
+                <a:alpha val="69804"/>
+              </a:srgbClr>
+            </a:solidFill>
+            <a:ln w="28575"/>
+          </p:spPr>
+          <p:style>
+            <a:lnRef idx="2">
+              <a:schemeClr val="accent1">
+                <a:shade val="50000"/>
+              </a:schemeClr>
+            </a:lnRef>
+            <a:fillRef idx="1">
+              <a:schemeClr val="accent1"/>
+            </a:fillRef>
+            <a:effectRef idx="0">
+              <a:schemeClr val="accent1"/>
+            </a:effectRef>
+            <a:fontRef idx="minor">
+              <a:schemeClr val="lt1"/>
+            </a:fontRef>
+          </p:style>
+          <p:txBody>
+            <a:bodyPr rtlCol="0" anchor="ctr"/>
+            <a:lstStyle/>
+            <a:p>
+              <a:pPr algn="ctr"/>
+              <a:r>
+                <a:rPr lang="es-MX" dirty="0"/>
+                <a:t>*</a:t>
+              </a:r>
+            </a:p>
+          </p:txBody>
+        </p:sp>
+        <p:sp>
+          <p:nvSpPr>
+            <p:cNvPr id="72" name="Rectángulo 71">
+              <a:extLst>
+                <a:ext uri="{FF2B5EF4-FFF2-40B4-BE49-F238E27FC236}">
+                  <a16:creationId xmlns:a16="http://schemas.microsoft.com/office/drawing/2014/main" id="{299FA040-B613-0390-9FA4-DFD3E023DDBD}"/>
+                </a:ext>
+              </a:extLst>
+            </p:cNvPr>
+            <p:cNvSpPr/>
+            <p:nvPr/>
+          </p:nvSpPr>
+          <p:spPr>
+            <a:xfrm>
+              <a:off x="3232150" y="6672438"/>
+              <a:ext cx="397642" cy="814436"/>
+            </a:xfrm>
+            <a:prstGeom prst="rect">
+              <a:avLst/>
+            </a:prstGeom>
+            <a:solidFill>
+              <a:srgbClr val="7C9DD6"/>
+            </a:solidFill>
+            <a:ln w="28575"/>
+          </p:spPr>
+          <p:style>
+            <a:lnRef idx="2">
+              <a:schemeClr val="accent1">
+                <a:shade val="50000"/>
+              </a:schemeClr>
+            </a:lnRef>
+            <a:fillRef idx="1">
+              <a:schemeClr val="accent1"/>
+            </a:fillRef>
+            <a:effectRef idx="0">
+              <a:schemeClr val="accent1"/>
+            </a:effectRef>
+            <a:fontRef idx="minor">
+              <a:schemeClr val="lt1"/>
+            </a:fontRef>
+          </p:style>
+          <p:txBody>
+            <a:bodyPr rtlCol="0" anchor="ctr"/>
+            <a:lstStyle/>
+            <a:p>
+              <a:pPr algn="ctr"/>
+              <a:endParaRPr lang="es-MX"/>
+            </a:p>
+          </p:txBody>
+        </p:sp>
+        <p:sp>
+          <p:nvSpPr>
+            <p:cNvPr id="73" name="Rectángulo 72">
+              <a:extLst>
+                <a:ext uri="{FF2B5EF4-FFF2-40B4-BE49-F238E27FC236}">
+                  <a16:creationId xmlns:a16="http://schemas.microsoft.com/office/drawing/2014/main" id="{17B8AE29-0FEE-B2DE-02CF-05D9AEE44C2C}"/>
+                </a:ext>
+              </a:extLst>
+            </p:cNvPr>
+            <p:cNvSpPr/>
+            <p:nvPr/>
+          </p:nvSpPr>
+          <p:spPr>
+            <a:xfrm>
+              <a:off x="4872858" y="6672438"/>
+              <a:ext cx="397642" cy="814436"/>
+            </a:xfrm>
+            <a:prstGeom prst="rect">
+              <a:avLst/>
+            </a:prstGeom>
+            <a:solidFill>
+              <a:srgbClr val="7C9DD6"/>
+            </a:solidFill>
+            <a:ln w="28575"/>
+          </p:spPr>
+          <p:style>
+            <a:lnRef idx="2">
+              <a:schemeClr val="accent1">
+                <a:shade val="50000"/>
+              </a:schemeClr>
+            </a:lnRef>
+            <a:fillRef idx="1">
+              <a:schemeClr val="accent1"/>
+            </a:fillRef>
+            <a:effectRef idx="0">
+              <a:schemeClr val="accent1"/>
+            </a:effectRef>
+            <a:fontRef idx="minor">
+              <a:schemeClr val="lt1"/>
+            </a:fontRef>
+          </p:style>
+          <p:txBody>
+            <a:bodyPr rtlCol="0" anchor="ctr"/>
+            <a:lstStyle/>
+            <a:p>
+              <a:pPr algn="ctr"/>
+              <a:endParaRPr lang="es-MX"/>
+            </a:p>
+          </p:txBody>
+        </p:sp>
+      </p:grpSp>
+      <p:grpSp>
+        <p:nvGrpSpPr>
+          <p:cNvPr id="78" name="Grupo 77">
+            <a:extLst>
+              <a:ext uri="{FF2B5EF4-FFF2-40B4-BE49-F238E27FC236}">
+                <a16:creationId xmlns:a16="http://schemas.microsoft.com/office/drawing/2014/main" id="{E145DCD7-197B-9349-DBA4-44D8D30CCB99}"/>
+              </a:ext>
+            </a:extLst>
+          </p:cNvPr>
+          <p:cNvGrpSpPr/>
+          <p:nvPr/>
+        </p:nvGrpSpPr>
+        <p:grpSpPr>
+          <a:xfrm>
+            <a:off x="6573150" y="7051435"/>
+            <a:ext cx="720000" cy="468000"/>
+            <a:chOff x="2720197" y="6456063"/>
+            <a:chExt cx="2212240" cy="1243451"/>
+          </a:xfrm>
+        </p:grpSpPr>
+        <p:grpSp>
+          <p:nvGrpSpPr>
+            <p:cNvPr id="79" name="Grupo 78">
+              <a:extLst>
+                <a:ext uri="{FF2B5EF4-FFF2-40B4-BE49-F238E27FC236}">
+                  <a16:creationId xmlns:a16="http://schemas.microsoft.com/office/drawing/2014/main" id="{DAF8175B-25DE-CD29-4DA5-DF4264B2EC75}"/>
+                </a:ext>
+              </a:extLst>
+            </p:cNvPr>
+            <p:cNvGrpSpPr/>
+            <p:nvPr/>
+          </p:nvGrpSpPr>
+          <p:grpSpPr>
+            <a:xfrm>
+              <a:off x="2720197" y="6465798"/>
+              <a:ext cx="2212240" cy="1233716"/>
+              <a:chOff x="3232150" y="6672438"/>
+              <a:chExt cx="2038350" cy="814436"/>
+            </a:xfrm>
+          </p:grpSpPr>
+          <p:sp>
+            <p:nvSpPr>
+              <p:cNvPr id="82" name="Rectángulo 81">
+                <a:extLst>
+                  <a:ext uri="{FF2B5EF4-FFF2-40B4-BE49-F238E27FC236}">
+                    <a16:creationId xmlns:a16="http://schemas.microsoft.com/office/drawing/2014/main" id="{67E23BF5-6380-AC91-89A4-6999B78750AD}"/>
+                  </a:ext>
+                </a:extLst>
+              </p:cNvPr>
+              <p:cNvSpPr/>
+              <p:nvPr/>
+            </p:nvSpPr>
+            <p:spPr>
+              <a:xfrm>
+                <a:off x="3232150" y="6672438"/>
+                <a:ext cx="2038350" cy="814436"/>
+              </a:xfrm>
+              <a:prstGeom prst="rect">
+                <a:avLst/>
+              </a:prstGeom>
+              <a:solidFill>
+                <a:srgbClr val="4472C4">
+                  <a:alpha val="69804"/>
+                </a:srgbClr>
+              </a:solidFill>
+              <a:ln w="28575"/>
+            </p:spPr>
+            <p:style>
+              <a:lnRef idx="2">
+                <a:schemeClr val="accent1">
+                  <a:shade val="50000"/>
+                </a:schemeClr>
+              </a:lnRef>
+              <a:fillRef idx="1">
+                <a:schemeClr val="accent1"/>
+              </a:fillRef>
+              <a:effectRef idx="0">
+                <a:schemeClr val="accent1"/>
+              </a:effectRef>
+              <a:fontRef idx="minor">
+                <a:schemeClr val="lt1"/>
+              </a:fontRef>
+            </p:style>
+            <p:txBody>
+              <a:bodyPr rtlCol="0" anchor="ctr"/>
+              <a:lstStyle/>
+              <a:p>
+                <a:pPr algn="ctr"/>
+                <a:r>
+                  <a:rPr lang="es-MX" dirty="0"/>
+                  <a:t>3</a:t>
+                </a:r>
+              </a:p>
+            </p:txBody>
+          </p:sp>
+          <p:sp>
+            <p:nvSpPr>
+              <p:cNvPr id="83" name="Rectángulo 82">
+                <a:extLst>
+                  <a:ext uri="{FF2B5EF4-FFF2-40B4-BE49-F238E27FC236}">
+                    <a16:creationId xmlns:a16="http://schemas.microsoft.com/office/drawing/2014/main" id="{FED9BDAD-18C3-BBD5-1462-2DCB0B9251A3}"/>
+                  </a:ext>
+                </a:extLst>
+              </p:cNvPr>
+              <p:cNvSpPr/>
+              <p:nvPr/>
+            </p:nvSpPr>
+            <p:spPr>
+              <a:xfrm>
+                <a:off x="3232150" y="6672438"/>
+                <a:ext cx="397642" cy="814436"/>
+              </a:xfrm>
+              <a:prstGeom prst="rect">
+                <a:avLst/>
+              </a:prstGeom>
+              <a:solidFill>
+                <a:srgbClr val="7C9DD6"/>
+              </a:solidFill>
+              <a:ln w="28575"/>
+            </p:spPr>
+            <p:style>
+              <a:lnRef idx="2">
+                <a:schemeClr val="accent1">
+                  <a:shade val="50000"/>
+                </a:schemeClr>
+              </a:lnRef>
+              <a:fillRef idx="1">
+                <a:schemeClr val="accent1"/>
+              </a:fillRef>
+              <a:effectRef idx="0">
+                <a:schemeClr val="accent1"/>
+              </a:effectRef>
+              <a:fontRef idx="minor">
+                <a:schemeClr val="lt1"/>
+              </a:fontRef>
+            </p:style>
+            <p:txBody>
+              <a:bodyPr rtlCol="0" anchor="ctr"/>
+              <a:lstStyle/>
+              <a:p>
+                <a:pPr algn="ctr"/>
+                <a:endParaRPr lang="es-MX"/>
+              </a:p>
+            </p:txBody>
+          </p:sp>
+          <p:sp>
+            <p:nvSpPr>
+              <p:cNvPr id="84" name="Rectángulo 83">
+                <a:extLst>
+                  <a:ext uri="{FF2B5EF4-FFF2-40B4-BE49-F238E27FC236}">
+                    <a16:creationId xmlns:a16="http://schemas.microsoft.com/office/drawing/2014/main" id="{1CB351A1-9758-6728-8192-819FDCEBF2CC}"/>
+                  </a:ext>
+                </a:extLst>
+              </p:cNvPr>
+              <p:cNvSpPr/>
+              <p:nvPr/>
+            </p:nvSpPr>
+            <p:spPr>
+              <a:xfrm>
+                <a:off x="4872858" y="6672438"/>
+                <a:ext cx="397642" cy="814436"/>
+              </a:xfrm>
+              <a:prstGeom prst="rect">
+                <a:avLst/>
+              </a:prstGeom>
+              <a:solidFill>
+                <a:srgbClr val="7C9DD6"/>
+              </a:solidFill>
+              <a:ln w="28575"/>
+            </p:spPr>
+            <p:style>
+              <a:lnRef idx="2">
+                <a:schemeClr val="accent1">
+                  <a:shade val="50000"/>
+                </a:schemeClr>
+              </a:lnRef>
+              <a:fillRef idx="1">
+                <a:schemeClr val="accent1"/>
+              </a:fillRef>
+              <a:effectRef idx="0">
+                <a:schemeClr val="accent1"/>
+              </a:effectRef>
+              <a:fontRef idx="minor">
+                <a:schemeClr val="lt1"/>
+              </a:fontRef>
+            </p:style>
+            <p:txBody>
+              <a:bodyPr rtlCol="0" anchor="ctr"/>
+              <a:lstStyle/>
+              <a:p>
+                <a:pPr algn="ctr"/>
+                <a:endParaRPr lang="es-MX"/>
+              </a:p>
+            </p:txBody>
+          </p:sp>
+        </p:grpSp>
+        <p:cxnSp>
+          <p:nvCxnSpPr>
+            <p:cNvPr id="80" name="Conector recto 79">
+              <a:extLst>
+                <a:ext uri="{FF2B5EF4-FFF2-40B4-BE49-F238E27FC236}">
+                  <a16:creationId xmlns:a16="http://schemas.microsoft.com/office/drawing/2014/main" id="{6FBD1563-E177-C301-AE93-8564B0C5A4E0}"/>
+                </a:ext>
+              </a:extLst>
+            </p:cNvPr>
+            <p:cNvCxnSpPr/>
+            <p:nvPr/>
+          </p:nvCxnSpPr>
+          <p:spPr>
+            <a:xfrm>
+              <a:off x="2720197" y="6460606"/>
+              <a:ext cx="431565" cy="1235177"/>
+            </a:xfrm>
+            <a:prstGeom prst="line">
+              <a:avLst/>
+            </a:prstGeom>
+            <a:ln w="28575">
+              <a:solidFill>
+                <a:srgbClr val="2F528F"/>
+              </a:solidFill>
+            </a:ln>
+          </p:spPr>
+          <p:style>
+            <a:lnRef idx="1">
+              <a:schemeClr val="accent1"/>
+            </a:lnRef>
+            <a:fillRef idx="0">
+              <a:schemeClr val="accent1"/>
+            </a:fillRef>
+            <a:effectRef idx="0">
+              <a:schemeClr val="accent1"/>
+            </a:effectRef>
+            <a:fontRef idx="minor">
+              <a:schemeClr val="tx1"/>
+            </a:fontRef>
+          </p:style>
+        </p:cxnSp>
+        <p:cxnSp>
+          <p:nvCxnSpPr>
+            <p:cNvPr id="81" name="Conector recto 80">
+              <a:extLst>
+                <a:ext uri="{FF2B5EF4-FFF2-40B4-BE49-F238E27FC236}">
+                  <a16:creationId xmlns:a16="http://schemas.microsoft.com/office/drawing/2014/main" id="{D4047FB2-59F1-1164-4A40-6736BFECC569}"/>
+                </a:ext>
+              </a:extLst>
+            </p:cNvPr>
+            <p:cNvCxnSpPr/>
+            <p:nvPr/>
+          </p:nvCxnSpPr>
+          <p:spPr>
+            <a:xfrm>
+              <a:off x="4500872" y="6456063"/>
+              <a:ext cx="431565" cy="1235177"/>
+            </a:xfrm>
+            <a:prstGeom prst="line">
+              <a:avLst/>
+            </a:prstGeom>
+            <a:ln w="28575">
+              <a:solidFill>
+                <a:srgbClr val="2F528F"/>
+              </a:solidFill>
+            </a:ln>
+          </p:spPr>
+          <p:style>
+            <a:lnRef idx="1">
+              <a:schemeClr val="accent1"/>
+            </a:lnRef>
+            <a:fillRef idx="0">
+              <a:schemeClr val="accent1"/>
+            </a:fillRef>
+            <a:effectRef idx="0">
+              <a:schemeClr val="accent1"/>
+            </a:effectRef>
+            <a:fontRef idx="minor">
+              <a:schemeClr val="tx1"/>
+            </a:fontRef>
+          </p:style>
+        </p:cxnSp>
+      </p:grpSp>
+      <p:grpSp>
+        <p:nvGrpSpPr>
+          <p:cNvPr id="85" name="Grupo 84">
+            <a:extLst>
+              <a:ext uri="{FF2B5EF4-FFF2-40B4-BE49-F238E27FC236}">
+                <a16:creationId xmlns:a16="http://schemas.microsoft.com/office/drawing/2014/main" id="{A273BE13-1619-ADEF-AE85-FD3CF94679F1}"/>
+              </a:ext>
+            </a:extLst>
+          </p:cNvPr>
+          <p:cNvGrpSpPr/>
+          <p:nvPr/>
+        </p:nvGrpSpPr>
+        <p:grpSpPr>
+          <a:xfrm>
+            <a:off x="5591438" y="7790838"/>
+            <a:ext cx="720000" cy="468000"/>
+            <a:chOff x="2720197" y="6456063"/>
+            <a:chExt cx="2212240" cy="1243451"/>
+          </a:xfrm>
+        </p:grpSpPr>
+        <p:grpSp>
+          <p:nvGrpSpPr>
+            <p:cNvPr id="86" name="Grupo 85">
+              <a:extLst>
+                <a:ext uri="{FF2B5EF4-FFF2-40B4-BE49-F238E27FC236}">
+                  <a16:creationId xmlns:a16="http://schemas.microsoft.com/office/drawing/2014/main" id="{C0BC118D-7E9D-8131-292F-16EBF10386D0}"/>
+                </a:ext>
+              </a:extLst>
+            </p:cNvPr>
+            <p:cNvGrpSpPr/>
+            <p:nvPr/>
+          </p:nvGrpSpPr>
+          <p:grpSpPr>
+            <a:xfrm>
+              <a:off x="2720197" y="6465798"/>
+              <a:ext cx="2212240" cy="1233716"/>
+              <a:chOff x="3232150" y="6672438"/>
+              <a:chExt cx="2038350" cy="814436"/>
+            </a:xfrm>
+          </p:grpSpPr>
+          <p:sp>
+            <p:nvSpPr>
+              <p:cNvPr id="89" name="Rectángulo 88">
+                <a:extLst>
+                  <a:ext uri="{FF2B5EF4-FFF2-40B4-BE49-F238E27FC236}">
+                    <a16:creationId xmlns:a16="http://schemas.microsoft.com/office/drawing/2014/main" id="{417B0630-A794-3F2A-6D5B-C1B97D71BFD1}"/>
+                  </a:ext>
+                </a:extLst>
+              </p:cNvPr>
+              <p:cNvSpPr/>
+              <p:nvPr/>
+            </p:nvSpPr>
+            <p:spPr>
+              <a:xfrm>
+                <a:off x="3232150" y="6672438"/>
+                <a:ext cx="2038350" cy="814436"/>
+              </a:xfrm>
+              <a:prstGeom prst="rect">
+                <a:avLst/>
+              </a:prstGeom>
+              <a:solidFill>
+                <a:srgbClr val="4472C4">
+                  <a:alpha val="69804"/>
+                </a:srgbClr>
+              </a:solidFill>
+              <a:ln w="28575"/>
+            </p:spPr>
+            <p:style>
+              <a:lnRef idx="2">
+                <a:schemeClr val="accent1">
+                  <a:shade val="50000"/>
+                </a:schemeClr>
+              </a:lnRef>
+              <a:fillRef idx="1">
+                <a:schemeClr val="accent1"/>
+              </a:fillRef>
+              <a:effectRef idx="0">
+                <a:schemeClr val="accent1"/>
+              </a:effectRef>
+              <a:fontRef idx="minor">
+                <a:schemeClr val="lt1"/>
+              </a:fontRef>
+            </p:style>
+            <p:txBody>
+              <a:bodyPr rtlCol="0" anchor="ctr"/>
+              <a:lstStyle/>
+              <a:p>
+                <a:pPr algn="ctr"/>
+                <a:r>
+                  <a:rPr lang="es-MX" dirty="0"/>
+                  <a:t>5</a:t>
+                </a:r>
+              </a:p>
+            </p:txBody>
+          </p:sp>
+          <p:sp>
+            <p:nvSpPr>
+              <p:cNvPr id="90" name="Rectángulo 89">
+                <a:extLst>
+                  <a:ext uri="{FF2B5EF4-FFF2-40B4-BE49-F238E27FC236}">
+                    <a16:creationId xmlns:a16="http://schemas.microsoft.com/office/drawing/2014/main" id="{2F5514A5-5282-048C-90BF-BDF210388EDF}"/>
+                  </a:ext>
+                </a:extLst>
+              </p:cNvPr>
+              <p:cNvSpPr/>
+              <p:nvPr/>
+            </p:nvSpPr>
+            <p:spPr>
+              <a:xfrm>
+                <a:off x="3232150" y="6672438"/>
+                <a:ext cx="397642" cy="814436"/>
+              </a:xfrm>
+              <a:prstGeom prst="rect">
+                <a:avLst/>
+              </a:prstGeom>
+              <a:solidFill>
+                <a:srgbClr val="7C9DD6"/>
+              </a:solidFill>
+              <a:ln w="28575"/>
+            </p:spPr>
+            <p:style>
+              <a:lnRef idx="2">
+                <a:schemeClr val="accent1">
+                  <a:shade val="50000"/>
+                </a:schemeClr>
+              </a:lnRef>
+              <a:fillRef idx="1">
+                <a:schemeClr val="accent1"/>
+              </a:fillRef>
+              <a:effectRef idx="0">
+                <a:schemeClr val="accent1"/>
+              </a:effectRef>
+              <a:fontRef idx="minor">
+                <a:schemeClr val="lt1"/>
+              </a:fontRef>
+            </p:style>
+            <p:txBody>
+              <a:bodyPr rtlCol="0" anchor="ctr"/>
+              <a:lstStyle/>
+              <a:p>
+                <a:pPr algn="ctr"/>
+                <a:endParaRPr lang="es-MX"/>
+              </a:p>
+            </p:txBody>
+          </p:sp>
+          <p:sp>
+            <p:nvSpPr>
+              <p:cNvPr id="91" name="Rectángulo 90">
+                <a:extLst>
+                  <a:ext uri="{FF2B5EF4-FFF2-40B4-BE49-F238E27FC236}">
+                    <a16:creationId xmlns:a16="http://schemas.microsoft.com/office/drawing/2014/main" id="{FAF37C45-4F3B-1178-7248-114E2AEC0922}"/>
+                  </a:ext>
+                </a:extLst>
+              </p:cNvPr>
+              <p:cNvSpPr/>
+              <p:nvPr/>
+            </p:nvSpPr>
+            <p:spPr>
+              <a:xfrm>
+                <a:off x="4872858" y="6672438"/>
+                <a:ext cx="397642" cy="814436"/>
+              </a:xfrm>
+              <a:prstGeom prst="rect">
+                <a:avLst/>
+              </a:prstGeom>
+              <a:solidFill>
+                <a:srgbClr val="7C9DD6"/>
+              </a:solidFill>
+              <a:ln w="28575"/>
+            </p:spPr>
+            <p:style>
+              <a:lnRef idx="2">
+                <a:schemeClr val="accent1">
+                  <a:shade val="50000"/>
+                </a:schemeClr>
+              </a:lnRef>
+              <a:fillRef idx="1">
+                <a:schemeClr val="accent1"/>
+              </a:fillRef>
+              <a:effectRef idx="0">
+                <a:schemeClr val="accent1"/>
+              </a:effectRef>
+              <a:fontRef idx="minor">
+                <a:schemeClr val="lt1"/>
+              </a:fontRef>
+            </p:style>
+            <p:txBody>
+              <a:bodyPr rtlCol="0" anchor="ctr"/>
+              <a:lstStyle/>
+              <a:p>
+                <a:pPr algn="ctr"/>
+                <a:endParaRPr lang="es-MX"/>
+              </a:p>
+            </p:txBody>
+          </p:sp>
+        </p:grpSp>
+        <p:cxnSp>
+          <p:nvCxnSpPr>
+            <p:cNvPr id="87" name="Conector recto 86">
+              <a:extLst>
+                <a:ext uri="{FF2B5EF4-FFF2-40B4-BE49-F238E27FC236}">
+                  <a16:creationId xmlns:a16="http://schemas.microsoft.com/office/drawing/2014/main" id="{26C0B324-3FBD-3F55-E49D-86D7D2EE2049}"/>
+                </a:ext>
+              </a:extLst>
+            </p:cNvPr>
+            <p:cNvCxnSpPr/>
+            <p:nvPr/>
+          </p:nvCxnSpPr>
+          <p:spPr>
+            <a:xfrm>
+              <a:off x="2720197" y="6460606"/>
+              <a:ext cx="431565" cy="1235177"/>
+            </a:xfrm>
+            <a:prstGeom prst="line">
+              <a:avLst/>
+            </a:prstGeom>
+            <a:ln w="28575">
+              <a:solidFill>
+                <a:srgbClr val="2F528F"/>
+              </a:solidFill>
+            </a:ln>
+          </p:spPr>
+          <p:style>
+            <a:lnRef idx="1">
+              <a:schemeClr val="accent1"/>
+            </a:lnRef>
+            <a:fillRef idx="0">
+              <a:schemeClr val="accent1"/>
+            </a:fillRef>
+            <a:effectRef idx="0">
+              <a:schemeClr val="accent1"/>
+            </a:effectRef>
+            <a:fontRef idx="minor">
+              <a:schemeClr val="tx1"/>
+            </a:fontRef>
+          </p:style>
+        </p:cxnSp>
+        <p:cxnSp>
+          <p:nvCxnSpPr>
+            <p:cNvPr id="88" name="Conector recto 87">
+              <a:extLst>
+                <a:ext uri="{FF2B5EF4-FFF2-40B4-BE49-F238E27FC236}">
+                  <a16:creationId xmlns:a16="http://schemas.microsoft.com/office/drawing/2014/main" id="{92B8FAC7-2B78-DA22-C601-A3EAC8FA759F}"/>
+                </a:ext>
+              </a:extLst>
+            </p:cNvPr>
+            <p:cNvCxnSpPr/>
+            <p:nvPr/>
+          </p:nvCxnSpPr>
+          <p:spPr>
+            <a:xfrm>
+              <a:off x="4500872" y="6456063"/>
+              <a:ext cx="431565" cy="1235177"/>
+            </a:xfrm>
+            <a:prstGeom prst="line">
+              <a:avLst/>
+            </a:prstGeom>
+            <a:ln w="28575">
+              <a:solidFill>
+                <a:srgbClr val="2F528F"/>
+              </a:solidFill>
+            </a:ln>
+          </p:spPr>
+          <p:style>
+            <a:lnRef idx="1">
+              <a:schemeClr val="accent1"/>
+            </a:lnRef>
+            <a:fillRef idx="0">
+              <a:schemeClr val="accent1"/>
+            </a:fillRef>
+            <a:effectRef idx="0">
+              <a:schemeClr val="accent1"/>
+            </a:effectRef>
+            <a:fontRef idx="minor">
+              <a:schemeClr val="tx1"/>
+            </a:fontRef>
+          </p:style>
+        </p:cxnSp>
+      </p:grpSp>
+      <p:cxnSp>
+        <p:nvCxnSpPr>
+          <p:cNvPr id="93" name="Conector: angular 92">
+            <a:extLst>
+              <a:ext uri="{FF2B5EF4-FFF2-40B4-BE49-F238E27FC236}">
+                <a16:creationId xmlns:a16="http://schemas.microsoft.com/office/drawing/2014/main" id="{DCD920BE-39E7-CB42-6601-D5CEA0BB764B}"/>
+              </a:ext>
+            </a:extLst>
+          </p:cNvPr>
+          <p:cNvCxnSpPr>
+            <a:cxnSpLocks/>
+            <a:stCxn id="63" idx="1"/>
+            <a:endCxn id="71" idx="0"/>
+          </p:cNvCxnSpPr>
+          <p:nvPr/>
+        </p:nvCxnSpPr>
+        <p:spPr>
+          <a:xfrm rot="10800000" flipV="1">
+            <a:off x="5131863" y="6617031"/>
+            <a:ext cx="531817" cy="434404"/>
+          </a:xfrm>
+          <a:prstGeom prst="bentConnector2">
+            <a:avLst/>
+          </a:prstGeom>
+          <a:ln>
+            <a:tailEnd type="triangle"/>
+          </a:ln>
+        </p:spPr>
+        <p:style>
+          <a:lnRef idx="1">
+            <a:schemeClr val="accent1"/>
+          </a:lnRef>
+          <a:fillRef idx="0">
+            <a:schemeClr val="accent1"/>
+          </a:fillRef>
+          <a:effectRef idx="0">
+            <a:schemeClr val="accent1"/>
+          </a:effectRef>
+          <a:fontRef idx="minor">
+            <a:schemeClr val="tx1"/>
+          </a:fontRef>
+        </p:style>
+      </p:cxnSp>
+      <p:cxnSp>
+        <p:nvCxnSpPr>
+          <p:cNvPr id="97" name="Conector: angular 96">
+            <a:extLst>
+              <a:ext uri="{FF2B5EF4-FFF2-40B4-BE49-F238E27FC236}">
+                <a16:creationId xmlns:a16="http://schemas.microsoft.com/office/drawing/2014/main" id="{49AE159E-891A-E548-4E91-8B68FF9EA816}"/>
+              </a:ext>
+            </a:extLst>
+          </p:cNvPr>
+          <p:cNvCxnSpPr>
+            <a:stCxn id="64" idx="3"/>
+            <a:endCxn id="82" idx="0"/>
+          </p:cNvCxnSpPr>
+          <p:nvPr/>
+        </p:nvCxnSpPr>
+        <p:spPr>
+          <a:xfrm>
+            <a:off x="6383679" y="6617031"/>
+            <a:ext cx="549471" cy="438068"/>
+          </a:xfrm>
+          <a:prstGeom prst="bentConnector2">
+            <a:avLst/>
+          </a:prstGeom>
+          <a:ln>
+            <a:tailEnd type="triangle"/>
+          </a:ln>
+        </p:spPr>
+        <p:style>
+          <a:lnRef idx="1">
+            <a:schemeClr val="accent1"/>
+          </a:lnRef>
+          <a:fillRef idx="0">
+            <a:schemeClr val="accent1"/>
+          </a:fillRef>
+          <a:effectRef idx="0">
+            <a:schemeClr val="accent1"/>
+          </a:effectRef>
+          <a:fontRef idx="minor">
+            <a:schemeClr val="tx1"/>
+          </a:fontRef>
+        </p:style>
+      </p:cxnSp>
+      <p:cxnSp>
+        <p:nvCxnSpPr>
+          <p:cNvPr id="100" name="Conector: angular 99">
+            <a:extLst>
+              <a:ext uri="{FF2B5EF4-FFF2-40B4-BE49-F238E27FC236}">
+                <a16:creationId xmlns:a16="http://schemas.microsoft.com/office/drawing/2014/main" id="{437F3044-1217-FD5D-143E-C138F4A04C6D}"/>
+              </a:ext>
+            </a:extLst>
+          </p:cNvPr>
+          <p:cNvCxnSpPr>
+            <a:stCxn id="72" idx="1"/>
+            <a:endCxn id="57" idx="0"/>
+          </p:cNvCxnSpPr>
+          <p:nvPr/>
+        </p:nvCxnSpPr>
+        <p:spPr>
+          <a:xfrm rot="10800000" flipV="1">
+            <a:off x="4312286" y="7285434"/>
+            <a:ext cx="459576" cy="509067"/>
+          </a:xfrm>
+          <a:prstGeom prst="bentConnector2">
+            <a:avLst/>
+          </a:prstGeom>
+          <a:ln>
+            <a:tailEnd type="triangle"/>
+          </a:ln>
+        </p:spPr>
+        <p:style>
+          <a:lnRef idx="1">
+            <a:schemeClr val="accent1"/>
+          </a:lnRef>
+          <a:fillRef idx="0">
+            <a:schemeClr val="accent1"/>
+          </a:fillRef>
+          <a:effectRef idx="0">
+            <a:schemeClr val="accent1"/>
+          </a:effectRef>
+          <a:fontRef idx="minor">
+            <a:schemeClr val="tx1"/>
+          </a:fontRef>
+        </p:style>
+      </p:cxnSp>
+      <p:cxnSp>
+        <p:nvCxnSpPr>
+          <p:cNvPr id="102" name="Conector: angular 101">
+            <a:extLst>
+              <a:ext uri="{FF2B5EF4-FFF2-40B4-BE49-F238E27FC236}">
+                <a16:creationId xmlns:a16="http://schemas.microsoft.com/office/drawing/2014/main" id="{4F3A88A1-ABF2-C026-12E5-0E43E927B310}"/>
+              </a:ext>
+            </a:extLst>
+          </p:cNvPr>
+          <p:cNvCxnSpPr>
+            <a:stCxn id="73" idx="3"/>
+            <a:endCxn id="89" idx="0"/>
+          </p:cNvCxnSpPr>
+          <p:nvPr/>
+        </p:nvCxnSpPr>
+        <p:spPr>
+          <a:xfrm>
+            <a:off x="5491862" y="7285435"/>
+            <a:ext cx="459576" cy="509067"/>
+          </a:xfrm>
+          <a:prstGeom prst="bentConnector2">
+            <a:avLst/>
+          </a:prstGeom>
+          <a:ln>
+            <a:tailEnd type="triangle"/>
+          </a:ln>
+        </p:spPr>
+        <p:style>
+          <a:lnRef idx="1">
+            <a:schemeClr val="accent1"/>
+          </a:lnRef>
+          <a:fillRef idx="0">
+            <a:schemeClr val="accent1"/>
+          </a:fillRef>
+          <a:effectRef idx="0">
+            <a:schemeClr val="accent1"/>
+          </a:effectRef>
+          <a:fontRef idx="minor">
+            <a:schemeClr val="tx1"/>
+          </a:fontRef>
+        </p:style>
+      </p:cxnSp>
+      <p:sp>
+        <p:nvSpPr>
+          <p:cNvPr id="55" name="Rectángulo 54">
+            <a:extLst>
+              <a:ext uri="{FF2B5EF4-FFF2-40B4-BE49-F238E27FC236}">
+                <a16:creationId xmlns:a16="http://schemas.microsoft.com/office/drawing/2014/main" id="{3042B322-7497-9C97-B7B3-9FDF6048E57F}"/>
+              </a:ext>
+            </a:extLst>
+          </p:cNvPr>
+          <p:cNvSpPr/>
+          <p:nvPr/>
+        </p:nvSpPr>
+        <p:spPr>
+          <a:xfrm>
+            <a:off x="557213" y="8468238"/>
+            <a:ext cx="1012188" cy="378090"/>
+          </a:xfrm>
+          <a:prstGeom prst="rect">
+            <a:avLst/>
+          </a:prstGeom>
+          <a:solidFill>
+            <a:srgbClr val="18A41B">
+              <a:alpha val="50196"/>
+            </a:srgbClr>
+          </a:solidFill>
+          <a:ln>
+            <a:noFill/>
+          </a:ln>
+        </p:spPr>
+        <p:style>
+          <a:lnRef idx="2">
+            <a:schemeClr val="accent1">
+              <a:shade val="50000"/>
+            </a:schemeClr>
+          </a:lnRef>
+          <a:fillRef idx="1">
+            <a:schemeClr val="accent1"/>
+          </a:fillRef>
+          <a:effectRef idx="0">
+            <a:schemeClr val="accent1"/>
+          </a:effectRef>
+          <a:fontRef idx="minor">
+            <a:schemeClr val="lt1"/>
+          </a:fontRef>
+        </p:style>
+        <p:txBody>
+          <a:bodyPr rtlCol="0" anchor="ctr"/>
+          <a:lstStyle/>
+          <a:p>
+            <a:pPr algn="ctr"/>
+            <a:endParaRPr lang="es-MX" dirty="0"/>
+          </a:p>
+        </p:txBody>
+      </p:sp>
     </p:spTree>
     <p:extLst>
       <p:ext uri="{BB962C8B-B14F-4D97-AF65-F5344CB8AC3E}">
         <p14:creationId xmlns:p14="http://schemas.microsoft.com/office/powerpoint/2010/main" val="534339375"/>
+      </p:ext>
+    </p:extLst>
+  </p:cSld>
+  <p:clrMapOvr>
+    <a:masterClrMapping/>
+  </p:clrMapOvr>
+</p:sld>
+</file>
+
+<file path=ppt/slides/slide22.xml><?xml version="1.0" encoding="utf-8"?>
+<p:sld xmlns:a="http://schemas.openxmlformats.org/drawingml/2006/main" xmlns:r="http://schemas.openxmlformats.org/officeDocument/2006/relationships" xmlns:p="http://schemas.openxmlformats.org/presentationml/2006/main">
+  <p:cSld>
+    <p:spTree>
+      <p:nvGrpSpPr>
+        <p:cNvPr id="1" name=""/>
+        <p:cNvGrpSpPr/>
+        <p:nvPr/>
+      </p:nvGrpSpPr>
+      <p:grpSpPr>
+        <a:xfrm>
+          <a:off x="0" y="0"/>
+          <a:ext cx="0" cy="0"/>
+          <a:chOff x="0" y="0"/>
+          <a:chExt cx="0" cy="0"/>
+        </a:xfrm>
+      </p:grpSpPr>
+      <p:sp>
+        <p:nvSpPr>
+          <p:cNvPr id="8" name="Rectángulo 7">
+            <a:extLst>
+              <a:ext uri="{FF2B5EF4-FFF2-40B4-BE49-F238E27FC236}">
+                <a16:creationId xmlns:a16="http://schemas.microsoft.com/office/drawing/2014/main" id="{D2F5F6FC-565C-5B61-67A5-16B63E8E1DDB}"/>
+              </a:ext>
+            </a:extLst>
+          </p:cNvPr>
+          <p:cNvSpPr/>
+          <p:nvPr/>
+        </p:nvSpPr>
+        <p:spPr>
+          <a:xfrm>
+            <a:off x="6795247" y="9627318"/>
+            <a:ext cx="977153" cy="217714"/>
+          </a:xfrm>
+          <a:prstGeom prst="rect">
+            <a:avLst/>
+          </a:prstGeom>
+          <a:solidFill>
+            <a:srgbClr val="5C6BC0"/>
+          </a:solidFill>
+          <a:ln>
+            <a:noFill/>
+          </a:ln>
+        </p:spPr>
+        <p:style>
+          <a:lnRef idx="2">
+            <a:schemeClr val="accent1">
+              <a:shade val="50000"/>
+            </a:schemeClr>
+          </a:lnRef>
+          <a:fillRef idx="1">
+            <a:schemeClr val="accent1"/>
+          </a:fillRef>
+          <a:effectRef idx="0">
+            <a:schemeClr val="accent1"/>
+          </a:effectRef>
+          <a:fontRef idx="minor">
+            <a:schemeClr val="lt1"/>
+          </a:fontRef>
+        </p:style>
+        <p:txBody>
+          <a:bodyPr rtlCol="0" anchor="ctr"/>
+          <a:lstStyle/>
+          <a:p>
+            <a:pPr algn="ctr"/>
+            <a:endParaRPr lang="es-MX"/>
+          </a:p>
+        </p:txBody>
+      </p:sp>
+      <p:sp>
+        <p:nvSpPr>
+          <p:cNvPr id="9" name="Rectángulo: esquinas redondeadas 8">
+            <a:extLst>
+              <a:ext uri="{FF2B5EF4-FFF2-40B4-BE49-F238E27FC236}">
+                <a16:creationId xmlns:a16="http://schemas.microsoft.com/office/drawing/2014/main" id="{A806BC2E-603F-567C-A5A1-1B7905F24F2D}"/>
+              </a:ext>
+            </a:extLst>
+          </p:cNvPr>
+          <p:cNvSpPr/>
+          <p:nvPr/>
+        </p:nvSpPr>
+        <p:spPr>
+          <a:xfrm>
+            <a:off x="6944660" y="9529987"/>
+            <a:ext cx="570566" cy="412376"/>
+          </a:xfrm>
+          <a:prstGeom prst="roundRect">
+            <a:avLst/>
+          </a:prstGeom>
+          <a:solidFill>
+            <a:srgbClr val="A7AFDD"/>
+          </a:solidFill>
+          <a:ln>
+            <a:noFill/>
+          </a:ln>
+        </p:spPr>
+        <p:style>
+          <a:lnRef idx="2">
+            <a:schemeClr val="accent1">
+              <a:shade val="50000"/>
+            </a:schemeClr>
+          </a:lnRef>
+          <a:fillRef idx="1">
+            <a:schemeClr val="accent1"/>
+          </a:fillRef>
+          <a:effectRef idx="0">
+            <a:schemeClr val="accent1"/>
+          </a:effectRef>
+          <a:fontRef idx="minor">
+            <a:schemeClr val="lt1"/>
+          </a:fontRef>
+        </p:style>
+        <p:txBody>
+          <a:bodyPr rtlCol="0" anchor="ctr"/>
+          <a:lstStyle/>
+          <a:p>
+            <a:pPr algn="ctr"/>
+            <a:r>
+              <a:rPr lang="es-MX" sz="2200" b="1" dirty="0">
+                <a:latin typeface="Times New Roman" panose="02020603050405020304" pitchFamily="18" charset="0"/>
+                <a:cs typeface="Times New Roman" panose="02020603050405020304" pitchFamily="18" charset="0"/>
+              </a:rPr>
+              <a:t>93</a:t>
+            </a:r>
+          </a:p>
+        </p:txBody>
+      </p:sp>
+      <p:sp>
+        <p:nvSpPr>
+          <p:cNvPr id="10" name="Rectángulo 9">
+            <a:extLst>
+              <a:ext uri="{FF2B5EF4-FFF2-40B4-BE49-F238E27FC236}">
+                <a16:creationId xmlns:a16="http://schemas.microsoft.com/office/drawing/2014/main" id="{E574BF0B-54DC-6C75-7D92-3C0E0492AA68}"/>
+              </a:ext>
+            </a:extLst>
+          </p:cNvPr>
+          <p:cNvSpPr/>
+          <p:nvPr/>
+        </p:nvSpPr>
+        <p:spPr>
+          <a:xfrm>
+            <a:off x="0" y="9627316"/>
+            <a:ext cx="6008914" cy="217714"/>
+          </a:xfrm>
+          <a:prstGeom prst="rect">
+            <a:avLst/>
+          </a:prstGeom>
+          <a:gradFill flip="none" rotWithShape="1">
+            <a:gsLst>
+              <a:gs pos="44000">
+                <a:srgbClr val="5C6BC0"/>
+              </a:gs>
+              <a:gs pos="100000">
+                <a:schemeClr val="accent1">
+                  <a:lumMod val="30000"/>
+                  <a:lumOff val="70000"/>
+                </a:schemeClr>
+              </a:gs>
+            </a:gsLst>
+            <a:lin ang="0" scaled="1"/>
+            <a:tileRect/>
+          </a:gradFill>
+          <a:ln>
+            <a:noFill/>
+          </a:ln>
+        </p:spPr>
+        <p:style>
+          <a:lnRef idx="2">
+            <a:schemeClr val="accent1">
+              <a:shade val="50000"/>
+            </a:schemeClr>
+          </a:lnRef>
+          <a:fillRef idx="1">
+            <a:schemeClr val="accent1"/>
+          </a:fillRef>
+          <a:effectRef idx="0">
+            <a:schemeClr val="accent1"/>
+          </a:effectRef>
+          <a:fontRef idx="minor">
+            <a:schemeClr val="lt1"/>
+          </a:fontRef>
+        </p:style>
+        <p:txBody>
+          <a:bodyPr rtlCol="0" anchor="ctr"/>
+          <a:lstStyle/>
+          <a:p>
+            <a:r>
+              <a:rPr lang="es-MX" sz="1200" dirty="0">
+                <a:latin typeface="Times New Roman" panose="02020603050405020304" pitchFamily="18" charset="0"/>
+                <a:cs typeface="Times New Roman" panose="02020603050405020304" pitchFamily="18" charset="0"/>
+              </a:rPr>
+              <a:t>	Árboles binarios</a:t>
+            </a:r>
+          </a:p>
+        </p:txBody>
+      </p:sp>
+      <p:sp>
+        <p:nvSpPr>
+          <p:cNvPr id="13" name="Rectángulo: esquinas redondeadas 12">
+            <a:extLst>
+              <a:ext uri="{FF2B5EF4-FFF2-40B4-BE49-F238E27FC236}">
+                <a16:creationId xmlns:a16="http://schemas.microsoft.com/office/drawing/2014/main" id="{7AC622DC-104C-DC08-8A1F-5155ADD11696}"/>
+              </a:ext>
+            </a:extLst>
+          </p:cNvPr>
+          <p:cNvSpPr/>
+          <p:nvPr/>
+        </p:nvSpPr>
+        <p:spPr>
+          <a:xfrm>
+            <a:off x="209006" y="216448"/>
+            <a:ext cx="7384868" cy="217714"/>
+          </a:xfrm>
+          <a:prstGeom prst="roundRect">
+            <a:avLst/>
+          </a:prstGeom>
+          <a:solidFill>
+            <a:srgbClr val="36428A"/>
+          </a:solidFill>
+          <a:ln>
+            <a:solidFill>
+              <a:srgbClr val="28457A"/>
+            </a:solidFill>
+          </a:ln>
+        </p:spPr>
+        <p:style>
+          <a:lnRef idx="2">
+            <a:schemeClr val="accent1">
+              <a:shade val="50000"/>
+            </a:schemeClr>
+          </a:lnRef>
+          <a:fillRef idx="1">
+            <a:schemeClr val="accent1"/>
+          </a:fillRef>
+          <a:effectRef idx="0">
+            <a:schemeClr val="accent1"/>
+          </a:effectRef>
+          <a:fontRef idx="minor">
+            <a:schemeClr val="lt1"/>
+          </a:fontRef>
+        </p:style>
+        <p:txBody>
+          <a:bodyPr numCol="1" rtlCol="0" anchor="ctr"/>
+          <a:lstStyle/>
+          <a:p>
+            <a:pPr algn="ctr"/>
+            <a:r>
+              <a:rPr lang="es-MX" sz="1200" dirty="0">
+                <a:latin typeface="Times New Roman" panose="02020603050405020304" pitchFamily="18" charset="0"/>
+                <a:cs typeface="Times New Roman" panose="02020603050405020304" pitchFamily="18" charset="0"/>
+              </a:rPr>
+              <a:t>4.2 Árboles binarios de expresiones</a:t>
+            </a:r>
+            <a:r>
+              <a:rPr lang="es-MX" sz="1400" dirty="0">
+                <a:latin typeface="Times New Roman" panose="02020603050405020304" pitchFamily="18" charset="0"/>
+                <a:cs typeface="Times New Roman" panose="02020603050405020304" pitchFamily="18" charset="0"/>
+              </a:rPr>
+              <a:t>								</a:t>
+            </a:r>
+            <a:r>
+              <a:rPr lang="es-MX" sz="1200" dirty="0">
+                <a:latin typeface="Times New Roman" panose="02020603050405020304" pitchFamily="18" charset="0"/>
+                <a:cs typeface="Times New Roman" panose="02020603050405020304" pitchFamily="18" charset="0"/>
+              </a:rPr>
+              <a:t>Esparza Castañeda Hugo</a:t>
+            </a:r>
+          </a:p>
+        </p:txBody>
+      </p:sp>
+      <p:pic>
+        <p:nvPicPr>
+          <p:cNvPr id="14" name="Imagen 13">
+            <a:extLst>
+              <a:ext uri="{FF2B5EF4-FFF2-40B4-BE49-F238E27FC236}">
+                <a16:creationId xmlns:a16="http://schemas.microsoft.com/office/drawing/2014/main" id="{780D73D2-A1CB-1F33-AF0C-6FC6D45049F7}"/>
+              </a:ext>
+            </a:extLst>
+          </p:cNvPr>
+          <p:cNvPicPr>
+            <a:picLocks noChangeAspect="1"/>
+          </p:cNvPicPr>
+          <p:nvPr/>
+        </p:nvPicPr>
+        <p:blipFill>
+          <a:blip r:embed="rId3">
+            <a:extLst>
+              <a:ext uri="{28A0092B-C50C-407E-A947-70E740481C1C}">
+                <a14:useLocalDpi xmlns:a14="http://schemas.microsoft.com/office/drawing/2010/main" val="0"/>
+              </a:ext>
+            </a:extLst>
+          </a:blip>
+          <a:stretch>
+            <a:fillRect/>
+          </a:stretch>
+        </p:blipFill>
+        <p:spPr>
+          <a:xfrm>
+            <a:off x="3629792" y="58141"/>
+            <a:ext cx="512815" cy="512815"/>
+          </a:xfrm>
+          <a:prstGeom prst="rect">
+            <a:avLst/>
+          </a:prstGeom>
+        </p:spPr>
+      </p:pic>
+      <p:grpSp>
+        <p:nvGrpSpPr>
+          <p:cNvPr id="2" name="Grupo 1">
+            <a:extLst>
+              <a:ext uri="{FF2B5EF4-FFF2-40B4-BE49-F238E27FC236}">
+                <a16:creationId xmlns:a16="http://schemas.microsoft.com/office/drawing/2014/main" id="{A3B3CBDE-16F5-90D9-7545-C12B69A3A3FD}"/>
+              </a:ext>
+            </a:extLst>
+          </p:cNvPr>
+          <p:cNvGrpSpPr/>
+          <p:nvPr/>
+        </p:nvGrpSpPr>
+        <p:grpSpPr>
+          <a:xfrm flipH="1">
+            <a:off x="834519" y="692164"/>
+            <a:ext cx="2017307" cy="1659690"/>
+            <a:chOff x="466047" y="6420184"/>
+            <a:chExt cx="2485124" cy="2322590"/>
+          </a:xfrm>
+        </p:grpSpPr>
+        <p:sp>
+          <p:nvSpPr>
+            <p:cNvPr id="3" name="Elipse 2">
+              <a:extLst>
+                <a:ext uri="{FF2B5EF4-FFF2-40B4-BE49-F238E27FC236}">
+                  <a16:creationId xmlns:a16="http://schemas.microsoft.com/office/drawing/2014/main" id="{524C558D-4809-9DEB-5D9A-F3C447FB8B7F}"/>
+                </a:ext>
+              </a:extLst>
+            </p:cNvPr>
+            <p:cNvSpPr/>
+            <p:nvPr/>
+          </p:nvSpPr>
+          <p:spPr>
+            <a:xfrm>
+              <a:off x="1692997" y="6420184"/>
+              <a:ext cx="446215" cy="588790"/>
+            </a:xfrm>
+            <a:prstGeom prst="ellipse">
+              <a:avLst/>
+            </a:prstGeom>
+          </p:spPr>
+          <p:style>
+            <a:lnRef idx="2">
+              <a:schemeClr val="accent1">
+                <a:shade val="50000"/>
+              </a:schemeClr>
+            </a:lnRef>
+            <a:fillRef idx="1">
+              <a:schemeClr val="accent1"/>
+            </a:fillRef>
+            <a:effectRef idx="0">
+              <a:schemeClr val="accent1"/>
+            </a:effectRef>
+            <a:fontRef idx="minor">
+              <a:schemeClr val="lt1"/>
+            </a:fontRef>
+          </p:style>
+          <p:txBody>
+            <a:bodyPr rtlCol="0" anchor="ctr"/>
+            <a:lstStyle/>
+            <a:p>
+              <a:pPr algn="ctr"/>
+              <a:r>
+                <a:rPr lang="es-MX" dirty="0"/>
+                <a:t>+</a:t>
+              </a:r>
+            </a:p>
+          </p:txBody>
+        </p:sp>
+        <p:sp>
+          <p:nvSpPr>
+            <p:cNvPr id="4" name="Elipse 3">
+              <a:extLst>
+                <a:ext uri="{FF2B5EF4-FFF2-40B4-BE49-F238E27FC236}">
+                  <a16:creationId xmlns:a16="http://schemas.microsoft.com/office/drawing/2014/main" id="{27BF2FFF-499D-58DF-8777-62210E4A29D9}"/>
+                </a:ext>
+              </a:extLst>
+            </p:cNvPr>
+            <p:cNvSpPr/>
+            <p:nvPr/>
+          </p:nvSpPr>
+          <p:spPr>
+            <a:xfrm>
+              <a:off x="912262" y="7281019"/>
+              <a:ext cx="470499" cy="588790"/>
+            </a:xfrm>
+            <a:prstGeom prst="ellipse">
+              <a:avLst/>
+            </a:prstGeom>
+          </p:spPr>
+          <p:style>
+            <a:lnRef idx="2">
+              <a:schemeClr val="accent1">
+                <a:shade val="50000"/>
+              </a:schemeClr>
+            </a:lnRef>
+            <a:fillRef idx="1">
+              <a:schemeClr val="accent1"/>
+            </a:fillRef>
+            <a:effectRef idx="0">
+              <a:schemeClr val="accent1"/>
+            </a:effectRef>
+            <a:fontRef idx="minor">
+              <a:schemeClr val="lt1"/>
+            </a:fontRef>
+          </p:style>
+          <p:txBody>
+            <a:bodyPr rtlCol="0" anchor="ctr"/>
+            <a:lstStyle/>
+            <a:p>
+              <a:pPr algn="ctr"/>
+              <a:r>
+                <a:rPr lang="es-MX" dirty="0"/>
+                <a:t>*</a:t>
+              </a:r>
+            </a:p>
+          </p:txBody>
+        </p:sp>
+        <p:sp>
+          <p:nvSpPr>
+            <p:cNvPr id="5" name="Elipse 4">
+              <a:extLst>
+                <a:ext uri="{FF2B5EF4-FFF2-40B4-BE49-F238E27FC236}">
+                  <a16:creationId xmlns:a16="http://schemas.microsoft.com/office/drawing/2014/main" id="{49E5858B-6E75-99CA-6EFE-959CFA2436C2}"/>
+                </a:ext>
+              </a:extLst>
+            </p:cNvPr>
+            <p:cNvSpPr/>
+            <p:nvPr/>
+          </p:nvSpPr>
+          <p:spPr>
+            <a:xfrm>
+              <a:off x="2504956" y="7274571"/>
+              <a:ext cx="446215" cy="588790"/>
+            </a:xfrm>
+            <a:prstGeom prst="ellipse">
+              <a:avLst/>
+            </a:prstGeom>
+          </p:spPr>
+          <p:style>
+            <a:lnRef idx="2">
+              <a:schemeClr val="accent1">
+                <a:shade val="50000"/>
+              </a:schemeClr>
+            </a:lnRef>
+            <a:fillRef idx="1">
+              <a:schemeClr val="accent1"/>
+            </a:fillRef>
+            <a:effectRef idx="0">
+              <a:schemeClr val="accent1"/>
+            </a:effectRef>
+            <a:fontRef idx="minor">
+              <a:schemeClr val="lt1"/>
+            </a:fontRef>
+          </p:style>
+          <p:txBody>
+            <a:bodyPr rtlCol="0" anchor="ctr"/>
+            <a:lstStyle/>
+            <a:p>
+              <a:pPr algn="ctr"/>
+              <a:r>
+                <a:rPr lang="es-MX" dirty="0"/>
+                <a:t>2</a:t>
+              </a:r>
+            </a:p>
+          </p:txBody>
+        </p:sp>
+        <p:cxnSp>
+          <p:nvCxnSpPr>
+            <p:cNvPr id="6" name="Conector recto de flecha 5">
+              <a:extLst>
+                <a:ext uri="{FF2B5EF4-FFF2-40B4-BE49-F238E27FC236}">
+                  <a16:creationId xmlns:a16="http://schemas.microsoft.com/office/drawing/2014/main" id="{65E3AAD0-FBFB-E15F-6803-B44D7D3205DD}"/>
+                </a:ext>
+              </a:extLst>
+            </p:cNvPr>
+            <p:cNvCxnSpPr>
+              <a:cxnSpLocks/>
+              <a:endCxn id="4" idx="0"/>
+            </p:cNvCxnSpPr>
+            <p:nvPr/>
+          </p:nvCxnSpPr>
+          <p:spPr>
+            <a:xfrm flipH="1">
+              <a:off x="1147513" y="6900908"/>
+              <a:ext cx="790372" cy="380111"/>
+            </a:xfrm>
+            <a:prstGeom prst="straightConnector1">
+              <a:avLst/>
+            </a:prstGeom>
+            <a:ln>
+              <a:tailEnd type="triangle"/>
+            </a:ln>
+          </p:spPr>
+          <p:style>
+            <a:lnRef idx="1">
+              <a:schemeClr val="accent1"/>
+            </a:lnRef>
+            <a:fillRef idx="0">
+              <a:schemeClr val="accent1"/>
+            </a:fillRef>
+            <a:effectRef idx="0">
+              <a:schemeClr val="accent1"/>
+            </a:effectRef>
+            <a:fontRef idx="minor">
+              <a:schemeClr val="tx1"/>
+            </a:fontRef>
+          </p:style>
+        </p:cxnSp>
+        <p:cxnSp>
+          <p:nvCxnSpPr>
+            <p:cNvPr id="7" name="Conector recto de flecha 6">
+              <a:extLst>
+                <a:ext uri="{FF2B5EF4-FFF2-40B4-BE49-F238E27FC236}">
+                  <a16:creationId xmlns:a16="http://schemas.microsoft.com/office/drawing/2014/main" id="{6657FC4C-2276-C19E-D897-051E12E3DE90}"/>
+                </a:ext>
+              </a:extLst>
+            </p:cNvPr>
+            <p:cNvCxnSpPr>
+              <a:cxnSpLocks/>
+              <a:endCxn id="5" idx="0"/>
+            </p:cNvCxnSpPr>
+            <p:nvPr/>
+          </p:nvCxnSpPr>
+          <p:spPr>
+            <a:xfrm>
+              <a:off x="1893777" y="6894460"/>
+              <a:ext cx="834287" cy="380111"/>
+            </a:xfrm>
+            <a:prstGeom prst="straightConnector1">
+              <a:avLst/>
+            </a:prstGeom>
+            <a:ln>
+              <a:tailEnd type="triangle"/>
+            </a:ln>
+          </p:spPr>
+          <p:style>
+            <a:lnRef idx="1">
+              <a:schemeClr val="accent1"/>
+            </a:lnRef>
+            <a:fillRef idx="0">
+              <a:schemeClr val="accent1"/>
+            </a:fillRef>
+            <a:effectRef idx="0">
+              <a:schemeClr val="accent1"/>
+            </a:effectRef>
+            <a:fontRef idx="minor">
+              <a:schemeClr val="tx1"/>
+            </a:fontRef>
+          </p:style>
+        </p:cxnSp>
+        <p:sp>
+          <p:nvSpPr>
+            <p:cNvPr id="11" name="Elipse 10">
+              <a:extLst>
+                <a:ext uri="{FF2B5EF4-FFF2-40B4-BE49-F238E27FC236}">
+                  <a16:creationId xmlns:a16="http://schemas.microsoft.com/office/drawing/2014/main" id="{3C04A08E-235A-4E3F-B1E3-2A0033B80F73}"/>
+                </a:ext>
+              </a:extLst>
+            </p:cNvPr>
+            <p:cNvSpPr/>
+            <p:nvPr/>
+          </p:nvSpPr>
+          <p:spPr>
+            <a:xfrm>
+              <a:off x="466047" y="8148705"/>
+              <a:ext cx="470499" cy="588790"/>
+            </a:xfrm>
+            <a:prstGeom prst="ellipse">
+              <a:avLst/>
+            </a:prstGeom>
+          </p:spPr>
+          <p:style>
+            <a:lnRef idx="2">
+              <a:schemeClr val="accent1">
+                <a:shade val="50000"/>
+              </a:schemeClr>
+            </a:lnRef>
+            <a:fillRef idx="1">
+              <a:schemeClr val="accent1"/>
+            </a:fillRef>
+            <a:effectRef idx="0">
+              <a:schemeClr val="accent1"/>
+            </a:effectRef>
+            <a:fontRef idx="minor">
+              <a:schemeClr val="lt1"/>
+            </a:fontRef>
+          </p:style>
+          <p:txBody>
+            <a:bodyPr rtlCol="0" anchor="ctr"/>
+            <a:lstStyle/>
+            <a:p>
+              <a:pPr algn="ctr"/>
+              <a:r>
+                <a:rPr lang="es-MX" dirty="0"/>
+                <a:t>3</a:t>
+              </a:r>
+            </a:p>
+          </p:txBody>
+        </p:sp>
+        <p:sp>
+          <p:nvSpPr>
+            <p:cNvPr id="12" name="Elipse 11">
+              <a:extLst>
+                <a:ext uri="{FF2B5EF4-FFF2-40B4-BE49-F238E27FC236}">
+                  <a16:creationId xmlns:a16="http://schemas.microsoft.com/office/drawing/2014/main" id="{0C1212CC-1CA7-060F-D627-F681C26ECD24}"/>
+                </a:ext>
+              </a:extLst>
+            </p:cNvPr>
+            <p:cNvSpPr/>
+            <p:nvPr/>
+          </p:nvSpPr>
+          <p:spPr>
+            <a:xfrm>
+              <a:off x="1355968" y="8153984"/>
+              <a:ext cx="470499" cy="588790"/>
+            </a:xfrm>
+            <a:prstGeom prst="ellipse">
+              <a:avLst/>
+            </a:prstGeom>
+          </p:spPr>
+          <p:style>
+            <a:lnRef idx="2">
+              <a:schemeClr val="accent1">
+                <a:shade val="50000"/>
+              </a:schemeClr>
+            </a:lnRef>
+            <a:fillRef idx="1">
+              <a:schemeClr val="accent1"/>
+            </a:fillRef>
+            <a:effectRef idx="0">
+              <a:schemeClr val="accent1"/>
+            </a:effectRef>
+            <a:fontRef idx="minor">
+              <a:schemeClr val="lt1"/>
+            </a:fontRef>
+          </p:style>
+          <p:txBody>
+            <a:bodyPr rtlCol="0" anchor="ctr"/>
+            <a:lstStyle/>
+            <a:p>
+              <a:pPr algn="ctr"/>
+              <a:r>
+                <a:rPr lang="es-MX" dirty="0"/>
+                <a:t>5</a:t>
+              </a:r>
+            </a:p>
+          </p:txBody>
+        </p:sp>
+        <p:cxnSp>
+          <p:nvCxnSpPr>
+            <p:cNvPr id="15" name="Conector recto de flecha 14">
+              <a:extLst>
+                <a:ext uri="{FF2B5EF4-FFF2-40B4-BE49-F238E27FC236}">
+                  <a16:creationId xmlns:a16="http://schemas.microsoft.com/office/drawing/2014/main" id="{66313D08-AEAB-97F5-6B3E-785A83AC5E03}"/>
+                </a:ext>
+              </a:extLst>
+            </p:cNvPr>
+            <p:cNvCxnSpPr>
+              <a:cxnSpLocks/>
+              <a:stCxn id="4" idx="3"/>
+              <a:endCxn id="11" idx="0"/>
+            </p:cNvCxnSpPr>
+            <p:nvPr/>
+          </p:nvCxnSpPr>
+          <p:spPr>
+            <a:xfrm flipH="1">
+              <a:off x="701297" y="7783582"/>
+              <a:ext cx="279869" cy="365123"/>
+            </a:xfrm>
+            <a:prstGeom prst="straightConnector1">
+              <a:avLst/>
+            </a:prstGeom>
+            <a:ln>
+              <a:tailEnd type="triangle"/>
+            </a:ln>
+          </p:spPr>
+          <p:style>
+            <a:lnRef idx="1">
+              <a:schemeClr val="accent1"/>
+            </a:lnRef>
+            <a:fillRef idx="0">
+              <a:schemeClr val="accent1"/>
+            </a:fillRef>
+            <a:effectRef idx="0">
+              <a:schemeClr val="accent1"/>
+            </a:effectRef>
+            <a:fontRef idx="minor">
+              <a:schemeClr val="tx1"/>
+            </a:fontRef>
+          </p:style>
+        </p:cxnSp>
+        <p:cxnSp>
+          <p:nvCxnSpPr>
+            <p:cNvPr id="16" name="Conector recto de flecha 15">
+              <a:extLst>
+                <a:ext uri="{FF2B5EF4-FFF2-40B4-BE49-F238E27FC236}">
+                  <a16:creationId xmlns:a16="http://schemas.microsoft.com/office/drawing/2014/main" id="{0A7EE8C3-1912-3643-3AE1-B97540D5D81B}"/>
+                </a:ext>
+              </a:extLst>
+            </p:cNvPr>
+            <p:cNvCxnSpPr>
+              <a:cxnSpLocks/>
+              <a:stCxn id="4" idx="5"/>
+              <a:endCxn id="12" idx="0"/>
+            </p:cNvCxnSpPr>
+            <p:nvPr/>
+          </p:nvCxnSpPr>
+          <p:spPr>
+            <a:xfrm>
+              <a:off x="1313858" y="7783582"/>
+              <a:ext cx="277360" cy="370402"/>
+            </a:xfrm>
+            <a:prstGeom prst="straightConnector1">
+              <a:avLst/>
+            </a:prstGeom>
+            <a:ln>
+              <a:tailEnd type="triangle"/>
+            </a:ln>
+          </p:spPr>
+          <p:style>
+            <a:lnRef idx="1">
+              <a:schemeClr val="accent1"/>
+            </a:lnRef>
+            <a:fillRef idx="0">
+              <a:schemeClr val="accent1"/>
+            </a:fillRef>
+            <a:effectRef idx="0">
+              <a:schemeClr val="accent1"/>
+            </a:effectRef>
+            <a:fontRef idx="minor">
+              <a:schemeClr val="tx1"/>
+            </a:fontRef>
+          </p:style>
+        </p:cxnSp>
+      </p:grpSp>
+      <mc:AlternateContent xmlns:mc="http://schemas.openxmlformats.org/markup-compatibility/2006">
+        <mc:Choice xmlns:a14="http://schemas.microsoft.com/office/drawing/2010/main" Requires="a14">
+          <p:sp>
+            <p:nvSpPr>
+              <p:cNvPr id="17" name="CuadroTexto 16">
+                <a:extLst>
+                  <a:ext uri="{FF2B5EF4-FFF2-40B4-BE49-F238E27FC236}">
+                    <a16:creationId xmlns:a16="http://schemas.microsoft.com/office/drawing/2014/main" id="{2D501D2F-1DD2-E6A0-EEF2-F02B54753A07}"/>
+                  </a:ext>
+                </a:extLst>
+              </p:cNvPr>
+              <p:cNvSpPr txBox="1"/>
+              <p:nvPr/>
+            </p:nvSpPr>
+            <p:spPr>
+              <a:xfrm>
+                <a:off x="721999" y="2503176"/>
+                <a:ext cx="2066765" cy="532903"/>
+              </a:xfrm>
+              <a:prstGeom prst="rect">
+                <a:avLst/>
+              </a:prstGeom>
+              <a:noFill/>
+            </p:spPr>
+            <p:txBody>
+              <a:bodyPr wrap="square" rtlCol="0">
+                <a:spAutoFit/>
+              </a:bodyPr>
+              <a:lstStyle/>
+              <a:p>
+                <a14:m>
+                  <m:oMathPara xmlns:m="http://schemas.openxmlformats.org/officeDocument/2006/math">
+                    <m:oMathParaPr>
+                      <m:jc m:val="centerGroup"/>
+                    </m:oMathParaPr>
+                    <m:oMath xmlns:m="http://schemas.openxmlformats.org/officeDocument/2006/math">
+                      <m:r>
+                        <a:rPr lang="es-MX" sz="2000" b="0" i="1" smtClean="0">
+                          <a:latin typeface="Cambria Math" panose="02040503050406030204" pitchFamily="18" charset="0"/>
+                          <a:cs typeface="Times New Roman" panose="02020603050405020304" pitchFamily="18" charset="0"/>
+                        </a:rPr>
+                        <m:t>2∗</m:t>
+                      </m:r>
+                      <m:d>
+                        <m:dPr>
+                          <m:ctrlPr>
+                            <a:rPr lang="es-MX" sz="2000" b="0" i="1" smtClean="0">
+                              <a:latin typeface="Cambria Math" panose="02040503050406030204" pitchFamily="18" charset="0"/>
+                              <a:cs typeface="Times New Roman" panose="02020603050405020304" pitchFamily="18" charset="0"/>
+                            </a:rPr>
+                          </m:ctrlPr>
+                        </m:dPr>
+                        <m:e>
+                          <m:r>
+                            <a:rPr lang="es-MX" sz="2000" b="0" i="1" smtClean="0">
+                              <a:latin typeface="Cambria Math" panose="02040503050406030204" pitchFamily="18" charset="0"/>
+                              <a:cs typeface="Times New Roman" panose="02020603050405020304" pitchFamily="18" charset="0"/>
+                            </a:rPr>
+                            <m:t>5+3</m:t>
+                          </m:r>
+                        </m:e>
+                      </m:d>
+                      <m:groupChr>
+                        <m:groupChrPr>
+                          <m:chr m:val="⇒"/>
+                          <m:vertJc m:val="bot"/>
+                          <m:ctrlPr>
+                            <a:rPr lang="es-MX" sz="2000" b="0" i="1" smtClean="0">
+                              <a:latin typeface="Cambria Math" panose="02040503050406030204" pitchFamily="18" charset="0"/>
+                              <a:cs typeface="Times New Roman" panose="02020603050405020304" pitchFamily="18" charset="0"/>
+                            </a:rPr>
+                          </m:ctrlPr>
+                        </m:groupChrPr>
+                        <m:e/>
+                      </m:groupChr>
+                      <m:r>
+                        <a:rPr lang="es-MX" sz="2000" b="0" i="1" smtClean="0">
+                          <a:latin typeface="Cambria Math" panose="02040503050406030204" pitchFamily="18" charset="0"/>
+                          <a:cs typeface="Times New Roman" panose="02020603050405020304" pitchFamily="18" charset="0"/>
+                        </a:rPr>
+                        <m:t>16</m:t>
+                      </m:r>
+                    </m:oMath>
+                  </m:oMathPara>
+                </a14:m>
+                <a:endParaRPr lang="es-MX" sz="2000" dirty="0">
+                  <a:latin typeface="Times New Roman" panose="02020603050405020304" pitchFamily="18" charset="0"/>
+                  <a:cs typeface="Times New Roman" panose="02020603050405020304" pitchFamily="18" charset="0"/>
+                </a:endParaRPr>
+              </a:p>
+            </p:txBody>
+          </p:sp>
+        </mc:Choice>
+        <mc:Fallback>
+          <p:sp>
+            <p:nvSpPr>
+              <p:cNvPr id="17" name="CuadroTexto 16">
+                <a:extLst>
+                  <a:ext uri="{FF2B5EF4-FFF2-40B4-BE49-F238E27FC236}">
+                    <a16:creationId xmlns:a16="http://schemas.microsoft.com/office/drawing/2014/main" id="{2D501D2F-1DD2-E6A0-EEF2-F02B54753A07}"/>
+                  </a:ext>
+                </a:extLst>
+              </p:cNvPr>
+              <p:cNvSpPr txBox="1">
+                <a:spLocks noRot="1" noChangeAspect="1" noMove="1" noResize="1" noEditPoints="1" noAdjustHandles="1" noChangeArrowheads="1" noChangeShapeType="1" noTextEdit="1"/>
+              </p:cNvSpPr>
+              <p:nvPr/>
+            </p:nvSpPr>
+            <p:spPr>
+              <a:xfrm>
+                <a:off x="721999" y="2503176"/>
+                <a:ext cx="2066765" cy="532903"/>
+              </a:xfrm>
+              <a:prstGeom prst="rect">
+                <a:avLst/>
+              </a:prstGeom>
+              <a:blipFill>
+                <a:blip r:embed="rId4"/>
+                <a:stretch>
+                  <a:fillRect/>
+                </a:stretch>
+              </a:blipFill>
+            </p:spPr>
+            <p:txBody>
+              <a:bodyPr/>
+              <a:lstStyle/>
+              <a:p>
+                <a:r>
+                  <a:rPr lang="es-MX">
+                    <a:noFill/>
+                  </a:rPr>
+                  <a:t> </a:t>
+                </a:r>
+              </a:p>
+            </p:txBody>
+          </p:sp>
+        </mc:Fallback>
+      </mc:AlternateContent>
+      <p:sp>
+        <p:nvSpPr>
+          <p:cNvPr id="18" name="Rectángulo 17">
+            <a:extLst>
+              <a:ext uri="{FF2B5EF4-FFF2-40B4-BE49-F238E27FC236}">
+                <a16:creationId xmlns:a16="http://schemas.microsoft.com/office/drawing/2014/main" id="{F5D1E474-4B9C-C32D-00AB-4BC709224170}"/>
+              </a:ext>
+            </a:extLst>
+          </p:cNvPr>
+          <p:cNvSpPr/>
+          <p:nvPr/>
+        </p:nvSpPr>
+        <p:spPr>
+          <a:xfrm>
+            <a:off x="2346753" y="2663008"/>
+            <a:ext cx="326075" cy="378090"/>
+          </a:xfrm>
+          <a:prstGeom prst="rect">
+            <a:avLst/>
+          </a:prstGeom>
+          <a:solidFill>
+            <a:srgbClr val="18A41B">
+              <a:alpha val="50196"/>
+            </a:srgbClr>
+          </a:solidFill>
+          <a:ln>
+            <a:noFill/>
+          </a:ln>
+        </p:spPr>
+        <p:style>
+          <a:lnRef idx="2">
+            <a:schemeClr val="accent1">
+              <a:shade val="50000"/>
+            </a:schemeClr>
+          </a:lnRef>
+          <a:fillRef idx="1">
+            <a:schemeClr val="accent1"/>
+          </a:fillRef>
+          <a:effectRef idx="0">
+            <a:schemeClr val="accent1"/>
+          </a:effectRef>
+          <a:fontRef idx="minor">
+            <a:schemeClr val="lt1"/>
+          </a:fontRef>
+        </p:style>
+        <p:txBody>
+          <a:bodyPr rtlCol="0" anchor="ctr"/>
+          <a:lstStyle/>
+          <a:p>
+            <a:pPr algn="ctr"/>
+            <a:endParaRPr lang="es-MX"/>
+          </a:p>
+        </p:txBody>
+      </p:sp>
+      <p:grpSp>
+        <p:nvGrpSpPr>
+          <p:cNvPr id="53" name="Grupo 52">
+            <a:extLst>
+              <a:ext uri="{FF2B5EF4-FFF2-40B4-BE49-F238E27FC236}">
+                <a16:creationId xmlns:a16="http://schemas.microsoft.com/office/drawing/2014/main" id="{EB86CFA3-51BF-CE32-9519-28EFD42F3325}"/>
+              </a:ext>
+            </a:extLst>
+          </p:cNvPr>
+          <p:cNvGrpSpPr/>
+          <p:nvPr/>
+        </p:nvGrpSpPr>
+        <p:grpSpPr>
+          <a:xfrm flipH="1">
+            <a:off x="3870959" y="650884"/>
+            <a:ext cx="2930811" cy="1875807"/>
+            <a:chOff x="3952286" y="563256"/>
+            <a:chExt cx="3340864" cy="1875807"/>
+          </a:xfrm>
+        </p:grpSpPr>
+        <p:grpSp>
+          <p:nvGrpSpPr>
+            <p:cNvPr id="19" name="Grupo 18">
+              <a:extLst>
+                <a:ext uri="{FF2B5EF4-FFF2-40B4-BE49-F238E27FC236}">
+                  <a16:creationId xmlns:a16="http://schemas.microsoft.com/office/drawing/2014/main" id="{682745A2-1D64-63CA-B748-EE1A762CB7B4}"/>
+                </a:ext>
+              </a:extLst>
+            </p:cNvPr>
+            <p:cNvGrpSpPr/>
+            <p:nvPr/>
+          </p:nvGrpSpPr>
+          <p:grpSpPr>
+            <a:xfrm>
+              <a:off x="5663679" y="563256"/>
+              <a:ext cx="720000" cy="468000"/>
+              <a:chOff x="3232150" y="6672438"/>
+              <a:chExt cx="2038350" cy="814436"/>
+            </a:xfrm>
+          </p:grpSpPr>
+          <p:sp>
+            <p:nvSpPr>
+              <p:cNvPr id="20" name="Rectángulo 19">
+                <a:extLst>
+                  <a:ext uri="{FF2B5EF4-FFF2-40B4-BE49-F238E27FC236}">
+                    <a16:creationId xmlns:a16="http://schemas.microsoft.com/office/drawing/2014/main" id="{4241F7B9-71BC-4F1B-6C4E-6B75C105DF42}"/>
+                  </a:ext>
+                </a:extLst>
+              </p:cNvPr>
+              <p:cNvSpPr/>
+              <p:nvPr/>
+            </p:nvSpPr>
+            <p:spPr>
+              <a:xfrm>
+                <a:off x="3232150" y="6672438"/>
+                <a:ext cx="2038350" cy="814436"/>
+              </a:xfrm>
+              <a:prstGeom prst="rect">
+                <a:avLst/>
+              </a:prstGeom>
+              <a:solidFill>
+                <a:srgbClr val="4472C4">
+                  <a:alpha val="69804"/>
+                </a:srgbClr>
+              </a:solidFill>
+              <a:ln w="28575"/>
+            </p:spPr>
+            <p:style>
+              <a:lnRef idx="2">
+                <a:schemeClr val="accent1">
+                  <a:shade val="50000"/>
+                </a:schemeClr>
+              </a:lnRef>
+              <a:fillRef idx="1">
+                <a:schemeClr val="accent1"/>
+              </a:fillRef>
+              <a:effectRef idx="0">
+                <a:schemeClr val="accent1"/>
+              </a:effectRef>
+              <a:fontRef idx="minor">
+                <a:schemeClr val="lt1"/>
+              </a:fontRef>
+            </p:style>
+            <p:txBody>
+              <a:bodyPr rtlCol="0" anchor="ctr"/>
+              <a:lstStyle/>
+              <a:p>
+                <a:pPr algn="ctr"/>
+                <a:r>
+                  <a:rPr lang="es-MX" dirty="0"/>
+                  <a:t>+</a:t>
+                </a:r>
+              </a:p>
+            </p:txBody>
+          </p:sp>
+          <p:sp>
+            <p:nvSpPr>
+              <p:cNvPr id="21" name="Rectángulo 20">
+                <a:extLst>
+                  <a:ext uri="{FF2B5EF4-FFF2-40B4-BE49-F238E27FC236}">
+                    <a16:creationId xmlns:a16="http://schemas.microsoft.com/office/drawing/2014/main" id="{1361EBB9-50D7-DD64-2955-DA7839FAFCB0}"/>
+                  </a:ext>
+                </a:extLst>
+              </p:cNvPr>
+              <p:cNvSpPr/>
+              <p:nvPr/>
+            </p:nvSpPr>
+            <p:spPr>
+              <a:xfrm>
+                <a:off x="3232150" y="6672438"/>
+                <a:ext cx="397642" cy="814436"/>
+              </a:xfrm>
+              <a:prstGeom prst="rect">
+                <a:avLst/>
+              </a:prstGeom>
+              <a:solidFill>
+                <a:srgbClr val="7C9DD6"/>
+              </a:solidFill>
+              <a:ln w="28575"/>
+            </p:spPr>
+            <p:style>
+              <a:lnRef idx="2">
+                <a:schemeClr val="accent1">
+                  <a:shade val="50000"/>
+                </a:schemeClr>
+              </a:lnRef>
+              <a:fillRef idx="1">
+                <a:schemeClr val="accent1"/>
+              </a:fillRef>
+              <a:effectRef idx="0">
+                <a:schemeClr val="accent1"/>
+              </a:effectRef>
+              <a:fontRef idx="minor">
+                <a:schemeClr val="lt1"/>
+              </a:fontRef>
+            </p:style>
+            <p:txBody>
+              <a:bodyPr rtlCol="0" anchor="ctr"/>
+              <a:lstStyle/>
+              <a:p>
+                <a:pPr algn="ctr"/>
+                <a:endParaRPr lang="es-MX"/>
+              </a:p>
+            </p:txBody>
+          </p:sp>
+          <p:sp>
+            <p:nvSpPr>
+              <p:cNvPr id="22" name="Rectángulo 21">
+                <a:extLst>
+                  <a:ext uri="{FF2B5EF4-FFF2-40B4-BE49-F238E27FC236}">
+                    <a16:creationId xmlns:a16="http://schemas.microsoft.com/office/drawing/2014/main" id="{5F4B07F2-0F86-E275-68DE-DB58FA78AE63}"/>
+                  </a:ext>
+                </a:extLst>
+              </p:cNvPr>
+              <p:cNvSpPr/>
+              <p:nvPr/>
+            </p:nvSpPr>
+            <p:spPr>
+              <a:xfrm>
+                <a:off x="4872858" y="6672438"/>
+                <a:ext cx="397642" cy="814436"/>
+              </a:xfrm>
+              <a:prstGeom prst="rect">
+                <a:avLst/>
+              </a:prstGeom>
+              <a:solidFill>
+                <a:srgbClr val="7C9DD6"/>
+              </a:solidFill>
+              <a:ln w="28575"/>
+            </p:spPr>
+            <p:style>
+              <a:lnRef idx="2">
+                <a:schemeClr val="accent1">
+                  <a:shade val="50000"/>
+                </a:schemeClr>
+              </a:lnRef>
+              <a:fillRef idx="1">
+                <a:schemeClr val="accent1"/>
+              </a:fillRef>
+              <a:effectRef idx="0">
+                <a:schemeClr val="accent1"/>
+              </a:effectRef>
+              <a:fontRef idx="minor">
+                <a:schemeClr val="lt1"/>
+              </a:fontRef>
+            </p:style>
+            <p:txBody>
+              <a:bodyPr rtlCol="0" anchor="ctr"/>
+              <a:lstStyle/>
+              <a:p>
+                <a:pPr algn="ctr"/>
+                <a:endParaRPr lang="es-MX"/>
+              </a:p>
+            </p:txBody>
+          </p:sp>
+        </p:grpSp>
+        <p:grpSp>
+          <p:nvGrpSpPr>
+            <p:cNvPr id="23" name="Grupo 22">
+              <a:extLst>
+                <a:ext uri="{FF2B5EF4-FFF2-40B4-BE49-F238E27FC236}">
+                  <a16:creationId xmlns:a16="http://schemas.microsoft.com/office/drawing/2014/main" id="{2374CE01-FEE2-BDA3-3EEC-705B4DD7EA95}"/>
+                </a:ext>
+              </a:extLst>
+            </p:cNvPr>
+            <p:cNvGrpSpPr/>
+            <p:nvPr/>
+          </p:nvGrpSpPr>
+          <p:grpSpPr>
+            <a:xfrm>
+              <a:off x="3952286" y="1971063"/>
+              <a:ext cx="720000" cy="468000"/>
+              <a:chOff x="2720197" y="6456063"/>
+              <a:chExt cx="2212240" cy="1243451"/>
+            </a:xfrm>
+          </p:grpSpPr>
+          <p:grpSp>
+            <p:nvGrpSpPr>
+              <p:cNvPr id="24" name="Grupo 23">
+                <a:extLst>
+                  <a:ext uri="{FF2B5EF4-FFF2-40B4-BE49-F238E27FC236}">
+                    <a16:creationId xmlns:a16="http://schemas.microsoft.com/office/drawing/2014/main" id="{96A8D74C-8399-3763-DE80-82A29A85B250}"/>
+                  </a:ext>
+                </a:extLst>
+              </p:cNvPr>
+              <p:cNvGrpSpPr/>
+              <p:nvPr/>
+            </p:nvGrpSpPr>
+            <p:grpSpPr>
+              <a:xfrm>
+                <a:off x="2720197" y="6465798"/>
+                <a:ext cx="2212240" cy="1233716"/>
+                <a:chOff x="3232150" y="6672438"/>
+                <a:chExt cx="2038350" cy="814436"/>
+              </a:xfrm>
+            </p:grpSpPr>
+            <p:sp>
+              <p:nvSpPr>
+                <p:cNvPr id="27" name="Rectángulo 26">
+                  <a:extLst>
+                    <a:ext uri="{FF2B5EF4-FFF2-40B4-BE49-F238E27FC236}">
+                      <a16:creationId xmlns:a16="http://schemas.microsoft.com/office/drawing/2014/main" id="{C726A092-D80E-4D4A-A4B3-1402C3F69A72}"/>
+                    </a:ext>
+                  </a:extLst>
+                </p:cNvPr>
+                <p:cNvSpPr/>
+                <p:nvPr/>
+              </p:nvSpPr>
+              <p:spPr>
+                <a:xfrm>
+                  <a:off x="3232150" y="6672438"/>
+                  <a:ext cx="2038350" cy="814436"/>
+                </a:xfrm>
+                <a:prstGeom prst="rect">
+                  <a:avLst/>
+                </a:prstGeom>
+                <a:solidFill>
+                  <a:srgbClr val="4472C4">
+                    <a:alpha val="69804"/>
+                  </a:srgbClr>
+                </a:solidFill>
+                <a:ln w="28575"/>
+              </p:spPr>
+              <p:style>
+                <a:lnRef idx="2">
+                  <a:schemeClr val="accent1">
+                    <a:shade val="50000"/>
+                  </a:schemeClr>
+                </a:lnRef>
+                <a:fillRef idx="1">
+                  <a:schemeClr val="accent1"/>
+                </a:fillRef>
+                <a:effectRef idx="0">
+                  <a:schemeClr val="accent1"/>
+                </a:effectRef>
+                <a:fontRef idx="minor">
+                  <a:schemeClr val="lt1"/>
+                </a:fontRef>
+              </p:style>
+              <p:txBody>
+                <a:bodyPr rtlCol="0" anchor="ctr"/>
+                <a:lstStyle/>
+                <a:p>
+                  <a:pPr algn="ctr"/>
+                  <a:r>
+                    <a:rPr lang="es-MX" dirty="0"/>
+                    <a:t>3</a:t>
+                  </a:r>
+                </a:p>
+              </p:txBody>
+            </p:sp>
+            <p:sp>
+              <p:nvSpPr>
+                <p:cNvPr id="28" name="Rectángulo 27">
+                  <a:extLst>
+                    <a:ext uri="{FF2B5EF4-FFF2-40B4-BE49-F238E27FC236}">
+                      <a16:creationId xmlns:a16="http://schemas.microsoft.com/office/drawing/2014/main" id="{DCB71D47-D02F-2C51-D0A6-CB6AC5542A3C}"/>
+                    </a:ext>
+                  </a:extLst>
+                </p:cNvPr>
+                <p:cNvSpPr/>
+                <p:nvPr/>
+              </p:nvSpPr>
+              <p:spPr>
+                <a:xfrm>
+                  <a:off x="3232150" y="6672438"/>
+                  <a:ext cx="397642" cy="814436"/>
+                </a:xfrm>
+                <a:prstGeom prst="rect">
+                  <a:avLst/>
+                </a:prstGeom>
+                <a:solidFill>
+                  <a:srgbClr val="7C9DD6"/>
+                </a:solidFill>
+                <a:ln w="28575"/>
+              </p:spPr>
+              <p:style>
+                <a:lnRef idx="2">
+                  <a:schemeClr val="accent1">
+                    <a:shade val="50000"/>
+                  </a:schemeClr>
+                </a:lnRef>
+                <a:fillRef idx="1">
+                  <a:schemeClr val="accent1"/>
+                </a:fillRef>
+                <a:effectRef idx="0">
+                  <a:schemeClr val="accent1"/>
+                </a:effectRef>
+                <a:fontRef idx="minor">
+                  <a:schemeClr val="lt1"/>
+                </a:fontRef>
+              </p:style>
+              <p:txBody>
+                <a:bodyPr rtlCol="0" anchor="ctr"/>
+                <a:lstStyle/>
+                <a:p>
+                  <a:pPr algn="ctr"/>
+                  <a:endParaRPr lang="es-MX"/>
+                </a:p>
+              </p:txBody>
+            </p:sp>
+            <p:sp>
+              <p:nvSpPr>
+                <p:cNvPr id="29" name="Rectángulo 28">
+                  <a:extLst>
+                    <a:ext uri="{FF2B5EF4-FFF2-40B4-BE49-F238E27FC236}">
+                      <a16:creationId xmlns:a16="http://schemas.microsoft.com/office/drawing/2014/main" id="{83B6D1AD-2791-9002-DE72-E7F414F3663E}"/>
+                    </a:ext>
+                  </a:extLst>
+                </p:cNvPr>
+                <p:cNvSpPr/>
+                <p:nvPr/>
+              </p:nvSpPr>
+              <p:spPr>
+                <a:xfrm>
+                  <a:off x="4872858" y="6672438"/>
+                  <a:ext cx="397642" cy="814436"/>
+                </a:xfrm>
+                <a:prstGeom prst="rect">
+                  <a:avLst/>
+                </a:prstGeom>
+                <a:solidFill>
+                  <a:srgbClr val="7C9DD6"/>
+                </a:solidFill>
+                <a:ln w="28575"/>
+              </p:spPr>
+              <p:style>
+                <a:lnRef idx="2">
+                  <a:schemeClr val="accent1">
+                    <a:shade val="50000"/>
+                  </a:schemeClr>
+                </a:lnRef>
+                <a:fillRef idx="1">
+                  <a:schemeClr val="accent1"/>
+                </a:fillRef>
+                <a:effectRef idx="0">
+                  <a:schemeClr val="accent1"/>
+                </a:effectRef>
+                <a:fontRef idx="minor">
+                  <a:schemeClr val="lt1"/>
+                </a:fontRef>
+              </p:style>
+              <p:txBody>
+                <a:bodyPr rtlCol="0" anchor="ctr"/>
+                <a:lstStyle/>
+                <a:p>
+                  <a:pPr algn="ctr"/>
+                  <a:endParaRPr lang="es-MX"/>
+                </a:p>
+              </p:txBody>
+            </p:sp>
+          </p:grpSp>
+          <p:cxnSp>
+            <p:nvCxnSpPr>
+              <p:cNvPr id="25" name="Conector recto 24">
+                <a:extLst>
+                  <a:ext uri="{FF2B5EF4-FFF2-40B4-BE49-F238E27FC236}">
+                    <a16:creationId xmlns:a16="http://schemas.microsoft.com/office/drawing/2014/main" id="{A99B484F-B27C-A79C-88A1-77F38DFB4347}"/>
+                  </a:ext>
+                </a:extLst>
+              </p:cNvPr>
+              <p:cNvCxnSpPr/>
+              <p:nvPr/>
+            </p:nvCxnSpPr>
+            <p:spPr>
+              <a:xfrm>
+                <a:off x="2720197" y="6460606"/>
+                <a:ext cx="431565" cy="1235177"/>
+              </a:xfrm>
+              <a:prstGeom prst="line">
+                <a:avLst/>
+              </a:prstGeom>
+              <a:ln w="28575">
+                <a:solidFill>
+                  <a:srgbClr val="2F528F"/>
+                </a:solidFill>
+              </a:ln>
+            </p:spPr>
+            <p:style>
+              <a:lnRef idx="1">
+                <a:schemeClr val="accent1"/>
+              </a:lnRef>
+              <a:fillRef idx="0">
+                <a:schemeClr val="accent1"/>
+              </a:fillRef>
+              <a:effectRef idx="0">
+                <a:schemeClr val="accent1"/>
+              </a:effectRef>
+              <a:fontRef idx="minor">
+                <a:schemeClr val="tx1"/>
+              </a:fontRef>
+            </p:style>
+          </p:cxnSp>
+          <p:cxnSp>
+            <p:nvCxnSpPr>
+              <p:cNvPr id="26" name="Conector recto 25">
+                <a:extLst>
+                  <a:ext uri="{FF2B5EF4-FFF2-40B4-BE49-F238E27FC236}">
+                    <a16:creationId xmlns:a16="http://schemas.microsoft.com/office/drawing/2014/main" id="{55EA2B4A-DD05-C6B7-9F43-6CB2FB39F390}"/>
+                  </a:ext>
+                </a:extLst>
+              </p:cNvPr>
+              <p:cNvCxnSpPr/>
+              <p:nvPr/>
+            </p:nvCxnSpPr>
+            <p:spPr>
+              <a:xfrm>
+                <a:off x="4500872" y="6456063"/>
+                <a:ext cx="431565" cy="1235177"/>
+              </a:xfrm>
+              <a:prstGeom prst="line">
+                <a:avLst/>
+              </a:prstGeom>
+              <a:ln w="28575">
+                <a:solidFill>
+                  <a:srgbClr val="2F528F"/>
+                </a:solidFill>
+              </a:ln>
+            </p:spPr>
+            <p:style>
+              <a:lnRef idx="1">
+                <a:schemeClr val="accent1"/>
+              </a:lnRef>
+              <a:fillRef idx="0">
+                <a:schemeClr val="accent1"/>
+              </a:fillRef>
+              <a:effectRef idx="0">
+                <a:schemeClr val="accent1"/>
+              </a:effectRef>
+              <a:fontRef idx="minor">
+                <a:schemeClr val="tx1"/>
+              </a:fontRef>
+            </p:style>
+          </p:cxnSp>
+        </p:grpSp>
+        <p:grpSp>
+          <p:nvGrpSpPr>
+            <p:cNvPr id="30" name="Grupo 29">
+              <a:extLst>
+                <a:ext uri="{FF2B5EF4-FFF2-40B4-BE49-F238E27FC236}">
+                  <a16:creationId xmlns:a16="http://schemas.microsoft.com/office/drawing/2014/main" id="{CF8A9200-3024-1A61-EA78-C7732239AA23}"/>
+                </a:ext>
+              </a:extLst>
+            </p:cNvPr>
+            <p:cNvGrpSpPr/>
+            <p:nvPr/>
+          </p:nvGrpSpPr>
+          <p:grpSpPr>
+            <a:xfrm>
+              <a:off x="4771862" y="1231660"/>
+              <a:ext cx="720000" cy="468000"/>
+              <a:chOff x="3232150" y="6672438"/>
+              <a:chExt cx="2038350" cy="814436"/>
+            </a:xfrm>
+          </p:grpSpPr>
+          <p:sp>
+            <p:nvSpPr>
+              <p:cNvPr id="31" name="Rectángulo 30">
+                <a:extLst>
+                  <a:ext uri="{FF2B5EF4-FFF2-40B4-BE49-F238E27FC236}">
+                    <a16:creationId xmlns:a16="http://schemas.microsoft.com/office/drawing/2014/main" id="{B24F6002-9BA0-995C-05EE-AA817C6572C4}"/>
+                  </a:ext>
+                </a:extLst>
+              </p:cNvPr>
+              <p:cNvSpPr/>
+              <p:nvPr/>
+            </p:nvSpPr>
+            <p:spPr>
+              <a:xfrm>
+                <a:off x="3232150" y="6672438"/>
+                <a:ext cx="2038350" cy="814436"/>
+              </a:xfrm>
+              <a:prstGeom prst="rect">
+                <a:avLst/>
+              </a:prstGeom>
+              <a:solidFill>
+                <a:srgbClr val="4472C4">
+                  <a:alpha val="69804"/>
+                </a:srgbClr>
+              </a:solidFill>
+              <a:ln w="28575"/>
+            </p:spPr>
+            <p:style>
+              <a:lnRef idx="2">
+                <a:schemeClr val="accent1">
+                  <a:shade val="50000"/>
+                </a:schemeClr>
+              </a:lnRef>
+              <a:fillRef idx="1">
+                <a:schemeClr val="accent1"/>
+              </a:fillRef>
+              <a:effectRef idx="0">
+                <a:schemeClr val="accent1"/>
+              </a:effectRef>
+              <a:fontRef idx="minor">
+                <a:schemeClr val="lt1"/>
+              </a:fontRef>
+            </p:style>
+            <p:txBody>
+              <a:bodyPr rtlCol="0" anchor="ctr"/>
+              <a:lstStyle/>
+              <a:p>
+                <a:pPr algn="ctr"/>
+                <a:r>
+                  <a:rPr lang="es-MX" dirty="0"/>
+                  <a:t>*</a:t>
+                </a:r>
+              </a:p>
+            </p:txBody>
+          </p:sp>
+          <p:sp>
+            <p:nvSpPr>
+              <p:cNvPr id="32" name="Rectángulo 31">
+                <a:extLst>
+                  <a:ext uri="{FF2B5EF4-FFF2-40B4-BE49-F238E27FC236}">
+                    <a16:creationId xmlns:a16="http://schemas.microsoft.com/office/drawing/2014/main" id="{AD853A01-9B31-EAFF-CFA9-BBBBB15AAC46}"/>
+                  </a:ext>
+                </a:extLst>
+              </p:cNvPr>
+              <p:cNvSpPr/>
+              <p:nvPr/>
+            </p:nvSpPr>
+            <p:spPr>
+              <a:xfrm>
+                <a:off x="3232150" y="6672438"/>
+                <a:ext cx="397642" cy="814436"/>
+              </a:xfrm>
+              <a:prstGeom prst="rect">
+                <a:avLst/>
+              </a:prstGeom>
+              <a:solidFill>
+                <a:srgbClr val="7C9DD6"/>
+              </a:solidFill>
+              <a:ln w="28575"/>
+            </p:spPr>
+            <p:style>
+              <a:lnRef idx="2">
+                <a:schemeClr val="accent1">
+                  <a:shade val="50000"/>
+                </a:schemeClr>
+              </a:lnRef>
+              <a:fillRef idx="1">
+                <a:schemeClr val="accent1"/>
+              </a:fillRef>
+              <a:effectRef idx="0">
+                <a:schemeClr val="accent1"/>
+              </a:effectRef>
+              <a:fontRef idx="minor">
+                <a:schemeClr val="lt1"/>
+              </a:fontRef>
+            </p:style>
+            <p:txBody>
+              <a:bodyPr rtlCol="0" anchor="ctr"/>
+              <a:lstStyle/>
+              <a:p>
+                <a:pPr algn="ctr"/>
+                <a:endParaRPr lang="es-MX"/>
+              </a:p>
+            </p:txBody>
+          </p:sp>
+          <p:sp>
+            <p:nvSpPr>
+              <p:cNvPr id="33" name="Rectángulo 32">
+                <a:extLst>
+                  <a:ext uri="{FF2B5EF4-FFF2-40B4-BE49-F238E27FC236}">
+                    <a16:creationId xmlns:a16="http://schemas.microsoft.com/office/drawing/2014/main" id="{7F6E3A55-B4FF-36CE-2AAB-9D54926DBC80}"/>
+                  </a:ext>
+                </a:extLst>
+              </p:cNvPr>
+              <p:cNvSpPr/>
+              <p:nvPr/>
+            </p:nvSpPr>
+            <p:spPr>
+              <a:xfrm>
+                <a:off x="4872858" y="6672438"/>
+                <a:ext cx="397642" cy="814436"/>
+              </a:xfrm>
+              <a:prstGeom prst="rect">
+                <a:avLst/>
+              </a:prstGeom>
+              <a:solidFill>
+                <a:srgbClr val="7C9DD6"/>
+              </a:solidFill>
+              <a:ln w="28575"/>
+            </p:spPr>
+            <p:style>
+              <a:lnRef idx="2">
+                <a:schemeClr val="accent1">
+                  <a:shade val="50000"/>
+                </a:schemeClr>
+              </a:lnRef>
+              <a:fillRef idx="1">
+                <a:schemeClr val="accent1"/>
+              </a:fillRef>
+              <a:effectRef idx="0">
+                <a:schemeClr val="accent1"/>
+              </a:effectRef>
+              <a:fontRef idx="minor">
+                <a:schemeClr val="lt1"/>
+              </a:fontRef>
+            </p:style>
+            <p:txBody>
+              <a:bodyPr rtlCol="0" anchor="ctr"/>
+              <a:lstStyle/>
+              <a:p>
+                <a:pPr algn="ctr"/>
+                <a:endParaRPr lang="es-MX"/>
+              </a:p>
+            </p:txBody>
+          </p:sp>
+        </p:grpSp>
+        <p:grpSp>
+          <p:nvGrpSpPr>
+            <p:cNvPr id="34" name="Grupo 33">
+              <a:extLst>
+                <a:ext uri="{FF2B5EF4-FFF2-40B4-BE49-F238E27FC236}">
+                  <a16:creationId xmlns:a16="http://schemas.microsoft.com/office/drawing/2014/main" id="{FC95AF03-E5A4-82DA-B239-0A0170C023AB}"/>
+                </a:ext>
+              </a:extLst>
+            </p:cNvPr>
+            <p:cNvGrpSpPr/>
+            <p:nvPr/>
+          </p:nvGrpSpPr>
+          <p:grpSpPr>
+            <a:xfrm>
+              <a:off x="6573150" y="1231660"/>
+              <a:ext cx="720000" cy="468000"/>
+              <a:chOff x="2720197" y="6456063"/>
+              <a:chExt cx="2212240" cy="1243451"/>
+            </a:xfrm>
+          </p:grpSpPr>
+          <p:grpSp>
+            <p:nvGrpSpPr>
+              <p:cNvPr id="35" name="Grupo 34">
+                <a:extLst>
+                  <a:ext uri="{FF2B5EF4-FFF2-40B4-BE49-F238E27FC236}">
+                    <a16:creationId xmlns:a16="http://schemas.microsoft.com/office/drawing/2014/main" id="{9CAD82B6-7611-2C8B-044E-67896B079A7A}"/>
+                  </a:ext>
+                </a:extLst>
+              </p:cNvPr>
+              <p:cNvGrpSpPr/>
+              <p:nvPr/>
+            </p:nvGrpSpPr>
+            <p:grpSpPr>
+              <a:xfrm>
+                <a:off x="2720197" y="6465798"/>
+                <a:ext cx="2212240" cy="1233716"/>
+                <a:chOff x="3232150" y="6672438"/>
+                <a:chExt cx="2038350" cy="814436"/>
+              </a:xfrm>
+            </p:grpSpPr>
+            <p:sp>
+              <p:nvSpPr>
+                <p:cNvPr id="38" name="Rectángulo 37">
+                  <a:extLst>
+                    <a:ext uri="{FF2B5EF4-FFF2-40B4-BE49-F238E27FC236}">
+                      <a16:creationId xmlns:a16="http://schemas.microsoft.com/office/drawing/2014/main" id="{C711E84B-D45A-58AD-C416-9C234B9B71EB}"/>
+                    </a:ext>
+                  </a:extLst>
+                </p:cNvPr>
+                <p:cNvSpPr/>
+                <p:nvPr/>
+              </p:nvSpPr>
+              <p:spPr>
+                <a:xfrm>
+                  <a:off x="3232150" y="6672438"/>
+                  <a:ext cx="2038350" cy="814436"/>
+                </a:xfrm>
+                <a:prstGeom prst="rect">
+                  <a:avLst/>
+                </a:prstGeom>
+                <a:solidFill>
+                  <a:srgbClr val="4472C4">
+                    <a:alpha val="69804"/>
+                  </a:srgbClr>
+                </a:solidFill>
+                <a:ln w="28575"/>
+              </p:spPr>
+              <p:style>
+                <a:lnRef idx="2">
+                  <a:schemeClr val="accent1">
+                    <a:shade val="50000"/>
+                  </a:schemeClr>
+                </a:lnRef>
+                <a:fillRef idx="1">
+                  <a:schemeClr val="accent1"/>
+                </a:fillRef>
+                <a:effectRef idx="0">
+                  <a:schemeClr val="accent1"/>
+                </a:effectRef>
+                <a:fontRef idx="minor">
+                  <a:schemeClr val="lt1"/>
+                </a:fontRef>
+              </p:style>
+              <p:txBody>
+                <a:bodyPr rtlCol="0" anchor="ctr"/>
+                <a:lstStyle/>
+                <a:p>
+                  <a:pPr algn="ctr"/>
+                  <a:r>
+                    <a:rPr lang="es-MX" dirty="0"/>
+                    <a:t>2</a:t>
+                  </a:r>
+                </a:p>
+              </p:txBody>
+            </p:sp>
+            <p:sp>
+              <p:nvSpPr>
+                <p:cNvPr id="39" name="Rectángulo 38">
+                  <a:extLst>
+                    <a:ext uri="{FF2B5EF4-FFF2-40B4-BE49-F238E27FC236}">
+                      <a16:creationId xmlns:a16="http://schemas.microsoft.com/office/drawing/2014/main" id="{2CBA4E98-128C-23AE-04F3-832F07AF1E4F}"/>
+                    </a:ext>
+                  </a:extLst>
+                </p:cNvPr>
+                <p:cNvSpPr/>
+                <p:nvPr/>
+              </p:nvSpPr>
+              <p:spPr>
+                <a:xfrm>
+                  <a:off x="3232150" y="6672438"/>
+                  <a:ext cx="397642" cy="814436"/>
+                </a:xfrm>
+                <a:prstGeom prst="rect">
+                  <a:avLst/>
+                </a:prstGeom>
+                <a:solidFill>
+                  <a:srgbClr val="7C9DD6"/>
+                </a:solidFill>
+                <a:ln w="28575"/>
+              </p:spPr>
+              <p:style>
+                <a:lnRef idx="2">
+                  <a:schemeClr val="accent1">
+                    <a:shade val="50000"/>
+                  </a:schemeClr>
+                </a:lnRef>
+                <a:fillRef idx="1">
+                  <a:schemeClr val="accent1"/>
+                </a:fillRef>
+                <a:effectRef idx="0">
+                  <a:schemeClr val="accent1"/>
+                </a:effectRef>
+                <a:fontRef idx="minor">
+                  <a:schemeClr val="lt1"/>
+                </a:fontRef>
+              </p:style>
+              <p:txBody>
+                <a:bodyPr rtlCol="0" anchor="ctr"/>
+                <a:lstStyle/>
+                <a:p>
+                  <a:pPr algn="ctr"/>
+                  <a:endParaRPr lang="es-MX"/>
+                </a:p>
+              </p:txBody>
+            </p:sp>
+            <p:sp>
+              <p:nvSpPr>
+                <p:cNvPr id="40" name="Rectángulo 39">
+                  <a:extLst>
+                    <a:ext uri="{FF2B5EF4-FFF2-40B4-BE49-F238E27FC236}">
+                      <a16:creationId xmlns:a16="http://schemas.microsoft.com/office/drawing/2014/main" id="{6ABD40D1-D736-3297-9C86-E4650DF0BD9D}"/>
+                    </a:ext>
+                  </a:extLst>
+                </p:cNvPr>
+                <p:cNvSpPr/>
+                <p:nvPr/>
+              </p:nvSpPr>
+              <p:spPr>
+                <a:xfrm>
+                  <a:off x="4872858" y="6672438"/>
+                  <a:ext cx="397642" cy="814436"/>
+                </a:xfrm>
+                <a:prstGeom prst="rect">
+                  <a:avLst/>
+                </a:prstGeom>
+                <a:solidFill>
+                  <a:srgbClr val="7C9DD6"/>
+                </a:solidFill>
+                <a:ln w="28575"/>
+              </p:spPr>
+              <p:style>
+                <a:lnRef idx="2">
+                  <a:schemeClr val="accent1">
+                    <a:shade val="50000"/>
+                  </a:schemeClr>
+                </a:lnRef>
+                <a:fillRef idx="1">
+                  <a:schemeClr val="accent1"/>
+                </a:fillRef>
+                <a:effectRef idx="0">
+                  <a:schemeClr val="accent1"/>
+                </a:effectRef>
+                <a:fontRef idx="minor">
+                  <a:schemeClr val="lt1"/>
+                </a:fontRef>
+              </p:style>
+              <p:txBody>
+                <a:bodyPr rtlCol="0" anchor="ctr"/>
+                <a:lstStyle/>
+                <a:p>
+                  <a:pPr algn="ctr"/>
+                  <a:endParaRPr lang="es-MX"/>
+                </a:p>
+              </p:txBody>
+            </p:sp>
+          </p:grpSp>
+          <p:cxnSp>
+            <p:nvCxnSpPr>
+              <p:cNvPr id="36" name="Conector recto 35">
+                <a:extLst>
+                  <a:ext uri="{FF2B5EF4-FFF2-40B4-BE49-F238E27FC236}">
+                    <a16:creationId xmlns:a16="http://schemas.microsoft.com/office/drawing/2014/main" id="{27DCBF55-6FC8-FB32-4423-737EBC3F87CE}"/>
+                  </a:ext>
+                </a:extLst>
+              </p:cNvPr>
+              <p:cNvCxnSpPr/>
+              <p:nvPr/>
+            </p:nvCxnSpPr>
+            <p:spPr>
+              <a:xfrm>
+                <a:off x="2720197" y="6460606"/>
+                <a:ext cx="431565" cy="1235177"/>
+              </a:xfrm>
+              <a:prstGeom prst="line">
+                <a:avLst/>
+              </a:prstGeom>
+              <a:ln w="28575">
+                <a:solidFill>
+                  <a:srgbClr val="2F528F"/>
+                </a:solidFill>
+              </a:ln>
+            </p:spPr>
+            <p:style>
+              <a:lnRef idx="1">
+                <a:schemeClr val="accent1"/>
+              </a:lnRef>
+              <a:fillRef idx="0">
+                <a:schemeClr val="accent1"/>
+              </a:fillRef>
+              <a:effectRef idx="0">
+                <a:schemeClr val="accent1"/>
+              </a:effectRef>
+              <a:fontRef idx="minor">
+                <a:schemeClr val="tx1"/>
+              </a:fontRef>
+            </p:style>
+          </p:cxnSp>
+          <p:cxnSp>
+            <p:nvCxnSpPr>
+              <p:cNvPr id="37" name="Conector recto 36">
+                <a:extLst>
+                  <a:ext uri="{FF2B5EF4-FFF2-40B4-BE49-F238E27FC236}">
+                    <a16:creationId xmlns:a16="http://schemas.microsoft.com/office/drawing/2014/main" id="{796DA077-9CFF-A520-9DBD-6F629ED90C3B}"/>
+                  </a:ext>
+                </a:extLst>
+              </p:cNvPr>
+              <p:cNvCxnSpPr/>
+              <p:nvPr/>
+            </p:nvCxnSpPr>
+            <p:spPr>
+              <a:xfrm>
+                <a:off x="4500872" y="6456063"/>
+                <a:ext cx="431565" cy="1235177"/>
+              </a:xfrm>
+              <a:prstGeom prst="line">
+                <a:avLst/>
+              </a:prstGeom>
+              <a:ln w="28575">
+                <a:solidFill>
+                  <a:srgbClr val="2F528F"/>
+                </a:solidFill>
+              </a:ln>
+            </p:spPr>
+            <p:style>
+              <a:lnRef idx="1">
+                <a:schemeClr val="accent1"/>
+              </a:lnRef>
+              <a:fillRef idx="0">
+                <a:schemeClr val="accent1"/>
+              </a:fillRef>
+              <a:effectRef idx="0">
+                <a:schemeClr val="accent1"/>
+              </a:effectRef>
+              <a:fontRef idx="minor">
+                <a:schemeClr val="tx1"/>
+              </a:fontRef>
+            </p:style>
+          </p:cxnSp>
+        </p:grpSp>
+        <p:grpSp>
+          <p:nvGrpSpPr>
+            <p:cNvPr id="41" name="Grupo 40">
+              <a:extLst>
+                <a:ext uri="{FF2B5EF4-FFF2-40B4-BE49-F238E27FC236}">
+                  <a16:creationId xmlns:a16="http://schemas.microsoft.com/office/drawing/2014/main" id="{E6895F8C-CAEE-B260-39C5-126CFEC8A214}"/>
+                </a:ext>
+              </a:extLst>
+            </p:cNvPr>
+            <p:cNvGrpSpPr/>
+            <p:nvPr/>
+          </p:nvGrpSpPr>
+          <p:grpSpPr>
+            <a:xfrm>
+              <a:off x="5591438" y="1971063"/>
+              <a:ext cx="720000" cy="468000"/>
+              <a:chOff x="2720197" y="6456063"/>
+              <a:chExt cx="2212240" cy="1243451"/>
+            </a:xfrm>
+          </p:grpSpPr>
+          <p:grpSp>
+            <p:nvGrpSpPr>
+              <p:cNvPr id="42" name="Grupo 41">
+                <a:extLst>
+                  <a:ext uri="{FF2B5EF4-FFF2-40B4-BE49-F238E27FC236}">
+                    <a16:creationId xmlns:a16="http://schemas.microsoft.com/office/drawing/2014/main" id="{AF5C172D-98C6-5DC0-0E7B-D58983E79544}"/>
+                  </a:ext>
+                </a:extLst>
+              </p:cNvPr>
+              <p:cNvGrpSpPr/>
+              <p:nvPr/>
+            </p:nvGrpSpPr>
+            <p:grpSpPr>
+              <a:xfrm>
+                <a:off x="2720197" y="6465798"/>
+                <a:ext cx="2212240" cy="1233716"/>
+                <a:chOff x="3232150" y="6672438"/>
+                <a:chExt cx="2038350" cy="814436"/>
+              </a:xfrm>
+            </p:grpSpPr>
+            <p:sp>
+              <p:nvSpPr>
+                <p:cNvPr id="45" name="Rectángulo 44">
+                  <a:extLst>
+                    <a:ext uri="{FF2B5EF4-FFF2-40B4-BE49-F238E27FC236}">
+                      <a16:creationId xmlns:a16="http://schemas.microsoft.com/office/drawing/2014/main" id="{C13864A1-2AC2-49F1-2636-CDDFBFCDE9FE}"/>
+                    </a:ext>
+                  </a:extLst>
+                </p:cNvPr>
+                <p:cNvSpPr/>
+                <p:nvPr/>
+              </p:nvSpPr>
+              <p:spPr>
+                <a:xfrm>
+                  <a:off x="3232150" y="6672438"/>
+                  <a:ext cx="2038350" cy="814436"/>
+                </a:xfrm>
+                <a:prstGeom prst="rect">
+                  <a:avLst/>
+                </a:prstGeom>
+                <a:solidFill>
+                  <a:srgbClr val="4472C4">
+                    <a:alpha val="69804"/>
+                  </a:srgbClr>
+                </a:solidFill>
+                <a:ln w="28575"/>
+              </p:spPr>
+              <p:style>
+                <a:lnRef idx="2">
+                  <a:schemeClr val="accent1">
+                    <a:shade val="50000"/>
+                  </a:schemeClr>
+                </a:lnRef>
+                <a:fillRef idx="1">
+                  <a:schemeClr val="accent1"/>
+                </a:fillRef>
+                <a:effectRef idx="0">
+                  <a:schemeClr val="accent1"/>
+                </a:effectRef>
+                <a:fontRef idx="minor">
+                  <a:schemeClr val="lt1"/>
+                </a:fontRef>
+              </p:style>
+              <p:txBody>
+                <a:bodyPr rtlCol="0" anchor="ctr"/>
+                <a:lstStyle/>
+                <a:p>
+                  <a:pPr algn="ctr"/>
+                  <a:r>
+                    <a:rPr lang="es-MX" dirty="0"/>
+                    <a:t>5</a:t>
+                  </a:r>
+                </a:p>
+              </p:txBody>
+            </p:sp>
+            <p:sp>
+              <p:nvSpPr>
+                <p:cNvPr id="46" name="Rectángulo 45">
+                  <a:extLst>
+                    <a:ext uri="{FF2B5EF4-FFF2-40B4-BE49-F238E27FC236}">
+                      <a16:creationId xmlns:a16="http://schemas.microsoft.com/office/drawing/2014/main" id="{592CA2E8-A8E0-EBCE-736C-C964A956BF16}"/>
+                    </a:ext>
+                  </a:extLst>
+                </p:cNvPr>
+                <p:cNvSpPr/>
+                <p:nvPr/>
+              </p:nvSpPr>
+              <p:spPr>
+                <a:xfrm>
+                  <a:off x="3232150" y="6672438"/>
+                  <a:ext cx="397642" cy="814436"/>
+                </a:xfrm>
+                <a:prstGeom prst="rect">
+                  <a:avLst/>
+                </a:prstGeom>
+                <a:solidFill>
+                  <a:srgbClr val="7C9DD6"/>
+                </a:solidFill>
+                <a:ln w="28575"/>
+              </p:spPr>
+              <p:style>
+                <a:lnRef idx="2">
+                  <a:schemeClr val="accent1">
+                    <a:shade val="50000"/>
+                  </a:schemeClr>
+                </a:lnRef>
+                <a:fillRef idx="1">
+                  <a:schemeClr val="accent1"/>
+                </a:fillRef>
+                <a:effectRef idx="0">
+                  <a:schemeClr val="accent1"/>
+                </a:effectRef>
+                <a:fontRef idx="minor">
+                  <a:schemeClr val="lt1"/>
+                </a:fontRef>
+              </p:style>
+              <p:txBody>
+                <a:bodyPr rtlCol="0" anchor="ctr"/>
+                <a:lstStyle/>
+                <a:p>
+                  <a:pPr algn="ctr"/>
+                  <a:endParaRPr lang="es-MX"/>
+                </a:p>
+              </p:txBody>
+            </p:sp>
+            <p:sp>
+              <p:nvSpPr>
+                <p:cNvPr id="47" name="Rectángulo 46">
+                  <a:extLst>
+                    <a:ext uri="{FF2B5EF4-FFF2-40B4-BE49-F238E27FC236}">
+                      <a16:creationId xmlns:a16="http://schemas.microsoft.com/office/drawing/2014/main" id="{B3A56C8C-7051-68D8-8F46-495952056005}"/>
+                    </a:ext>
+                  </a:extLst>
+                </p:cNvPr>
+                <p:cNvSpPr/>
+                <p:nvPr/>
+              </p:nvSpPr>
+              <p:spPr>
+                <a:xfrm>
+                  <a:off x="4872858" y="6672438"/>
+                  <a:ext cx="397642" cy="814436"/>
+                </a:xfrm>
+                <a:prstGeom prst="rect">
+                  <a:avLst/>
+                </a:prstGeom>
+                <a:solidFill>
+                  <a:srgbClr val="7C9DD6"/>
+                </a:solidFill>
+                <a:ln w="28575"/>
+              </p:spPr>
+              <p:style>
+                <a:lnRef idx="2">
+                  <a:schemeClr val="accent1">
+                    <a:shade val="50000"/>
+                  </a:schemeClr>
+                </a:lnRef>
+                <a:fillRef idx="1">
+                  <a:schemeClr val="accent1"/>
+                </a:fillRef>
+                <a:effectRef idx="0">
+                  <a:schemeClr val="accent1"/>
+                </a:effectRef>
+                <a:fontRef idx="minor">
+                  <a:schemeClr val="lt1"/>
+                </a:fontRef>
+              </p:style>
+              <p:txBody>
+                <a:bodyPr rtlCol="0" anchor="ctr"/>
+                <a:lstStyle/>
+                <a:p>
+                  <a:pPr algn="ctr"/>
+                  <a:endParaRPr lang="es-MX"/>
+                </a:p>
+              </p:txBody>
+            </p:sp>
+          </p:grpSp>
+          <p:cxnSp>
+            <p:nvCxnSpPr>
+              <p:cNvPr id="43" name="Conector recto 42">
+                <a:extLst>
+                  <a:ext uri="{FF2B5EF4-FFF2-40B4-BE49-F238E27FC236}">
+                    <a16:creationId xmlns:a16="http://schemas.microsoft.com/office/drawing/2014/main" id="{D9EF8D10-7DA9-2F19-93A6-4EBA95CF52D9}"/>
+                  </a:ext>
+                </a:extLst>
+              </p:cNvPr>
+              <p:cNvCxnSpPr/>
+              <p:nvPr/>
+            </p:nvCxnSpPr>
+            <p:spPr>
+              <a:xfrm>
+                <a:off x="2720197" y="6460606"/>
+                <a:ext cx="431565" cy="1235177"/>
+              </a:xfrm>
+              <a:prstGeom prst="line">
+                <a:avLst/>
+              </a:prstGeom>
+              <a:ln w="28575">
+                <a:solidFill>
+                  <a:srgbClr val="2F528F"/>
+                </a:solidFill>
+              </a:ln>
+            </p:spPr>
+            <p:style>
+              <a:lnRef idx="1">
+                <a:schemeClr val="accent1"/>
+              </a:lnRef>
+              <a:fillRef idx="0">
+                <a:schemeClr val="accent1"/>
+              </a:fillRef>
+              <a:effectRef idx="0">
+                <a:schemeClr val="accent1"/>
+              </a:effectRef>
+              <a:fontRef idx="minor">
+                <a:schemeClr val="tx1"/>
+              </a:fontRef>
+            </p:style>
+          </p:cxnSp>
+          <p:cxnSp>
+            <p:nvCxnSpPr>
+              <p:cNvPr id="44" name="Conector recto 43">
+                <a:extLst>
+                  <a:ext uri="{FF2B5EF4-FFF2-40B4-BE49-F238E27FC236}">
+                    <a16:creationId xmlns:a16="http://schemas.microsoft.com/office/drawing/2014/main" id="{45361D3E-CDE2-0C8E-5CF8-D8AADD7CC6E3}"/>
+                  </a:ext>
+                </a:extLst>
+              </p:cNvPr>
+              <p:cNvCxnSpPr/>
+              <p:nvPr/>
+            </p:nvCxnSpPr>
+            <p:spPr>
+              <a:xfrm>
+                <a:off x="4500872" y="6456063"/>
+                <a:ext cx="431565" cy="1235177"/>
+              </a:xfrm>
+              <a:prstGeom prst="line">
+                <a:avLst/>
+              </a:prstGeom>
+              <a:ln w="28575">
+                <a:solidFill>
+                  <a:srgbClr val="2F528F"/>
+                </a:solidFill>
+              </a:ln>
+            </p:spPr>
+            <p:style>
+              <a:lnRef idx="1">
+                <a:schemeClr val="accent1"/>
+              </a:lnRef>
+              <a:fillRef idx="0">
+                <a:schemeClr val="accent1"/>
+              </a:fillRef>
+              <a:effectRef idx="0">
+                <a:schemeClr val="accent1"/>
+              </a:effectRef>
+              <a:fontRef idx="minor">
+                <a:schemeClr val="tx1"/>
+              </a:fontRef>
+            </p:style>
+          </p:cxnSp>
+        </p:grpSp>
+        <p:cxnSp>
+          <p:nvCxnSpPr>
+            <p:cNvPr id="48" name="Conector: angular 47">
+              <a:extLst>
+                <a:ext uri="{FF2B5EF4-FFF2-40B4-BE49-F238E27FC236}">
+                  <a16:creationId xmlns:a16="http://schemas.microsoft.com/office/drawing/2014/main" id="{B5BBCB52-8FAB-2D66-6E05-CDC662080263}"/>
+                </a:ext>
+              </a:extLst>
+            </p:cNvPr>
+            <p:cNvCxnSpPr>
+              <a:cxnSpLocks/>
+              <a:stCxn id="21" idx="1"/>
+              <a:endCxn id="31" idx="0"/>
+            </p:cNvCxnSpPr>
+            <p:nvPr/>
+          </p:nvCxnSpPr>
+          <p:spPr>
+            <a:xfrm rot="10800000" flipV="1">
+              <a:off x="5131863" y="797256"/>
+              <a:ext cx="531817" cy="434404"/>
+            </a:xfrm>
+            <a:prstGeom prst="bentConnector2">
+              <a:avLst/>
+            </a:prstGeom>
+            <a:ln>
+              <a:tailEnd type="triangle"/>
+            </a:ln>
+          </p:spPr>
+          <p:style>
+            <a:lnRef idx="1">
+              <a:schemeClr val="accent1"/>
+            </a:lnRef>
+            <a:fillRef idx="0">
+              <a:schemeClr val="accent1"/>
+            </a:fillRef>
+            <a:effectRef idx="0">
+              <a:schemeClr val="accent1"/>
+            </a:effectRef>
+            <a:fontRef idx="minor">
+              <a:schemeClr val="tx1"/>
+            </a:fontRef>
+          </p:style>
+        </p:cxnSp>
+        <p:cxnSp>
+          <p:nvCxnSpPr>
+            <p:cNvPr id="49" name="Conector: angular 48">
+              <a:extLst>
+                <a:ext uri="{FF2B5EF4-FFF2-40B4-BE49-F238E27FC236}">
+                  <a16:creationId xmlns:a16="http://schemas.microsoft.com/office/drawing/2014/main" id="{F1F84723-8AF7-3B99-D576-32221E2FCA6C}"/>
+                </a:ext>
+              </a:extLst>
+            </p:cNvPr>
+            <p:cNvCxnSpPr>
+              <a:stCxn id="22" idx="3"/>
+              <a:endCxn id="38" idx="0"/>
+            </p:cNvCxnSpPr>
+            <p:nvPr/>
+          </p:nvCxnSpPr>
+          <p:spPr>
+            <a:xfrm>
+              <a:off x="6383679" y="797256"/>
+              <a:ext cx="549471" cy="438068"/>
+            </a:xfrm>
+            <a:prstGeom prst="bentConnector2">
+              <a:avLst/>
+            </a:prstGeom>
+            <a:ln>
+              <a:tailEnd type="triangle"/>
+            </a:ln>
+          </p:spPr>
+          <p:style>
+            <a:lnRef idx="1">
+              <a:schemeClr val="accent1"/>
+            </a:lnRef>
+            <a:fillRef idx="0">
+              <a:schemeClr val="accent1"/>
+            </a:fillRef>
+            <a:effectRef idx="0">
+              <a:schemeClr val="accent1"/>
+            </a:effectRef>
+            <a:fontRef idx="minor">
+              <a:schemeClr val="tx1"/>
+            </a:fontRef>
+          </p:style>
+        </p:cxnSp>
+        <p:cxnSp>
+          <p:nvCxnSpPr>
+            <p:cNvPr id="50" name="Conector: angular 49">
+              <a:extLst>
+                <a:ext uri="{FF2B5EF4-FFF2-40B4-BE49-F238E27FC236}">
+                  <a16:creationId xmlns:a16="http://schemas.microsoft.com/office/drawing/2014/main" id="{41EB1A74-A73E-0EEC-73ED-2B47DEBCDDF8}"/>
+                </a:ext>
+              </a:extLst>
+            </p:cNvPr>
+            <p:cNvCxnSpPr>
+              <a:stCxn id="32" idx="1"/>
+              <a:endCxn id="27" idx="0"/>
+            </p:cNvCxnSpPr>
+            <p:nvPr/>
+          </p:nvCxnSpPr>
+          <p:spPr>
+            <a:xfrm rot="10800000" flipV="1">
+              <a:off x="4312286" y="1465659"/>
+              <a:ext cx="459576" cy="509067"/>
+            </a:xfrm>
+            <a:prstGeom prst="bentConnector2">
+              <a:avLst/>
+            </a:prstGeom>
+            <a:ln>
+              <a:tailEnd type="triangle"/>
+            </a:ln>
+          </p:spPr>
+          <p:style>
+            <a:lnRef idx="1">
+              <a:schemeClr val="accent1"/>
+            </a:lnRef>
+            <a:fillRef idx="0">
+              <a:schemeClr val="accent1"/>
+            </a:fillRef>
+            <a:effectRef idx="0">
+              <a:schemeClr val="accent1"/>
+            </a:effectRef>
+            <a:fontRef idx="minor">
+              <a:schemeClr val="tx1"/>
+            </a:fontRef>
+          </p:style>
+        </p:cxnSp>
+        <p:cxnSp>
+          <p:nvCxnSpPr>
+            <p:cNvPr id="51" name="Conector: angular 50">
+              <a:extLst>
+                <a:ext uri="{FF2B5EF4-FFF2-40B4-BE49-F238E27FC236}">
+                  <a16:creationId xmlns:a16="http://schemas.microsoft.com/office/drawing/2014/main" id="{6553C787-69EE-4F75-A51E-DD1144576419}"/>
+                </a:ext>
+              </a:extLst>
+            </p:cNvPr>
+            <p:cNvCxnSpPr>
+              <a:stCxn id="33" idx="3"/>
+              <a:endCxn id="45" idx="0"/>
+            </p:cNvCxnSpPr>
+            <p:nvPr/>
+          </p:nvCxnSpPr>
+          <p:spPr>
+            <a:xfrm>
+              <a:off x="5491862" y="1465660"/>
+              <a:ext cx="459576" cy="509067"/>
+            </a:xfrm>
+            <a:prstGeom prst="bentConnector2">
+              <a:avLst/>
+            </a:prstGeom>
+            <a:ln>
+              <a:tailEnd type="triangle"/>
+            </a:ln>
+          </p:spPr>
+          <p:style>
+            <a:lnRef idx="1">
+              <a:schemeClr val="accent1"/>
+            </a:lnRef>
+            <a:fillRef idx="0">
+              <a:schemeClr val="accent1"/>
+            </a:fillRef>
+            <a:effectRef idx="0">
+              <a:schemeClr val="accent1"/>
+            </a:effectRef>
+            <a:fontRef idx="minor">
+              <a:schemeClr val="tx1"/>
+            </a:fontRef>
+          </p:style>
+        </p:cxnSp>
+      </p:grpSp>
+      <p:sp>
+        <p:nvSpPr>
+          <p:cNvPr id="52" name="Rectángulo 51">
+            <a:extLst>
+              <a:ext uri="{FF2B5EF4-FFF2-40B4-BE49-F238E27FC236}">
+                <a16:creationId xmlns:a16="http://schemas.microsoft.com/office/drawing/2014/main" id="{B7CE60FC-8172-33FC-85F5-B1E53480915E}"/>
+              </a:ext>
+            </a:extLst>
+          </p:cNvPr>
+          <p:cNvSpPr/>
+          <p:nvPr/>
+        </p:nvSpPr>
+        <p:spPr>
+          <a:xfrm>
+            <a:off x="834519" y="2668027"/>
+            <a:ext cx="1245741" cy="378090"/>
+          </a:xfrm>
+          <a:prstGeom prst="rect">
+            <a:avLst/>
+          </a:prstGeom>
+          <a:solidFill>
+            <a:srgbClr val="18A41B">
+              <a:alpha val="50196"/>
+            </a:srgbClr>
+          </a:solidFill>
+          <a:ln>
+            <a:noFill/>
+          </a:ln>
+        </p:spPr>
+        <p:style>
+          <a:lnRef idx="2">
+            <a:schemeClr val="accent1">
+              <a:shade val="50000"/>
+            </a:schemeClr>
+          </a:lnRef>
+          <a:fillRef idx="1">
+            <a:schemeClr val="accent1"/>
+          </a:fillRef>
+          <a:effectRef idx="0">
+            <a:schemeClr val="accent1"/>
+          </a:effectRef>
+          <a:fontRef idx="minor">
+            <a:schemeClr val="lt1"/>
+          </a:fontRef>
+        </p:style>
+        <p:txBody>
+          <a:bodyPr rtlCol="0" anchor="ctr"/>
+          <a:lstStyle/>
+          <a:p>
+            <a:pPr algn="ctr"/>
+            <a:endParaRPr lang="es-MX" dirty="0"/>
+          </a:p>
+        </p:txBody>
+      </p:sp>
+      <p:grpSp>
+        <p:nvGrpSpPr>
+          <p:cNvPr id="156" name="Grupo 155">
+            <a:extLst>
+              <a:ext uri="{FF2B5EF4-FFF2-40B4-BE49-F238E27FC236}">
+                <a16:creationId xmlns:a16="http://schemas.microsoft.com/office/drawing/2014/main" id="{183FC2EA-9C29-896A-B3B1-17D89FADCC37}"/>
+              </a:ext>
+            </a:extLst>
+          </p:cNvPr>
+          <p:cNvGrpSpPr/>
+          <p:nvPr/>
+        </p:nvGrpSpPr>
+        <p:grpSpPr>
+          <a:xfrm>
+            <a:off x="4086498" y="3387575"/>
+            <a:ext cx="3143090" cy="1778786"/>
+            <a:chOff x="3652157" y="3387574"/>
+            <a:chExt cx="3882541" cy="1787171"/>
+          </a:xfrm>
+        </p:grpSpPr>
+        <p:sp>
+          <p:nvSpPr>
+            <p:cNvPr id="129" name="Elipse 128">
+              <a:extLst>
+                <a:ext uri="{FF2B5EF4-FFF2-40B4-BE49-F238E27FC236}">
+                  <a16:creationId xmlns:a16="http://schemas.microsoft.com/office/drawing/2014/main" id="{22F73697-EB88-A50C-3767-2F6D99FCC955}"/>
+                </a:ext>
+              </a:extLst>
+            </p:cNvPr>
+            <p:cNvSpPr/>
+            <p:nvPr/>
+          </p:nvSpPr>
+          <p:spPr>
+            <a:xfrm>
+              <a:off x="5029560" y="3387574"/>
+              <a:ext cx="409432" cy="500456"/>
+            </a:xfrm>
+            <a:prstGeom prst="ellipse">
+              <a:avLst/>
+            </a:prstGeom>
+          </p:spPr>
+          <p:style>
+            <a:lnRef idx="2">
+              <a:schemeClr val="accent1">
+                <a:shade val="50000"/>
+              </a:schemeClr>
+            </a:lnRef>
+            <a:fillRef idx="1">
+              <a:schemeClr val="accent1"/>
+            </a:fillRef>
+            <a:effectRef idx="0">
+              <a:schemeClr val="accent1"/>
+            </a:effectRef>
+            <a:fontRef idx="minor">
+              <a:schemeClr val="lt1"/>
+            </a:fontRef>
+          </p:style>
+          <p:txBody>
+            <a:bodyPr rtlCol="0" anchor="ctr"/>
+            <a:lstStyle/>
+            <a:p>
+              <a:pPr algn="ctr"/>
+              <a:r>
+                <a:rPr lang="es-MX" dirty="0"/>
+                <a:t>+</a:t>
+              </a:r>
+            </a:p>
+          </p:txBody>
+        </p:sp>
+        <p:sp>
+          <p:nvSpPr>
+            <p:cNvPr id="130" name="Elipse 129">
+              <a:extLst>
+                <a:ext uri="{FF2B5EF4-FFF2-40B4-BE49-F238E27FC236}">
+                  <a16:creationId xmlns:a16="http://schemas.microsoft.com/office/drawing/2014/main" id="{138CA54E-9086-157A-376B-43E9A5DE8CA9}"/>
+                </a:ext>
+              </a:extLst>
+            </p:cNvPr>
+            <p:cNvSpPr/>
+            <p:nvPr/>
+          </p:nvSpPr>
+          <p:spPr>
+            <a:xfrm>
+              <a:off x="4332560" y="3954777"/>
+              <a:ext cx="409432" cy="500456"/>
+            </a:xfrm>
+            <a:prstGeom prst="ellipse">
+              <a:avLst/>
+            </a:prstGeom>
+          </p:spPr>
+          <p:style>
+            <a:lnRef idx="2">
+              <a:schemeClr val="accent1">
+                <a:shade val="50000"/>
+              </a:schemeClr>
+            </a:lnRef>
+            <a:fillRef idx="1">
+              <a:schemeClr val="accent1"/>
+            </a:fillRef>
+            <a:effectRef idx="0">
+              <a:schemeClr val="accent1"/>
+            </a:effectRef>
+            <a:fontRef idx="minor">
+              <a:schemeClr val="lt1"/>
+            </a:fontRef>
+          </p:style>
+          <p:txBody>
+            <a:bodyPr rtlCol="0" anchor="ctr"/>
+            <a:lstStyle/>
+            <a:p>
+              <a:pPr algn="ctr"/>
+              <a:r>
+                <a:rPr lang="es-MX" dirty="0"/>
+                <a:t>+</a:t>
+              </a:r>
+            </a:p>
+          </p:txBody>
+        </p:sp>
+        <p:sp>
+          <p:nvSpPr>
+            <p:cNvPr id="131" name="Elipse 130">
+              <a:extLst>
+                <a:ext uri="{FF2B5EF4-FFF2-40B4-BE49-F238E27FC236}">
+                  <a16:creationId xmlns:a16="http://schemas.microsoft.com/office/drawing/2014/main" id="{139477B5-77FC-0227-681D-EFA309BFC161}"/>
+                </a:ext>
+              </a:extLst>
+            </p:cNvPr>
+            <p:cNvSpPr/>
+            <p:nvPr/>
+          </p:nvSpPr>
+          <p:spPr>
+            <a:xfrm>
+              <a:off x="6231546" y="4072392"/>
+              <a:ext cx="409432" cy="500456"/>
+            </a:xfrm>
+            <a:prstGeom prst="ellipse">
+              <a:avLst/>
+            </a:prstGeom>
+          </p:spPr>
+          <p:style>
+            <a:lnRef idx="2">
+              <a:schemeClr val="accent1">
+                <a:shade val="50000"/>
+              </a:schemeClr>
+            </a:lnRef>
+            <a:fillRef idx="1">
+              <a:schemeClr val="accent1"/>
+            </a:fillRef>
+            <a:effectRef idx="0">
+              <a:schemeClr val="accent1"/>
+            </a:effectRef>
+            <a:fontRef idx="minor">
+              <a:schemeClr val="lt1"/>
+            </a:fontRef>
+          </p:style>
+          <p:txBody>
+            <a:bodyPr rtlCol="0" anchor="ctr"/>
+            <a:lstStyle/>
+            <a:p>
+              <a:pPr algn="ctr"/>
+              <a:r>
+                <a:rPr lang="es-MX" dirty="0"/>
+                <a:t>+</a:t>
+              </a:r>
+            </a:p>
+          </p:txBody>
+        </p:sp>
+        <p:sp>
+          <p:nvSpPr>
+            <p:cNvPr id="132" name="Elipse 131">
+              <a:extLst>
+                <a:ext uri="{FF2B5EF4-FFF2-40B4-BE49-F238E27FC236}">
+                  <a16:creationId xmlns:a16="http://schemas.microsoft.com/office/drawing/2014/main" id="{CA9693C8-F112-A1CC-F6E9-72B932E82D62}"/>
+                </a:ext>
+              </a:extLst>
+            </p:cNvPr>
+            <p:cNvSpPr/>
+            <p:nvPr/>
+          </p:nvSpPr>
+          <p:spPr>
+            <a:xfrm>
+              <a:off x="7125266" y="4674289"/>
+              <a:ext cx="409432" cy="500456"/>
+            </a:xfrm>
+            <a:prstGeom prst="ellipse">
+              <a:avLst/>
+            </a:prstGeom>
+          </p:spPr>
+          <p:style>
+            <a:lnRef idx="2">
+              <a:schemeClr val="accent1">
+                <a:shade val="50000"/>
+              </a:schemeClr>
+            </a:lnRef>
+            <a:fillRef idx="1">
+              <a:schemeClr val="accent1"/>
+            </a:fillRef>
+            <a:effectRef idx="0">
+              <a:schemeClr val="accent1"/>
+            </a:effectRef>
+            <a:fontRef idx="minor">
+              <a:schemeClr val="lt1"/>
+            </a:fontRef>
+          </p:style>
+          <p:txBody>
+            <a:bodyPr rtlCol="0" anchor="ctr"/>
+            <a:lstStyle/>
+            <a:p>
+              <a:pPr algn="ctr"/>
+              <a:r>
+                <a:rPr lang="es-MX" dirty="0"/>
+                <a:t>5</a:t>
+              </a:r>
+            </a:p>
+          </p:txBody>
+        </p:sp>
+        <p:sp>
+          <p:nvSpPr>
+            <p:cNvPr id="133" name="Elipse 132">
+              <a:extLst>
+                <a:ext uri="{FF2B5EF4-FFF2-40B4-BE49-F238E27FC236}">
+                  <a16:creationId xmlns:a16="http://schemas.microsoft.com/office/drawing/2014/main" id="{CC66EEC2-A497-6E07-289D-FFDBAD4C8F22}"/>
+                </a:ext>
+              </a:extLst>
+            </p:cNvPr>
+            <p:cNvSpPr/>
+            <p:nvPr/>
+          </p:nvSpPr>
+          <p:spPr>
+            <a:xfrm>
+              <a:off x="3652157" y="4620636"/>
+              <a:ext cx="409432" cy="500456"/>
+            </a:xfrm>
+            <a:prstGeom prst="ellipse">
+              <a:avLst/>
+            </a:prstGeom>
+          </p:spPr>
+          <p:style>
+            <a:lnRef idx="2">
+              <a:schemeClr val="accent1">
+                <a:shade val="50000"/>
+              </a:schemeClr>
+            </a:lnRef>
+            <a:fillRef idx="1">
+              <a:schemeClr val="accent1"/>
+            </a:fillRef>
+            <a:effectRef idx="0">
+              <a:schemeClr val="accent1"/>
+            </a:effectRef>
+            <a:fontRef idx="minor">
+              <a:schemeClr val="lt1"/>
+            </a:fontRef>
+          </p:style>
+          <p:txBody>
+            <a:bodyPr rtlCol="0" anchor="ctr"/>
+            <a:lstStyle/>
+            <a:p>
+              <a:pPr algn="ctr"/>
+              <a:r>
+                <a:rPr lang="es-MX" dirty="0"/>
+                <a:t>2</a:t>
+              </a:r>
+            </a:p>
+          </p:txBody>
+        </p:sp>
+        <p:sp>
+          <p:nvSpPr>
+            <p:cNvPr id="134" name="Elipse 133">
+              <a:extLst>
+                <a:ext uri="{FF2B5EF4-FFF2-40B4-BE49-F238E27FC236}">
+                  <a16:creationId xmlns:a16="http://schemas.microsoft.com/office/drawing/2014/main" id="{D505A6EF-77D5-C7D2-C91C-4E07C7B710C9}"/>
+                </a:ext>
+              </a:extLst>
+            </p:cNvPr>
+            <p:cNvSpPr/>
+            <p:nvPr/>
+          </p:nvSpPr>
+          <p:spPr>
+            <a:xfrm>
+              <a:off x="5472642" y="4583994"/>
+              <a:ext cx="409432" cy="500456"/>
+            </a:xfrm>
+            <a:prstGeom prst="ellipse">
+              <a:avLst/>
+            </a:prstGeom>
+          </p:spPr>
+          <p:style>
+            <a:lnRef idx="2">
+              <a:schemeClr val="accent1">
+                <a:shade val="50000"/>
+              </a:schemeClr>
+            </a:lnRef>
+            <a:fillRef idx="1">
+              <a:schemeClr val="accent1"/>
+            </a:fillRef>
+            <a:effectRef idx="0">
+              <a:schemeClr val="accent1"/>
+            </a:effectRef>
+            <a:fontRef idx="minor">
+              <a:schemeClr val="lt1"/>
+            </a:fontRef>
+          </p:style>
+          <p:txBody>
+            <a:bodyPr rtlCol="0" anchor="ctr"/>
+            <a:lstStyle/>
+            <a:p>
+              <a:pPr algn="ctr"/>
+              <a:r>
+                <a:rPr lang="es-MX" dirty="0"/>
+                <a:t>4</a:t>
+              </a:r>
+            </a:p>
+          </p:txBody>
+        </p:sp>
+        <p:cxnSp>
+          <p:nvCxnSpPr>
+            <p:cNvPr id="135" name="Conector recto de flecha 134">
+              <a:extLst>
+                <a:ext uri="{FF2B5EF4-FFF2-40B4-BE49-F238E27FC236}">
+                  <a16:creationId xmlns:a16="http://schemas.microsoft.com/office/drawing/2014/main" id="{77F3061D-5BF4-DDFF-52D3-98BB331566A0}"/>
+                </a:ext>
+              </a:extLst>
+            </p:cNvPr>
+            <p:cNvCxnSpPr>
+              <a:cxnSpLocks/>
+              <a:stCxn id="129" idx="2"/>
+              <a:endCxn id="130" idx="7"/>
+            </p:cNvCxnSpPr>
+            <p:nvPr/>
+          </p:nvCxnSpPr>
+          <p:spPr>
+            <a:xfrm flipH="1">
+              <a:off x="4682032" y="3637802"/>
+              <a:ext cx="347528" cy="390265"/>
+            </a:xfrm>
+            <a:prstGeom prst="straightConnector1">
+              <a:avLst/>
+            </a:prstGeom>
+            <a:ln>
+              <a:tailEnd type="triangle"/>
+            </a:ln>
+          </p:spPr>
+          <p:style>
+            <a:lnRef idx="1">
+              <a:schemeClr val="accent1"/>
+            </a:lnRef>
+            <a:fillRef idx="0">
+              <a:schemeClr val="accent1"/>
+            </a:fillRef>
+            <a:effectRef idx="0">
+              <a:schemeClr val="accent1"/>
+            </a:effectRef>
+            <a:fontRef idx="minor">
+              <a:schemeClr val="tx1"/>
+            </a:fontRef>
+          </p:style>
+        </p:cxnSp>
+        <p:cxnSp>
+          <p:nvCxnSpPr>
+            <p:cNvPr id="136" name="Conector recto de flecha 135">
+              <a:extLst>
+                <a:ext uri="{FF2B5EF4-FFF2-40B4-BE49-F238E27FC236}">
+                  <a16:creationId xmlns:a16="http://schemas.microsoft.com/office/drawing/2014/main" id="{445E173D-229D-F70A-89D4-6542D94ECBEE}"/>
+                </a:ext>
+              </a:extLst>
+            </p:cNvPr>
+            <p:cNvCxnSpPr>
+              <a:cxnSpLocks/>
+              <a:stCxn id="130" idx="2"/>
+              <a:endCxn id="133" idx="0"/>
+            </p:cNvCxnSpPr>
+            <p:nvPr/>
+          </p:nvCxnSpPr>
+          <p:spPr>
+            <a:xfrm flipH="1">
+              <a:off x="3856873" y="4205005"/>
+              <a:ext cx="475687" cy="415631"/>
+            </a:xfrm>
+            <a:prstGeom prst="straightConnector1">
+              <a:avLst/>
+            </a:prstGeom>
+            <a:ln>
+              <a:tailEnd type="triangle"/>
+            </a:ln>
+          </p:spPr>
+          <p:style>
+            <a:lnRef idx="1">
+              <a:schemeClr val="accent1"/>
+            </a:lnRef>
+            <a:fillRef idx="0">
+              <a:schemeClr val="accent1"/>
+            </a:fillRef>
+            <a:effectRef idx="0">
+              <a:schemeClr val="accent1"/>
+            </a:effectRef>
+            <a:fontRef idx="minor">
+              <a:schemeClr val="tx1"/>
+            </a:fontRef>
+          </p:style>
+        </p:cxnSp>
+        <p:cxnSp>
+          <p:nvCxnSpPr>
+            <p:cNvPr id="138" name="Conector recto de flecha 137">
+              <a:extLst>
+                <a:ext uri="{FF2B5EF4-FFF2-40B4-BE49-F238E27FC236}">
+                  <a16:creationId xmlns:a16="http://schemas.microsoft.com/office/drawing/2014/main" id="{24439CEE-9DCE-51ED-FBB1-88FD679C956E}"/>
+                </a:ext>
+              </a:extLst>
+            </p:cNvPr>
+            <p:cNvCxnSpPr>
+              <a:cxnSpLocks/>
+              <a:stCxn id="129" idx="6"/>
+              <a:endCxn id="131" idx="1"/>
+            </p:cNvCxnSpPr>
+            <p:nvPr/>
+          </p:nvCxnSpPr>
+          <p:spPr>
+            <a:xfrm>
+              <a:off x="5438992" y="3637802"/>
+              <a:ext cx="852514" cy="507880"/>
+            </a:xfrm>
+            <a:prstGeom prst="straightConnector1">
+              <a:avLst/>
+            </a:prstGeom>
+            <a:ln>
+              <a:tailEnd type="triangle"/>
+            </a:ln>
+          </p:spPr>
+          <p:style>
+            <a:lnRef idx="1">
+              <a:schemeClr val="accent1"/>
+            </a:lnRef>
+            <a:fillRef idx="0">
+              <a:schemeClr val="accent1"/>
+            </a:fillRef>
+            <a:effectRef idx="0">
+              <a:schemeClr val="accent1"/>
+            </a:effectRef>
+            <a:fontRef idx="minor">
+              <a:schemeClr val="tx1"/>
+            </a:fontRef>
+          </p:style>
+        </p:cxnSp>
+        <p:cxnSp>
+          <p:nvCxnSpPr>
+            <p:cNvPr id="139" name="Conector recto de flecha 138">
+              <a:extLst>
+                <a:ext uri="{FF2B5EF4-FFF2-40B4-BE49-F238E27FC236}">
+                  <a16:creationId xmlns:a16="http://schemas.microsoft.com/office/drawing/2014/main" id="{957E53D8-61A2-4AF3-443C-0C326D69BCCC}"/>
+                </a:ext>
+              </a:extLst>
+            </p:cNvPr>
+            <p:cNvCxnSpPr>
+              <a:cxnSpLocks/>
+              <a:stCxn id="131" idx="6"/>
+              <a:endCxn id="132" idx="1"/>
+            </p:cNvCxnSpPr>
+            <p:nvPr/>
+          </p:nvCxnSpPr>
+          <p:spPr>
+            <a:xfrm>
+              <a:off x="6640978" y="4322620"/>
+              <a:ext cx="544248" cy="424959"/>
+            </a:xfrm>
+            <a:prstGeom prst="straightConnector1">
+              <a:avLst/>
+            </a:prstGeom>
+            <a:ln>
+              <a:tailEnd type="triangle"/>
+            </a:ln>
+          </p:spPr>
+          <p:style>
+            <a:lnRef idx="1">
+              <a:schemeClr val="accent1"/>
+            </a:lnRef>
+            <a:fillRef idx="0">
+              <a:schemeClr val="accent1"/>
+            </a:fillRef>
+            <a:effectRef idx="0">
+              <a:schemeClr val="accent1"/>
+            </a:effectRef>
+            <a:fontRef idx="minor">
+              <a:schemeClr val="tx1"/>
+            </a:fontRef>
+          </p:style>
+        </p:cxnSp>
+        <p:sp>
+          <p:nvSpPr>
+            <p:cNvPr id="140" name="Elipse 139">
+              <a:extLst>
+                <a:ext uri="{FF2B5EF4-FFF2-40B4-BE49-F238E27FC236}">
+                  <a16:creationId xmlns:a16="http://schemas.microsoft.com/office/drawing/2014/main" id="{ADDEE389-F230-BEB7-EC7C-6C634772941F}"/>
+                </a:ext>
+              </a:extLst>
+            </p:cNvPr>
+            <p:cNvSpPr/>
+            <p:nvPr/>
+          </p:nvSpPr>
+          <p:spPr>
+            <a:xfrm>
+              <a:off x="4916284" y="4572848"/>
+              <a:ext cx="409431" cy="500456"/>
+            </a:xfrm>
+            <a:prstGeom prst="ellipse">
+              <a:avLst/>
+            </a:prstGeom>
+          </p:spPr>
+          <p:style>
+            <a:lnRef idx="2">
+              <a:schemeClr val="accent1">
+                <a:shade val="50000"/>
+              </a:schemeClr>
+            </a:lnRef>
+            <a:fillRef idx="1">
+              <a:schemeClr val="accent1"/>
+            </a:fillRef>
+            <a:effectRef idx="0">
+              <a:schemeClr val="accent1"/>
+            </a:effectRef>
+            <a:fontRef idx="minor">
+              <a:schemeClr val="lt1"/>
+            </a:fontRef>
+          </p:style>
+          <p:txBody>
+            <a:bodyPr rtlCol="0" anchor="ctr"/>
+            <a:lstStyle/>
+            <a:p>
+              <a:pPr algn="ctr"/>
+              <a:r>
+                <a:rPr lang="es-MX" dirty="0"/>
+                <a:t>3</a:t>
+              </a:r>
+            </a:p>
+          </p:txBody>
+        </p:sp>
+        <p:cxnSp>
+          <p:nvCxnSpPr>
+            <p:cNvPr id="141" name="Conector recto de flecha 140">
+              <a:extLst>
+                <a:ext uri="{FF2B5EF4-FFF2-40B4-BE49-F238E27FC236}">
+                  <a16:creationId xmlns:a16="http://schemas.microsoft.com/office/drawing/2014/main" id="{B6030BF8-1988-34E9-BF1D-89147EF7C93D}"/>
+                </a:ext>
+              </a:extLst>
+            </p:cNvPr>
+            <p:cNvCxnSpPr>
+              <a:cxnSpLocks/>
+              <a:stCxn id="130" idx="6"/>
+              <a:endCxn id="140" idx="0"/>
+            </p:cNvCxnSpPr>
+            <p:nvPr/>
+          </p:nvCxnSpPr>
+          <p:spPr>
+            <a:xfrm>
+              <a:off x="4741992" y="4205005"/>
+              <a:ext cx="379008" cy="367843"/>
+            </a:xfrm>
+            <a:prstGeom prst="straightConnector1">
+              <a:avLst/>
+            </a:prstGeom>
+            <a:ln>
+              <a:tailEnd type="triangle"/>
+            </a:ln>
+          </p:spPr>
+          <p:style>
+            <a:lnRef idx="1">
+              <a:schemeClr val="accent1"/>
+            </a:lnRef>
+            <a:fillRef idx="0">
+              <a:schemeClr val="accent1"/>
+            </a:fillRef>
+            <a:effectRef idx="0">
+              <a:schemeClr val="accent1"/>
+            </a:effectRef>
+            <a:fontRef idx="minor">
+              <a:schemeClr val="tx1"/>
+            </a:fontRef>
+          </p:style>
+        </p:cxnSp>
+        <p:cxnSp>
+          <p:nvCxnSpPr>
+            <p:cNvPr id="142" name="Conector recto de flecha 141">
+              <a:extLst>
+                <a:ext uri="{FF2B5EF4-FFF2-40B4-BE49-F238E27FC236}">
+                  <a16:creationId xmlns:a16="http://schemas.microsoft.com/office/drawing/2014/main" id="{51C7353D-D7FE-1E93-1C1B-5C79E0A13783}"/>
+                </a:ext>
+              </a:extLst>
+            </p:cNvPr>
+            <p:cNvCxnSpPr>
+              <a:stCxn id="131" idx="2"/>
+              <a:endCxn id="134" idx="0"/>
+            </p:cNvCxnSpPr>
+            <p:nvPr/>
+          </p:nvCxnSpPr>
+          <p:spPr>
+            <a:xfrm flipH="1">
+              <a:off x="5677358" y="4322620"/>
+              <a:ext cx="554188" cy="261374"/>
+            </a:xfrm>
+            <a:prstGeom prst="straightConnector1">
+              <a:avLst/>
+            </a:prstGeom>
+            <a:ln>
+              <a:tailEnd type="triangle"/>
+            </a:ln>
+          </p:spPr>
+          <p:style>
+            <a:lnRef idx="1">
+              <a:schemeClr val="accent1"/>
+            </a:lnRef>
+            <a:fillRef idx="0">
+              <a:schemeClr val="accent1"/>
+            </a:fillRef>
+            <a:effectRef idx="0">
+              <a:schemeClr val="accent1"/>
+            </a:effectRef>
+            <a:fontRef idx="minor">
+              <a:schemeClr val="tx1"/>
+            </a:fontRef>
+          </p:style>
+        </p:cxnSp>
+      </p:grpSp>
+      <p:grpSp>
+        <p:nvGrpSpPr>
+          <p:cNvPr id="155" name="Grupo 154">
+            <a:extLst>
+              <a:ext uri="{FF2B5EF4-FFF2-40B4-BE49-F238E27FC236}">
+                <a16:creationId xmlns:a16="http://schemas.microsoft.com/office/drawing/2014/main" id="{1096C762-899C-1ED0-9837-296B057CFABF}"/>
+              </a:ext>
+            </a:extLst>
+          </p:cNvPr>
+          <p:cNvGrpSpPr/>
+          <p:nvPr/>
+        </p:nvGrpSpPr>
+        <p:grpSpPr>
+          <a:xfrm>
+            <a:off x="521377" y="3383797"/>
+            <a:ext cx="2117487" cy="1716988"/>
+            <a:chOff x="181157" y="3511342"/>
+            <a:chExt cx="2794742" cy="2839008"/>
+          </a:xfrm>
+        </p:grpSpPr>
+        <p:sp>
+          <p:nvSpPr>
+            <p:cNvPr id="60" name="Elipse 59">
+              <a:extLst>
+                <a:ext uri="{FF2B5EF4-FFF2-40B4-BE49-F238E27FC236}">
+                  <a16:creationId xmlns:a16="http://schemas.microsoft.com/office/drawing/2014/main" id="{3B2D5CA2-15A9-9CB3-8D83-1EEA3290B3FB}"/>
+                </a:ext>
+              </a:extLst>
+            </p:cNvPr>
+            <p:cNvSpPr/>
+            <p:nvPr/>
+          </p:nvSpPr>
+          <p:spPr>
+            <a:xfrm>
+              <a:off x="1958897" y="3511342"/>
+              <a:ext cx="409432" cy="500456"/>
+            </a:xfrm>
+            <a:prstGeom prst="ellipse">
+              <a:avLst/>
+            </a:prstGeom>
+          </p:spPr>
+          <p:style>
+            <a:lnRef idx="2">
+              <a:schemeClr val="accent1">
+                <a:shade val="50000"/>
+              </a:schemeClr>
+            </a:lnRef>
+            <a:fillRef idx="1">
+              <a:schemeClr val="accent1"/>
+            </a:fillRef>
+            <a:effectRef idx="0">
+              <a:schemeClr val="accent1"/>
+            </a:effectRef>
+            <a:fontRef idx="minor">
+              <a:schemeClr val="lt1"/>
+            </a:fontRef>
+          </p:style>
+          <p:txBody>
+            <a:bodyPr rtlCol="0" anchor="ctr"/>
+            <a:lstStyle/>
+            <a:p>
+              <a:pPr algn="ctr"/>
+              <a:r>
+                <a:rPr lang="es-MX" dirty="0"/>
+                <a:t>+</a:t>
+              </a:r>
+            </a:p>
+          </p:txBody>
+        </p:sp>
+        <p:sp>
+          <p:nvSpPr>
+            <p:cNvPr id="61" name="Elipse 60">
+              <a:extLst>
+                <a:ext uri="{FF2B5EF4-FFF2-40B4-BE49-F238E27FC236}">
+                  <a16:creationId xmlns:a16="http://schemas.microsoft.com/office/drawing/2014/main" id="{D098EFBB-794D-BC4C-D912-BD266BC62888}"/>
+                </a:ext>
+              </a:extLst>
+            </p:cNvPr>
+            <p:cNvSpPr/>
+            <p:nvPr/>
+          </p:nvSpPr>
+          <p:spPr>
+            <a:xfrm>
+              <a:off x="1238840" y="4261003"/>
+              <a:ext cx="409432" cy="500456"/>
+            </a:xfrm>
+            <a:prstGeom prst="ellipse">
+              <a:avLst/>
+            </a:prstGeom>
+          </p:spPr>
+          <p:style>
+            <a:lnRef idx="2">
+              <a:schemeClr val="accent1">
+                <a:shade val="50000"/>
+              </a:schemeClr>
+            </a:lnRef>
+            <a:fillRef idx="1">
+              <a:schemeClr val="accent1"/>
+            </a:fillRef>
+            <a:effectRef idx="0">
+              <a:schemeClr val="accent1"/>
+            </a:effectRef>
+            <a:fontRef idx="minor">
+              <a:schemeClr val="lt1"/>
+            </a:fontRef>
+          </p:style>
+          <p:txBody>
+            <a:bodyPr rtlCol="0" anchor="ctr"/>
+            <a:lstStyle/>
+            <a:p>
+              <a:pPr algn="ctr"/>
+              <a:r>
+                <a:rPr lang="es-MX" dirty="0"/>
+                <a:t>+</a:t>
+              </a:r>
+            </a:p>
+          </p:txBody>
+        </p:sp>
+        <p:sp>
+          <p:nvSpPr>
+            <p:cNvPr id="62" name="Elipse 61">
+              <a:extLst>
+                <a:ext uri="{FF2B5EF4-FFF2-40B4-BE49-F238E27FC236}">
+                  <a16:creationId xmlns:a16="http://schemas.microsoft.com/office/drawing/2014/main" id="{91DFDE1F-8DB5-A4CD-069C-AFDD61166809}"/>
+                </a:ext>
+              </a:extLst>
+            </p:cNvPr>
+            <p:cNvSpPr/>
+            <p:nvPr/>
+          </p:nvSpPr>
+          <p:spPr>
+            <a:xfrm>
+              <a:off x="2566467" y="4261003"/>
+              <a:ext cx="409432" cy="500456"/>
+            </a:xfrm>
+            <a:prstGeom prst="ellipse">
+              <a:avLst/>
+            </a:prstGeom>
+          </p:spPr>
+          <p:style>
+            <a:lnRef idx="2">
+              <a:schemeClr val="accent1">
+                <a:shade val="50000"/>
+              </a:schemeClr>
+            </a:lnRef>
+            <a:fillRef idx="1">
+              <a:schemeClr val="accent1"/>
+            </a:fillRef>
+            <a:effectRef idx="0">
+              <a:schemeClr val="accent1"/>
+            </a:effectRef>
+            <a:fontRef idx="minor">
+              <a:schemeClr val="lt1"/>
+            </a:fontRef>
+          </p:style>
+          <p:txBody>
+            <a:bodyPr rtlCol="0" anchor="ctr"/>
+            <a:lstStyle/>
+            <a:p>
+              <a:pPr algn="ctr"/>
+              <a:r>
+                <a:rPr lang="es-MX" dirty="0"/>
+                <a:t>5</a:t>
+              </a:r>
+            </a:p>
+          </p:txBody>
+        </p:sp>
+        <p:sp>
+          <p:nvSpPr>
+            <p:cNvPr id="64" name="Elipse 63">
+              <a:extLst>
+                <a:ext uri="{FF2B5EF4-FFF2-40B4-BE49-F238E27FC236}">
+                  <a16:creationId xmlns:a16="http://schemas.microsoft.com/office/drawing/2014/main" id="{3E603034-BDE5-7D24-F368-CB2C66CF49C4}"/>
+                </a:ext>
+              </a:extLst>
+            </p:cNvPr>
+            <p:cNvSpPr/>
+            <p:nvPr/>
+          </p:nvSpPr>
+          <p:spPr>
+            <a:xfrm>
+              <a:off x="687977" y="5172052"/>
+              <a:ext cx="409432" cy="500456"/>
+            </a:xfrm>
+            <a:prstGeom prst="ellipse">
+              <a:avLst/>
+            </a:prstGeom>
+          </p:spPr>
+          <p:style>
+            <a:lnRef idx="2">
+              <a:schemeClr val="accent1">
+                <a:shade val="50000"/>
+              </a:schemeClr>
+            </a:lnRef>
+            <a:fillRef idx="1">
+              <a:schemeClr val="accent1"/>
+            </a:fillRef>
+            <a:effectRef idx="0">
+              <a:schemeClr val="accent1"/>
+            </a:effectRef>
+            <a:fontRef idx="minor">
+              <a:schemeClr val="lt1"/>
+            </a:fontRef>
+          </p:style>
+          <p:txBody>
+            <a:bodyPr rtlCol="0" anchor="ctr"/>
+            <a:lstStyle/>
+            <a:p>
+              <a:pPr algn="ctr"/>
+              <a:r>
+                <a:rPr lang="es-MX" dirty="0"/>
+                <a:t>+</a:t>
+              </a:r>
+            </a:p>
+          </p:txBody>
+        </p:sp>
+        <p:sp>
+          <p:nvSpPr>
+            <p:cNvPr id="66" name="Elipse 65">
+              <a:extLst>
+                <a:ext uri="{FF2B5EF4-FFF2-40B4-BE49-F238E27FC236}">
+                  <a16:creationId xmlns:a16="http://schemas.microsoft.com/office/drawing/2014/main" id="{42F27D69-24E9-6A1C-2E42-4ADEB481E8F8}"/>
+                </a:ext>
+              </a:extLst>
+            </p:cNvPr>
+            <p:cNvSpPr/>
+            <p:nvPr/>
+          </p:nvSpPr>
+          <p:spPr>
+            <a:xfrm>
+              <a:off x="181157" y="5849894"/>
+              <a:ext cx="409432" cy="500456"/>
+            </a:xfrm>
+            <a:prstGeom prst="ellipse">
+              <a:avLst/>
+            </a:prstGeom>
+          </p:spPr>
+          <p:style>
+            <a:lnRef idx="2">
+              <a:schemeClr val="accent1">
+                <a:shade val="50000"/>
+              </a:schemeClr>
+            </a:lnRef>
+            <a:fillRef idx="1">
+              <a:schemeClr val="accent1"/>
+            </a:fillRef>
+            <a:effectRef idx="0">
+              <a:schemeClr val="accent1"/>
+            </a:effectRef>
+            <a:fontRef idx="minor">
+              <a:schemeClr val="lt1"/>
+            </a:fontRef>
+          </p:style>
+          <p:txBody>
+            <a:bodyPr rtlCol="0" anchor="ctr"/>
+            <a:lstStyle/>
+            <a:p>
+              <a:pPr algn="ctr"/>
+              <a:r>
+                <a:rPr lang="es-MX" dirty="0"/>
+                <a:t>2</a:t>
+              </a:r>
+            </a:p>
+          </p:txBody>
+        </p:sp>
+        <p:cxnSp>
+          <p:nvCxnSpPr>
+            <p:cNvPr id="67" name="Conector recto de flecha 66">
+              <a:extLst>
+                <a:ext uri="{FF2B5EF4-FFF2-40B4-BE49-F238E27FC236}">
+                  <a16:creationId xmlns:a16="http://schemas.microsoft.com/office/drawing/2014/main" id="{8643C83A-C2AA-EADD-62D8-1D3D80EBE163}"/>
+                </a:ext>
+              </a:extLst>
+            </p:cNvPr>
+            <p:cNvCxnSpPr>
+              <a:cxnSpLocks/>
+              <a:stCxn id="60" idx="3"/>
+              <a:endCxn id="61" idx="7"/>
+            </p:cNvCxnSpPr>
+            <p:nvPr/>
+          </p:nvCxnSpPr>
+          <p:spPr>
+            <a:xfrm flipH="1">
+              <a:off x="1588312" y="3938508"/>
+              <a:ext cx="430545" cy="395785"/>
+            </a:xfrm>
+            <a:prstGeom prst="straightConnector1">
+              <a:avLst/>
+            </a:prstGeom>
+            <a:ln>
+              <a:tailEnd type="triangle"/>
+            </a:ln>
+          </p:spPr>
+          <p:style>
+            <a:lnRef idx="1">
+              <a:schemeClr val="accent1"/>
+            </a:lnRef>
+            <a:fillRef idx="0">
+              <a:schemeClr val="accent1"/>
+            </a:fillRef>
+            <a:effectRef idx="0">
+              <a:schemeClr val="accent1"/>
+            </a:effectRef>
+            <a:fontRef idx="minor">
+              <a:schemeClr val="tx1"/>
+            </a:fontRef>
+          </p:style>
+        </p:cxnSp>
+        <p:cxnSp>
+          <p:nvCxnSpPr>
+            <p:cNvPr id="68" name="Conector recto de flecha 67">
+              <a:extLst>
+                <a:ext uri="{FF2B5EF4-FFF2-40B4-BE49-F238E27FC236}">
+                  <a16:creationId xmlns:a16="http://schemas.microsoft.com/office/drawing/2014/main" id="{C4F827E8-53A1-7817-600B-D384E2530E2F}"/>
+                </a:ext>
+              </a:extLst>
+            </p:cNvPr>
+            <p:cNvCxnSpPr>
+              <a:cxnSpLocks/>
+              <a:stCxn id="61" idx="3"/>
+              <a:endCxn id="64" idx="0"/>
+            </p:cNvCxnSpPr>
+            <p:nvPr/>
+          </p:nvCxnSpPr>
+          <p:spPr>
+            <a:xfrm flipH="1">
+              <a:off x="892693" y="4688169"/>
+              <a:ext cx="406107" cy="483883"/>
+            </a:xfrm>
+            <a:prstGeom prst="straightConnector1">
+              <a:avLst/>
+            </a:prstGeom>
+            <a:ln>
+              <a:tailEnd type="triangle"/>
+            </a:ln>
+          </p:spPr>
+          <p:style>
+            <a:lnRef idx="1">
+              <a:schemeClr val="accent1"/>
+            </a:lnRef>
+            <a:fillRef idx="0">
+              <a:schemeClr val="accent1"/>
+            </a:fillRef>
+            <a:effectRef idx="0">
+              <a:schemeClr val="accent1"/>
+            </a:effectRef>
+            <a:fontRef idx="minor">
+              <a:schemeClr val="tx1"/>
+            </a:fontRef>
+          </p:style>
+        </p:cxnSp>
+        <p:cxnSp>
+          <p:nvCxnSpPr>
+            <p:cNvPr id="69" name="Conector recto de flecha 68">
+              <a:extLst>
+                <a:ext uri="{FF2B5EF4-FFF2-40B4-BE49-F238E27FC236}">
+                  <a16:creationId xmlns:a16="http://schemas.microsoft.com/office/drawing/2014/main" id="{1DBB9237-2094-AC0C-838D-3299BB3DADDD}"/>
+                </a:ext>
+              </a:extLst>
+            </p:cNvPr>
+            <p:cNvCxnSpPr>
+              <a:cxnSpLocks/>
+              <a:stCxn id="64" idx="3"/>
+              <a:endCxn id="66" idx="0"/>
+            </p:cNvCxnSpPr>
+            <p:nvPr/>
+          </p:nvCxnSpPr>
+          <p:spPr>
+            <a:xfrm flipH="1">
+              <a:off x="385873" y="5599218"/>
+              <a:ext cx="362064" cy="250676"/>
+            </a:xfrm>
+            <a:prstGeom prst="straightConnector1">
+              <a:avLst/>
+            </a:prstGeom>
+            <a:ln>
+              <a:tailEnd type="triangle"/>
+            </a:ln>
+          </p:spPr>
+          <p:style>
+            <a:lnRef idx="1">
+              <a:schemeClr val="accent1"/>
+            </a:lnRef>
+            <a:fillRef idx="0">
+              <a:schemeClr val="accent1"/>
+            </a:fillRef>
+            <a:effectRef idx="0">
+              <a:schemeClr val="accent1"/>
+            </a:effectRef>
+            <a:fontRef idx="minor">
+              <a:schemeClr val="tx1"/>
+            </a:fontRef>
+          </p:style>
+        </p:cxnSp>
+        <p:cxnSp>
+          <p:nvCxnSpPr>
+            <p:cNvPr id="70" name="Conector recto de flecha 69">
+              <a:extLst>
+                <a:ext uri="{FF2B5EF4-FFF2-40B4-BE49-F238E27FC236}">
+                  <a16:creationId xmlns:a16="http://schemas.microsoft.com/office/drawing/2014/main" id="{8561D4A7-76C4-1631-A403-450B9B0EC004}"/>
+                </a:ext>
+              </a:extLst>
+            </p:cNvPr>
+            <p:cNvCxnSpPr>
+              <a:cxnSpLocks/>
+              <a:stCxn id="60" idx="5"/>
+              <a:endCxn id="62" idx="1"/>
+            </p:cNvCxnSpPr>
+            <p:nvPr/>
+          </p:nvCxnSpPr>
+          <p:spPr>
+            <a:xfrm>
+              <a:off x="2308369" y="3938508"/>
+              <a:ext cx="318058" cy="395785"/>
+            </a:xfrm>
+            <a:prstGeom prst="straightConnector1">
+              <a:avLst/>
+            </a:prstGeom>
+            <a:ln>
+              <a:tailEnd type="triangle"/>
+            </a:ln>
+          </p:spPr>
+          <p:style>
+            <a:lnRef idx="1">
+              <a:schemeClr val="accent1"/>
+            </a:lnRef>
+            <a:fillRef idx="0">
+              <a:schemeClr val="accent1"/>
+            </a:fillRef>
+            <a:effectRef idx="0">
+              <a:schemeClr val="accent1"/>
+            </a:effectRef>
+            <a:fontRef idx="minor">
+              <a:schemeClr val="tx1"/>
+            </a:fontRef>
+          </p:style>
+        </p:cxnSp>
+        <p:sp>
+          <p:nvSpPr>
+            <p:cNvPr id="56" name="Elipse 55">
+              <a:extLst>
+                <a:ext uri="{FF2B5EF4-FFF2-40B4-BE49-F238E27FC236}">
+                  <a16:creationId xmlns:a16="http://schemas.microsoft.com/office/drawing/2014/main" id="{714D0B05-98C5-8CD4-DBC7-E83FBE6BD94E}"/>
+                </a:ext>
+              </a:extLst>
+            </p:cNvPr>
+            <p:cNvSpPr/>
+            <p:nvPr/>
+          </p:nvSpPr>
+          <p:spPr>
+            <a:xfrm>
+              <a:off x="1906384" y="5172052"/>
+              <a:ext cx="409431" cy="500456"/>
+            </a:xfrm>
+            <a:prstGeom prst="ellipse">
+              <a:avLst/>
+            </a:prstGeom>
+          </p:spPr>
+          <p:style>
+            <a:lnRef idx="2">
+              <a:schemeClr val="accent1">
+                <a:shade val="50000"/>
+              </a:schemeClr>
+            </a:lnRef>
+            <a:fillRef idx="1">
+              <a:schemeClr val="accent1"/>
+            </a:fillRef>
+            <a:effectRef idx="0">
+              <a:schemeClr val="accent1"/>
+            </a:effectRef>
+            <a:fontRef idx="minor">
+              <a:schemeClr val="lt1"/>
+            </a:fontRef>
+          </p:style>
+          <p:txBody>
+            <a:bodyPr rtlCol="0" anchor="ctr"/>
+            <a:lstStyle/>
+            <a:p>
+              <a:pPr algn="ctr"/>
+              <a:r>
+                <a:rPr lang="es-MX" dirty="0"/>
+                <a:t>4</a:t>
+              </a:r>
+            </a:p>
+          </p:txBody>
+        </p:sp>
+        <p:sp>
+          <p:nvSpPr>
+            <p:cNvPr id="57" name="Elipse 56">
+              <a:extLst>
+                <a:ext uri="{FF2B5EF4-FFF2-40B4-BE49-F238E27FC236}">
+                  <a16:creationId xmlns:a16="http://schemas.microsoft.com/office/drawing/2014/main" id="{0BDA5E7D-E4D2-675A-07BA-383D906B832A}"/>
+                </a:ext>
+              </a:extLst>
+            </p:cNvPr>
+            <p:cNvSpPr/>
+            <p:nvPr/>
+          </p:nvSpPr>
+          <p:spPr>
+            <a:xfrm>
+              <a:off x="1232225" y="5849894"/>
+              <a:ext cx="409431" cy="500456"/>
+            </a:xfrm>
+            <a:prstGeom prst="ellipse">
+              <a:avLst/>
+            </a:prstGeom>
+          </p:spPr>
+          <p:style>
+            <a:lnRef idx="2">
+              <a:schemeClr val="accent1">
+                <a:shade val="50000"/>
+              </a:schemeClr>
+            </a:lnRef>
+            <a:fillRef idx="1">
+              <a:schemeClr val="accent1"/>
+            </a:fillRef>
+            <a:effectRef idx="0">
+              <a:schemeClr val="accent1"/>
+            </a:effectRef>
+            <a:fontRef idx="minor">
+              <a:schemeClr val="lt1"/>
+            </a:fontRef>
+          </p:style>
+          <p:txBody>
+            <a:bodyPr rtlCol="0" anchor="ctr"/>
+            <a:lstStyle/>
+            <a:p>
+              <a:pPr algn="ctr"/>
+              <a:r>
+                <a:rPr lang="es-MX" dirty="0"/>
+                <a:t>3</a:t>
+              </a:r>
+            </a:p>
+          </p:txBody>
+        </p:sp>
+        <p:cxnSp>
+          <p:nvCxnSpPr>
+            <p:cNvPr id="58" name="Conector recto de flecha 57">
+              <a:extLst>
+                <a:ext uri="{FF2B5EF4-FFF2-40B4-BE49-F238E27FC236}">
+                  <a16:creationId xmlns:a16="http://schemas.microsoft.com/office/drawing/2014/main" id="{4CAF803B-A45E-CACB-A3ED-127C4F3B164C}"/>
+                </a:ext>
+              </a:extLst>
+            </p:cNvPr>
+            <p:cNvCxnSpPr>
+              <a:cxnSpLocks/>
+              <a:stCxn id="61" idx="5"/>
+              <a:endCxn id="56" idx="0"/>
+            </p:cNvCxnSpPr>
+            <p:nvPr/>
+          </p:nvCxnSpPr>
+          <p:spPr>
+            <a:xfrm>
+              <a:off x="1588312" y="4688169"/>
+              <a:ext cx="522788" cy="483883"/>
+            </a:xfrm>
+            <a:prstGeom prst="straightConnector1">
+              <a:avLst/>
+            </a:prstGeom>
+            <a:ln>
+              <a:tailEnd type="triangle"/>
+            </a:ln>
+          </p:spPr>
+          <p:style>
+            <a:lnRef idx="1">
+              <a:schemeClr val="accent1"/>
+            </a:lnRef>
+            <a:fillRef idx="0">
+              <a:schemeClr val="accent1"/>
+            </a:fillRef>
+            <a:effectRef idx="0">
+              <a:schemeClr val="accent1"/>
+            </a:effectRef>
+            <a:fontRef idx="minor">
+              <a:schemeClr val="tx1"/>
+            </a:fontRef>
+          </p:style>
+        </p:cxnSp>
+        <p:cxnSp>
+          <p:nvCxnSpPr>
+            <p:cNvPr id="144" name="Conector recto de flecha 143">
+              <a:extLst>
+                <a:ext uri="{FF2B5EF4-FFF2-40B4-BE49-F238E27FC236}">
+                  <a16:creationId xmlns:a16="http://schemas.microsoft.com/office/drawing/2014/main" id="{0253AD7A-8EF4-FE60-54BF-38FF17CFB29D}"/>
+                </a:ext>
+              </a:extLst>
+            </p:cNvPr>
+            <p:cNvCxnSpPr>
+              <a:stCxn id="64" idx="5"/>
+              <a:endCxn id="57" idx="0"/>
+            </p:cNvCxnSpPr>
+            <p:nvPr/>
+          </p:nvCxnSpPr>
+          <p:spPr>
+            <a:xfrm>
+              <a:off x="1037449" y="5599218"/>
+              <a:ext cx="399492" cy="250676"/>
+            </a:xfrm>
+            <a:prstGeom prst="straightConnector1">
+              <a:avLst/>
+            </a:prstGeom>
+            <a:ln>
+              <a:tailEnd type="triangle"/>
+            </a:ln>
+          </p:spPr>
+          <p:style>
+            <a:lnRef idx="1">
+              <a:schemeClr val="accent1"/>
+            </a:lnRef>
+            <a:fillRef idx="0">
+              <a:schemeClr val="accent1"/>
+            </a:fillRef>
+            <a:effectRef idx="0">
+              <a:schemeClr val="accent1"/>
+            </a:effectRef>
+            <a:fontRef idx="minor">
+              <a:schemeClr val="tx1"/>
+            </a:fontRef>
+          </p:style>
+        </p:cxnSp>
+      </p:grpSp>
+      <p:sp>
+        <p:nvSpPr>
+          <p:cNvPr id="160" name="Distinto de 159">
+            <a:extLst>
+              <a:ext uri="{FF2B5EF4-FFF2-40B4-BE49-F238E27FC236}">
+                <a16:creationId xmlns:a16="http://schemas.microsoft.com/office/drawing/2014/main" id="{6E5B78C0-4E2C-0E4A-C8EE-476694D9918A}"/>
+              </a:ext>
+            </a:extLst>
+          </p:cNvPr>
+          <p:cNvSpPr/>
+          <p:nvPr/>
+        </p:nvSpPr>
+        <p:spPr>
+          <a:xfrm>
+            <a:off x="2766485" y="3988514"/>
+            <a:ext cx="1186279" cy="911487"/>
+          </a:xfrm>
+          <a:prstGeom prst="mathNotEqual">
+            <a:avLst/>
+          </a:prstGeom>
+          <a:solidFill>
+            <a:srgbClr val="FF0000"/>
+          </a:solidFill>
+          <a:ln>
+            <a:noFill/>
+          </a:ln>
+        </p:spPr>
+        <p:style>
+          <a:lnRef idx="2">
+            <a:schemeClr val="accent1">
+              <a:shade val="50000"/>
+            </a:schemeClr>
+          </a:lnRef>
+          <a:fillRef idx="1">
+            <a:schemeClr val="accent1"/>
+          </a:fillRef>
+          <a:effectRef idx="0">
+            <a:schemeClr val="accent1"/>
+          </a:effectRef>
+          <a:fontRef idx="minor">
+            <a:schemeClr val="lt1"/>
+          </a:fontRef>
+        </p:style>
+        <p:txBody>
+          <a:bodyPr rtlCol="0" anchor="ctr"/>
+          <a:lstStyle/>
+          <a:p>
+            <a:pPr algn="ctr"/>
+            <a:endParaRPr lang="es-MX">
+              <a:solidFill>
+                <a:schemeClr val="tx1"/>
+              </a:solidFill>
+            </a:endParaRPr>
+          </a:p>
+        </p:txBody>
+      </p:sp>
+      <mc:AlternateContent xmlns:mc="http://schemas.openxmlformats.org/markup-compatibility/2006">
+        <mc:Choice xmlns:a14="http://schemas.microsoft.com/office/drawing/2010/main" Requires="a14">
+          <p:sp>
+            <p:nvSpPr>
+              <p:cNvPr id="161" name="CuadroTexto 160">
+                <a:extLst>
+                  <a:ext uri="{FF2B5EF4-FFF2-40B4-BE49-F238E27FC236}">
+                    <a16:creationId xmlns:a16="http://schemas.microsoft.com/office/drawing/2014/main" id="{68B8AB54-4C05-407B-3754-8D9F4D2AF978}"/>
+                  </a:ext>
+                </a:extLst>
+              </p:cNvPr>
+              <p:cNvSpPr txBox="1"/>
+              <p:nvPr/>
+            </p:nvSpPr>
+            <p:spPr>
+              <a:xfrm>
+                <a:off x="327664" y="5457831"/>
+                <a:ext cx="2438821" cy="532903"/>
+              </a:xfrm>
+              <a:prstGeom prst="rect">
+                <a:avLst/>
+              </a:prstGeom>
+              <a:noFill/>
+            </p:spPr>
+            <p:txBody>
+              <a:bodyPr wrap="square" rtlCol="0">
+                <a:spAutoFit/>
+              </a:bodyPr>
+              <a:lstStyle/>
+              <a:p>
+                <a14:m>
+                  <m:oMathPara xmlns:m="http://schemas.openxmlformats.org/officeDocument/2006/math">
+                    <m:oMathParaPr>
+                      <m:jc m:val="centerGroup"/>
+                    </m:oMathParaPr>
+                    <m:oMath xmlns:m="http://schemas.openxmlformats.org/officeDocument/2006/math">
+                      <m:r>
+                        <a:rPr lang="es-MX" sz="2000" b="0" i="1" smtClean="0">
+                          <a:latin typeface="Cambria Math" panose="02040503050406030204" pitchFamily="18" charset="0"/>
+                          <a:cs typeface="Times New Roman" panose="02020603050405020304" pitchFamily="18" charset="0"/>
+                        </a:rPr>
+                        <m:t>2+3+4+5</m:t>
+                      </m:r>
+                      <m:groupChr>
+                        <m:groupChrPr>
+                          <m:chr m:val="⇒"/>
+                          <m:vertJc m:val="bot"/>
+                          <m:ctrlPr>
+                            <a:rPr lang="es-MX" sz="2000" b="0" i="1" smtClean="0">
+                              <a:latin typeface="Cambria Math" panose="02040503050406030204" pitchFamily="18" charset="0"/>
+                              <a:cs typeface="Times New Roman" panose="02020603050405020304" pitchFamily="18" charset="0"/>
+                            </a:rPr>
+                          </m:ctrlPr>
+                        </m:groupChrPr>
+                        <m:e/>
+                      </m:groupChr>
+                      <m:r>
+                        <a:rPr lang="es-MX" sz="2000" b="0" i="1" smtClean="0">
+                          <a:latin typeface="Cambria Math" panose="02040503050406030204" pitchFamily="18" charset="0"/>
+                          <a:cs typeface="Times New Roman" panose="02020603050405020304" pitchFamily="18" charset="0"/>
+                        </a:rPr>
+                        <m:t>14</m:t>
+                      </m:r>
+                    </m:oMath>
+                  </m:oMathPara>
+                </a14:m>
+                <a:endParaRPr lang="es-MX" sz="2000" dirty="0">
+                  <a:latin typeface="Times New Roman" panose="02020603050405020304" pitchFamily="18" charset="0"/>
+                  <a:cs typeface="Times New Roman" panose="02020603050405020304" pitchFamily="18" charset="0"/>
+                </a:endParaRPr>
+              </a:p>
+            </p:txBody>
+          </p:sp>
+        </mc:Choice>
+        <mc:Fallback>
+          <p:sp>
+            <p:nvSpPr>
+              <p:cNvPr id="161" name="CuadroTexto 160">
+                <a:extLst>
+                  <a:ext uri="{FF2B5EF4-FFF2-40B4-BE49-F238E27FC236}">
+                    <a16:creationId xmlns:a16="http://schemas.microsoft.com/office/drawing/2014/main" id="{68B8AB54-4C05-407B-3754-8D9F4D2AF978}"/>
+                  </a:ext>
+                </a:extLst>
+              </p:cNvPr>
+              <p:cNvSpPr txBox="1">
+                <a:spLocks noRot="1" noChangeAspect="1" noMove="1" noResize="1" noEditPoints="1" noAdjustHandles="1" noChangeArrowheads="1" noChangeShapeType="1" noTextEdit="1"/>
+              </p:cNvSpPr>
+              <p:nvPr/>
+            </p:nvSpPr>
+            <p:spPr>
+              <a:xfrm>
+                <a:off x="327664" y="5457831"/>
+                <a:ext cx="2438821" cy="532903"/>
+              </a:xfrm>
+              <a:prstGeom prst="rect">
+                <a:avLst/>
+              </a:prstGeom>
+              <a:blipFill>
+                <a:blip r:embed="rId5"/>
+                <a:stretch>
+                  <a:fillRect/>
+                </a:stretch>
+              </a:blipFill>
+            </p:spPr>
+            <p:txBody>
+              <a:bodyPr/>
+              <a:lstStyle/>
+              <a:p>
+                <a:r>
+                  <a:rPr lang="es-MX">
+                    <a:noFill/>
+                  </a:rPr>
+                  <a:t> </a:t>
+                </a:r>
+              </a:p>
+            </p:txBody>
+          </p:sp>
+        </mc:Fallback>
+      </mc:AlternateContent>
+      <p:sp>
+        <p:nvSpPr>
+          <p:cNvPr id="162" name="Rectángulo 161">
+            <a:extLst>
+              <a:ext uri="{FF2B5EF4-FFF2-40B4-BE49-F238E27FC236}">
+                <a16:creationId xmlns:a16="http://schemas.microsoft.com/office/drawing/2014/main" id="{9C02F9A0-E184-0AE4-1531-E4A2F10B15B5}"/>
+              </a:ext>
+            </a:extLst>
+          </p:cNvPr>
+          <p:cNvSpPr/>
+          <p:nvPr/>
+        </p:nvSpPr>
+        <p:spPr>
+          <a:xfrm>
+            <a:off x="2288906" y="5601179"/>
+            <a:ext cx="326075" cy="378090"/>
+          </a:xfrm>
+          <a:prstGeom prst="rect">
+            <a:avLst/>
+          </a:prstGeom>
+          <a:solidFill>
+            <a:srgbClr val="18A41B">
+              <a:alpha val="50196"/>
+            </a:srgbClr>
+          </a:solidFill>
+          <a:ln>
+            <a:noFill/>
+          </a:ln>
+        </p:spPr>
+        <p:style>
+          <a:lnRef idx="2">
+            <a:schemeClr val="accent1">
+              <a:shade val="50000"/>
+            </a:schemeClr>
+          </a:lnRef>
+          <a:fillRef idx="1">
+            <a:schemeClr val="accent1"/>
+          </a:fillRef>
+          <a:effectRef idx="0">
+            <a:schemeClr val="accent1"/>
+          </a:effectRef>
+          <a:fontRef idx="minor">
+            <a:schemeClr val="lt1"/>
+          </a:fontRef>
+        </p:style>
+        <p:txBody>
+          <a:bodyPr rtlCol="0" anchor="ctr"/>
+          <a:lstStyle/>
+          <a:p>
+            <a:pPr algn="ctr"/>
+            <a:endParaRPr lang="es-MX"/>
+          </a:p>
+        </p:txBody>
+      </p:sp>
+      <p:sp>
+        <p:nvSpPr>
+          <p:cNvPr id="163" name="Rectángulo 162">
+            <a:extLst>
+              <a:ext uri="{FF2B5EF4-FFF2-40B4-BE49-F238E27FC236}">
+                <a16:creationId xmlns:a16="http://schemas.microsoft.com/office/drawing/2014/main" id="{9B270E97-4B9D-8A17-061A-5BEBE9918D67}"/>
+              </a:ext>
+            </a:extLst>
+          </p:cNvPr>
+          <p:cNvSpPr/>
+          <p:nvPr/>
+        </p:nvSpPr>
+        <p:spPr>
+          <a:xfrm>
+            <a:off x="471488" y="5601179"/>
+            <a:ext cx="1547811" cy="378090"/>
+          </a:xfrm>
+          <a:prstGeom prst="rect">
+            <a:avLst/>
+          </a:prstGeom>
+          <a:solidFill>
+            <a:srgbClr val="18A41B">
+              <a:alpha val="50196"/>
+            </a:srgbClr>
+          </a:solidFill>
+          <a:ln>
+            <a:noFill/>
+          </a:ln>
+        </p:spPr>
+        <p:style>
+          <a:lnRef idx="2">
+            <a:schemeClr val="accent1">
+              <a:shade val="50000"/>
+            </a:schemeClr>
+          </a:lnRef>
+          <a:fillRef idx="1">
+            <a:schemeClr val="accent1"/>
+          </a:fillRef>
+          <a:effectRef idx="0">
+            <a:schemeClr val="accent1"/>
+          </a:effectRef>
+          <a:fontRef idx="minor">
+            <a:schemeClr val="lt1"/>
+          </a:fontRef>
+        </p:style>
+        <p:txBody>
+          <a:bodyPr rtlCol="0" anchor="ctr"/>
+          <a:lstStyle/>
+          <a:p>
+            <a:pPr algn="ctr"/>
+            <a:endParaRPr lang="es-MX" dirty="0"/>
+          </a:p>
+        </p:txBody>
+      </p:sp>
+      <mc:AlternateContent xmlns:mc="http://schemas.openxmlformats.org/markup-compatibility/2006">
+        <mc:Choice xmlns:a14="http://schemas.microsoft.com/office/drawing/2010/main" Requires="a14">
+          <p:sp>
+            <p:nvSpPr>
+              <p:cNvPr id="164" name="CuadroTexto 163">
+                <a:extLst>
+                  <a:ext uri="{FF2B5EF4-FFF2-40B4-BE49-F238E27FC236}">
+                    <a16:creationId xmlns:a16="http://schemas.microsoft.com/office/drawing/2014/main" id="{36AD8B12-BB78-1A2B-F14D-733D9BE62326}"/>
+                  </a:ext>
+                </a:extLst>
+              </p:cNvPr>
+              <p:cNvSpPr txBox="1"/>
+              <p:nvPr/>
+            </p:nvSpPr>
+            <p:spPr>
+              <a:xfrm>
+                <a:off x="4142607" y="5455485"/>
+                <a:ext cx="2927231" cy="532903"/>
+              </a:xfrm>
+              <a:prstGeom prst="rect">
+                <a:avLst/>
+              </a:prstGeom>
+              <a:noFill/>
+            </p:spPr>
+            <p:txBody>
+              <a:bodyPr wrap="square" rtlCol="0">
+                <a:spAutoFit/>
+              </a:bodyPr>
+              <a:lstStyle/>
+              <a:p>
+                <a14:m>
+                  <m:oMathPara xmlns:m="http://schemas.openxmlformats.org/officeDocument/2006/math">
+                    <m:oMathParaPr>
+                      <m:jc m:val="centerGroup"/>
+                    </m:oMathParaPr>
+                    <m:oMath xmlns:m="http://schemas.openxmlformats.org/officeDocument/2006/math">
+                      <m:d>
+                        <m:dPr>
+                          <m:ctrlPr>
+                            <a:rPr lang="es-MX" sz="2000" b="0" i="1" smtClean="0">
+                              <a:latin typeface="Cambria Math" panose="02040503050406030204" pitchFamily="18" charset="0"/>
+                              <a:cs typeface="Times New Roman" panose="02020603050405020304" pitchFamily="18" charset="0"/>
+                            </a:rPr>
+                          </m:ctrlPr>
+                        </m:dPr>
+                        <m:e>
+                          <m:r>
+                            <a:rPr lang="es-MX" sz="2000" i="1">
+                              <a:latin typeface="Cambria Math" panose="02040503050406030204" pitchFamily="18" charset="0"/>
+                              <a:cs typeface="Times New Roman" panose="02020603050405020304" pitchFamily="18" charset="0"/>
+                            </a:rPr>
+                            <m:t>2+3</m:t>
+                          </m:r>
+                        </m:e>
+                      </m:d>
+                      <m:r>
+                        <a:rPr lang="es-MX" sz="2000" b="0" i="1" smtClean="0">
+                          <a:latin typeface="Cambria Math" panose="02040503050406030204" pitchFamily="18" charset="0"/>
+                          <a:cs typeface="Times New Roman" panose="02020603050405020304" pitchFamily="18" charset="0"/>
+                        </a:rPr>
+                        <m:t>+</m:t>
+                      </m:r>
+                      <m:d>
+                        <m:dPr>
+                          <m:ctrlPr>
+                            <a:rPr lang="es-MX" sz="2000" b="0" i="1" smtClean="0">
+                              <a:latin typeface="Cambria Math" panose="02040503050406030204" pitchFamily="18" charset="0"/>
+                              <a:cs typeface="Times New Roman" panose="02020603050405020304" pitchFamily="18" charset="0"/>
+                            </a:rPr>
+                          </m:ctrlPr>
+                        </m:dPr>
+                        <m:e>
+                          <m:r>
+                            <a:rPr lang="es-MX" sz="2000" i="1">
+                              <a:latin typeface="Cambria Math" panose="02040503050406030204" pitchFamily="18" charset="0"/>
+                              <a:cs typeface="Times New Roman" panose="02020603050405020304" pitchFamily="18" charset="0"/>
+                            </a:rPr>
+                            <m:t>4+5</m:t>
+                          </m:r>
+                        </m:e>
+                      </m:d>
+                      <m:groupChr>
+                        <m:groupChrPr>
+                          <m:chr m:val="⇒"/>
+                          <m:vertJc m:val="bot"/>
+                          <m:ctrlPr>
+                            <a:rPr lang="es-MX" sz="2000" b="0" i="1" smtClean="0">
+                              <a:latin typeface="Cambria Math" panose="02040503050406030204" pitchFamily="18" charset="0"/>
+                              <a:cs typeface="Times New Roman" panose="02020603050405020304" pitchFamily="18" charset="0"/>
+                            </a:rPr>
+                          </m:ctrlPr>
+                        </m:groupChrPr>
+                        <m:e/>
+                      </m:groupChr>
+                      <m:r>
+                        <a:rPr lang="es-MX" sz="2000" b="0" i="1" smtClean="0">
+                          <a:latin typeface="Cambria Math" panose="02040503050406030204" pitchFamily="18" charset="0"/>
+                          <a:cs typeface="Times New Roman" panose="02020603050405020304" pitchFamily="18" charset="0"/>
+                        </a:rPr>
+                        <m:t>14</m:t>
+                      </m:r>
+                    </m:oMath>
+                  </m:oMathPara>
+                </a14:m>
+                <a:endParaRPr lang="es-MX" sz="2000" dirty="0">
+                  <a:latin typeface="Times New Roman" panose="02020603050405020304" pitchFamily="18" charset="0"/>
+                  <a:cs typeface="Times New Roman" panose="02020603050405020304" pitchFamily="18" charset="0"/>
+                </a:endParaRPr>
+              </a:p>
+            </p:txBody>
+          </p:sp>
+        </mc:Choice>
+        <mc:Fallback>
+          <p:sp>
+            <p:nvSpPr>
+              <p:cNvPr id="164" name="CuadroTexto 163">
+                <a:extLst>
+                  <a:ext uri="{FF2B5EF4-FFF2-40B4-BE49-F238E27FC236}">
+                    <a16:creationId xmlns:a16="http://schemas.microsoft.com/office/drawing/2014/main" id="{36AD8B12-BB78-1A2B-F14D-733D9BE62326}"/>
+                  </a:ext>
+                </a:extLst>
+              </p:cNvPr>
+              <p:cNvSpPr txBox="1">
+                <a:spLocks noRot="1" noChangeAspect="1" noMove="1" noResize="1" noEditPoints="1" noAdjustHandles="1" noChangeArrowheads="1" noChangeShapeType="1" noTextEdit="1"/>
+              </p:cNvSpPr>
+              <p:nvPr/>
+            </p:nvSpPr>
+            <p:spPr>
+              <a:xfrm>
+                <a:off x="4142607" y="5455485"/>
+                <a:ext cx="2927231" cy="532903"/>
+              </a:xfrm>
+              <a:prstGeom prst="rect">
+                <a:avLst/>
+              </a:prstGeom>
+              <a:blipFill>
+                <a:blip r:embed="rId6"/>
+                <a:stretch>
+                  <a:fillRect/>
+                </a:stretch>
+              </a:blipFill>
+            </p:spPr>
+            <p:txBody>
+              <a:bodyPr/>
+              <a:lstStyle/>
+              <a:p>
+                <a:r>
+                  <a:rPr lang="es-MX">
+                    <a:noFill/>
+                  </a:rPr>
+                  <a:t> </a:t>
+                </a:r>
+              </a:p>
+            </p:txBody>
+          </p:sp>
+        </mc:Fallback>
+      </mc:AlternateContent>
+      <p:sp>
+        <p:nvSpPr>
+          <p:cNvPr id="165" name="Rectángulo 164">
+            <a:extLst>
+              <a:ext uri="{FF2B5EF4-FFF2-40B4-BE49-F238E27FC236}">
+                <a16:creationId xmlns:a16="http://schemas.microsoft.com/office/drawing/2014/main" id="{A57AE701-D679-8B9C-3D62-3469781EFACC}"/>
+              </a:ext>
+            </a:extLst>
+          </p:cNvPr>
+          <p:cNvSpPr/>
+          <p:nvPr/>
+        </p:nvSpPr>
+        <p:spPr>
+          <a:xfrm>
+            <a:off x="4295776" y="5601179"/>
+            <a:ext cx="1997584" cy="378090"/>
+          </a:xfrm>
+          <a:prstGeom prst="rect">
+            <a:avLst/>
+          </a:prstGeom>
+          <a:solidFill>
+            <a:srgbClr val="18A41B">
+              <a:alpha val="50196"/>
+            </a:srgbClr>
+          </a:solidFill>
+          <a:ln>
+            <a:noFill/>
+          </a:ln>
+        </p:spPr>
+        <p:style>
+          <a:lnRef idx="2">
+            <a:schemeClr val="accent1">
+              <a:shade val="50000"/>
+            </a:schemeClr>
+          </a:lnRef>
+          <a:fillRef idx="1">
+            <a:schemeClr val="accent1"/>
+          </a:fillRef>
+          <a:effectRef idx="0">
+            <a:schemeClr val="accent1"/>
+          </a:effectRef>
+          <a:fontRef idx="minor">
+            <a:schemeClr val="lt1"/>
+          </a:fontRef>
+        </p:style>
+        <p:txBody>
+          <a:bodyPr rtlCol="0" anchor="ctr"/>
+          <a:lstStyle/>
+          <a:p>
+            <a:pPr algn="ctr"/>
+            <a:endParaRPr lang="es-MX" dirty="0"/>
+          </a:p>
+        </p:txBody>
+      </p:sp>
+      <p:sp>
+        <p:nvSpPr>
+          <p:cNvPr id="166" name="Rectángulo 165">
+            <a:extLst>
+              <a:ext uri="{FF2B5EF4-FFF2-40B4-BE49-F238E27FC236}">
+                <a16:creationId xmlns:a16="http://schemas.microsoft.com/office/drawing/2014/main" id="{E716BBB5-C6CB-9A91-C48B-18A8BE28E44D}"/>
+              </a:ext>
+            </a:extLst>
+          </p:cNvPr>
+          <p:cNvSpPr/>
+          <p:nvPr/>
+        </p:nvSpPr>
+        <p:spPr>
+          <a:xfrm>
+            <a:off x="6563340" y="5601179"/>
+            <a:ext cx="326075" cy="378090"/>
+          </a:xfrm>
+          <a:prstGeom prst="rect">
+            <a:avLst/>
+          </a:prstGeom>
+          <a:solidFill>
+            <a:srgbClr val="18A41B">
+              <a:alpha val="50196"/>
+            </a:srgbClr>
+          </a:solidFill>
+          <a:ln>
+            <a:noFill/>
+          </a:ln>
+        </p:spPr>
+        <p:style>
+          <a:lnRef idx="2">
+            <a:schemeClr val="accent1">
+              <a:shade val="50000"/>
+            </a:schemeClr>
+          </a:lnRef>
+          <a:fillRef idx="1">
+            <a:schemeClr val="accent1"/>
+          </a:fillRef>
+          <a:effectRef idx="0">
+            <a:schemeClr val="accent1"/>
+          </a:effectRef>
+          <a:fontRef idx="minor">
+            <a:schemeClr val="lt1"/>
+          </a:fontRef>
+        </p:style>
+        <p:txBody>
+          <a:bodyPr rtlCol="0" anchor="ctr"/>
+          <a:lstStyle/>
+          <a:p>
+            <a:pPr algn="ctr"/>
+            <a:endParaRPr lang="es-MX" dirty="0"/>
+          </a:p>
+        </p:txBody>
+      </p:sp>
+      <p:sp>
+        <p:nvSpPr>
+          <p:cNvPr id="167" name="Rectángulo: esquina doblada 166">
+            <a:extLst>
+              <a:ext uri="{FF2B5EF4-FFF2-40B4-BE49-F238E27FC236}">
+                <a16:creationId xmlns:a16="http://schemas.microsoft.com/office/drawing/2014/main" id="{5C78973E-C4DE-DC0F-E8B8-37DFBC6C80F1}"/>
+              </a:ext>
+            </a:extLst>
+          </p:cNvPr>
+          <p:cNvSpPr/>
+          <p:nvPr/>
+        </p:nvSpPr>
+        <p:spPr>
+          <a:xfrm>
+            <a:off x="202800" y="6117465"/>
+            <a:ext cx="7391074" cy="568957"/>
+          </a:xfrm>
+          <a:prstGeom prst="foldedCorner">
+            <a:avLst/>
+          </a:prstGeom>
+          <a:solidFill>
+            <a:schemeClr val="accent4">
+              <a:lumMod val="60000"/>
+              <a:lumOff val="40000"/>
+            </a:schemeClr>
+          </a:solidFill>
+          <a:ln w="6350">
+            <a:solidFill>
+              <a:srgbClr val="1E1F1C"/>
+            </a:solidFill>
+          </a:ln>
+        </p:spPr>
+        <p:style>
+          <a:lnRef idx="2">
+            <a:schemeClr val="accent1">
+              <a:shade val="50000"/>
+            </a:schemeClr>
+          </a:lnRef>
+          <a:fillRef idx="1">
+            <a:schemeClr val="accent1"/>
+          </a:fillRef>
+          <a:effectRef idx="0">
+            <a:schemeClr val="accent1"/>
+          </a:effectRef>
+          <a:fontRef idx="minor">
+            <a:schemeClr val="lt1"/>
+          </a:fontRef>
+        </p:style>
+        <p:txBody>
+          <a:bodyPr rtlCol="0" anchor="ctr"/>
+          <a:lstStyle/>
+          <a:p>
+            <a:endParaRPr lang="es-MX" dirty="0"/>
+          </a:p>
+        </p:txBody>
+      </p:sp>
+      <p:sp>
+        <p:nvSpPr>
+          <p:cNvPr id="168" name="CuadroTexto 167">
+            <a:extLst>
+              <a:ext uri="{FF2B5EF4-FFF2-40B4-BE49-F238E27FC236}">
+                <a16:creationId xmlns:a16="http://schemas.microsoft.com/office/drawing/2014/main" id="{C9D4B7BB-62C5-2744-C5EC-9A048F7924C0}"/>
+              </a:ext>
+            </a:extLst>
+          </p:cNvPr>
+          <p:cNvSpPr txBox="1"/>
+          <p:nvPr/>
+        </p:nvSpPr>
+        <p:spPr>
+          <a:xfrm>
+            <a:off x="202800" y="6251562"/>
+            <a:ext cx="7391074" cy="261610"/>
+          </a:xfrm>
+          <a:prstGeom prst="rect">
+            <a:avLst/>
+          </a:prstGeom>
+          <a:noFill/>
+        </p:spPr>
+        <p:txBody>
+          <a:bodyPr wrap="square" rtlCol="0">
+            <a:spAutoFit/>
+          </a:bodyPr>
+          <a:lstStyle/>
+          <a:p>
+            <a:pPr algn="ctr"/>
+            <a:r>
+              <a:rPr lang="es-MX" sz="1100" b="1" dirty="0">
+                <a:latin typeface="Times New Roman" panose="02020603050405020304" pitchFamily="18" charset="0"/>
+                <a:cs typeface="Times New Roman" panose="02020603050405020304" pitchFamily="18" charset="0"/>
+              </a:rPr>
+              <a:t>Aunque para nosotros sea la misma operación matemática, son dos árboles completamente diferentes por los paréntesis.</a:t>
+            </a:r>
+          </a:p>
+        </p:txBody>
+      </p:sp>
+      <p:sp>
+        <p:nvSpPr>
+          <p:cNvPr id="169" name="Rectángulo: esquina doblada 168">
+            <a:extLst>
+              <a:ext uri="{FF2B5EF4-FFF2-40B4-BE49-F238E27FC236}">
+                <a16:creationId xmlns:a16="http://schemas.microsoft.com/office/drawing/2014/main" id="{5840C09B-4A94-4CE1-F245-E7D3F4504A4E}"/>
+              </a:ext>
+            </a:extLst>
+          </p:cNvPr>
+          <p:cNvSpPr/>
+          <p:nvPr/>
+        </p:nvSpPr>
+        <p:spPr>
+          <a:xfrm>
+            <a:off x="239883" y="7328718"/>
+            <a:ext cx="1729445" cy="1953898"/>
+          </a:xfrm>
+          <a:prstGeom prst="foldedCorner">
+            <a:avLst/>
+          </a:prstGeom>
+          <a:solidFill>
+            <a:schemeClr val="accent4">
+              <a:lumMod val="60000"/>
+              <a:lumOff val="40000"/>
+            </a:schemeClr>
+          </a:solidFill>
+          <a:ln w="6350">
+            <a:solidFill>
+              <a:srgbClr val="272822"/>
+            </a:solidFill>
+          </a:ln>
+        </p:spPr>
+        <p:style>
+          <a:lnRef idx="2">
+            <a:schemeClr val="accent1">
+              <a:shade val="50000"/>
+            </a:schemeClr>
+          </a:lnRef>
+          <a:fillRef idx="1">
+            <a:schemeClr val="accent1"/>
+          </a:fillRef>
+          <a:effectRef idx="0">
+            <a:schemeClr val="accent1"/>
+          </a:effectRef>
+          <a:fontRef idx="minor">
+            <a:schemeClr val="lt1"/>
+          </a:fontRef>
+        </p:style>
+        <p:txBody>
+          <a:bodyPr rtlCol="0" anchor="ctr"/>
+          <a:lstStyle/>
+          <a:p>
+            <a:pPr algn="ctr"/>
+            <a:endParaRPr lang="es-MX"/>
+          </a:p>
+        </p:txBody>
+      </p:sp>
+      <p:grpSp>
+        <p:nvGrpSpPr>
+          <p:cNvPr id="170" name="Grupo 169">
+            <a:extLst>
+              <a:ext uri="{FF2B5EF4-FFF2-40B4-BE49-F238E27FC236}">
+                <a16:creationId xmlns:a16="http://schemas.microsoft.com/office/drawing/2014/main" id="{7812D24B-3F76-2346-3763-DA35EBA1A861}"/>
+              </a:ext>
+            </a:extLst>
+          </p:cNvPr>
+          <p:cNvGrpSpPr/>
+          <p:nvPr/>
+        </p:nvGrpSpPr>
+        <p:grpSpPr>
+          <a:xfrm>
+            <a:off x="2061953" y="7344142"/>
+            <a:ext cx="5360556" cy="1938474"/>
+            <a:chOff x="2079853" y="5886684"/>
+            <a:chExt cx="5360556" cy="1672391"/>
+          </a:xfrm>
+        </p:grpSpPr>
+        <p:sp>
+          <p:nvSpPr>
+            <p:cNvPr id="171" name="Rectángulo 170">
+              <a:extLst>
+                <a:ext uri="{FF2B5EF4-FFF2-40B4-BE49-F238E27FC236}">
+                  <a16:creationId xmlns:a16="http://schemas.microsoft.com/office/drawing/2014/main" id="{F37D0063-49E6-2F82-A68F-3D8DB15A1B52}"/>
+                </a:ext>
+              </a:extLst>
+            </p:cNvPr>
+            <p:cNvSpPr/>
+            <p:nvPr/>
+          </p:nvSpPr>
+          <p:spPr>
+            <a:xfrm>
+              <a:off x="2079853" y="5886684"/>
+              <a:ext cx="5360556" cy="1672391"/>
+            </a:xfrm>
+            <a:prstGeom prst="rect">
+              <a:avLst/>
+            </a:prstGeom>
+            <a:gradFill flip="none" rotWithShape="1">
+              <a:gsLst>
+                <a:gs pos="11000">
+                  <a:srgbClr val="CFCFCF">
+                    <a:shade val="30000"/>
+                    <a:satMod val="115000"/>
+                  </a:srgbClr>
+                </a:gs>
+                <a:gs pos="100000">
+                  <a:srgbClr val="DEDEDE"/>
+                </a:gs>
+                <a:gs pos="61000">
+                  <a:srgbClr val="BCBCBC"/>
+                </a:gs>
+                <a:gs pos="100000">
+                  <a:schemeClr val="bg1"/>
+                </a:gs>
+              </a:gsLst>
+              <a:path path="rect">
+                <a:fillToRect l="50000" t="50000" r="50000" b="50000"/>
+              </a:path>
+              <a:tileRect/>
+            </a:gradFill>
+            <a:ln>
+              <a:noFill/>
+            </a:ln>
+          </p:spPr>
+          <p:style>
+            <a:lnRef idx="2">
+              <a:schemeClr val="accent1">
+                <a:shade val="50000"/>
+              </a:schemeClr>
+            </a:lnRef>
+            <a:fillRef idx="1">
+              <a:schemeClr val="accent1"/>
+            </a:fillRef>
+            <a:effectRef idx="0">
+              <a:schemeClr val="accent1"/>
+            </a:effectRef>
+            <a:fontRef idx="minor">
+              <a:schemeClr val="lt1"/>
+            </a:fontRef>
+          </p:style>
+          <p:txBody>
+            <a:bodyPr rtlCol="0" anchor="ctr"/>
+            <a:lstStyle/>
+            <a:p>
+              <a:pPr algn="ctr"/>
+              <a:endParaRPr lang="es-MX"/>
+            </a:p>
+          </p:txBody>
+        </p:sp>
+        <p:sp>
+          <p:nvSpPr>
+            <p:cNvPr id="172" name="Rectángulo: esquinas redondeadas 171">
+              <a:extLst>
+                <a:ext uri="{FF2B5EF4-FFF2-40B4-BE49-F238E27FC236}">
+                  <a16:creationId xmlns:a16="http://schemas.microsoft.com/office/drawing/2014/main" id="{0EE7A81E-D2BF-BD4E-48A3-B566209D4956}"/>
+                </a:ext>
+              </a:extLst>
+            </p:cNvPr>
+            <p:cNvSpPr/>
+            <p:nvPr/>
+          </p:nvSpPr>
+          <p:spPr>
+            <a:xfrm>
+              <a:off x="2291049" y="6094680"/>
+              <a:ext cx="4938164" cy="1256399"/>
+            </a:xfrm>
+            <a:prstGeom prst="roundRect">
+              <a:avLst>
+                <a:gd name="adj" fmla="val 3632"/>
+              </a:avLst>
+            </a:prstGeom>
+            <a:solidFill>
+              <a:srgbClr val="272822"/>
+            </a:solidFill>
+            <a:ln>
+              <a:noFill/>
+            </a:ln>
+          </p:spPr>
+          <p:style>
+            <a:lnRef idx="2">
+              <a:schemeClr val="accent1">
+                <a:shade val="50000"/>
+              </a:schemeClr>
+            </a:lnRef>
+            <a:fillRef idx="1">
+              <a:schemeClr val="accent1"/>
+            </a:fillRef>
+            <a:effectRef idx="0">
+              <a:schemeClr val="accent1"/>
+            </a:effectRef>
+            <a:fontRef idx="minor">
+              <a:schemeClr val="lt1"/>
+            </a:fontRef>
+          </p:style>
+          <p:txBody>
+            <a:bodyPr rtlCol="0" anchor="ctr"/>
+            <a:lstStyle/>
+            <a:p>
+              <a:pPr algn="ctr"/>
+              <a:endParaRPr lang="es-MX" dirty="0"/>
+            </a:p>
+          </p:txBody>
+        </p:sp>
+      </p:grpSp>
+      <p:graphicFrame>
+        <p:nvGraphicFramePr>
+          <p:cNvPr id="173" name="Tabla 38">
+            <a:extLst>
+              <a:ext uri="{FF2B5EF4-FFF2-40B4-BE49-F238E27FC236}">
+                <a16:creationId xmlns:a16="http://schemas.microsoft.com/office/drawing/2014/main" id="{69A50BC9-62B9-2BDF-8BD5-6DCB37019EEE}"/>
+              </a:ext>
+            </a:extLst>
+          </p:cNvPr>
+          <p:cNvGraphicFramePr>
+            <a:graphicFrameLocks noGrp="1"/>
+          </p:cNvGraphicFramePr>
+          <p:nvPr>
+            <p:extLst>
+              <p:ext uri="{D42A27DB-BD31-4B8C-83A1-F6EECF244321}">
+                <p14:modId xmlns:p14="http://schemas.microsoft.com/office/powerpoint/2010/main" val="1460357520"/>
+              </p:ext>
+            </p:extLst>
+          </p:nvPr>
+        </p:nvGraphicFramePr>
+        <p:xfrm>
+          <a:off x="2273149" y="7616682"/>
+          <a:ext cx="3786234" cy="1371600"/>
+        </p:xfrm>
+        <a:graphic>
+          <a:graphicData uri="http://schemas.openxmlformats.org/drawingml/2006/table">
+            <a:tbl>
+              <a:tblPr firstRow="1" bandRow="1">
+                <a:tableStyleId>{5C22544A-7EE6-4342-B048-85BDC9FD1C3A}</a:tableStyleId>
+              </a:tblPr>
+              <a:tblGrid>
+                <a:gridCol w="357652">
+                  <a:extLst>
+                    <a:ext uri="{9D8B030D-6E8A-4147-A177-3AD203B41FA5}">
+                      <a16:colId xmlns:a16="http://schemas.microsoft.com/office/drawing/2014/main" val="4000583223"/>
+                    </a:ext>
+                  </a:extLst>
+                </a:gridCol>
+                <a:gridCol w="3428582">
+                  <a:extLst>
+                    <a:ext uri="{9D8B030D-6E8A-4147-A177-3AD203B41FA5}">
+                      <a16:colId xmlns:a16="http://schemas.microsoft.com/office/drawing/2014/main" val="1722026803"/>
+                    </a:ext>
+                  </a:extLst>
+                </a:gridCol>
+              </a:tblGrid>
+              <a:tr h="0">
+                <a:tc>
+                  <a:txBody>
+                    <a:bodyPr/>
+                    <a:lstStyle/>
+                    <a:p>
+                      <a:pPr algn="r">
+                        <a:lnSpc>
+                          <a:spcPct val="100000"/>
+                        </a:lnSpc>
+                      </a:pPr>
+                      <a:r>
+                        <a:rPr lang="es-MX" sz="1400" dirty="0">
+                          <a:latin typeface="Consolas" panose="020B0609020204030204" pitchFamily="49" charset="0"/>
+                        </a:rPr>
+                        <a:t>1</a:t>
+                      </a:r>
+                    </a:p>
+                    <a:p>
+                      <a:pPr algn="r">
+                        <a:lnSpc>
+                          <a:spcPct val="100000"/>
+                        </a:lnSpc>
+                      </a:pPr>
+                      <a:r>
+                        <a:rPr lang="es-MX" sz="1400" dirty="0">
+                          <a:latin typeface="Consolas" panose="020B0609020204030204" pitchFamily="49" charset="0"/>
+                        </a:rPr>
+                        <a:t>2</a:t>
+                      </a:r>
+                    </a:p>
+                    <a:p>
+                      <a:pPr algn="r">
+                        <a:lnSpc>
+                          <a:spcPct val="100000"/>
+                        </a:lnSpc>
+                      </a:pPr>
+                      <a:r>
+                        <a:rPr lang="es-MX" sz="1400" dirty="0">
+                          <a:latin typeface="Consolas" panose="020B0609020204030204" pitchFamily="49" charset="0"/>
+                        </a:rPr>
+                        <a:t>3</a:t>
+                      </a:r>
+                    </a:p>
+                    <a:p>
+                      <a:pPr algn="r">
+                        <a:lnSpc>
+                          <a:spcPct val="100000"/>
+                        </a:lnSpc>
+                      </a:pPr>
+                      <a:r>
+                        <a:rPr lang="es-MX" sz="1400" dirty="0">
+                          <a:latin typeface="Consolas" panose="020B0609020204030204" pitchFamily="49" charset="0"/>
+                        </a:rPr>
+                        <a:t>4</a:t>
+                      </a:r>
+                    </a:p>
+                    <a:p>
+                      <a:pPr algn="r">
+                        <a:lnSpc>
+                          <a:spcPct val="100000"/>
+                        </a:lnSpc>
+                      </a:pPr>
+                      <a:r>
+                        <a:rPr lang="es-MX" sz="1400" dirty="0">
+                          <a:latin typeface="Consolas" panose="020B0609020204030204" pitchFamily="49" charset="0"/>
+                        </a:rPr>
+                        <a:t>5</a:t>
+                      </a:r>
+                    </a:p>
+                    <a:p>
+                      <a:pPr algn="r">
+                        <a:lnSpc>
+                          <a:spcPct val="100000"/>
+                        </a:lnSpc>
+                      </a:pPr>
+                      <a:r>
+                        <a:rPr lang="es-MX" sz="1400" dirty="0">
+                          <a:latin typeface="Consolas" panose="020B0609020204030204" pitchFamily="49" charset="0"/>
+                        </a:rPr>
+                        <a:t>6</a:t>
+                      </a:r>
+                    </a:p>
+                  </a:txBody>
+                  <a:tcPr>
+                    <a:lnL w="12700" cmpd="sng">
+                      <a:noFill/>
+                    </a:lnL>
+                    <a:lnR w="12700" cmpd="sng">
+                      <a:noFill/>
+                    </a:lnR>
+                    <a:lnT w="12700" cmpd="sng">
+                      <a:noFill/>
+                    </a:lnT>
+                    <a:lnB w="38100" cmpd="sng">
+                      <a:noFill/>
+                    </a:lnB>
+                    <a:lnTlToBr w="12700" cmpd="sng">
+                      <a:noFill/>
+                      <a:prstDash val="solid"/>
+                    </a:lnTlToBr>
+                    <a:lnBlToTr w="12700" cmpd="sng">
+                      <a:noFill/>
+                      <a:prstDash val="solid"/>
+                    </a:lnBlToTr>
+                    <a:noFill/>
+                  </a:tcPr>
+                </a:tc>
+                <a:tc>
+                  <a:txBody>
+                    <a:bodyPr/>
+                    <a:lstStyle/>
+                    <a:p>
+                      <a:r>
+                        <a:rPr lang="es-MX" sz="1400" b="0" i="1" u="none" dirty="0" err="1">
+                          <a:solidFill>
+                            <a:srgbClr val="66D9EF"/>
+                          </a:solidFill>
+                          <a:effectLst/>
+                          <a:latin typeface="Consolas" panose="020B0609020204030204" pitchFamily="49" charset="0"/>
+                        </a:rPr>
+                        <a:t>struct</a:t>
+                      </a:r>
+                      <a:r>
+                        <a:rPr lang="es-MX" sz="1400" b="0" u="none" dirty="0">
+                          <a:solidFill>
+                            <a:srgbClr val="F8F8F2"/>
+                          </a:solidFill>
+                          <a:effectLst/>
+                          <a:latin typeface="Consolas" panose="020B0609020204030204" pitchFamily="49" charset="0"/>
+                        </a:rPr>
+                        <a:t> nodo{</a:t>
+                      </a:r>
+                    </a:p>
+                    <a:p>
+                      <a:r>
+                        <a:rPr lang="es-MX" sz="1400" b="0" u="none" dirty="0">
+                          <a:solidFill>
+                            <a:srgbClr val="F8F8F2"/>
+                          </a:solidFill>
+                          <a:effectLst/>
+                          <a:latin typeface="Consolas" panose="020B0609020204030204" pitchFamily="49" charset="0"/>
+                        </a:rPr>
+                        <a:t>    </a:t>
+                      </a:r>
+                      <a:r>
+                        <a:rPr lang="es-MX" sz="1400" b="0" i="1" u="none" dirty="0" err="1">
+                          <a:solidFill>
+                            <a:srgbClr val="66D9EF"/>
+                          </a:solidFill>
+                          <a:effectLst/>
+                          <a:latin typeface="Consolas" panose="020B0609020204030204" pitchFamily="49" charset="0"/>
+                        </a:rPr>
+                        <a:t>int</a:t>
+                      </a:r>
+                      <a:r>
+                        <a:rPr lang="es-MX" sz="1400" b="0" u="none" dirty="0">
+                          <a:solidFill>
+                            <a:srgbClr val="F8F8F2"/>
+                          </a:solidFill>
+                          <a:effectLst/>
+                          <a:latin typeface="Consolas" panose="020B0609020204030204" pitchFamily="49" charset="0"/>
+                        </a:rPr>
+                        <a:t> </a:t>
+                      </a:r>
+                      <a:r>
+                        <a:rPr lang="es-MX" sz="1400" b="0" u="none" dirty="0" err="1">
+                          <a:solidFill>
+                            <a:srgbClr val="F8F8F2"/>
+                          </a:solidFill>
+                          <a:effectLst/>
+                          <a:latin typeface="Consolas" panose="020B0609020204030204" pitchFamily="49" charset="0"/>
+                        </a:rPr>
+                        <a:t>info</a:t>
+                      </a:r>
+                      <a:r>
+                        <a:rPr lang="es-MX" sz="1400" b="0" u="none" dirty="0">
+                          <a:solidFill>
+                            <a:srgbClr val="F8F8F2"/>
+                          </a:solidFill>
+                          <a:effectLst/>
+                          <a:latin typeface="Consolas" panose="020B0609020204030204" pitchFamily="49" charset="0"/>
+                        </a:rPr>
+                        <a:t>;</a:t>
+                      </a:r>
+                    </a:p>
+                    <a:p>
+                      <a:r>
+                        <a:rPr lang="es-MX" sz="1400" b="0" u="none" dirty="0">
+                          <a:solidFill>
+                            <a:srgbClr val="F8F8F2"/>
+                          </a:solidFill>
+                          <a:effectLst/>
+                          <a:latin typeface="Consolas" panose="020B0609020204030204" pitchFamily="49" charset="0"/>
+                        </a:rPr>
+                        <a:t>    </a:t>
+                      </a:r>
+                      <a:r>
+                        <a:rPr lang="es-MX" sz="1400" b="0" i="1" u="none" dirty="0" err="1">
+                          <a:solidFill>
+                            <a:srgbClr val="66D9EF"/>
+                          </a:solidFill>
+                          <a:effectLst/>
+                          <a:latin typeface="Consolas" panose="020B0609020204030204" pitchFamily="49" charset="0"/>
+                        </a:rPr>
+                        <a:t>struct</a:t>
+                      </a:r>
+                      <a:r>
+                        <a:rPr lang="es-MX" sz="1400" b="0" u="none" dirty="0">
+                          <a:solidFill>
+                            <a:srgbClr val="F8F8F2"/>
+                          </a:solidFill>
+                          <a:effectLst/>
+                          <a:latin typeface="Consolas" panose="020B0609020204030204" pitchFamily="49" charset="0"/>
+                        </a:rPr>
+                        <a:t> nodo </a:t>
+                      </a:r>
+                      <a:r>
+                        <a:rPr lang="es-MX" sz="1400" b="0" u="none" dirty="0">
+                          <a:solidFill>
+                            <a:srgbClr val="F92672"/>
+                          </a:solidFill>
+                          <a:effectLst/>
+                          <a:latin typeface="Consolas" panose="020B0609020204030204" pitchFamily="49" charset="0"/>
+                        </a:rPr>
+                        <a:t>*</a:t>
+                      </a:r>
+                      <a:r>
+                        <a:rPr lang="es-MX" sz="1400" b="0" u="none" dirty="0" err="1">
+                          <a:solidFill>
+                            <a:srgbClr val="F8F8F2"/>
+                          </a:solidFill>
+                          <a:effectLst/>
+                          <a:latin typeface="Consolas" panose="020B0609020204030204" pitchFamily="49" charset="0"/>
+                        </a:rPr>
+                        <a:t>izq</a:t>
+                      </a:r>
+                      <a:r>
+                        <a:rPr lang="es-MX" sz="1400" b="0" u="none" dirty="0">
+                          <a:solidFill>
+                            <a:srgbClr val="F8F8F2"/>
+                          </a:solidFill>
+                          <a:effectLst/>
+                          <a:latin typeface="Consolas" panose="020B0609020204030204" pitchFamily="49" charset="0"/>
+                        </a:rPr>
+                        <a:t>;</a:t>
+                      </a:r>
+                    </a:p>
+                    <a:p>
+                      <a:r>
+                        <a:rPr lang="es-MX" sz="1400" b="0" u="none" dirty="0">
+                          <a:solidFill>
+                            <a:srgbClr val="F8F8F2"/>
+                          </a:solidFill>
+                          <a:effectLst/>
+                          <a:latin typeface="Consolas" panose="020B0609020204030204" pitchFamily="49" charset="0"/>
+                        </a:rPr>
+                        <a:t>    </a:t>
+                      </a:r>
+                      <a:r>
+                        <a:rPr lang="es-MX" sz="1400" b="0" i="1" u="none" dirty="0" err="1">
+                          <a:solidFill>
+                            <a:srgbClr val="66D9EF"/>
+                          </a:solidFill>
+                          <a:effectLst/>
+                          <a:latin typeface="Consolas" panose="020B0609020204030204" pitchFamily="49" charset="0"/>
+                        </a:rPr>
+                        <a:t>struct</a:t>
+                      </a:r>
+                      <a:r>
+                        <a:rPr lang="es-MX" sz="1400" b="0" u="none" dirty="0">
+                          <a:solidFill>
+                            <a:srgbClr val="F8F8F2"/>
+                          </a:solidFill>
+                          <a:effectLst/>
+                          <a:latin typeface="Consolas" panose="020B0609020204030204" pitchFamily="49" charset="0"/>
+                        </a:rPr>
+                        <a:t> nodo </a:t>
+                      </a:r>
+                      <a:r>
+                        <a:rPr lang="es-MX" sz="1400" b="0" u="none" dirty="0">
+                          <a:solidFill>
+                            <a:srgbClr val="F92672"/>
+                          </a:solidFill>
+                          <a:effectLst/>
+                          <a:latin typeface="Consolas" panose="020B0609020204030204" pitchFamily="49" charset="0"/>
+                        </a:rPr>
+                        <a:t>*</a:t>
+                      </a:r>
+                      <a:r>
+                        <a:rPr lang="es-MX" sz="1400" b="0" u="none" dirty="0" err="1">
+                          <a:solidFill>
+                            <a:srgbClr val="F8F8F2"/>
+                          </a:solidFill>
+                          <a:effectLst/>
+                          <a:latin typeface="Consolas" panose="020B0609020204030204" pitchFamily="49" charset="0"/>
+                        </a:rPr>
+                        <a:t>der</a:t>
+                      </a:r>
+                      <a:r>
+                        <a:rPr lang="es-MX" sz="1400" b="0" u="none" dirty="0">
+                          <a:solidFill>
+                            <a:srgbClr val="F8F8F2"/>
+                          </a:solidFill>
+                          <a:effectLst/>
+                          <a:latin typeface="Consolas" panose="020B0609020204030204" pitchFamily="49" charset="0"/>
+                        </a:rPr>
+                        <a:t>;</a:t>
+                      </a:r>
+                    </a:p>
+                    <a:p>
+                      <a:r>
+                        <a:rPr lang="es-MX" sz="1400" b="0" u="none" dirty="0">
+                          <a:solidFill>
+                            <a:srgbClr val="F8F8F2"/>
+                          </a:solidFill>
+                          <a:effectLst/>
+                          <a:latin typeface="Consolas" panose="020B0609020204030204" pitchFamily="49" charset="0"/>
+                        </a:rPr>
+                        <a:t>};</a:t>
+                      </a:r>
+                    </a:p>
+                    <a:p>
+                      <a:r>
+                        <a:rPr lang="es-MX" sz="1400" b="0" u="none" dirty="0" err="1">
+                          <a:solidFill>
+                            <a:srgbClr val="F92672"/>
+                          </a:solidFill>
+                          <a:effectLst/>
+                          <a:latin typeface="Consolas" panose="020B0609020204030204" pitchFamily="49" charset="0"/>
+                        </a:rPr>
+                        <a:t>typedef</a:t>
+                      </a:r>
+                      <a:r>
+                        <a:rPr lang="es-MX" sz="1400" b="0" u="none" dirty="0">
+                          <a:solidFill>
+                            <a:srgbClr val="F8F8F2"/>
+                          </a:solidFill>
+                          <a:effectLst/>
+                          <a:latin typeface="Consolas" panose="020B0609020204030204" pitchFamily="49" charset="0"/>
+                        </a:rPr>
+                        <a:t> </a:t>
+                      </a:r>
+                      <a:r>
+                        <a:rPr lang="es-MX" sz="1400" b="0" i="1" u="none" dirty="0" err="1">
+                          <a:solidFill>
+                            <a:srgbClr val="66D9EF"/>
+                          </a:solidFill>
+                          <a:effectLst/>
+                          <a:latin typeface="Consolas" panose="020B0609020204030204" pitchFamily="49" charset="0"/>
+                        </a:rPr>
+                        <a:t>struct</a:t>
+                      </a:r>
+                      <a:r>
+                        <a:rPr lang="es-MX" sz="1400" b="0" u="none" dirty="0">
+                          <a:solidFill>
+                            <a:srgbClr val="F8F8F2"/>
+                          </a:solidFill>
+                          <a:effectLst/>
+                          <a:latin typeface="Consolas" panose="020B0609020204030204" pitchFamily="49" charset="0"/>
+                        </a:rPr>
+                        <a:t> nodo </a:t>
+                      </a:r>
+                      <a:r>
+                        <a:rPr lang="es-MX" sz="1400" b="0" i="1" u="none" dirty="0" err="1">
+                          <a:solidFill>
+                            <a:srgbClr val="66D9EF"/>
+                          </a:solidFill>
+                          <a:effectLst/>
+                          <a:latin typeface="Consolas" panose="020B0609020204030204" pitchFamily="49" charset="0"/>
+                        </a:rPr>
+                        <a:t>nodo_t</a:t>
+                      </a:r>
+                      <a:r>
+                        <a:rPr lang="es-MX" sz="1400" b="0" u="none" dirty="0">
+                          <a:solidFill>
+                            <a:srgbClr val="F8F8F2"/>
+                          </a:solidFill>
+                          <a:effectLst/>
+                          <a:latin typeface="Consolas" panose="020B0609020204030204" pitchFamily="49" charset="0"/>
+                        </a:rPr>
+                        <a:t>;</a:t>
+                      </a:r>
+                    </a:p>
+                  </a:txBody>
+                  <a:tcPr>
+                    <a:lnL w="12700" cmpd="sng">
+                      <a:noFill/>
+                    </a:lnL>
+                    <a:lnR w="12700" cmpd="sng">
+                      <a:noFill/>
+                    </a:lnR>
+                    <a:lnT w="12700" cmpd="sng">
+                      <a:noFill/>
+                    </a:lnT>
+                    <a:lnB w="38100" cmpd="sng">
+                      <a:noFill/>
+                    </a:lnB>
+                    <a:lnTlToBr w="12700" cmpd="sng">
+                      <a:noFill/>
+                      <a:prstDash val="solid"/>
+                    </a:lnTlToBr>
+                    <a:lnBlToTr w="12700" cmpd="sng">
+                      <a:noFill/>
+                      <a:prstDash val="solid"/>
+                    </a:lnBlToTr>
+                    <a:noFill/>
+                  </a:tcPr>
+                </a:tc>
+                <a:extLst>
+                  <a:ext uri="{0D108BD9-81ED-4DB2-BD59-A6C34878D82A}">
+                    <a16:rowId xmlns:a16="http://schemas.microsoft.com/office/drawing/2014/main" val="2855527168"/>
+                  </a:ext>
+                </a:extLst>
+              </a:tr>
+            </a:tbl>
+          </a:graphicData>
+        </a:graphic>
+      </p:graphicFrame>
+      <p:sp>
+        <p:nvSpPr>
+          <p:cNvPr id="174" name="Rectángulo: esquinas redondeadas 173">
+            <a:extLst>
+              <a:ext uri="{FF2B5EF4-FFF2-40B4-BE49-F238E27FC236}">
+                <a16:creationId xmlns:a16="http://schemas.microsoft.com/office/drawing/2014/main" id="{235E76CE-39A6-841B-1A95-39D0E460791A}"/>
+              </a:ext>
+            </a:extLst>
+          </p:cNvPr>
+          <p:cNvSpPr/>
+          <p:nvPr/>
+        </p:nvSpPr>
+        <p:spPr>
+          <a:xfrm>
+            <a:off x="209006" y="6861760"/>
+            <a:ext cx="535787" cy="314492"/>
+          </a:xfrm>
+          <a:prstGeom prst="roundRect">
+            <a:avLst/>
+          </a:prstGeom>
+          <a:solidFill>
+            <a:srgbClr val="5C6BC0"/>
+          </a:solidFill>
+          <a:ln>
+            <a:noFill/>
+          </a:ln>
+        </p:spPr>
+        <p:style>
+          <a:lnRef idx="2">
+            <a:schemeClr val="accent1">
+              <a:shade val="50000"/>
+            </a:schemeClr>
+          </a:lnRef>
+          <a:fillRef idx="1">
+            <a:schemeClr val="accent1"/>
+          </a:fillRef>
+          <a:effectRef idx="0">
+            <a:schemeClr val="accent1"/>
+          </a:effectRef>
+          <a:fontRef idx="minor">
+            <a:schemeClr val="lt1"/>
+          </a:fontRef>
+        </p:style>
+        <p:txBody>
+          <a:bodyPr rtlCol="0" anchor="ctr"/>
+          <a:lstStyle/>
+          <a:p>
+            <a:pPr algn="ctr"/>
+            <a:r>
+              <a:rPr lang="es-MX" sz="1200" b="1" dirty="0">
+                <a:latin typeface="Times New Roman" panose="02020603050405020304" pitchFamily="18" charset="0"/>
+                <a:ea typeface="Tahoma" panose="020B0604030504040204" pitchFamily="34" charset="0"/>
+                <a:cs typeface="Times New Roman" panose="02020603050405020304" pitchFamily="18" charset="0"/>
+              </a:rPr>
+              <a:t>4.2.1</a:t>
+            </a:r>
+          </a:p>
+        </p:txBody>
+      </p:sp>
+      <p:sp>
+        <p:nvSpPr>
+          <p:cNvPr id="175" name="Rectángulo: esquinas redondeadas 174">
+            <a:extLst>
+              <a:ext uri="{FF2B5EF4-FFF2-40B4-BE49-F238E27FC236}">
+                <a16:creationId xmlns:a16="http://schemas.microsoft.com/office/drawing/2014/main" id="{E3F64414-D468-0B81-7061-992824DF6F6B}"/>
+              </a:ext>
+            </a:extLst>
+          </p:cNvPr>
+          <p:cNvSpPr/>
+          <p:nvPr/>
+        </p:nvSpPr>
+        <p:spPr>
+          <a:xfrm>
+            <a:off x="834889" y="6861760"/>
+            <a:ext cx="6728504" cy="314492"/>
+          </a:xfrm>
+          <a:prstGeom prst="roundRect">
+            <a:avLst/>
+          </a:prstGeom>
+          <a:gradFill flip="none" rotWithShape="1">
+            <a:gsLst>
+              <a:gs pos="19000">
+                <a:srgbClr val="5C6BC0"/>
+              </a:gs>
+              <a:gs pos="100000">
+                <a:schemeClr val="bg1"/>
+              </a:gs>
+            </a:gsLst>
+            <a:lin ang="0" scaled="1"/>
+            <a:tileRect/>
+          </a:gradFill>
+          <a:ln>
+            <a:noFill/>
+          </a:ln>
+        </p:spPr>
+        <p:style>
+          <a:lnRef idx="2">
+            <a:schemeClr val="accent1">
+              <a:shade val="50000"/>
+            </a:schemeClr>
+          </a:lnRef>
+          <a:fillRef idx="1">
+            <a:schemeClr val="accent1"/>
+          </a:fillRef>
+          <a:effectRef idx="0">
+            <a:schemeClr val="accent1"/>
+          </a:effectRef>
+          <a:fontRef idx="minor">
+            <a:schemeClr val="lt1"/>
+          </a:fontRef>
+        </p:style>
+        <p:txBody>
+          <a:bodyPr rtlCol="0" anchor="ctr"/>
+          <a:lstStyle/>
+          <a:p>
+            <a:r>
+              <a:rPr lang="es-MX" dirty="0">
+                <a:latin typeface="Times New Roman" panose="02020603050405020304" pitchFamily="18" charset="0"/>
+              </a:rPr>
+              <a:t>Definir la estructura del nodo</a:t>
+            </a:r>
+          </a:p>
+        </p:txBody>
+      </p:sp>
+    </p:spTree>
+    <p:extLst>
+      <p:ext uri="{BB962C8B-B14F-4D97-AF65-F5344CB8AC3E}">
+        <p14:creationId xmlns:p14="http://schemas.microsoft.com/office/powerpoint/2010/main" val="3728157426"/>
       </p:ext>
     </p:extLst>
   </p:cSld>
